--- a/Presentation/slide_deck.pptx
+++ b/Presentation/slide_deck.pptx
@@ -5,25 +5,26 @@
     <p:sldMasterId id="2147483648" r:id="rId4"/>
   </p:sldMasterIdLst>
   <p:notesMasterIdLst>
-    <p:notesMasterId r:id="rId18"/>
+    <p:notesMasterId r:id="rId19"/>
   </p:notesMasterIdLst>
   <p:handoutMasterIdLst>
-    <p:handoutMasterId r:id="rId19"/>
+    <p:handoutMasterId r:id="rId20"/>
   </p:handoutMasterIdLst>
   <p:sldIdLst>
     <p:sldId id="256" r:id="rId5"/>
     <p:sldId id="258" r:id="rId6"/>
     <p:sldId id="266" r:id="rId7"/>
-    <p:sldId id="269" r:id="rId8"/>
-    <p:sldId id="264" r:id="rId9"/>
-    <p:sldId id="270" r:id="rId10"/>
-    <p:sldId id="261" r:id="rId11"/>
-    <p:sldId id="272" r:id="rId12"/>
-    <p:sldId id="273" r:id="rId13"/>
-    <p:sldId id="274" r:id="rId14"/>
-    <p:sldId id="275" r:id="rId15"/>
-    <p:sldId id="277" r:id="rId16"/>
-    <p:sldId id="276" r:id="rId17"/>
+    <p:sldId id="278" r:id="rId8"/>
+    <p:sldId id="269" r:id="rId9"/>
+    <p:sldId id="264" r:id="rId10"/>
+    <p:sldId id="270" r:id="rId11"/>
+    <p:sldId id="261" r:id="rId12"/>
+    <p:sldId id="272" r:id="rId13"/>
+    <p:sldId id="273" r:id="rId14"/>
+    <p:sldId id="274" r:id="rId15"/>
+    <p:sldId id="275" r:id="rId16"/>
+    <p:sldId id="277" r:id="rId17"/>
+    <p:sldId id="276" r:id="rId18"/>
   </p:sldIdLst>
   <p:sldSz cx="12192000" cy="6858000"/>
   <p:notesSz cx="6858000" cy="9144000"/>
@@ -227,7 +228,7 @@
           <a:p>
             <a:fld id="{B56F32FC-4BD9-442A-A8C6-51598C909FE3}" type="datetimeFigureOut">
               <a:rPr lang="en-US" smtClean="0"/>
-              <a:t>12/5/22</a:t>
+              <a:t>12/11/2022</a:t>
             </a:fld>
             <a:endParaRPr lang="en-US" dirty="0"/>
           </a:p>
@@ -404,7 +405,7 @@
           <a:p>
             <a:fld id="{056371FA-A98D-41E8-93F4-09945841298A}" type="datetimeFigureOut">
               <a:rPr lang="en-US" smtClean="0"/>
-              <a:t>12/5/22</a:t>
+              <a:t>12/11/2022</a:t>
             </a:fld>
             <a:endParaRPr lang="en-US" dirty="0"/>
           </a:p>
@@ -9643,6 +9644,961 @@
       </p:grpSpPr>
       <p:graphicFrame>
         <p:nvGraphicFramePr>
+          <p:cNvPr id="43" name="Table 4">
+            <a:extLst>
+              <a:ext uri="{FF2B5EF4-FFF2-40B4-BE49-F238E27FC236}">
+                <a16:creationId xmlns:a16="http://schemas.microsoft.com/office/drawing/2014/main" id="{B22E9DDE-4573-94E5-1D52-A4487B2FBC56}"/>
+              </a:ext>
+            </a:extLst>
+          </p:cNvPr>
+          <p:cNvGraphicFramePr>
+            <a:graphicFrameLocks/>
+          </p:cNvGraphicFramePr>
+          <p:nvPr/>
+        </p:nvGraphicFramePr>
+        <p:xfrm>
+          <a:off x="838200" y="2111375"/>
+          <a:ext cx="10515600" cy="3570970"/>
+        </p:xfrm>
+        <a:graphic>
+          <a:graphicData uri="http://schemas.openxmlformats.org/drawingml/2006/table">
+            <a:tbl>
+              <a:tblPr firstRow="1" bandRow="1">
+                <a:tableStyleId>{7E9639D4-E3E2-4D34-9284-5A2195B3D0D7}</a:tableStyleId>
+              </a:tblPr>
+              <a:tblGrid>
+                <a:gridCol w="2103120">
+                  <a:extLst>
+                    <a:ext uri="{9D8B030D-6E8A-4147-A177-3AD203B41FA5}">
+                      <a16:colId xmlns:a16="http://schemas.microsoft.com/office/drawing/2014/main" val="3261104555"/>
+                    </a:ext>
+                  </a:extLst>
+                </a:gridCol>
+                <a:gridCol w="2103120">
+                  <a:extLst>
+                    <a:ext uri="{9D8B030D-6E8A-4147-A177-3AD203B41FA5}">
+                      <a16:colId xmlns:a16="http://schemas.microsoft.com/office/drawing/2014/main" val="2547279344"/>
+                    </a:ext>
+                  </a:extLst>
+                </a:gridCol>
+                <a:gridCol w="2103120">
+                  <a:extLst>
+                    <a:ext uri="{9D8B030D-6E8A-4147-A177-3AD203B41FA5}">
+                      <a16:colId xmlns:a16="http://schemas.microsoft.com/office/drawing/2014/main" val="2366228292"/>
+                    </a:ext>
+                  </a:extLst>
+                </a:gridCol>
+                <a:gridCol w="2103120">
+                  <a:extLst>
+                    <a:ext uri="{9D8B030D-6E8A-4147-A177-3AD203B41FA5}">
+                      <a16:colId xmlns:a16="http://schemas.microsoft.com/office/drawing/2014/main" val="934788178"/>
+                    </a:ext>
+                  </a:extLst>
+                </a:gridCol>
+                <a:gridCol w="2103120">
+                  <a:extLst>
+                    <a:ext uri="{9D8B030D-6E8A-4147-A177-3AD203B41FA5}">
+                      <a16:colId xmlns:a16="http://schemas.microsoft.com/office/drawing/2014/main" val="2596635212"/>
+                    </a:ext>
+                  </a:extLst>
+                </a:gridCol>
+              </a:tblGrid>
+              <a:tr h="714194">
+                <a:tc>
+                  <a:txBody>
+                    <a:bodyPr/>
+                    <a:lstStyle/>
+                    <a:p>
+                      <a:pPr algn="ctr" rtl="0" fontAlgn="auto"/>
+                      <a:r>
+                        <a:rPr lang="en-US" sz="1600" b="1" i="0" dirty="0">
+                          <a:solidFill>
+                            <a:srgbClr val="FFFFFF"/>
+                          </a:solidFill>
+                          <a:effectLst/>
+                          <a:latin typeface="+mn-lt"/>
+                        </a:rPr>
+                        <a:t>​</a:t>
+                      </a:r>
+                    </a:p>
+                  </a:txBody>
+                  <a:tcPr anchor="ctr"/>
+                </a:tc>
+                <a:tc>
+                  <a:txBody>
+                    <a:bodyPr/>
+                    <a:lstStyle/>
+                    <a:p>
+                      <a:pPr algn="ctr" rtl="0" fontAlgn="base"/>
+                      <a:r>
+                        <a:rPr lang="en-US" sz="1600" b="0" i="0" dirty="0">
+                          <a:solidFill>
+                            <a:schemeClr val="accent1"/>
+                          </a:solidFill>
+                          <a:effectLst/>
+                          <a:latin typeface="+mn-lt"/>
+                        </a:rPr>
+                        <a:t>CATEGORY 1</a:t>
+                      </a:r>
+                      <a:endParaRPr lang="en-US" sz="1600" b="1" i="0" dirty="0">
+                        <a:solidFill>
+                          <a:schemeClr val="accent1"/>
+                        </a:solidFill>
+                        <a:effectLst/>
+                        <a:latin typeface="+mn-lt"/>
+                      </a:endParaRPr>
+                    </a:p>
+                  </a:txBody>
+                  <a:tcPr anchor="ctr"/>
+                </a:tc>
+                <a:tc>
+                  <a:txBody>
+                    <a:bodyPr/>
+                    <a:lstStyle/>
+                    <a:p>
+                      <a:pPr algn="ctr" rtl="0" fontAlgn="base"/>
+                      <a:r>
+                        <a:rPr lang="en-US" sz="1600" b="0" i="0" dirty="0">
+                          <a:solidFill>
+                            <a:schemeClr val="accent1"/>
+                          </a:solidFill>
+                          <a:effectLst/>
+                          <a:latin typeface="+mn-lt"/>
+                        </a:rPr>
+                        <a:t>CATEGORY 2</a:t>
+                      </a:r>
+                      <a:endParaRPr lang="en-US" sz="1600" b="1" i="0" dirty="0">
+                        <a:solidFill>
+                          <a:schemeClr val="accent1"/>
+                        </a:solidFill>
+                        <a:effectLst/>
+                        <a:latin typeface="+mn-lt"/>
+                      </a:endParaRPr>
+                    </a:p>
+                  </a:txBody>
+                  <a:tcPr anchor="ctr"/>
+                </a:tc>
+                <a:tc>
+                  <a:txBody>
+                    <a:bodyPr/>
+                    <a:lstStyle/>
+                    <a:p>
+                      <a:pPr algn="ctr" rtl="0" fontAlgn="base"/>
+                      <a:r>
+                        <a:rPr lang="en-US" sz="1600" b="0" i="0" kern="1200" dirty="0">
+                          <a:solidFill>
+                            <a:schemeClr val="accent1"/>
+                          </a:solidFill>
+                          <a:effectLst/>
+                          <a:latin typeface="+mn-lt"/>
+                          <a:ea typeface="+mn-ea"/>
+                          <a:cs typeface="+mn-cs"/>
+                        </a:rPr>
+                        <a:t>CATEGORY 3</a:t>
+                      </a:r>
+                      <a:r>
+                        <a:rPr lang="en-US" sz="1600" b="1" i="0" dirty="0">
+                          <a:solidFill>
+                            <a:srgbClr val="FFFFFF"/>
+                          </a:solidFill>
+                          <a:effectLst/>
+                          <a:latin typeface="+mn-lt"/>
+                        </a:rPr>
+                        <a:t>​</a:t>
+                      </a:r>
+                    </a:p>
+                  </a:txBody>
+                  <a:tcPr anchor="ctr"/>
+                </a:tc>
+                <a:tc>
+                  <a:txBody>
+                    <a:bodyPr/>
+                    <a:lstStyle/>
+                    <a:p>
+                      <a:pPr algn="ctr" rtl="0" fontAlgn="base"/>
+                      <a:r>
+                        <a:rPr lang="en-US" sz="1600" b="0" i="0" kern="1200" dirty="0">
+                          <a:solidFill>
+                            <a:schemeClr val="accent1"/>
+                          </a:solidFill>
+                          <a:effectLst/>
+                          <a:latin typeface="+mn-lt"/>
+                          <a:ea typeface="+mn-ea"/>
+                          <a:cs typeface="+mn-cs"/>
+                        </a:rPr>
+                        <a:t>CATEGORY 4​</a:t>
+                      </a:r>
+                    </a:p>
+                  </a:txBody>
+                  <a:tcPr anchor="ctr"/>
+                </a:tc>
+                <a:extLst>
+                  <a:ext uri="{0D108BD9-81ED-4DB2-BD59-A6C34878D82A}">
+                    <a16:rowId xmlns:a16="http://schemas.microsoft.com/office/drawing/2014/main" val="3441328149"/>
+                  </a:ext>
+                </a:extLst>
+              </a:tr>
+              <a:tr h="714194">
+                <a:tc>
+                  <a:txBody>
+                    <a:bodyPr/>
+                    <a:lstStyle/>
+                    <a:p>
+                      <a:pPr algn="ctr" rtl="0" fontAlgn="base"/>
+                      <a:r>
+                        <a:rPr lang="en-US" sz="1400" b="0" i="0" dirty="0">
+                          <a:solidFill>
+                            <a:srgbClr val="333F50"/>
+                          </a:solidFill>
+                          <a:effectLst/>
+                          <a:latin typeface="+mn-lt"/>
+                        </a:rPr>
+                        <a:t>Q1</a:t>
+                      </a:r>
+                      <a:endParaRPr lang="en-US" sz="1400" b="0" i="0" dirty="0">
+                        <a:solidFill>
+                          <a:srgbClr val="000000"/>
+                        </a:solidFill>
+                        <a:effectLst/>
+                        <a:latin typeface="+mn-lt"/>
+                      </a:endParaRPr>
+                    </a:p>
+                  </a:txBody>
+                  <a:tcPr anchor="ctr">
+                    <a:lnL w="12700" cap="flat" cmpd="sng" algn="ctr">
+                      <a:noFill/>
+                      <a:prstDash val="solid"/>
+                      <a:round/>
+                      <a:headEnd type="none" w="med" len="med"/>
+                      <a:tailEnd type="none" w="med" len="med"/>
+                    </a:lnL>
+                  </a:tcPr>
+                </a:tc>
+                <a:tc>
+                  <a:txBody>
+                    <a:bodyPr/>
+                    <a:lstStyle/>
+                    <a:p>
+                      <a:pPr algn="ctr" rtl="0" fontAlgn="base"/>
+                      <a:r>
+                        <a:rPr lang="en-US" sz="1400" b="0" i="0" dirty="0">
+                          <a:solidFill>
+                            <a:srgbClr val="333F50"/>
+                          </a:solidFill>
+                          <a:effectLst/>
+                          <a:latin typeface="+mn-lt"/>
+                        </a:rPr>
+                        <a:t>4.5</a:t>
+                      </a:r>
+                      <a:r>
+                        <a:rPr lang="en-US" sz="1400" b="0" i="0" dirty="0">
+                          <a:solidFill>
+                            <a:srgbClr val="000000"/>
+                          </a:solidFill>
+                          <a:effectLst/>
+                          <a:latin typeface="+mn-lt"/>
+                        </a:rPr>
+                        <a:t>​</a:t>
+                      </a:r>
+                    </a:p>
+                  </a:txBody>
+                  <a:tcPr anchor="ctr"/>
+                </a:tc>
+                <a:tc>
+                  <a:txBody>
+                    <a:bodyPr/>
+                    <a:lstStyle/>
+                    <a:p>
+                      <a:pPr algn="ctr" rtl="0" fontAlgn="base"/>
+                      <a:r>
+                        <a:rPr lang="en-US" sz="1400" b="0" i="0" dirty="0">
+                          <a:solidFill>
+                            <a:srgbClr val="333F50"/>
+                          </a:solidFill>
+                          <a:effectLst/>
+                          <a:latin typeface="+mn-lt"/>
+                        </a:rPr>
+                        <a:t>2.3</a:t>
+                      </a:r>
+                      <a:r>
+                        <a:rPr lang="en-US" sz="1400" b="0" i="0" dirty="0">
+                          <a:solidFill>
+                            <a:srgbClr val="000000"/>
+                          </a:solidFill>
+                          <a:effectLst/>
+                          <a:latin typeface="+mn-lt"/>
+                        </a:rPr>
+                        <a:t>​</a:t>
+                      </a:r>
+                    </a:p>
+                  </a:txBody>
+                  <a:tcPr anchor="ctr"/>
+                </a:tc>
+                <a:tc>
+                  <a:txBody>
+                    <a:bodyPr/>
+                    <a:lstStyle/>
+                    <a:p>
+                      <a:pPr algn="ctr" rtl="0" fontAlgn="base"/>
+                      <a:r>
+                        <a:rPr lang="en-US" sz="1400" b="0" i="0" dirty="0">
+                          <a:solidFill>
+                            <a:srgbClr val="333F50"/>
+                          </a:solidFill>
+                          <a:effectLst/>
+                          <a:latin typeface="+mn-lt"/>
+                        </a:rPr>
+                        <a:t>1.7</a:t>
+                      </a:r>
+                      <a:r>
+                        <a:rPr lang="en-US" sz="1400" b="0" i="0" dirty="0">
+                          <a:solidFill>
+                            <a:srgbClr val="000000"/>
+                          </a:solidFill>
+                          <a:effectLst/>
+                          <a:latin typeface="+mn-lt"/>
+                        </a:rPr>
+                        <a:t>​</a:t>
+                      </a:r>
+                    </a:p>
+                  </a:txBody>
+                  <a:tcPr anchor="ctr">
+                    <a:lnR w="12700" cap="flat" cmpd="sng" algn="ctr">
+                      <a:noFill/>
+                      <a:prstDash val="solid"/>
+                      <a:round/>
+                      <a:headEnd type="none" w="med" len="med"/>
+                      <a:tailEnd type="none" w="med" len="med"/>
+                    </a:lnR>
+                  </a:tcPr>
+                </a:tc>
+                <a:tc>
+                  <a:txBody>
+                    <a:bodyPr/>
+                    <a:lstStyle/>
+                    <a:p>
+                      <a:pPr algn="ctr" rtl="0" fontAlgn="base"/>
+                      <a:r>
+                        <a:rPr lang="en-US" sz="1400" b="0" i="0" dirty="0">
+                          <a:solidFill>
+                            <a:srgbClr val="333F50"/>
+                          </a:solidFill>
+                          <a:effectLst/>
+                          <a:latin typeface="+mn-lt"/>
+                        </a:rPr>
+                        <a:t>5</a:t>
+                      </a:r>
+                      <a:r>
+                        <a:rPr lang="en-US" sz="1400" b="0" i="0" dirty="0">
+                          <a:solidFill>
+                            <a:srgbClr val="000000"/>
+                          </a:solidFill>
+                          <a:effectLst/>
+                          <a:latin typeface="+mn-lt"/>
+                        </a:rPr>
+                        <a:t>​.0</a:t>
+                      </a:r>
+                    </a:p>
+                  </a:txBody>
+                  <a:tcPr anchor="ctr">
+                    <a:lnL w="12700" cap="flat" cmpd="sng" algn="ctr">
+                      <a:noFill/>
+                      <a:prstDash val="solid"/>
+                      <a:round/>
+                      <a:headEnd type="none" w="med" len="med"/>
+                      <a:tailEnd type="none" w="med" len="med"/>
+                    </a:lnL>
+                    <a:lnR w="12700" cap="flat" cmpd="sng" algn="ctr">
+                      <a:noFill/>
+                      <a:prstDash val="solid"/>
+                      <a:round/>
+                      <a:headEnd type="none" w="med" len="med"/>
+                      <a:tailEnd type="none" w="med" len="med"/>
+                    </a:lnR>
+                  </a:tcPr>
+                </a:tc>
+                <a:extLst>
+                  <a:ext uri="{0D108BD9-81ED-4DB2-BD59-A6C34878D82A}">
+                    <a16:rowId xmlns:a16="http://schemas.microsoft.com/office/drawing/2014/main" val="3134841754"/>
+                  </a:ext>
+                </a:extLst>
+              </a:tr>
+              <a:tr h="714194">
+                <a:tc>
+                  <a:txBody>
+                    <a:bodyPr/>
+                    <a:lstStyle/>
+                    <a:p>
+                      <a:pPr algn="ctr" rtl="0" fontAlgn="base"/>
+                      <a:r>
+                        <a:rPr lang="en-US" sz="1400" b="0" i="0" dirty="0">
+                          <a:solidFill>
+                            <a:srgbClr val="333F50"/>
+                          </a:solidFill>
+                          <a:effectLst/>
+                          <a:latin typeface="+mn-lt"/>
+                        </a:rPr>
+                        <a:t>Q2</a:t>
+                      </a:r>
+                      <a:endParaRPr lang="en-US" sz="1400" b="0" i="0" dirty="0">
+                        <a:solidFill>
+                          <a:srgbClr val="000000"/>
+                        </a:solidFill>
+                        <a:effectLst/>
+                        <a:latin typeface="+mn-lt"/>
+                      </a:endParaRPr>
+                    </a:p>
+                  </a:txBody>
+                  <a:tcPr anchor="ctr">
+                    <a:lnL w="12700" cap="flat" cmpd="sng" algn="ctr">
+                      <a:noFill/>
+                      <a:prstDash val="solid"/>
+                      <a:round/>
+                      <a:headEnd type="none" w="med" len="med"/>
+                      <a:tailEnd type="none" w="med" len="med"/>
+                    </a:lnL>
+                  </a:tcPr>
+                </a:tc>
+                <a:tc>
+                  <a:txBody>
+                    <a:bodyPr/>
+                    <a:lstStyle/>
+                    <a:p>
+                      <a:pPr algn="ctr" rtl="0" fontAlgn="base"/>
+                      <a:r>
+                        <a:rPr lang="en-US" sz="1400" b="0" i="0" dirty="0">
+                          <a:solidFill>
+                            <a:srgbClr val="333F50"/>
+                          </a:solidFill>
+                          <a:effectLst/>
+                          <a:latin typeface="+mn-lt"/>
+                        </a:rPr>
+                        <a:t>3.2</a:t>
+                      </a:r>
+                      <a:r>
+                        <a:rPr lang="en-US" sz="1400" b="0" i="0" dirty="0">
+                          <a:solidFill>
+                            <a:srgbClr val="000000"/>
+                          </a:solidFill>
+                          <a:effectLst/>
+                          <a:latin typeface="+mn-lt"/>
+                        </a:rPr>
+                        <a:t>​</a:t>
+                      </a:r>
+                    </a:p>
+                  </a:txBody>
+                  <a:tcPr anchor="ctr"/>
+                </a:tc>
+                <a:tc>
+                  <a:txBody>
+                    <a:bodyPr/>
+                    <a:lstStyle/>
+                    <a:p>
+                      <a:pPr algn="ctr" rtl="0" fontAlgn="base"/>
+                      <a:r>
+                        <a:rPr lang="en-US" sz="1400" b="0" i="0" dirty="0">
+                          <a:solidFill>
+                            <a:srgbClr val="333F50"/>
+                          </a:solidFill>
+                          <a:effectLst/>
+                          <a:latin typeface="+mn-lt"/>
+                        </a:rPr>
+                        <a:t>5.1</a:t>
+                      </a:r>
+                      <a:r>
+                        <a:rPr lang="en-US" sz="1400" b="0" i="0" dirty="0">
+                          <a:solidFill>
+                            <a:srgbClr val="000000"/>
+                          </a:solidFill>
+                          <a:effectLst/>
+                          <a:latin typeface="+mn-lt"/>
+                        </a:rPr>
+                        <a:t>​</a:t>
+                      </a:r>
+                    </a:p>
+                  </a:txBody>
+                  <a:tcPr anchor="ctr"/>
+                </a:tc>
+                <a:tc>
+                  <a:txBody>
+                    <a:bodyPr/>
+                    <a:lstStyle/>
+                    <a:p>
+                      <a:pPr algn="ctr" rtl="0" fontAlgn="base"/>
+                      <a:r>
+                        <a:rPr lang="en-US" sz="1400" b="0" i="0" dirty="0">
+                          <a:solidFill>
+                            <a:srgbClr val="333F50"/>
+                          </a:solidFill>
+                          <a:effectLst/>
+                          <a:latin typeface="+mn-lt"/>
+                        </a:rPr>
+                        <a:t>4.4</a:t>
+                      </a:r>
+                      <a:r>
+                        <a:rPr lang="en-US" sz="1400" b="0" i="0" dirty="0">
+                          <a:solidFill>
+                            <a:srgbClr val="000000"/>
+                          </a:solidFill>
+                          <a:effectLst/>
+                          <a:latin typeface="+mn-lt"/>
+                        </a:rPr>
+                        <a:t>​</a:t>
+                      </a:r>
+                    </a:p>
+                  </a:txBody>
+                  <a:tcPr anchor="ctr"/>
+                </a:tc>
+                <a:tc>
+                  <a:txBody>
+                    <a:bodyPr/>
+                    <a:lstStyle/>
+                    <a:p>
+                      <a:pPr algn="ctr" rtl="0" fontAlgn="base"/>
+                      <a:r>
+                        <a:rPr lang="en-US" sz="1400" b="0" i="0" dirty="0">
+                          <a:solidFill>
+                            <a:srgbClr val="333F50"/>
+                          </a:solidFill>
+                          <a:effectLst/>
+                          <a:latin typeface="+mn-lt"/>
+                        </a:rPr>
+                        <a:t>3</a:t>
+                      </a:r>
+                      <a:r>
+                        <a:rPr lang="en-US" sz="1400" b="0" i="0" dirty="0">
+                          <a:solidFill>
+                            <a:srgbClr val="000000"/>
+                          </a:solidFill>
+                          <a:effectLst/>
+                          <a:latin typeface="+mn-lt"/>
+                        </a:rPr>
+                        <a:t>​.0</a:t>
+                      </a:r>
+                    </a:p>
+                  </a:txBody>
+                  <a:tcPr anchor="ctr">
+                    <a:lnR w="12700" cap="flat" cmpd="sng" algn="ctr">
+                      <a:noFill/>
+                      <a:prstDash val="solid"/>
+                      <a:round/>
+                      <a:headEnd type="none" w="med" len="med"/>
+                      <a:tailEnd type="none" w="med" len="med"/>
+                    </a:lnR>
+                  </a:tcPr>
+                </a:tc>
+                <a:extLst>
+                  <a:ext uri="{0D108BD9-81ED-4DB2-BD59-A6C34878D82A}">
+                    <a16:rowId xmlns:a16="http://schemas.microsoft.com/office/drawing/2014/main" val="4129140390"/>
+                  </a:ext>
+                </a:extLst>
+              </a:tr>
+              <a:tr h="714194">
+                <a:tc>
+                  <a:txBody>
+                    <a:bodyPr/>
+                    <a:lstStyle/>
+                    <a:p>
+                      <a:pPr algn="ctr" rtl="0" fontAlgn="base"/>
+                      <a:r>
+                        <a:rPr lang="en-US" sz="1400" b="0" i="0" dirty="0">
+                          <a:solidFill>
+                            <a:srgbClr val="333F50"/>
+                          </a:solidFill>
+                          <a:effectLst/>
+                          <a:latin typeface="+mn-lt"/>
+                        </a:rPr>
+                        <a:t>Q3</a:t>
+                      </a:r>
+                      <a:endParaRPr lang="en-US" sz="1400" b="0" i="0" dirty="0">
+                        <a:solidFill>
+                          <a:srgbClr val="000000"/>
+                        </a:solidFill>
+                        <a:effectLst/>
+                        <a:latin typeface="+mn-lt"/>
+                      </a:endParaRPr>
+                    </a:p>
+                  </a:txBody>
+                  <a:tcPr anchor="ctr">
+                    <a:lnL w="12700" cap="flat" cmpd="sng" algn="ctr">
+                      <a:noFill/>
+                      <a:prstDash val="solid"/>
+                      <a:round/>
+                      <a:headEnd type="none" w="med" len="med"/>
+                      <a:tailEnd type="none" w="med" len="med"/>
+                    </a:lnL>
+                  </a:tcPr>
+                </a:tc>
+                <a:tc>
+                  <a:txBody>
+                    <a:bodyPr/>
+                    <a:lstStyle/>
+                    <a:p>
+                      <a:pPr algn="ctr" rtl="0" fontAlgn="base"/>
+                      <a:r>
+                        <a:rPr lang="en-US" sz="1400" b="0" i="0" dirty="0">
+                          <a:solidFill>
+                            <a:srgbClr val="333F50"/>
+                          </a:solidFill>
+                          <a:effectLst/>
+                          <a:latin typeface="+mn-lt"/>
+                        </a:rPr>
+                        <a:t>2.1</a:t>
+                      </a:r>
+                      <a:r>
+                        <a:rPr lang="en-US" sz="1400" b="0" i="0" dirty="0">
+                          <a:solidFill>
+                            <a:srgbClr val="000000"/>
+                          </a:solidFill>
+                          <a:effectLst/>
+                          <a:latin typeface="+mn-lt"/>
+                        </a:rPr>
+                        <a:t>​</a:t>
+                      </a:r>
+                    </a:p>
+                  </a:txBody>
+                  <a:tcPr anchor="ctr"/>
+                </a:tc>
+                <a:tc>
+                  <a:txBody>
+                    <a:bodyPr/>
+                    <a:lstStyle/>
+                    <a:p>
+                      <a:pPr algn="ctr" rtl="0" fontAlgn="base"/>
+                      <a:r>
+                        <a:rPr lang="en-US" sz="1400" b="0" i="0" dirty="0">
+                          <a:solidFill>
+                            <a:srgbClr val="333F50"/>
+                          </a:solidFill>
+                          <a:effectLst/>
+                          <a:latin typeface="+mn-lt"/>
+                        </a:rPr>
+                        <a:t>1.7</a:t>
+                      </a:r>
+                      <a:r>
+                        <a:rPr lang="en-US" sz="1400" b="0" i="0" dirty="0">
+                          <a:solidFill>
+                            <a:srgbClr val="000000"/>
+                          </a:solidFill>
+                          <a:effectLst/>
+                          <a:latin typeface="+mn-lt"/>
+                        </a:rPr>
+                        <a:t>​</a:t>
+                      </a:r>
+                    </a:p>
+                  </a:txBody>
+                  <a:tcPr anchor="ctr"/>
+                </a:tc>
+                <a:tc>
+                  <a:txBody>
+                    <a:bodyPr/>
+                    <a:lstStyle/>
+                    <a:p>
+                      <a:pPr algn="ctr" rtl="0" fontAlgn="base"/>
+                      <a:r>
+                        <a:rPr lang="en-US" sz="1400" b="0" i="0" dirty="0">
+                          <a:solidFill>
+                            <a:srgbClr val="333F50"/>
+                          </a:solidFill>
+                          <a:effectLst/>
+                          <a:latin typeface="+mn-lt"/>
+                        </a:rPr>
+                        <a:t>2.5</a:t>
+                      </a:r>
+                      <a:r>
+                        <a:rPr lang="en-US" sz="1400" b="0" i="0" dirty="0">
+                          <a:solidFill>
+                            <a:srgbClr val="000000"/>
+                          </a:solidFill>
+                          <a:effectLst/>
+                          <a:latin typeface="+mn-lt"/>
+                        </a:rPr>
+                        <a:t>​</a:t>
+                      </a:r>
+                    </a:p>
+                  </a:txBody>
+                  <a:tcPr anchor="ctr"/>
+                </a:tc>
+                <a:tc>
+                  <a:txBody>
+                    <a:bodyPr/>
+                    <a:lstStyle/>
+                    <a:p>
+                      <a:pPr algn="ctr" rtl="0" fontAlgn="base"/>
+                      <a:r>
+                        <a:rPr lang="en-US" sz="1400" b="0" i="0" dirty="0">
+                          <a:solidFill>
+                            <a:srgbClr val="333F50"/>
+                          </a:solidFill>
+                          <a:effectLst/>
+                          <a:latin typeface="+mn-lt"/>
+                        </a:rPr>
+                        <a:t>2.8</a:t>
+                      </a:r>
+                      <a:r>
+                        <a:rPr lang="en-US" sz="1400" b="0" i="0" dirty="0">
+                          <a:solidFill>
+                            <a:srgbClr val="000000"/>
+                          </a:solidFill>
+                          <a:effectLst/>
+                          <a:latin typeface="+mn-lt"/>
+                        </a:rPr>
+                        <a:t>​</a:t>
+                      </a:r>
+                    </a:p>
+                  </a:txBody>
+                  <a:tcPr anchor="ctr">
+                    <a:lnR w="12700" cap="flat" cmpd="sng" algn="ctr">
+                      <a:noFill/>
+                      <a:prstDash val="solid"/>
+                      <a:round/>
+                      <a:headEnd type="none" w="med" len="med"/>
+                      <a:tailEnd type="none" w="med" len="med"/>
+                    </a:lnR>
+                  </a:tcPr>
+                </a:tc>
+                <a:extLst>
+                  <a:ext uri="{0D108BD9-81ED-4DB2-BD59-A6C34878D82A}">
+                    <a16:rowId xmlns:a16="http://schemas.microsoft.com/office/drawing/2014/main" val="1699990805"/>
+                  </a:ext>
+                </a:extLst>
+              </a:tr>
+              <a:tr h="714194">
+                <a:tc>
+                  <a:txBody>
+                    <a:bodyPr/>
+                    <a:lstStyle/>
+                    <a:p>
+                      <a:pPr algn="ctr" rtl="0" fontAlgn="base"/>
+                      <a:r>
+                        <a:rPr lang="en-US" sz="1400" b="0" i="0" dirty="0">
+                          <a:solidFill>
+                            <a:srgbClr val="333F50"/>
+                          </a:solidFill>
+                          <a:effectLst/>
+                          <a:latin typeface="+mn-lt"/>
+                        </a:rPr>
+                        <a:t>Q4</a:t>
+                      </a:r>
+                      <a:endParaRPr lang="en-US" sz="1400" b="0" i="0" dirty="0">
+                        <a:solidFill>
+                          <a:srgbClr val="000000"/>
+                        </a:solidFill>
+                        <a:effectLst/>
+                        <a:latin typeface="+mn-lt"/>
+                      </a:endParaRPr>
+                    </a:p>
+                  </a:txBody>
+                  <a:tcPr anchor="ctr">
+                    <a:lnL w="12700" cap="flat" cmpd="sng" algn="ctr">
+                      <a:noFill/>
+                      <a:prstDash val="solid"/>
+                      <a:round/>
+                      <a:headEnd type="none" w="med" len="med"/>
+                      <a:tailEnd type="none" w="med" len="med"/>
+                    </a:lnL>
+                  </a:tcPr>
+                </a:tc>
+                <a:tc>
+                  <a:txBody>
+                    <a:bodyPr/>
+                    <a:lstStyle/>
+                    <a:p>
+                      <a:pPr algn="ctr" rtl="0" fontAlgn="base"/>
+                      <a:r>
+                        <a:rPr lang="en-US" sz="1400" b="0" i="0" dirty="0">
+                          <a:solidFill>
+                            <a:srgbClr val="333F50"/>
+                          </a:solidFill>
+                          <a:effectLst/>
+                          <a:latin typeface="+mn-lt"/>
+                        </a:rPr>
+                        <a:t>4.5</a:t>
+                      </a:r>
+                      <a:r>
+                        <a:rPr lang="en-US" sz="1400" b="0" i="0" dirty="0">
+                          <a:solidFill>
+                            <a:srgbClr val="000000"/>
+                          </a:solidFill>
+                          <a:effectLst/>
+                          <a:latin typeface="+mn-lt"/>
+                        </a:rPr>
+                        <a:t>​</a:t>
+                      </a:r>
+                    </a:p>
+                  </a:txBody>
+                  <a:tcPr anchor="ctr"/>
+                </a:tc>
+                <a:tc>
+                  <a:txBody>
+                    <a:bodyPr/>
+                    <a:lstStyle/>
+                    <a:p>
+                      <a:pPr algn="ctr" rtl="0" fontAlgn="base"/>
+                      <a:r>
+                        <a:rPr lang="en-US" sz="1400" b="0" i="0" dirty="0">
+                          <a:solidFill>
+                            <a:srgbClr val="333F50"/>
+                          </a:solidFill>
+                          <a:effectLst/>
+                          <a:latin typeface="+mn-lt"/>
+                        </a:rPr>
+                        <a:t>2.2</a:t>
+                      </a:r>
+                      <a:r>
+                        <a:rPr lang="en-US" sz="1400" b="0" i="0" dirty="0">
+                          <a:solidFill>
+                            <a:srgbClr val="000000"/>
+                          </a:solidFill>
+                          <a:effectLst/>
+                          <a:latin typeface="+mn-lt"/>
+                        </a:rPr>
+                        <a:t>​</a:t>
+                      </a:r>
+                    </a:p>
+                  </a:txBody>
+                  <a:tcPr anchor="ctr"/>
+                </a:tc>
+                <a:tc>
+                  <a:txBody>
+                    <a:bodyPr/>
+                    <a:lstStyle/>
+                    <a:p>
+                      <a:pPr algn="ctr" rtl="0" fontAlgn="base"/>
+                      <a:r>
+                        <a:rPr lang="en-US" sz="1400" b="0" i="0" dirty="0">
+                          <a:solidFill>
+                            <a:srgbClr val="333F50"/>
+                          </a:solidFill>
+                          <a:effectLst/>
+                          <a:latin typeface="+mn-lt"/>
+                        </a:rPr>
+                        <a:t>1.7</a:t>
+                      </a:r>
+                      <a:r>
+                        <a:rPr lang="en-US" sz="1400" b="0" i="0" dirty="0">
+                          <a:solidFill>
+                            <a:srgbClr val="000000"/>
+                          </a:solidFill>
+                          <a:effectLst/>
+                          <a:latin typeface="+mn-lt"/>
+                        </a:rPr>
+                        <a:t>​</a:t>
+                      </a:r>
+                    </a:p>
+                  </a:txBody>
+                  <a:tcPr anchor="ctr"/>
+                </a:tc>
+                <a:tc>
+                  <a:txBody>
+                    <a:bodyPr/>
+                    <a:lstStyle/>
+                    <a:p>
+                      <a:pPr algn="ctr" rtl="0" fontAlgn="base"/>
+                      <a:r>
+                        <a:rPr lang="en-US" sz="1400" b="0" i="0" dirty="0">
+                          <a:solidFill>
+                            <a:srgbClr val="333F50"/>
+                          </a:solidFill>
+                          <a:effectLst/>
+                          <a:latin typeface="+mn-lt"/>
+                        </a:rPr>
+                        <a:t>7.0</a:t>
+                      </a:r>
+                      <a:endParaRPr lang="en-US" sz="1400" b="0" i="0" dirty="0">
+                        <a:solidFill>
+                          <a:srgbClr val="000000"/>
+                        </a:solidFill>
+                        <a:effectLst/>
+                        <a:latin typeface="+mn-lt"/>
+                      </a:endParaRPr>
+                    </a:p>
+                  </a:txBody>
+                  <a:tcPr anchor="ctr">
+                    <a:lnR w="12700" cap="flat" cmpd="sng" algn="ctr">
+                      <a:noFill/>
+                      <a:prstDash val="solid"/>
+                      <a:round/>
+                      <a:headEnd type="none" w="med" len="med"/>
+                      <a:tailEnd type="none" w="med" len="med"/>
+                    </a:lnR>
+                  </a:tcPr>
+                </a:tc>
+                <a:extLst>
+                  <a:ext uri="{0D108BD9-81ED-4DB2-BD59-A6C34878D82A}">
+                    <a16:rowId xmlns:a16="http://schemas.microsoft.com/office/drawing/2014/main" val="3388671141"/>
+                  </a:ext>
+                </a:extLst>
+              </a:tr>
+            </a:tbl>
+          </a:graphicData>
+        </a:graphic>
+      </p:graphicFrame>
+      <p:sp>
+        <p:nvSpPr>
+          <p:cNvPr id="5" name="Title 2">
+            <a:extLst>
+              <a:ext uri="{FF2B5EF4-FFF2-40B4-BE49-F238E27FC236}">
+                <a16:creationId xmlns:a16="http://schemas.microsoft.com/office/drawing/2014/main" id="{6E619B29-6836-A7CF-5BEB-7A66A4E56A42}"/>
+              </a:ext>
+            </a:extLst>
+          </p:cNvPr>
+          <p:cNvSpPr>
+            <a:spLocks noGrp="1"/>
+          </p:cNvSpPr>
+          <p:nvPr>
+            <p:ph type="title"/>
+          </p:nvPr>
+        </p:nvSpPr>
+        <p:spPr>
+          <a:xfrm>
+            <a:off x="838200" y="349626"/>
+            <a:ext cx="10515600" cy="1325563"/>
+          </a:xfrm>
+        </p:spPr>
+        <p:txBody>
+          <a:bodyPr/>
+          <a:lstStyle/>
+          <a:p>
+            <a:r>
+              <a:rPr lang="en-US" dirty="0"/>
+              <a:t>Graph 6</a:t>
+            </a:r>
+          </a:p>
+        </p:txBody>
+      </p:sp>
+    </p:spTree>
+    <p:extLst>
+      <p:ext uri="{BB962C8B-B14F-4D97-AF65-F5344CB8AC3E}">
+        <p14:creationId xmlns:p14="http://schemas.microsoft.com/office/powerpoint/2010/main" val="2187412862"/>
+      </p:ext>
+    </p:extLst>
+  </p:cSld>
+  <p:clrMapOvr>
+    <a:masterClrMapping/>
+  </p:clrMapOvr>
+</p:sld>
+</file>
+
+<file path=ppt/slides/slide11.xml><?xml version="1.0" encoding="utf-8"?>
+<p:sld xmlns:a="http://schemas.openxmlformats.org/drawingml/2006/main" xmlns:r="http://schemas.openxmlformats.org/officeDocument/2006/relationships" xmlns:p="http://schemas.openxmlformats.org/presentationml/2006/main">
+  <p:cSld>
+    <p:spTree>
+      <p:nvGrpSpPr>
+        <p:cNvPr id="1" name=""/>
+        <p:cNvGrpSpPr/>
+        <p:nvPr/>
+      </p:nvGrpSpPr>
+      <p:grpSpPr>
+        <a:xfrm>
+          <a:off x="0" y="0"/>
+          <a:ext cx="0" cy="0"/>
+          <a:chOff x="0" y="0"/>
+          <a:chExt cx="0" cy="0"/>
+        </a:xfrm>
+      </p:grpSpPr>
+      <p:graphicFrame>
+        <p:nvGraphicFramePr>
           <p:cNvPr id="6" name="Table 4">
             <a:extLst>
               <a:ext uri="{FF2B5EF4-FFF2-40B4-BE49-F238E27FC236}">
@@ -10579,7 +11535,7 @@
 </p:sld>
 </file>
 
-<file path=ppt/slides/slide11.xml><?xml version="1.0" encoding="utf-8"?>
+<file path=ppt/slides/slide12.xml><?xml version="1.0" encoding="utf-8"?>
 <p:sld xmlns:a="http://schemas.openxmlformats.org/drawingml/2006/main" xmlns:r="http://schemas.openxmlformats.org/officeDocument/2006/relationships" xmlns:p="http://schemas.openxmlformats.org/presentationml/2006/main">
   <p:cSld>
     <p:spTree>
@@ -11534,7 +12490,7 @@
 </p:sld>
 </file>
 
-<file path=ppt/slides/slide12.xml><?xml version="1.0" encoding="utf-8"?>
+<file path=ppt/slides/slide13.xml><?xml version="1.0" encoding="utf-8"?>
 <p:sld xmlns:a="http://schemas.openxmlformats.org/drawingml/2006/main" xmlns:r="http://schemas.openxmlformats.org/officeDocument/2006/relationships" xmlns:p="http://schemas.openxmlformats.org/presentationml/2006/main">
   <p:cSld>
     <p:spTree>
@@ -11656,7 +12612,7 @@
 </p:sld>
 </file>
 
-<file path=ppt/slides/slide13.xml><?xml version="1.0" encoding="utf-8"?>
+<file path=ppt/slides/slide14.xml><?xml version="1.0" encoding="utf-8"?>
 <p:sld xmlns:a="http://schemas.openxmlformats.org/drawingml/2006/main" xmlns:r="http://schemas.openxmlformats.org/officeDocument/2006/relationships" xmlns:p="http://schemas.openxmlformats.org/presentationml/2006/main">
   <p:cSld>
     <p:spTree>
@@ -11862,7 +12818,7 @@
           <a:p>
             <a:r>
               <a:rPr lang="en-US" dirty="0"/>
-              <a:t>Data Collection</a:t>
+              <a:t>Hypothesis</a:t>
             </a:r>
           </a:p>
         </p:txBody>
@@ -11947,6 +12903,104 @@
 </file>
 
 <file path=ppt/slides/slide4.xml><?xml version="1.0" encoding="utf-8"?>
+<p:sld xmlns:a="http://schemas.openxmlformats.org/drawingml/2006/main" xmlns:r="http://schemas.openxmlformats.org/officeDocument/2006/relationships" xmlns:p="http://schemas.openxmlformats.org/presentationml/2006/main">
+  <p:cSld>
+    <p:spTree>
+      <p:nvGrpSpPr>
+        <p:cNvPr id="1" name=""/>
+        <p:cNvGrpSpPr/>
+        <p:nvPr/>
+      </p:nvGrpSpPr>
+      <p:grpSpPr>
+        <a:xfrm>
+          <a:off x="0" y="0"/>
+          <a:ext cx="0" cy="0"/>
+          <a:chOff x="0" y="0"/>
+          <a:chExt cx="0" cy="0"/>
+        </a:xfrm>
+      </p:grpSpPr>
+      <p:sp>
+        <p:nvSpPr>
+          <p:cNvPr id="2" name="Title 1">
+            <a:extLst>
+              <a:ext uri="{FF2B5EF4-FFF2-40B4-BE49-F238E27FC236}">
+                <a16:creationId xmlns:a16="http://schemas.microsoft.com/office/drawing/2014/main" id="{0A32731C-311B-46F7-A865-6C3AF6B09A47}"/>
+              </a:ext>
+            </a:extLst>
+          </p:cNvPr>
+          <p:cNvSpPr>
+            <a:spLocks noGrp="1"/>
+          </p:cNvSpPr>
+          <p:nvPr>
+            <p:ph type="title"/>
+          </p:nvPr>
+        </p:nvSpPr>
+        <p:spPr>
+          <a:xfrm>
+            <a:off x="3540125" y="664249"/>
+            <a:ext cx="5111750" cy="1204912"/>
+          </a:xfrm>
+        </p:spPr>
+        <p:txBody>
+          <a:bodyPr/>
+          <a:lstStyle/>
+          <a:p>
+            <a:r>
+              <a:rPr lang="en-US" dirty="0"/>
+              <a:t>INTRODUCTION</a:t>
+            </a:r>
+          </a:p>
+        </p:txBody>
+      </p:sp>
+      <p:sp>
+        <p:nvSpPr>
+          <p:cNvPr id="3" name="Text Placeholder 2">
+            <a:extLst>
+              <a:ext uri="{FF2B5EF4-FFF2-40B4-BE49-F238E27FC236}">
+                <a16:creationId xmlns:a16="http://schemas.microsoft.com/office/drawing/2014/main" id="{9D5232F9-FD00-464A-9F17-619C91AEF8F3}"/>
+              </a:ext>
+            </a:extLst>
+          </p:cNvPr>
+          <p:cNvSpPr>
+            <a:spLocks noGrp="1"/>
+          </p:cNvSpPr>
+          <p:nvPr>
+            <p:ph type="body" idx="1"/>
+          </p:nvPr>
+        </p:nvSpPr>
+        <p:spPr>
+          <a:xfrm>
+            <a:off x="1362075" y="2666205"/>
+            <a:ext cx="5111750" cy="2463733"/>
+          </a:xfrm>
+        </p:spPr>
+        <p:txBody>
+          <a:bodyPr>
+            <a:normAutofit/>
+          </a:bodyPr>
+          <a:lstStyle/>
+          <a:p>
+            <a:r>
+              <a:rPr lang="en-US" sz="1600" dirty="0"/>
+              <a:t>Our objective is to see if the changes in the federal funds rates and mortgage rates are having an impact on the real estate markets in the Austin area. Impacts we focused on included housing sale prices, number of days on the market, and whether homes are being sold above or below listing price. </a:t>
+            </a:r>
+          </a:p>
+        </p:txBody>
+      </p:sp>
+    </p:spTree>
+    <p:extLst>
+      <p:ext uri="{BB962C8B-B14F-4D97-AF65-F5344CB8AC3E}">
+        <p14:creationId xmlns:p14="http://schemas.microsoft.com/office/powerpoint/2010/main" val="4116196709"/>
+      </p:ext>
+    </p:extLst>
+  </p:cSld>
+  <p:clrMapOvr>
+    <a:masterClrMapping/>
+  </p:clrMapOvr>
+</p:sld>
+</file>
+
+<file path=ppt/slides/slide5.xml><?xml version="1.0" encoding="utf-8"?>
 <p:sld xmlns:a="http://schemas.openxmlformats.org/drawingml/2006/main" xmlns:r="http://schemas.openxmlformats.org/officeDocument/2006/relationships" xmlns:p="http://schemas.openxmlformats.org/presentationml/2006/main">
   <p:cSld>
     <p:spTree>
@@ -12908,7 +13962,7 @@
 </p:sld>
 </file>
 
-<file path=ppt/slides/slide5.xml><?xml version="1.0" encoding="utf-8"?>
+<file path=ppt/slides/slide6.xml><?xml version="1.0" encoding="utf-8"?>
 <p:sld xmlns:a="http://schemas.openxmlformats.org/drawingml/2006/main" xmlns:r="http://schemas.openxmlformats.org/officeDocument/2006/relationships" xmlns:p="http://schemas.openxmlformats.org/presentationml/2006/main">
   <p:cSld>
     <p:spTree>
@@ -13869,7 +14923,7 @@
 </p:sld>
 </file>
 
-<file path=ppt/slides/slide6.xml><?xml version="1.0" encoding="utf-8"?>
+<file path=ppt/slides/slide7.xml><?xml version="1.0" encoding="utf-8"?>
 <p:sld xmlns:a="http://schemas.openxmlformats.org/drawingml/2006/main" xmlns:r="http://schemas.openxmlformats.org/officeDocument/2006/relationships" xmlns:p="http://schemas.openxmlformats.org/presentationml/2006/main">
   <p:cSld>
     <p:spTree>
@@ -14830,7 +15884,7 @@
 </p:sld>
 </file>
 
-<file path=ppt/slides/slide7.xml><?xml version="1.0" encoding="utf-8"?>
+<file path=ppt/slides/slide8.xml><?xml version="1.0" encoding="utf-8"?>
 <p:sld xmlns:a="http://schemas.openxmlformats.org/drawingml/2006/main" xmlns:r="http://schemas.openxmlformats.org/officeDocument/2006/relationships" xmlns:p="http://schemas.openxmlformats.org/presentationml/2006/main">
   <p:cSld>
     <p:spTree>
@@ -15791,7 +16845,7 @@
 </p:sld>
 </file>
 
-<file path=ppt/slides/slide8.xml><?xml version="1.0" encoding="utf-8"?>
+<file path=ppt/slides/slide9.xml><?xml version="1.0" encoding="utf-8"?>
 <p:sld xmlns:a="http://schemas.openxmlformats.org/drawingml/2006/main" xmlns:r="http://schemas.openxmlformats.org/officeDocument/2006/relationships" xmlns:p="http://schemas.openxmlformats.org/presentationml/2006/main">
   <p:cSld>
     <p:spTree>
@@ -16739,961 +17793,6 @@
     <p:extLst>
       <p:ext uri="{BB962C8B-B14F-4D97-AF65-F5344CB8AC3E}">
         <p14:creationId xmlns:p14="http://schemas.microsoft.com/office/powerpoint/2010/main" val="1633536190"/>
-      </p:ext>
-    </p:extLst>
-  </p:cSld>
-  <p:clrMapOvr>
-    <a:masterClrMapping/>
-  </p:clrMapOvr>
-</p:sld>
-</file>
-
-<file path=ppt/slides/slide9.xml><?xml version="1.0" encoding="utf-8"?>
-<p:sld xmlns:a="http://schemas.openxmlformats.org/drawingml/2006/main" xmlns:r="http://schemas.openxmlformats.org/officeDocument/2006/relationships" xmlns:p="http://schemas.openxmlformats.org/presentationml/2006/main">
-  <p:cSld>
-    <p:spTree>
-      <p:nvGrpSpPr>
-        <p:cNvPr id="1" name=""/>
-        <p:cNvGrpSpPr/>
-        <p:nvPr/>
-      </p:nvGrpSpPr>
-      <p:grpSpPr>
-        <a:xfrm>
-          <a:off x="0" y="0"/>
-          <a:ext cx="0" cy="0"/>
-          <a:chOff x="0" y="0"/>
-          <a:chExt cx="0" cy="0"/>
-        </a:xfrm>
-      </p:grpSpPr>
-      <p:graphicFrame>
-        <p:nvGraphicFramePr>
-          <p:cNvPr id="43" name="Table 4">
-            <a:extLst>
-              <a:ext uri="{FF2B5EF4-FFF2-40B4-BE49-F238E27FC236}">
-                <a16:creationId xmlns:a16="http://schemas.microsoft.com/office/drawing/2014/main" id="{B22E9DDE-4573-94E5-1D52-A4487B2FBC56}"/>
-              </a:ext>
-            </a:extLst>
-          </p:cNvPr>
-          <p:cNvGraphicFramePr>
-            <a:graphicFrameLocks/>
-          </p:cNvGraphicFramePr>
-          <p:nvPr/>
-        </p:nvGraphicFramePr>
-        <p:xfrm>
-          <a:off x="838200" y="2111375"/>
-          <a:ext cx="10515600" cy="3570970"/>
-        </p:xfrm>
-        <a:graphic>
-          <a:graphicData uri="http://schemas.openxmlformats.org/drawingml/2006/table">
-            <a:tbl>
-              <a:tblPr firstRow="1" bandRow="1">
-                <a:tableStyleId>{7E9639D4-E3E2-4D34-9284-5A2195B3D0D7}</a:tableStyleId>
-              </a:tblPr>
-              <a:tblGrid>
-                <a:gridCol w="2103120">
-                  <a:extLst>
-                    <a:ext uri="{9D8B030D-6E8A-4147-A177-3AD203B41FA5}">
-                      <a16:colId xmlns:a16="http://schemas.microsoft.com/office/drawing/2014/main" val="3261104555"/>
-                    </a:ext>
-                  </a:extLst>
-                </a:gridCol>
-                <a:gridCol w="2103120">
-                  <a:extLst>
-                    <a:ext uri="{9D8B030D-6E8A-4147-A177-3AD203B41FA5}">
-                      <a16:colId xmlns:a16="http://schemas.microsoft.com/office/drawing/2014/main" val="2547279344"/>
-                    </a:ext>
-                  </a:extLst>
-                </a:gridCol>
-                <a:gridCol w="2103120">
-                  <a:extLst>
-                    <a:ext uri="{9D8B030D-6E8A-4147-A177-3AD203B41FA5}">
-                      <a16:colId xmlns:a16="http://schemas.microsoft.com/office/drawing/2014/main" val="2366228292"/>
-                    </a:ext>
-                  </a:extLst>
-                </a:gridCol>
-                <a:gridCol w="2103120">
-                  <a:extLst>
-                    <a:ext uri="{9D8B030D-6E8A-4147-A177-3AD203B41FA5}">
-                      <a16:colId xmlns:a16="http://schemas.microsoft.com/office/drawing/2014/main" val="934788178"/>
-                    </a:ext>
-                  </a:extLst>
-                </a:gridCol>
-                <a:gridCol w="2103120">
-                  <a:extLst>
-                    <a:ext uri="{9D8B030D-6E8A-4147-A177-3AD203B41FA5}">
-                      <a16:colId xmlns:a16="http://schemas.microsoft.com/office/drawing/2014/main" val="2596635212"/>
-                    </a:ext>
-                  </a:extLst>
-                </a:gridCol>
-              </a:tblGrid>
-              <a:tr h="714194">
-                <a:tc>
-                  <a:txBody>
-                    <a:bodyPr/>
-                    <a:lstStyle/>
-                    <a:p>
-                      <a:pPr algn="ctr" rtl="0" fontAlgn="auto"/>
-                      <a:r>
-                        <a:rPr lang="en-US" sz="1600" b="1" i="0" dirty="0">
-                          <a:solidFill>
-                            <a:srgbClr val="FFFFFF"/>
-                          </a:solidFill>
-                          <a:effectLst/>
-                          <a:latin typeface="+mn-lt"/>
-                        </a:rPr>
-                        <a:t>​</a:t>
-                      </a:r>
-                    </a:p>
-                  </a:txBody>
-                  <a:tcPr anchor="ctr"/>
-                </a:tc>
-                <a:tc>
-                  <a:txBody>
-                    <a:bodyPr/>
-                    <a:lstStyle/>
-                    <a:p>
-                      <a:pPr algn="ctr" rtl="0" fontAlgn="base"/>
-                      <a:r>
-                        <a:rPr lang="en-US" sz="1600" b="0" i="0" dirty="0">
-                          <a:solidFill>
-                            <a:schemeClr val="accent1"/>
-                          </a:solidFill>
-                          <a:effectLst/>
-                          <a:latin typeface="+mn-lt"/>
-                        </a:rPr>
-                        <a:t>CATEGORY 1</a:t>
-                      </a:r>
-                      <a:endParaRPr lang="en-US" sz="1600" b="1" i="0" dirty="0">
-                        <a:solidFill>
-                          <a:schemeClr val="accent1"/>
-                        </a:solidFill>
-                        <a:effectLst/>
-                        <a:latin typeface="+mn-lt"/>
-                      </a:endParaRPr>
-                    </a:p>
-                  </a:txBody>
-                  <a:tcPr anchor="ctr"/>
-                </a:tc>
-                <a:tc>
-                  <a:txBody>
-                    <a:bodyPr/>
-                    <a:lstStyle/>
-                    <a:p>
-                      <a:pPr algn="ctr" rtl="0" fontAlgn="base"/>
-                      <a:r>
-                        <a:rPr lang="en-US" sz="1600" b="0" i="0" dirty="0">
-                          <a:solidFill>
-                            <a:schemeClr val="accent1"/>
-                          </a:solidFill>
-                          <a:effectLst/>
-                          <a:latin typeface="+mn-lt"/>
-                        </a:rPr>
-                        <a:t>CATEGORY 2</a:t>
-                      </a:r>
-                      <a:endParaRPr lang="en-US" sz="1600" b="1" i="0" dirty="0">
-                        <a:solidFill>
-                          <a:schemeClr val="accent1"/>
-                        </a:solidFill>
-                        <a:effectLst/>
-                        <a:latin typeface="+mn-lt"/>
-                      </a:endParaRPr>
-                    </a:p>
-                  </a:txBody>
-                  <a:tcPr anchor="ctr"/>
-                </a:tc>
-                <a:tc>
-                  <a:txBody>
-                    <a:bodyPr/>
-                    <a:lstStyle/>
-                    <a:p>
-                      <a:pPr algn="ctr" rtl="0" fontAlgn="base"/>
-                      <a:r>
-                        <a:rPr lang="en-US" sz="1600" b="0" i="0" kern="1200" dirty="0">
-                          <a:solidFill>
-                            <a:schemeClr val="accent1"/>
-                          </a:solidFill>
-                          <a:effectLst/>
-                          <a:latin typeface="+mn-lt"/>
-                          <a:ea typeface="+mn-ea"/>
-                          <a:cs typeface="+mn-cs"/>
-                        </a:rPr>
-                        <a:t>CATEGORY 3</a:t>
-                      </a:r>
-                      <a:r>
-                        <a:rPr lang="en-US" sz="1600" b="1" i="0" dirty="0">
-                          <a:solidFill>
-                            <a:srgbClr val="FFFFFF"/>
-                          </a:solidFill>
-                          <a:effectLst/>
-                          <a:latin typeface="+mn-lt"/>
-                        </a:rPr>
-                        <a:t>​</a:t>
-                      </a:r>
-                    </a:p>
-                  </a:txBody>
-                  <a:tcPr anchor="ctr"/>
-                </a:tc>
-                <a:tc>
-                  <a:txBody>
-                    <a:bodyPr/>
-                    <a:lstStyle/>
-                    <a:p>
-                      <a:pPr algn="ctr" rtl="0" fontAlgn="base"/>
-                      <a:r>
-                        <a:rPr lang="en-US" sz="1600" b="0" i="0" kern="1200" dirty="0">
-                          <a:solidFill>
-                            <a:schemeClr val="accent1"/>
-                          </a:solidFill>
-                          <a:effectLst/>
-                          <a:latin typeface="+mn-lt"/>
-                          <a:ea typeface="+mn-ea"/>
-                          <a:cs typeface="+mn-cs"/>
-                        </a:rPr>
-                        <a:t>CATEGORY 4​</a:t>
-                      </a:r>
-                    </a:p>
-                  </a:txBody>
-                  <a:tcPr anchor="ctr"/>
-                </a:tc>
-                <a:extLst>
-                  <a:ext uri="{0D108BD9-81ED-4DB2-BD59-A6C34878D82A}">
-                    <a16:rowId xmlns:a16="http://schemas.microsoft.com/office/drawing/2014/main" val="3441328149"/>
-                  </a:ext>
-                </a:extLst>
-              </a:tr>
-              <a:tr h="714194">
-                <a:tc>
-                  <a:txBody>
-                    <a:bodyPr/>
-                    <a:lstStyle/>
-                    <a:p>
-                      <a:pPr algn="ctr" rtl="0" fontAlgn="base"/>
-                      <a:r>
-                        <a:rPr lang="en-US" sz="1400" b="0" i="0" dirty="0">
-                          <a:solidFill>
-                            <a:srgbClr val="333F50"/>
-                          </a:solidFill>
-                          <a:effectLst/>
-                          <a:latin typeface="+mn-lt"/>
-                        </a:rPr>
-                        <a:t>Q1</a:t>
-                      </a:r>
-                      <a:endParaRPr lang="en-US" sz="1400" b="0" i="0" dirty="0">
-                        <a:solidFill>
-                          <a:srgbClr val="000000"/>
-                        </a:solidFill>
-                        <a:effectLst/>
-                        <a:latin typeface="+mn-lt"/>
-                      </a:endParaRPr>
-                    </a:p>
-                  </a:txBody>
-                  <a:tcPr anchor="ctr">
-                    <a:lnL w="12700" cap="flat" cmpd="sng" algn="ctr">
-                      <a:noFill/>
-                      <a:prstDash val="solid"/>
-                      <a:round/>
-                      <a:headEnd type="none" w="med" len="med"/>
-                      <a:tailEnd type="none" w="med" len="med"/>
-                    </a:lnL>
-                  </a:tcPr>
-                </a:tc>
-                <a:tc>
-                  <a:txBody>
-                    <a:bodyPr/>
-                    <a:lstStyle/>
-                    <a:p>
-                      <a:pPr algn="ctr" rtl="0" fontAlgn="base"/>
-                      <a:r>
-                        <a:rPr lang="en-US" sz="1400" b="0" i="0" dirty="0">
-                          <a:solidFill>
-                            <a:srgbClr val="333F50"/>
-                          </a:solidFill>
-                          <a:effectLst/>
-                          <a:latin typeface="+mn-lt"/>
-                        </a:rPr>
-                        <a:t>4.5</a:t>
-                      </a:r>
-                      <a:r>
-                        <a:rPr lang="en-US" sz="1400" b="0" i="0" dirty="0">
-                          <a:solidFill>
-                            <a:srgbClr val="000000"/>
-                          </a:solidFill>
-                          <a:effectLst/>
-                          <a:latin typeface="+mn-lt"/>
-                        </a:rPr>
-                        <a:t>​</a:t>
-                      </a:r>
-                    </a:p>
-                  </a:txBody>
-                  <a:tcPr anchor="ctr"/>
-                </a:tc>
-                <a:tc>
-                  <a:txBody>
-                    <a:bodyPr/>
-                    <a:lstStyle/>
-                    <a:p>
-                      <a:pPr algn="ctr" rtl="0" fontAlgn="base"/>
-                      <a:r>
-                        <a:rPr lang="en-US" sz="1400" b="0" i="0" dirty="0">
-                          <a:solidFill>
-                            <a:srgbClr val="333F50"/>
-                          </a:solidFill>
-                          <a:effectLst/>
-                          <a:latin typeface="+mn-lt"/>
-                        </a:rPr>
-                        <a:t>2.3</a:t>
-                      </a:r>
-                      <a:r>
-                        <a:rPr lang="en-US" sz="1400" b="0" i="0" dirty="0">
-                          <a:solidFill>
-                            <a:srgbClr val="000000"/>
-                          </a:solidFill>
-                          <a:effectLst/>
-                          <a:latin typeface="+mn-lt"/>
-                        </a:rPr>
-                        <a:t>​</a:t>
-                      </a:r>
-                    </a:p>
-                  </a:txBody>
-                  <a:tcPr anchor="ctr"/>
-                </a:tc>
-                <a:tc>
-                  <a:txBody>
-                    <a:bodyPr/>
-                    <a:lstStyle/>
-                    <a:p>
-                      <a:pPr algn="ctr" rtl="0" fontAlgn="base"/>
-                      <a:r>
-                        <a:rPr lang="en-US" sz="1400" b="0" i="0" dirty="0">
-                          <a:solidFill>
-                            <a:srgbClr val="333F50"/>
-                          </a:solidFill>
-                          <a:effectLst/>
-                          <a:latin typeface="+mn-lt"/>
-                        </a:rPr>
-                        <a:t>1.7</a:t>
-                      </a:r>
-                      <a:r>
-                        <a:rPr lang="en-US" sz="1400" b="0" i="0" dirty="0">
-                          <a:solidFill>
-                            <a:srgbClr val="000000"/>
-                          </a:solidFill>
-                          <a:effectLst/>
-                          <a:latin typeface="+mn-lt"/>
-                        </a:rPr>
-                        <a:t>​</a:t>
-                      </a:r>
-                    </a:p>
-                  </a:txBody>
-                  <a:tcPr anchor="ctr">
-                    <a:lnR w="12700" cap="flat" cmpd="sng" algn="ctr">
-                      <a:noFill/>
-                      <a:prstDash val="solid"/>
-                      <a:round/>
-                      <a:headEnd type="none" w="med" len="med"/>
-                      <a:tailEnd type="none" w="med" len="med"/>
-                    </a:lnR>
-                  </a:tcPr>
-                </a:tc>
-                <a:tc>
-                  <a:txBody>
-                    <a:bodyPr/>
-                    <a:lstStyle/>
-                    <a:p>
-                      <a:pPr algn="ctr" rtl="0" fontAlgn="base"/>
-                      <a:r>
-                        <a:rPr lang="en-US" sz="1400" b="0" i="0" dirty="0">
-                          <a:solidFill>
-                            <a:srgbClr val="333F50"/>
-                          </a:solidFill>
-                          <a:effectLst/>
-                          <a:latin typeface="+mn-lt"/>
-                        </a:rPr>
-                        <a:t>5</a:t>
-                      </a:r>
-                      <a:r>
-                        <a:rPr lang="en-US" sz="1400" b="0" i="0" dirty="0">
-                          <a:solidFill>
-                            <a:srgbClr val="000000"/>
-                          </a:solidFill>
-                          <a:effectLst/>
-                          <a:latin typeface="+mn-lt"/>
-                        </a:rPr>
-                        <a:t>​.0</a:t>
-                      </a:r>
-                    </a:p>
-                  </a:txBody>
-                  <a:tcPr anchor="ctr">
-                    <a:lnL w="12700" cap="flat" cmpd="sng" algn="ctr">
-                      <a:noFill/>
-                      <a:prstDash val="solid"/>
-                      <a:round/>
-                      <a:headEnd type="none" w="med" len="med"/>
-                      <a:tailEnd type="none" w="med" len="med"/>
-                    </a:lnL>
-                    <a:lnR w="12700" cap="flat" cmpd="sng" algn="ctr">
-                      <a:noFill/>
-                      <a:prstDash val="solid"/>
-                      <a:round/>
-                      <a:headEnd type="none" w="med" len="med"/>
-                      <a:tailEnd type="none" w="med" len="med"/>
-                    </a:lnR>
-                  </a:tcPr>
-                </a:tc>
-                <a:extLst>
-                  <a:ext uri="{0D108BD9-81ED-4DB2-BD59-A6C34878D82A}">
-                    <a16:rowId xmlns:a16="http://schemas.microsoft.com/office/drawing/2014/main" val="3134841754"/>
-                  </a:ext>
-                </a:extLst>
-              </a:tr>
-              <a:tr h="714194">
-                <a:tc>
-                  <a:txBody>
-                    <a:bodyPr/>
-                    <a:lstStyle/>
-                    <a:p>
-                      <a:pPr algn="ctr" rtl="0" fontAlgn="base"/>
-                      <a:r>
-                        <a:rPr lang="en-US" sz="1400" b="0" i="0" dirty="0">
-                          <a:solidFill>
-                            <a:srgbClr val="333F50"/>
-                          </a:solidFill>
-                          <a:effectLst/>
-                          <a:latin typeface="+mn-lt"/>
-                        </a:rPr>
-                        <a:t>Q2</a:t>
-                      </a:r>
-                      <a:endParaRPr lang="en-US" sz="1400" b="0" i="0" dirty="0">
-                        <a:solidFill>
-                          <a:srgbClr val="000000"/>
-                        </a:solidFill>
-                        <a:effectLst/>
-                        <a:latin typeface="+mn-lt"/>
-                      </a:endParaRPr>
-                    </a:p>
-                  </a:txBody>
-                  <a:tcPr anchor="ctr">
-                    <a:lnL w="12700" cap="flat" cmpd="sng" algn="ctr">
-                      <a:noFill/>
-                      <a:prstDash val="solid"/>
-                      <a:round/>
-                      <a:headEnd type="none" w="med" len="med"/>
-                      <a:tailEnd type="none" w="med" len="med"/>
-                    </a:lnL>
-                  </a:tcPr>
-                </a:tc>
-                <a:tc>
-                  <a:txBody>
-                    <a:bodyPr/>
-                    <a:lstStyle/>
-                    <a:p>
-                      <a:pPr algn="ctr" rtl="0" fontAlgn="base"/>
-                      <a:r>
-                        <a:rPr lang="en-US" sz="1400" b="0" i="0" dirty="0">
-                          <a:solidFill>
-                            <a:srgbClr val="333F50"/>
-                          </a:solidFill>
-                          <a:effectLst/>
-                          <a:latin typeface="+mn-lt"/>
-                        </a:rPr>
-                        <a:t>3.2</a:t>
-                      </a:r>
-                      <a:r>
-                        <a:rPr lang="en-US" sz="1400" b="0" i="0" dirty="0">
-                          <a:solidFill>
-                            <a:srgbClr val="000000"/>
-                          </a:solidFill>
-                          <a:effectLst/>
-                          <a:latin typeface="+mn-lt"/>
-                        </a:rPr>
-                        <a:t>​</a:t>
-                      </a:r>
-                    </a:p>
-                  </a:txBody>
-                  <a:tcPr anchor="ctr"/>
-                </a:tc>
-                <a:tc>
-                  <a:txBody>
-                    <a:bodyPr/>
-                    <a:lstStyle/>
-                    <a:p>
-                      <a:pPr algn="ctr" rtl="0" fontAlgn="base"/>
-                      <a:r>
-                        <a:rPr lang="en-US" sz="1400" b="0" i="0" dirty="0">
-                          <a:solidFill>
-                            <a:srgbClr val="333F50"/>
-                          </a:solidFill>
-                          <a:effectLst/>
-                          <a:latin typeface="+mn-lt"/>
-                        </a:rPr>
-                        <a:t>5.1</a:t>
-                      </a:r>
-                      <a:r>
-                        <a:rPr lang="en-US" sz="1400" b="0" i="0" dirty="0">
-                          <a:solidFill>
-                            <a:srgbClr val="000000"/>
-                          </a:solidFill>
-                          <a:effectLst/>
-                          <a:latin typeface="+mn-lt"/>
-                        </a:rPr>
-                        <a:t>​</a:t>
-                      </a:r>
-                    </a:p>
-                  </a:txBody>
-                  <a:tcPr anchor="ctr"/>
-                </a:tc>
-                <a:tc>
-                  <a:txBody>
-                    <a:bodyPr/>
-                    <a:lstStyle/>
-                    <a:p>
-                      <a:pPr algn="ctr" rtl="0" fontAlgn="base"/>
-                      <a:r>
-                        <a:rPr lang="en-US" sz="1400" b="0" i="0" dirty="0">
-                          <a:solidFill>
-                            <a:srgbClr val="333F50"/>
-                          </a:solidFill>
-                          <a:effectLst/>
-                          <a:latin typeface="+mn-lt"/>
-                        </a:rPr>
-                        <a:t>4.4</a:t>
-                      </a:r>
-                      <a:r>
-                        <a:rPr lang="en-US" sz="1400" b="0" i="0" dirty="0">
-                          <a:solidFill>
-                            <a:srgbClr val="000000"/>
-                          </a:solidFill>
-                          <a:effectLst/>
-                          <a:latin typeface="+mn-lt"/>
-                        </a:rPr>
-                        <a:t>​</a:t>
-                      </a:r>
-                    </a:p>
-                  </a:txBody>
-                  <a:tcPr anchor="ctr"/>
-                </a:tc>
-                <a:tc>
-                  <a:txBody>
-                    <a:bodyPr/>
-                    <a:lstStyle/>
-                    <a:p>
-                      <a:pPr algn="ctr" rtl="0" fontAlgn="base"/>
-                      <a:r>
-                        <a:rPr lang="en-US" sz="1400" b="0" i="0" dirty="0">
-                          <a:solidFill>
-                            <a:srgbClr val="333F50"/>
-                          </a:solidFill>
-                          <a:effectLst/>
-                          <a:latin typeface="+mn-lt"/>
-                        </a:rPr>
-                        <a:t>3</a:t>
-                      </a:r>
-                      <a:r>
-                        <a:rPr lang="en-US" sz="1400" b="0" i="0" dirty="0">
-                          <a:solidFill>
-                            <a:srgbClr val="000000"/>
-                          </a:solidFill>
-                          <a:effectLst/>
-                          <a:latin typeface="+mn-lt"/>
-                        </a:rPr>
-                        <a:t>​.0</a:t>
-                      </a:r>
-                    </a:p>
-                  </a:txBody>
-                  <a:tcPr anchor="ctr">
-                    <a:lnR w="12700" cap="flat" cmpd="sng" algn="ctr">
-                      <a:noFill/>
-                      <a:prstDash val="solid"/>
-                      <a:round/>
-                      <a:headEnd type="none" w="med" len="med"/>
-                      <a:tailEnd type="none" w="med" len="med"/>
-                    </a:lnR>
-                  </a:tcPr>
-                </a:tc>
-                <a:extLst>
-                  <a:ext uri="{0D108BD9-81ED-4DB2-BD59-A6C34878D82A}">
-                    <a16:rowId xmlns:a16="http://schemas.microsoft.com/office/drawing/2014/main" val="4129140390"/>
-                  </a:ext>
-                </a:extLst>
-              </a:tr>
-              <a:tr h="714194">
-                <a:tc>
-                  <a:txBody>
-                    <a:bodyPr/>
-                    <a:lstStyle/>
-                    <a:p>
-                      <a:pPr algn="ctr" rtl="0" fontAlgn="base"/>
-                      <a:r>
-                        <a:rPr lang="en-US" sz="1400" b="0" i="0" dirty="0">
-                          <a:solidFill>
-                            <a:srgbClr val="333F50"/>
-                          </a:solidFill>
-                          <a:effectLst/>
-                          <a:latin typeface="+mn-lt"/>
-                        </a:rPr>
-                        <a:t>Q3</a:t>
-                      </a:r>
-                      <a:endParaRPr lang="en-US" sz="1400" b="0" i="0" dirty="0">
-                        <a:solidFill>
-                          <a:srgbClr val="000000"/>
-                        </a:solidFill>
-                        <a:effectLst/>
-                        <a:latin typeface="+mn-lt"/>
-                      </a:endParaRPr>
-                    </a:p>
-                  </a:txBody>
-                  <a:tcPr anchor="ctr">
-                    <a:lnL w="12700" cap="flat" cmpd="sng" algn="ctr">
-                      <a:noFill/>
-                      <a:prstDash val="solid"/>
-                      <a:round/>
-                      <a:headEnd type="none" w="med" len="med"/>
-                      <a:tailEnd type="none" w="med" len="med"/>
-                    </a:lnL>
-                  </a:tcPr>
-                </a:tc>
-                <a:tc>
-                  <a:txBody>
-                    <a:bodyPr/>
-                    <a:lstStyle/>
-                    <a:p>
-                      <a:pPr algn="ctr" rtl="0" fontAlgn="base"/>
-                      <a:r>
-                        <a:rPr lang="en-US" sz="1400" b="0" i="0" dirty="0">
-                          <a:solidFill>
-                            <a:srgbClr val="333F50"/>
-                          </a:solidFill>
-                          <a:effectLst/>
-                          <a:latin typeface="+mn-lt"/>
-                        </a:rPr>
-                        <a:t>2.1</a:t>
-                      </a:r>
-                      <a:r>
-                        <a:rPr lang="en-US" sz="1400" b="0" i="0" dirty="0">
-                          <a:solidFill>
-                            <a:srgbClr val="000000"/>
-                          </a:solidFill>
-                          <a:effectLst/>
-                          <a:latin typeface="+mn-lt"/>
-                        </a:rPr>
-                        <a:t>​</a:t>
-                      </a:r>
-                    </a:p>
-                  </a:txBody>
-                  <a:tcPr anchor="ctr"/>
-                </a:tc>
-                <a:tc>
-                  <a:txBody>
-                    <a:bodyPr/>
-                    <a:lstStyle/>
-                    <a:p>
-                      <a:pPr algn="ctr" rtl="0" fontAlgn="base"/>
-                      <a:r>
-                        <a:rPr lang="en-US" sz="1400" b="0" i="0" dirty="0">
-                          <a:solidFill>
-                            <a:srgbClr val="333F50"/>
-                          </a:solidFill>
-                          <a:effectLst/>
-                          <a:latin typeface="+mn-lt"/>
-                        </a:rPr>
-                        <a:t>1.7</a:t>
-                      </a:r>
-                      <a:r>
-                        <a:rPr lang="en-US" sz="1400" b="0" i="0" dirty="0">
-                          <a:solidFill>
-                            <a:srgbClr val="000000"/>
-                          </a:solidFill>
-                          <a:effectLst/>
-                          <a:latin typeface="+mn-lt"/>
-                        </a:rPr>
-                        <a:t>​</a:t>
-                      </a:r>
-                    </a:p>
-                  </a:txBody>
-                  <a:tcPr anchor="ctr"/>
-                </a:tc>
-                <a:tc>
-                  <a:txBody>
-                    <a:bodyPr/>
-                    <a:lstStyle/>
-                    <a:p>
-                      <a:pPr algn="ctr" rtl="0" fontAlgn="base"/>
-                      <a:r>
-                        <a:rPr lang="en-US" sz="1400" b="0" i="0" dirty="0">
-                          <a:solidFill>
-                            <a:srgbClr val="333F50"/>
-                          </a:solidFill>
-                          <a:effectLst/>
-                          <a:latin typeface="+mn-lt"/>
-                        </a:rPr>
-                        <a:t>2.5</a:t>
-                      </a:r>
-                      <a:r>
-                        <a:rPr lang="en-US" sz="1400" b="0" i="0" dirty="0">
-                          <a:solidFill>
-                            <a:srgbClr val="000000"/>
-                          </a:solidFill>
-                          <a:effectLst/>
-                          <a:latin typeface="+mn-lt"/>
-                        </a:rPr>
-                        <a:t>​</a:t>
-                      </a:r>
-                    </a:p>
-                  </a:txBody>
-                  <a:tcPr anchor="ctr"/>
-                </a:tc>
-                <a:tc>
-                  <a:txBody>
-                    <a:bodyPr/>
-                    <a:lstStyle/>
-                    <a:p>
-                      <a:pPr algn="ctr" rtl="0" fontAlgn="base"/>
-                      <a:r>
-                        <a:rPr lang="en-US" sz="1400" b="0" i="0" dirty="0">
-                          <a:solidFill>
-                            <a:srgbClr val="333F50"/>
-                          </a:solidFill>
-                          <a:effectLst/>
-                          <a:latin typeface="+mn-lt"/>
-                        </a:rPr>
-                        <a:t>2.8</a:t>
-                      </a:r>
-                      <a:r>
-                        <a:rPr lang="en-US" sz="1400" b="0" i="0" dirty="0">
-                          <a:solidFill>
-                            <a:srgbClr val="000000"/>
-                          </a:solidFill>
-                          <a:effectLst/>
-                          <a:latin typeface="+mn-lt"/>
-                        </a:rPr>
-                        <a:t>​</a:t>
-                      </a:r>
-                    </a:p>
-                  </a:txBody>
-                  <a:tcPr anchor="ctr">
-                    <a:lnR w="12700" cap="flat" cmpd="sng" algn="ctr">
-                      <a:noFill/>
-                      <a:prstDash val="solid"/>
-                      <a:round/>
-                      <a:headEnd type="none" w="med" len="med"/>
-                      <a:tailEnd type="none" w="med" len="med"/>
-                    </a:lnR>
-                  </a:tcPr>
-                </a:tc>
-                <a:extLst>
-                  <a:ext uri="{0D108BD9-81ED-4DB2-BD59-A6C34878D82A}">
-                    <a16:rowId xmlns:a16="http://schemas.microsoft.com/office/drawing/2014/main" val="1699990805"/>
-                  </a:ext>
-                </a:extLst>
-              </a:tr>
-              <a:tr h="714194">
-                <a:tc>
-                  <a:txBody>
-                    <a:bodyPr/>
-                    <a:lstStyle/>
-                    <a:p>
-                      <a:pPr algn="ctr" rtl="0" fontAlgn="base"/>
-                      <a:r>
-                        <a:rPr lang="en-US" sz="1400" b="0" i="0" dirty="0">
-                          <a:solidFill>
-                            <a:srgbClr val="333F50"/>
-                          </a:solidFill>
-                          <a:effectLst/>
-                          <a:latin typeface="+mn-lt"/>
-                        </a:rPr>
-                        <a:t>Q4</a:t>
-                      </a:r>
-                      <a:endParaRPr lang="en-US" sz="1400" b="0" i="0" dirty="0">
-                        <a:solidFill>
-                          <a:srgbClr val="000000"/>
-                        </a:solidFill>
-                        <a:effectLst/>
-                        <a:latin typeface="+mn-lt"/>
-                      </a:endParaRPr>
-                    </a:p>
-                  </a:txBody>
-                  <a:tcPr anchor="ctr">
-                    <a:lnL w="12700" cap="flat" cmpd="sng" algn="ctr">
-                      <a:noFill/>
-                      <a:prstDash val="solid"/>
-                      <a:round/>
-                      <a:headEnd type="none" w="med" len="med"/>
-                      <a:tailEnd type="none" w="med" len="med"/>
-                    </a:lnL>
-                  </a:tcPr>
-                </a:tc>
-                <a:tc>
-                  <a:txBody>
-                    <a:bodyPr/>
-                    <a:lstStyle/>
-                    <a:p>
-                      <a:pPr algn="ctr" rtl="0" fontAlgn="base"/>
-                      <a:r>
-                        <a:rPr lang="en-US" sz="1400" b="0" i="0" dirty="0">
-                          <a:solidFill>
-                            <a:srgbClr val="333F50"/>
-                          </a:solidFill>
-                          <a:effectLst/>
-                          <a:latin typeface="+mn-lt"/>
-                        </a:rPr>
-                        <a:t>4.5</a:t>
-                      </a:r>
-                      <a:r>
-                        <a:rPr lang="en-US" sz="1400" b="0" i="0" dirty="0">
-                          <a:solidFill>
-                            <a:srgbClr val="000000"/>
-                          </a:solidFill>
-                          <a:effectLst/>
-                          <a:latin typeface="+mn-lt"/>
-                        </a:rPr>
-                        <a:t>​</a:t>
-                      </a:r>
-                    </a:p>
-                  </a:txBody>
-                  <a:tcPr anchor="ctr"/>
-                </a:tc>
-                <a:tc>
-                  <a:txBody>
-                    <a:bodyPr/>
-                    <a:lstStyle/>
-                    <a:p>
-                      <a:pPr algn="ctr" rtl="0" fontAlgn="base"/>
-                      <a:r>
-                        <a:rPr lang="en-US" sz="1400" b="0" i="0" dirty="0">
-                          <a:solidFill>
-                            <a:srgbClr val="333F50"/>
-                          </a:solidFill>
-                          <a:effectLst/>
-                          <a:latin typeface="+mn-lt"/>
-                        </a:rPr>
-                        <a:t>2.2</a:t>
-                      </a:r>
-                      <a:r>
-                        <a:rPr lang="en-US" sz="1400" b="0" i="0" dirty="0">
-                          <a:solidFill>
-                            <a:srgbClr val="000000"/>
-                          </a:solidFill>
-                          <a:effectLst/>
-                          <a:latin typeface="+mn-lt"/>
-                        </a:rPr>
-                        <a:t>​</a:t>
-                      </a:r>
-                    </a:p>
-                  </a:txBody>
-                  <a:tcPr anchor="ctr"/>
-                </a:tc>
-                <a:tc>
-                  <a:txBody>
-                    <a:bodyPr/>
-                    <a:lstStyle/>
-                    <a:p>
-                      <a:pPr algn="ctr" rtl="0" fontAlgn="base"/>
-                      <a:r>
-                        <a:rPr lang="en-US" sz="1400" b="0" i="0" dirty="0">
-                          <a:solidFill>
-                            <a:srgbClr val="333F50"/>
-                          </a:solidFill>
-                          <a:effectLst/>
-                          <a:latin typeface="+mn-lt"/>
-                        </a:rPr>
-                        <a:t>1.7</a:t>
-                      </a:r>
-                      <a:r>
-                        <a:rPr lang="en-US" sz="1400" b="0" i="0" dirty="0">
-                          <a:solidFill>
-                            <a:srgbClr val="000000"/>
-                          </a:solidFill>
-                          <a:effectLst/>
-                          <a:latin typeface="+mn-lt"/>
-                        </a:rPr>
-                        <a:t>​</a:t>
-                      </a:r>
-                    </a:p>
-                  </a:txBody>
-                  <a:tcPr anchor="ctr"/>
-                </a:tc>
-                <a:tc>
-                  <a:txBody>
-                    <a:bodyPr/>
-                    <a:lstStyle/>
-                    <a:p>
-                      <a:pPr algn="ctr" rtl="0" fontAlgn="base"/>
-                      <a:r>
-                        <a:rPr lang="en-US" sz="1400" b="0" i="0" dirty="0">
-                          <a:solidFill>
-                            <a:srgbClr val="333F50"/>
-                          </a:solidFill>
-                          <a:effectLst/>
-                          <a:latin typeface="+mn-lt"/>
-                        </a:rPr>
-                        <a:t>7.0</a:t>
-                      </a:r>
-                      <a:endParaRPr lang="en-US" sz="1400" b="0" i="0" dirty="0">
-                        <a:solidFill>
-                          <a:srgbClr val="000000"/>
-                        </a:solidFill>
-                        <a:effectLst/>
-                        <a:latin typeface="+mn-lt"/>
-                      </a:endParaRPr>
-                    </a:p>
-                  </a:txBody>
-                  <a:tcPr anchor="ctr">
-                    <a:lnR w="12700" cap="flat" cmpd="sng" algn="ctr">
-                      <a:noFill/>
-                      <a:prstDash val="solid"/>
-                      <a:round/>
-                      <a:headEnd type="none" w="med" len="med"/>
-                      <a:tailEnd type="none" w="med" len="med"/>
-                    </a:lnR>
-                  </a:tcPr>
-                </a:tc>
-                <a:extLst>
-                  <a:ext uri="{0D108BD9-81ED-4DB2-BD59-A6C34878D82A}">
-                    <a16:rowId xmlns:a16="http://schemas.microsoft.com/office/drawing/2014/main" val="3388671141"/>
-                  </a:ext>
-                </a:extLst>
-              </a:tr>
-            </a:tbl>
-          </a:graphicData>
-        </a:graphic>
-      </p:graphicFrame>
-      <p:sp>
-        <p:nvSpPr>
-          <p:cNvPr id="5" name="Title 2">
-            <a:extLst>
-              <a:ext uri="{FF2B5EF4-FFF2-40B4-BE49-F238E27FC236}">
-                <a16:creationId xmlns:a16="http://schemas.microsoft.com/office/drawing/2014/main" id="{6E619B29-6836-A7CF-5BEB-7A66A4E56A42}"/>
-              </a:ext>
-            </a:extLst>
-          </p:cNvPr>
-          <p:cNvSpPr>
-            <a:spLocks noGrp="1"/>
-          </p:cNvSpPr>
-          <p:nvPr>
-            <p:ph type="title"/>
-          </p:nvPr>
-        </p:nvSpPr>
-        <p:spPr>
-          <a:xfrm>
-            <a:off x="838200" y="349626"/>
-            <a:ext cx="10515600" cy="1325563"/>
-          </a:xfrm>
-        </p:spPr>
-        <p:txBody>
-          <a:bodyPr/>
-          <a:lstStyle/>
-          <a:p>
-            <a:r>
-              <a:rPr lang="en-US" dirty="0"/>
-              <a:t>Graph 6</a:t>
-            </a:r>
-          </a:p>
-        </p:txBody>
-      </p:sp>
-    </p:spTree>
-    <p:extLst>
-      <p:ext uri="{BB962C8B-B14F-4D97-AF65-F5344CB8AC3E}">
-        <p14:creationId xmlns:p14="http://schemas.microsoft.com/office/powerpoint/2010/main" val="2187412862"/>
       </p:ext>
     </p:extLst>
   </p:cSld>
@@ -18495,34 +18594,6 @@
 </file>
 
 <file path=customXml/item1.xml><?xml version="1.0" encoding="utf-8"?>
-<p:properties xmlns:p="http://schemas.microsoft.com/office/2006/metadata/properties" xmlns:xsi="http://www.w3.org/2001/XMLSchema-instance" xmlns:pc="http://schemas.microsoft.com/office/infopath/2007/PartnerControls">
-  <documentManagement>
-    <_ip_UnifiedCompliancePolicyUIAction xmlns="http://schemas.microsoft.com/sharepoint/v3" xsi:nil="true"/>
-    <Image xmlns="71af3243-3dd4-4a8d-8c0d-dd76da1f02a5">
-      <Url xsi:nil="true"/>
-      <Description xsi:nil="true"/>
-    </Image>
-    <Status xmlns="71af3243-3dd4-4a8d-8c0d-dd76da1f02a5">Not started</Status>
-    <_ip_UnifiedCompliancePolicyProperties xmlns="http://schemas.microsoft.com/sharepoint/v3" xsi:nil="true"/>
-    <ImageTagsTaxHTField xmlns="71af3243-3dd4-4a8d-8c0d-dd76da1f02a5">
-      <Terms xmlns="http://schemas.microsoft.com/office/infopath/2007/PartnerControls"/>
-    </ImageTagsTaxHTField>
-    <TaxCatchAll xmlns="230e9df3-be65-4c73-a93b-d1236ebd677e"/>
-    <MediaServiceKeyPoints xmlns="71af3243-3dd4-4a8d-8c0d-dd76da1f02a5" xsi:nil="true"/>
-  </documentManagement>
-</p:properties>
-</file>
-
-<file path=customXml/item2.xml><?xml version="1.0" encoding="utf-8"?>
-<?mso-contentType ?>
-<FormTemplates xmlns="http://schemas.microsoft.com/sharepoint/v3/contenttype/forms">
-  <Display>DocumentLibraryForm</Display>
-  <Edit>DocumentLibraryForm</Edit>
-  <New>DocumentLibraryForm</New>
-</FormTemplates>
-</file>
-
-<file path=customXml/item3.xml><?xml version="1.0" encoding="utf-8"?>
 <ct:contentTypeSchema xmlns:ct="http://schemas.microsoft.com/office/2006/metadata/contentType" xmlns:ma="http://schemas.microsoft.com/office/2006/metadata/properties/metaAttributes" ct:_="" ma:_="" ma:contentTypeName="Document" ma:contentTypeID="0x01010079F111ED35F8CC479449609E8A0923A6" ma:contentTypeVersion="20" ma:contentTypeDescription="Create a new document." ma:contentTypeScope="" ma:versionID="1267097ee5f5874adfcc408041ae252e">
   <xsd:schema xmlns:xsd="http://www.w3.org/2001/XMLSchema" xmlns:xs="http://www.w3.org/2001/XMLSchema" xmlns:p="http://schemas.microsoft.com/office/2006/metadata/properties" xmlns:ns1="http://schemas.microsoft.com/sharepoint/v3" xmlns:ns2="71af3243-3dd4-4a8d-8c0d-dd76da1f02a5" xmlns:ns3="16c05727-aa75-4e4a-9b5f-8a80a1165891" xmlns:ns4="230e9df3-be65-4c73-a93b-d1236ebd677e" targetNamespace="http://schemas.microsoft.com/office/2006/metadata/properties" ma:root="true" ma:fieldsID="395891a93df65b14727750f2c06c306c" ns1:_="" ns2:_="" ns3:_="" ns4:_="">
     <xsd:import namespace="http://schemas.microsoft.com/sharepoint/v3"/>
@@ -18798,27 +18869,35 @@
 </ct:contentTypeSchema>
 </file>
 
-<file path=customXml/itemProps1.xml><?xml version="1.0" encoding="utf-8"?>
-<ds:datastoreItem xmlns:ds="http://schemas.openxmlformats.org/officeDocument/2006/customXml" ds:itemID="{4CC7F809-A434-4A8D-A127-1C50C2DB3890}">
-  <ds:schemaRefs>
-    <ds:schemaRef ds:uri="http://schemas.microsoft.com/office/2006/metadata/properties"/>
-    <ds:schemaRef ds:uri="http://schemas.microsoft.com/office/infopath/2007/PartnerControls"/>
-    <ds:schemaRef ds:uri="http://schemas.microsoft.com/sharepoint/v3"/>
-    <ds:schemaRef ds:uri="71af3243-3dd4-4a8d-8c0d-dd76da1f02a5"/>
-    <ds:schemaRef ds:uri="230e9df3-be65-4c73-a93b-d1236ebd677e"/>
-  </ds:schemaRefs>
-</ds:datastoreItem>
+<file path=customXml/item2.xml><?xml version="1.0" encoding="utf-8"?>
+<?mso-contentType ?>
+<FormTemplates xmlns="http://schemas.microsoft.com/sharepoint/v3/contenttype/forms">
+  <Display>DocumentLibraryForm</Display>
+  <Edit>DocumentLibraryForm</Edit>
+  <New>DocumentLibraryForm</New>
+</FormTemplates>
 </file>
 
-<file path=customXml/itemProps2.xml><?xml version="1.0" encoding="utf-8"?>
-<ds:datastoreItem xmlns:ds="http://schemas.openxmlformats.org/officeDocument/2006/customXml" ds:itemID="{BD5826B4-4DD2-4A9B-8D6D-E91CF9C2316C}">
-  <ds:schemaRefs>
-    <ds:schemaRef ds:uri="http://schemas.microsoft.com/sharepoint/v3/contenttype/forms"/>
-  </ds:schemaRefs>
-</ds:datastoreItem>
+<file path=customXml/item3.xml><?xml version="1.0" encoding="utf-8"?>
+<p:properties xmlns:p="http://schemas.microsoft.com/office/2006/metadata/properties" xmlns:xsi="http://www.w3.org/2001/XMLSchema-instance" xmlns:pc="http://schemas.microsoft.com/office/infopath/2007/PartnerControls">
+  <documentManagement>
+    <_ip_UnifiedCompliancePolicyUIAction xmlns="http://schemas.microsoft.com/sharepoint/v3" xsi:nil="true"/>
+    <Image xmlns="71af3243-3dd4-4a8d-8c0d-dd76da1f02a5">
+      <Url xsi:nil="true"/>
+      <Description xsi:nil="true"/>
+    </Image>
+    <Status xmlns="71af3243-3dd4-4a8d-8c0d-dd76da1f02a5">Not started</Status>
+    <_ip_UnifiedCompliancePolicyProperties xmlns="http://schemas.microsoft.com/sharepoint/v3" xsi:nil="true"/>
+    <ImageTagsTaxHTField xmlns="71af3243-3dd4-4a8d-8c0d-dd76da1f02a5">
+      <Terms xmlns="http://schemas.microsoft.com/office/infopath/2007/PartnerControls"/>
+    </ImageTagsTaxHTField>
+    <TaxCatchAll xmlns="230e9df3-be65-4c73-a93b-d1236ebd677e"/>
+    <MediaServiceKeyPoints xmlns="71af3243-3dd4-4a8d-8c0d-dd76da1f02a5" xsi:nil="true"/>
+  </documentManagement>
+</p:properties>
 </file>
 
-<file path=customXml/itemProps3.xml><?xml version="1.0" encoding="utf-8"?>
+<file path=customXml/itemProps1.xml><?xml version="1.0" encoding="utf-8"?>
 <ds:datastoreItem xmlns:ds="http://schemas.openxmlformats.org/officeDocument/2006/customXml" ds:itemID="{4DC6F004-8F9D-4F40-8394-6C4C67F70915}">
   <ds:schemaRefs>
     <ds:schemaRef ds:uri="http://schemas.microsoft.com/office/2006/metadata/contentType"/>
@@ -18839,6 +18918,26 @@
 </ds:datastoreItem>
 </file>
 
+<file path=customXml/itemProps2.xml><?xml version="1.0" encoding="utf-8"?>
+<ds:datastoreItem xmlns:ds="http://schemas.openxmlformats.org/officeDocument/2006/customXml" ds:itemID="{BD5826B4-4DD2-4A9B-8D6D-E91CF9C2316C}">
+  <ds:schemaRefs>
+    <ds:schemaRef ds:uri="http://schemas.microsoft.com/sharepoint/v3/contenttype/forms"/>
+  </ds:schemaRefs>
+</ds:datastoreItem>
+</file>
+
+<file path=customXml/itemProps3.xml><?xml version="1.0" encoding="utf-8"?>
+<ds:datastoreItem xmlns:ds="http://schemas.openxmlformats.org/officeDocument/2006/customXml" ds:itemID="{4CC7F809-A434-4A8D-A127-1C50C2DB3890}">
+  <ds:schemaRefs>
+    <ds:schemaRef ds:uri="http://schemas.microsoft.com/office/2006/metadata/properties"/>
+    <ds:schemaRef ds:uri="http://schemas.microsoft.com/office/infopath/2007/PartnerControls"/>
+    <ds:schemaRef ds:uri="http://schemas.microsoft.com/sharepoint/v3"/>
+    <ds:schemaRef ds:uri="71af3243-3dd4-4a8d-8c0d-dd76da1f02a5"/>
+    <ds:schemaRef ds:uri="230e9df3-be65-4c73-a93b-d1236ebd677e"/>
+  </ds:schemaRefs>
+</ds:datastoreItem>
+</file>
+
 <file path=docMetadata/LabelInfo.xml><?xml version="1.0" encoding="utf-8"?>
 <clbl:labelList xmlns:clbl="http://schemas.microsoft.com/office/2020/mipLabelMetadata">
   <clbl:label id="{f42aa342-8706-4288-bd11-ebb85995028c}" enabled="1" method="Standard" siteId="{72f988bf-86f1-41af-91ab-2d7cd011db47}" removed="0"/>

--- a/Presentation/slide_deck.pptx
+++ b/Presentation/slide_deck.pptx
@@ -13,9 +13,9 @@
   <p:sldIdLst>
     <p:sldId id="256" r:id="rId5"/>
     <p:sldId id="258" r:id="rId6"/>
-    <p:sldId id="266" r:id="rId7"/>
-    <p:sldId id="278" r:id="rId8"/>
-    <p:sldId id="269" r:id="rId9"/>
+    <p:sldId id="269" r:id="rId7"/>
+    <p:sldId id="266" r:id="rId8"/>
+    <p:sldId id="279" r:id="rId9"/>
     <p:sldId id="264" r:id="rId10"/>
     <p:sldId id="270" r:id="rId11"/>
     <p:sldId id="261" r:id="rId12"/>
@@ -12719,9 +12719,10 @@
           <a:lstStyle/>
           <a:p>
             <a:r>
-              <a:rPr lang="en-US" dirty="0"/>
-              <a:t>INTRODUCTION</a:t>
+              <a:rPr lang="en-US" sz="2800" dirty="0"/>
+              <a:t>Introduction</a:t>
             </a:r>
+            <a:endParaRPr lang="en-US" dirty="0"/>
           </a:p>
         </p:txBody>
       </p:sp>
@@ -12755,7 +12756,19 @@
           <a:p>
             <a:r>
               <a:rPr lang="en-US" sz="1600" dirty="0"/>
-              <a:t>Our objective is to see if the changes in the federal funds rates and mortgage rates are having an impact on the real estate markets in the Austin area. Impacts we focused on included housing sale prices, number of days on the market, and whether homes are being sold above or below listing price. </a:t>
+              <a:t>Objective:</a:t>
+            </a:r>
+          </a:p>
+          <a:p>
+            <a:r>
+              <a:rPr lang="en-US" sz="1600" dirty="0"/>
+              <a:t>See if the changes in the federal funds rates and mortgage rates are having an impact on the real estate markets in the Austin area. </a:t>
+            </a:r>
+          </a:p>
+          <a:p>
+            <a:r>
+              <a:rPr lang="en-US" sz="1600" dirty="0"/>
+              <a:t>Impacts we focused on included housing sale prices, inventory, and whether homes are being sold above or below listing price. </a:t>
             </a:r>
           </a:p>
         </p:txBody>
@@ -12790,109 +12803,157 @@
           <a:chExt cx="0" cy="0"/>
         </a:xfrm>
       </p:grpSpPr>
+      <p:pic>
+        <p:nvPicPr>
+          <p:cNvPr id="13" name="Picture 12">
+            <a:extLst>
+              <a:ext uri="{FF2B5EF4-FFF2-40B4-BE49-F238E27FC236}">
+                <a16:creationId xmlns:a16="http://schemas.microsoft.com/office/drawing/2014/main" id="{1334D90D-1327-BBD7-DF95-A40E448E0040}"/>
+              </a:ext>
+            </a:extLst>
+          </p:cNvPr>
+          <p:cNvPicPr>
+            <a:picLocks noChangeAspect="1"/>
+          </p:cNvPicPr>
+          <p:nvPr/>
+        </p:nvPicPr>
+        <p:blipFill>
+          <a:blip r:embed="rId2"/>
+          <a:stretch>
+            <a:fillRect/>
+          </a:stretch>
+        </p:blipFill>
+        <p:spPr>
+          <a:xfrm>
+            <a:off x="477255" y="508000"/>
+            <a:ext cx="5180358" cy="5842000"/>
+          </a:xfrm>
+          <a:prstGeom prst="rect">
+            <a:avLst/>
+          </a:prstGeom>
+        </p:spPr>
+      </p:pic>
       <p:sp>
         <p:nvSpPr>
-          <p:cNvPr id="2" name="Title 1">
+          <p:cNvPr id="14" name="TextBox 13">
             <a:extLst>
               <a:ext uri="{FF2B5EF4-FFF2-40B4-BE49-F238E27FC236}">
-                <a16:creationId xmlns:a16="http://schemas.microsoft.com/office/drawing/2014/main" id="{4518FC28-E0BD-4387-B8BE-9965D1A57FF1}"/>
+                <a16:creationId xmlns:a16="http://schemas.microsoft.com/office/drawing/2014/main" id="{9AB3697B-01C1-3EB1-10F1-D2BD16DA0C8C}"/>
               </a:ext>
             </a:extLst>
           </p:cNvPr>
-          <p:cNvSpPr>
-            <a:spLocks noGrp="1"/>
-          </p:cNvSpPr>
-          <p:nvPr>
-            <p:ph type="title"/>
-          </p:nvPr>
+          <p:cNvSpPr txBox="1"/>
+          <p:nvPr/>
         </p:nvSpPr>
         <p:spPr>
           <a:xfrm>
-            <a:off x="4469485" y="416277"/>
-            <a:ext cx="5111750" cy="1204912"/>
+            <a:off x="6388100" y="508000"/>
+            <a:ext cx="5275845" cy="2492990"/>
           </a:xfrm>
+          <a:prstGeom prst="rect">
+            <a:avLst/>
+          </a:prstGeom>
+          <a:noFill/>
         </p:spPr>
         <p:txBody>
-          <a:bodyPr/>
+          <a:bodyPr wrap="square" rtlCol="0">
+            <a:spAutoFit/>
+          </a:bodyPr>
           <a:lstStyle/>
           <a:p>
+            <a:pPr algn="ctr"/>
             <a:r>
               <a:rPr lang="en-US" dirty="0"/>
-              <a:t>Hypothesis</a:t>
+              <a:t>Austin, TX</a:t>
             </a:r>
           </a:p>
-        </p:txBody>
-      </p:sp>
-      <p:sp>
-        <p:nvSpPr>
-          <p:cNvPr id="3" name="Text Placeholder 2">
-            <a:extLst>
-              <a:ext uri="{FF2B5EF4-FFF2-40B4-BE49-F238E27FC236}">
-                <a16:creationId xmlns:a16="http://schemas.microsoft.com/office/drawing/2014/main" id="{FED19BCA-B61F-4EA6-A1FB-CCA3BD8506FB}"/>
-              </a:ext>
-            </a:extLst>
-          </p:cNvPr>
-          <p:cNvSpPr>
-            <a:spLocks noGrp="1"/>
-          </p:cNvSpPr>
-          <p:nvPr>
-            <p:ph type="body" idx="1"/>
-          </p:nvPr>
-        </p:nvSpPr>
-        <p:spPr>
-          <a:xfrm>
-            <a:off x="5337390" y="1888505"/>
-            <a:ext cx="5111750" cy="3080989"/>
-          </a:xfrm>
-        </p:spPr>
-        <p:txBody>
-          <a:bodyPr>
-            <a:normAutofit/>
-          </a:bodyPr>
-          <a:lstStyle/>
-          <a:p>
-            <a:pPr marL="342900" indent="-342900">
+          <a:p>
+            <a:pPr marL="285750" indent="-285750">
+              <a:buFont typeface="Arial" panose="020B0604020202020204" pitchFamily="34" charset="0"/>
+              <a:buChar char="•"/>
+            </a:pPr>
+            <a:endParaRPr lang="en-US" dirty="0"/>
+          </a:p>
+          <a:p>
+            <a:pPr marL="285750" indent="-285750">
               <a:buFont typeface="Arial" panose="020B0604020202020204" pitchFamily="34" charset="0"/>
               <a:buChar char="•"/>
             </a:pPr>
             <a:r>
               <a:rPr lang="en-US" sz="2000" dirty="0"/>
-              <a:t>Data sources</a:t>
+              <a:t>Known as a hot real estate market</a:t>
             </a:r>
           </a:p>
           <a:p>
-            <a:pPr marL="342900" indent="-342900">
+            <a:pPr marL="285750" indent="-285750">
+              <a:buFont typeface="Arial" panose="020B0604020202020204" pitchFamily="34" charset="0"/>
+              <a:buChar char="•"/>
+            </a:pPr>
+            <a:endParaRPr lang="en-US" sz="2000" dirty="0"/>
+          </a:p>
+          <a:p>
+            <a:pPr marL="285750" indent="-285750">
               <a:buFont typeface="Arial" panose="020B0604020202020204" pitchFamily="34" charset="0"/>
               <a:buChar char="•"/>
             </a:pPr>
             <a:r>
               <a:rPr lang="en-US" sz="2000" dirty="0"/>
-              <a:t>Merging data</a:t>
+              <a:t>Fed set lending rates to near 0% in 2020</a:t>
             </a:r>
           </a:p>
           <a:p>
-            <a:pPr marL="342900" indent="-342900">
+            <a:pPr marL="285750" indent="-285750">
+              <a:buFont typeface="Arial" panose="020B0604020202020204" pitchFamily="34" charset="0"/>
+              <a:buChar char="•"/>
+            </a:pPr>
+            <a:endParaRPr lang="en-US" sz="2000" dirty="0"/>
+          </a:p>
+          <a:p>
+            <a:pPr marL="285750" indent="-285750">
               <a:buFont typeface="Arial" panose="020B0604020202020204" pitchFamily="34" charset="0"/>
               <a:buChar char="•"/>
             </a:pPr>
             <a:r>
               <a:rPr lang="en-US" sz="2000" dirty="0"/>
-              <a:t>Data was narrowed down to most recent 10 years</a:t>
+              <a:t>~4 trillion US Dollars printed in reaction to Covid</a:t>
             </a:r>
-          </a:p>
-          <a:p>
-            <a:pPr marL="342900" indent="-342900">
-              <a:buFont typeface="Arial" panose="020B0604020202020204" pitchFamily="34" charset="0"/>
-              <a:buChar char="•"/>
-            </a:pPr>
-            <a:endParaRPr lang="en-US" sz="2000" dirty="0"/>
           </a:p>
         </p:txBody>
       </p:sp>
+      <p:pic>
+        <p:nvPicPr>
+          <p:cNvPr id="16" name="Picture 15">
+            <a:extLst>
+              <a:ext uri="{FF2B5EF4-FFF2-40B4-BE49-F238E27FC236}">
+                <a16:creationId xmlns:a16="http://schemas.microsoft.com/office/drawing/2014/main" id="{5B225BC4-93F4-B40C-739F-E2E1F771DED9}"/>
+              </a:ext>
+            </a:extLst>
+          </p:cNvPr>
+          <p:cNvPicPr>
+            <a:picLocks noChangeAspect="1"/>
+          </p:cNvPicPr>
+          <p:nvPr/>
+        </p:nvPicPr>
+        <p:blipFill>
+          <a:blip r:embed="rId3"/>
+          <a:stretch>
+            <a:fillRect/>
+          </a:stretch>
+        </p:blipFill>
+        <p:spPr>
+          <a:xfrm>
+            <a:off x="6388100" y="3232150"/>
+            <a:ext cx="4845050" cy="3120540"/>
+          </a:xfrm>
+          <a:prstGeom prst="rect">
+            <a:avLst/>
+          </a:prstGeom>
+        </p:spPr>
+      </p:pic>
     </p:spTree>
     <p:extLst>
       <p:ext uri="{BB962C8B-B14F-4D97-AF65-F5344CB8AC3E}">
-        <p14:creationId xmlns:p14="http://schemas.microsoft.com/office/powerpoint/2010/main" val="1742861620"/>
+        <p14:creationId xmlns:p14="http://schemas.microsoft.com/office/powerpoint/2010/main" val="2499682613"/>
       </p:ext>
     </p:extLst>
   </p:cSld>
@@ -12924,7 +12985,7 @@
           <p:cNvPr id="2" name="Title 1">
             <a:extLst>
               <a:ext uri="{FF2B5EF4-FFF2-40B4-BE49-F238E27FC236}">
-                <a16:creationId xmlns:a16="http://schemas.microsoft.com/office/drawing/2014/main" id="{0A32731C-311B-46F7-A865-6C3AF6B09A47}"/>
+                <a16:creationId xmlns:a16="http://schemas.microsoft.com/office/drawing/2014/main" id="{4518FC28-E0BD-4387-B8BE-9965D1A57FF1}"/>
               </a:ext>
             </a:extLst>
           </p:cNvPr>
@@ -12937,17 +12998,19 @@
         </p:nvSpPr>
         <p:spPr>
           <a:xfrm>
-            <a:off x="3540125" y="664249"/>
-            <a:ext cx="5111750" cy="1204912"/>
+            <a:off x="4469485" y="416277"/>
+            <a:ext cx="4452265" cy="866423"/>
           </a:xfrm>
         </p:spPr>
         <p:txBody>
-          <a:bodyPr/>
+          <a:bodyPr>
+            <a:normAutofit/>
+          </a:bodyPr>
           <a:lstStyle/>
           <a:p>
             <a:r>
-              <a:rPr lang="en-US" dirty="0"/>
-              <a:t>INTRODUCTION</a:t>
+              <a:rPr lang="en-US" sz="4800" dirty="0"/>
+              <a:t>Hypothesis</a:t>
             </a:r>
           </a:p>
         </p:txBody>
@@ -12957,7 +13020,7 @@
           <p:cNvPr id="3" name="Text Placeholder 2">
             <a:extLst>
               <a:ext uri="{FF2B5EF4-FFF2-40B4-BE49-F238E27FC236}">
-                <a16:creationId xmlns:a16="http://schemas.microsoft.com/office/drawing/2014/main" id="{9D5232F9-FD00-464A-9F17-619C91AEF8F3}"/>
+                <a16:creationId xmlns:a16="http://schemas.microsoft.com/office/drawing/2014/main" id="{FED19BCA-B61F-4EA6-A1FB-CCA3BD8506FB}"/>
               </a:ext>
             </a:extLst>
           </p:cNvPr>
@@ -12970,8 +13033,8 @@
         </p:nvSpPr>
         <p:spPr>
           <a:xfrm>
-            <a:off x="1362075" y="2666205"/>
-            <a:ext cx="5111750" cy="2463733"/>
+            <a:off x="5337390" y="1888505"/>
+            <a:ext cx="5876710" cy="3080989"/>
           </a:xfrm>
         </p:spPr>
         <p:txBody>
@@ -12981,16 +13044,20 @@
           <a:lstStyle/>
           <a:p>
             <a:r>
-              <a:rPr lang="en-US" sz="1600" dirty="0"/>
-              <a:t>Our objective is to see if the changes in the federal funds rates and mortgage rates are having an impact on the real estate markets in the Austin area. Impacts we focused on included housing sale prices, number of days on the market, and whether homes are being sold above or below listing price. </a:t>
+              <a:rPr lang="en-US" sz="2800" b="0" i="0" dirty="0">
+                <a:effectLst/>
+                <a:latin typeface="-apple-system"/>
+              </a:rPr>
+              <a:t>Fed rate increases are impacting the Austin real estate market by slowing it down.</a:t>
             </a:r>
+            <a:endParaRPr lang="en-US" sz="2800" dirty="0"/>
           </a:p>
         </p:txBody>
       </p:sp>
     </p:spTree>
     <p:extLst>
       <p:ext uri="{BB962C8B-B14F-4D97-AF65-F5344CB8AC3E}">
-        <p14:creationId xmlns:p14="http://schemas.microsoft.com/office/powerpoint/2010/main" val="4116196709"/>
+        <p14:creationId xmlns:p14="http://schemas.microsoft.com/office/powerpoint/2010/main" val="1742861620"/>
       </p:ext>
     </p:extLst>
   </p:cSld>
@@ -13035,8 +13102,8 @@
         </p:nvSpPr>
         <p:spPr>
           <a:xfrm>
-            <a:off x="838200" y="349626"/>
-            <a:ext cx="10515600" cy="1325563"/>
+            <a:off x="838200" y="349627"/>
+            <a:ext cx="10572750" cy="596524"/>
           </a:xfrm>
         </p:spPr>
         <p:txBody>
@@ -13045,914 +13112,45 @@
           <a:p>
             <a:r>
               <a:rPr lang="en-US" dirty="0"/>
-              <a:t>Graph 1</a:t>
+              <a:t>Geographic focus</a:t>
             </a:r>
           </a:p>
         </p:txBody>
       </p:sp>
-      <p:graphicFrame>
-        <p:nvGraphicFramePr>
-          <p:cNvPr id="4" name="Table 4">
+      <p:pic>
+        <p:nvPicPr>
+          <p:cNvPr id="7" name="Picture 6">
             <a:extLst>
               <a:ext uri="{FF2B5EF4-FFF2-40B4-BE49-F238E27FC236}">
-                <a16:creationId xmlns:a16="http://schemas.microsoft.com/office/drawing/2014/main" id="{390E7E75-E57A-4FF0-A0E4-A4DBCF6EA89A}"/>
+                <a16:creationId xmlns:a16="http://schemas.microsoft.com/office/drawing/2014/main" id="{49F8FB2C-E133-53E7-3BC7-33181C4FB041}"/>
               </a:ext>
             </a:extLst>
           </p:cNvPr>
-          <p:cNvGraphicFramePr>
-            <a:graphicFrameLocks noGrp="1"/>
-          </p:cNvGraphicFramePr>
-          <p:nvPr>
-            <p:ph type="tbl" sz="quarter" idx="14"/>
-            <p:extLst>
-              <p:ext uri="{D42A27DB-BD31-4B8C-83A1-F6EECF244321}">
-                <p14:modId xmlns:p14="http://schemas.microsoft.com/office/powerpoint/2010/main" val="3855681044"/>
-              </p:ext>
-            </p:extLst>
-          </p:nvPr>
-        </p:nvGraphicFramePr>
-        <p:xfrm>
-          <a:off x="838200" y="2111375"/>
-          <a:ext cx="10515600" cy="3570970"/>
-        </p:xfrm>
-        <a:graphic>
-          <a:graphicData uri="http://schemas.openxmlformats.org/drawingml/2006/table">
-            <a:tbl>
-              <a:tblPr firstRow="1" bandRow="1">
-                <a:tableStyleId>{7E9639D4-E3E2-4D34-9284-5A2195B3D0D7}</a:tableStyleId>
-              </a:tblPr>
-              <a:tblGrid>
-                <a:gridCol w="2103120">
-                  <a:extLst>
-                    <a:ext uri="{9D8B030D-6E8A-4147-A177-3AD203B41FA5}">
-                      <a16:colId xmlns:a16="http://schemas.microsoft.com/office/drawing/2014/main" val="3261104555"/>
-                    </a:ext>
-                  </a:extLst>
-                </a:gridCol>
-                <a:gridCol w="2103120">
-                  <a:extLst>
-                    <a:ext uri="{9D8B030D-6E8A-4147-A177-3AD203B41FA5}">
-                      <a16:colId xmlns:a16="http://schemas.microsoft.com/office/drawing/2014/main" val="2547279344"/>
-                    </a:ext>
-                  </a:extLst>
-                </a:gridCol>
-                <a:gridCol w="2103120">
-                  <a:extLst>
-                    <a:ext uri="{9D8B030D-6E8A-4147-A177-3AD203B41FA5}">
-                      <a16:colId xmlns:a16="http://schemas.microsoft.com/office/drawing/2014/main" val="2366228292"/>
-                    </a:ext>
-                  </a:extLst>
-                </a:gridCol>
-                <a:gridCol w="2103120">
-                  <a:extLst>
-                    <a:ext uri="{9D8B030D-6E8A-4147-A177-3AD203B41FA5}">
-                      <a16:colId xmlns:a16="http://schemas.microsoft.com/office/drawing/2014/main" val="934788178"/>
-                    </a:ext>
-                  </a:extLst>
-                </a:gridCol>
-                <a:gridCol w="2103120">
-                  <a:extLst>
-                    <a:ext uri="{9D8B030D-6E8A-4147-A177-3AD203B41FA5}">
-                      <a16:colId xmlns:a16="http://schemas.microsoft.com/office/drawing/2014/main" val="2596635212"/>
-                    </a:ext>
-                  </a:extLst>
-                </a:gridCol>
-              </a:tblGrid>
-              <a:tr h="714194">
-                <a:tc>
-                  <a:txBody>
-                    <a:bodyPr/>
-                    <a:lstStyle/>
-                    <a:p>
-                      <a:pPr algn="ctr" rtl="0" fontAlgn="auto"/>
-                      <a:r>
-                        <a:rPr lang="en-US" sz="1600" b="1" i="0" dirty="0">
-                          <a:solidFill>
-                            <a:srgbClr val="FFFFFF"/>
-                          </a:solidFill>
-                          <a:effectLst/>
-                          <a:latin typeface="+mn-lt"/>
-                        </a:rPr>
-                        <a:t>​</a:t>
-                      </a:r>
-                    </a:p>
-                  </a:txBody>
-                  <a:tcPr anchor="ctr"/>
-                </a:tc>
-                <a:tc>
-                  <a:txBody>
-                    <a:bodyPr/>
-                    <a:lstStyle/>
-                    <a:p>
-                      <a:pPr algn="ctr" rtl="0" fontAlgn="base"/>
-                      <a:r>
-                        <a:rPr lang="en-US" sz="1600" b="0" i="0" dirty="0">
-                          <a:solidFill>
-                            <a:schemeClr val="accent1"/>
-                          </a:solidFill>
-                          <a:effectLst/>
-                          <a:latin typeface="+mn-lt"/>
-                        </a:rPr>
-                        <a:t>CATEGORY 1</a:t>
-                      </a:r>
-                      <a:endParaRPr lang="en-US" sz="1600" b="1" i="0" dirty="0">
-                        <a:solidFill>
-                          <a:schemeClr val="accent1"/>
-                        </a:solidFill>
-                        <a:effectLst/>
-                        <a:latin typeface="+mn-lt"/>
-                      </a:endParaRPr>
-                    </a:p>
-                  </a:txBody>
-                  <a:tcPr anchor="ctr"/>
-                </a:tc>
-                <a:tc>
-                  <a:txBody>
-                    <a:bodyPr/>
-                    <a:lstStyle/>
-                    <a:p>
-                      <a:pPr algn="ctr" rtl="0" fontAlgn="base"/>
-                      <a:r>
-                        <a:rPr lang="en-US" sz="1600" b="0" i="0" dirty="0">
-                          <a:solidFill>
-                            <a:schemeClr val="accent1"/>
-                          </a:solidFill>
-                          <a:effectLst/>
-                          <a:latin typeface="+mn-lt"/>
-                        </a:rPr>
-                        <a:t>CATEGORY 2</a:t>
-                      </a:r>
-                      <a:endParaRPr lang="en-US" sz="1600" b="1" i="0" dirty="0">
-                        <a:solidFill>
-                          <a:schemeClr val="accent1"/>
-                        </a:solidFill>
-                        <a:effectLst/>
-                        <a:latin typeface="+mn-lt"/>
-                      </a:endParaRPr>
-                    </a:p>
-                  </a:txBody>
-                  <a:tcPr anchor="ctr"/>
-                </a:tc>
-                <a:tc>
-                  <a:txBody>
-                    <a:bodyPr/>
-                    <a:lstStyle/>
-                    <a:p>
-                      <a:pPr algn="ctr" rtl="0" fontAlgn="base"/>
-                      <a:r>
-                        <a:rPr lang="en-US" sz="1600" b="0" i="0" kern="1200" dirty="0">
-                          <a:solidFill>
-                            <a:schemeClr val="accent1"/>
-                          </a:solidFill>
-                          <a:effectLst/>
-                          <a:latin typeface="+mn-lt"/>
-                          <a:ea typeface="+mn-ea"/>
-                          <a:cs typeface="+mn-cs"/>
-                        </a:rPr>
-                        <a:t>CATEGORY 3</a:t>
-                      </a:r>
-                      <a:r>
-                        <a:rPr lang="en-US" sz="1600" b="1" i="0" dirty="0">
-                          <a:solidFill>
-                            <a:srgbClr val="FFFFFF"/>
-                          </a:solidFill>
-                          <a:effectLst/>
-                          <a:latin typeface="+mn-lt"/>
-                        </a:rPr>
-                        <a:t>​</a:t>
-                      </a:r>
-                    </a:p>
-                  </a:txBody>
-                  <a:tcPr anchor="ctr"/>
-                </a:tc>
-                <a:tc>
-                  <a:txBody>
-                    <a:bodyPr/>
-                    <a:lstStyle/>
-                    <a:p>
-                      <a:pPr algn="ctr" rtl="0" fontAlgn="base"/>
-                      <a:r>
-                        <a:rPr lang="en-US" sz="1600" b="0" i="0" kern="1200" dirty="0">
-                          <a:solidFill>
-                            <a:schemeClr val="accent1"/>
-                          </a:solidFill>
-                          <a:effectLst/>
-                          <a:latin typeface="+mn-lt"/>
-                          <a:ea typeface="+mn-ea"/>
-                          <a:cs typeface="+mn-cs"/>
-                        </a:rPr>
-                        <a:t>CATEGORY 4​</a:t>
-                      </a:r>
-                    </a:p>
-                  </a:txBody>
-                  <a:tcPr anchor="ctr"/>
-                </a:tc>
-                <a:extLst>
-                  <a:ext uri="{0D108BD9-81ED-4DB2-BD59-A6C34878D82A}">
-                    <a16:rowId xmlns:a16="http://schemas.microsoft.com/office/drawing/2014/main" val="3441328149"/>
-                  </a:ext>
-                </a:extLst>
-              </a:tr>
-              <a:tr h="714194">
-                <a:tc>
-                  <a:txBody>
-                    <a:bodyPr/>
-                    <a:lstStyle/>
-                    <a:p>
-                      <a:pPr algn="ctr" rtl="0" fontAlgn="base"/>
-                      <a:r>
-                        <a:rPr lang="en-US" sz="1400" b="0" i="0" dirty="0">
-                          <a:solidFill>
-                            <a:srgbClr val="333F50"/>
-                          </a:solidFill>
-                          <a:effectLst/>
-                          <a:latin typeface="+mn-lt"/>
-                        </a:rPr>
-                        <a:t>Q1</a:t>
-                      </a:r>
-                      <a:endParaRPr lang="en-US" sz="1400" b="0" i="0" dirty="0">
-                        <a:solidFill>
-                          <a:srgbClr val="000000"/>
-                        </a:solidFill>
-                        <a:effectLst/>
-                        <a:latin typeface="+mn-lt"/>
-                      </a:endParaRPr>
-                    </a:p>
-                  </a:txBody>
-                  <a:tcPr anchor="ctr">
-                    <a:lnL w="12700" cap="flat" cmpd="sng" algn="ctr">
-                      <a:noFill/>
-                      <a:prstDash val="solid"/>
-                      <a:round/>
-                      <a:headEnd type="none" w="med" len="med"/>
-                      <a:tailEnd type="none" w="med" len="med"/>
-                    </a:lnL>
-                  </a:tcPr>
-                </a:tc>
-                <a:tc>
-                  <a:txBody>
-                    <a:bodyPr/>
-                    <a:lstStyle/>
-                    <a:p>
-                      <a:pPr algn="ctr" rtl="0" fontAlgn="base"/>
-                      <a:r>
-                        <a:rPr lang="en-US" sz="1400" b="0" i="0" dirty="0">
-                          <a:solidFill>
-                            <a:srgbClr val="333F50"/>
-                          </a:solidFill>
-                          <a:effectLst/>
-                          <a:latin typeface="+mn-lt"/>
-                        </a:rPr>
-                        <a:t>4.5</a:t>
-                      </a:r>
-                      <a:r>
-                        <a:rPr lang="en-US" sz="1400" b="0" i="0" dirty="0">
-                          <a:solidFill>
-                            <a:srgbClr val="000000"/>
-                          </a:solidFill>
-                          <a:effectLst/>
-                          <a:latin typeface="+mn-lt"/>
-                        </a:rPr>
-                        <a:t>​</a:t>
-                      </a:r>
-                    </a:p>
-                  </a:txBody>
-                  <a:tcPr anchor="ctr"/>
-                </a:tc>
-                <a:tc>
-                  <a:txBody>
-                    <a:bodyPr/>
-                    <a:lstStyle/>
-                    <a:p>
-                      <a:pPr algn="ctr" rtl="0" fontAlgn="base"/>
-                      <a:r>
-                        <a:rPr lang="en-US" sz="1400" b="0" i="0" dirty="0">
-                          <a:solidFill>
-                            <a:srgbClr val="333F50"/>
-                          </a:solidFill>
-                          <a:effectLst/>
-                          <a:latin typeface="+mn-lt"/>
-                        </a:rPr>
-                        <a:t>2.3</a:t>
-                      </a:r>
-                      <a:r>
-                        <a:rPr lang="en-US" sz="1400" b="0" i="0" dirty="0">
-                          <a:solidFill>
-                            <a:srgbClr val="000000"/>
-                          </a:solidFill>
-                          <a:effectLst/>
-                          <a:latin typeface="+mn-lt"/>
-                        </a:rPr>
-                        <a:t>​</a:t>
-                      </a:r>
-                    </a:p>
-                  </a:txBody>
-                  <a:tcPr anchor="ctr"/>
-                </a:tc>
-                <a:tc>
-                  <a:txBody>
-                    <a:bodyPr/>
-                    <a:lstStyle/>
-                    <a:p>
-                      <a:pPr algn="ctr" rtl="0" fontAlgn="base"/>
-                      <a:r>
-                        <a:rPr lang="en-US" sz="1400" b="0" i="0" dirty="0">
-                          <a:solidFill>
-                            <a:srgbClr val="333F50"/>
-                          </a:solidFill>
-                          <a:effectLst/>
-                          <a:latin typeface="+mn-lt"/>
-                        </a:rPr>
-                        <a:t>1.7</a:t>
-                      </a:r>
-                      <a:r>
-                        <a:rPr lang="en-US" sz="1400" b="0" i="0" dirty="0">
-                          <a:solidFill>
-                            <a:srgbClr val="000000"/>
-                          </a:solidFill>
-                          <a:effectLst/>
-                          <a:latin typeface="+mn-lt"/>
-                        </a:rPr>
-                        <a:t>​</a:t>
-                      </a:r>
-                    </a:p>
-                  </a:txBody>
-                  <a:tcPr anchor="ctr">
-                    <a:lnR w="12700" cap="flat" cmpd="sng" algn="ctr">
-                      <a:noFill/>
-                      <a:prstDash val="solid"/>
-                      <a:round/>
-                      <a:headEnd type="none" w="med" len="med"/>
-                      <a:tailEnd type="none" w="med" len="med"/>
-                    </a:lnR>
-                  </a:tcPr>
-                </a:tc>
-                <a:tc>
-                  <a:txBody>
-                    <a:bodyPr/>
-                    <a:lstStyle/>
-                    <a:p>
-                      <a:pPr algn="ctr" rtl="0" fontAlgn="base"/>
-                      <a:r>
-                        <a:rPr lang="en-US" sz="1400" b="0" i="0" dirty="0">
-                          <a:solidFill>
-                            <a:srgbClr val="333F50"/>
-                          </a:solidFill>
-                          <a:effectLst/>
-                          <a:latin typeface="+mn-lt"/>
-                        </a:rPr>
-                        <a:t>5</a:t>
-                      </a:r>
-                      <a:r>
-                        <a:rPr lang="en-US" sz="1400" b="0" i="0" dirty="0">
-                          <a:solidFill>
-                            <a:srgbClr val="000000"/>
-                          </a:solidFill>
-                          <a:effectLst/>
-                          <a:latin typeface="+mn-lt"/>
-                        </a:rPr>
-                        <a:t>​.0</a:t>
-                      </a:r>
-                    </a:p>
-                  </a:txBody>
-                  <a:tcPr anchor="ctr">
-                    <a:lnL w="12700" cap="flat" cmpd="sng" algn="ctr">
-                      <a:noFill/>
-                      <a:prstDash val="solid"/>
-                      <a:round/>
-                      <a:headEnd type="none" w="med" len="med"/>
-                      <a:tailEnd type="none" w="med" len="med"/>
-                    </a:lnL>
-                    <a:lnR w="12700" cap="flat" cmpd="sng" algn="ctr">
-                      <a:noFill/>
-                      <a:prstDash val="solid"/>
-                      <a:round/>
-                      <a:headEnd type="none" w="med" len="med"/>
-                      <a:tailEnd type="none" w="med" len="med"/>
-                    </a:lnR>
-                  </a:tcPr>
-                </a:tc>
-                <a:extLst>
-                  <a:ext uri="{0D108BD9-81ED-4DB2-BD59-A6C34878D82A}">
-                    <a16:rowId xmlns:a16="http://schemas.microsoft.com/office/drawing/2014/main" val="3134841754"/>
-                  </a:ext>
-                </a:extLst>
-              </a:tr>
-              <a:tr h="714194">
-                <a:tc>
-                  <a:txBody>
-                    <a:bodyPr/>
-                    <a:lstStyle/>
-                    <a:p>
-                      <a:pPr algn="ctr" rtl="0" fontAlgn="base"/>
-                      <a:r>
-                        <a:rPr lang="en-US" sz="1400" b="0" i="0" dirty="0">
-                          <a:solidFill>
-                            <a:srgbClr val="333F50"/>
-                          </a:solidFill>
-                          <a:effectLst/>
-                          <a:latin typeface="+mn-lt"/>
-                        </a:rPr>
-                        <a:t>Q2</a:t>
-                      </a:r>
-                      <a:endParaRPr lang="en-US" sz="1400" b="0" i="0" dirty="0">
-                        <a:solidFill>
-                          <a:srgbClr val="000000"/>
-                        </a:solidFill>
-                        <a:effectLst/>
-                        <a:latin typeface="+mn-lt"/>
-                      </a:endParaRPr>
-                    </a:p>
-                  </a:txBody>
-                  <a:tcPr anchor="ctr">
-                    <a:lnL w="12700" cap="flat" cmpd="sng" algn="ctr">
-                      <a:noFill/>
-                      <a:prstDash val="solid"/>
-                      <a:round/>
-                      <a:headEnd type="none" w="med" len="med"/>
-                      <a:tailEnd type="none" w="med" len="med"/>
-                    </a:lnL>
-                  </a:tcPr>
-                </a:tc>
-                <a:tc>
-                  <a:txBody>
-                    <a:bodyPr/>
-                    <a:lstStyle/>
-                    <a:p>
-                      <a:pPr algn="ctr" rtl="0" fontAlgn="base"/>
-                      <a:r>
-                        <a:rPr lang="en-US" sz="1400" b="0" i="0" dirty="0">
-                          <a:solidFill>
-                            <a:srgbClr val="333F50"/>
-                          </a:solidFill>
-                          <a:effectLst/>
-                          <a:latin typeface="+mn-lt"/>
-                        </a:rPr>
-                        <a:t>3.2</a:t>
-                      </a:r>
-                      <a:r>
-                        <a:rPr lang="en-US" sz="1400" b="0" i="0" dirty="0">
-                          <a:solidFill>
-                            <a:srgbClr val="000000"/>
-                          </a:solidFill>
-                          <a:effectLst/>
-                          <a:latin typeface="+mn-lt"/>
-                        </a:rPr>
-                        <a:t>​</a:t>
-                      </a:r>
-                    </a:p>
-                  </a:txBody>
-                  <a:tcPr anchor="ctr"/>
-                </a:tc>
-                <a:tc>
-                  <a:txBody>
-                    <a:bodyPr/>
-                    <a:lstStyle/>
-                    <a:p>
-                      <a:pPr algn="ctr" rtl="0" fontAlgn="base"/>
-                      <a:r>
-                        <a:rPr lang="en-US" sz="1400" b="0" i="0" dirty="0">
-                          <a:solidFill>
-                            <a:srgbClr val="333F50"/>
-                          </a:solidFill>
-                          <a:effectLst/>
-                          <a:latin typeface="+mn-lt"/>
-                        </a:rPr>
-                        <a:t>5.1</a:t>
-                      </a:r>
-                      <a:r>
-                        <a:rPr lang="en-US" sz="1400" b="0" i="0" dirty="0">
-                          <a:solidFill>
-                            <a:srgbClr val="000000"/>
-                          </a:solidFill>
-                          <a:effectLst/>
-                          <a:latin typeface="+mn-lt"/>
-                        </a:rPr>
-                        <a:t>​</a:t>
-                      </a:r>
-                    </a:p>
-                  </a:txBody>
-                  <a:tcPr anchor="ctr"/>
-                </a:tc>
-                <a:tc>
-                  <a:txBody>
-                    <a:bodyPr/>
-                    <a:lstStyle/>
-                    <a:p>
-                      <a:pPr algn="ctr" rtl="0" fontAlgn="base"/>
-                      <a:r>
-                        <a:rPr lang="en-US" sz="1400" b="0" i="0" dirty="0">
-                          <a:solidFill>
-                            <a:srgbClr val="333F50"/>
-                          </a:solidFill>
-                          <a:effectLst/>
-                          <a:latin typeface="+mn-lt"/>
-                        </a:rPr>
-                        <a:t>4.4</a:t>
-                      </a:r>
-                      <a:r>
-                        <a:rPr lang="en-US" sz="1400" b="0" i="0" dirty="0">
-                          <a:solidFill>
-                            <a:srgbClr val="000000"/>
-                          </a:solidFill>
-                          <a:effectLst/>
-                          <a:latin typeface="+mn-lt"/>
-                        </a:rPr>
-                        <a:t>​</a:t>
-                      </a:r>
-                    </a:p>
-                  </a:txBody>
-                  <a:tcPr anchor="ctr"/>
-                </a:tc>
-                <a:tc>
-                  <a:txBody>
-                    <a:bodyPr/>
-                    <a:lstStyle/>
-                    <a:p>
-                      <a:pPr algn="ctr" rtl="0" fontAlgn="base"/>
-                      <a:r>
-                        <a:rPr lang="en-US" sz="1400" b="0" i="0" dirty="0">
-                          <a:solidFill>
-                            <a:srgbClr val="333F50"/>
-                          </a:solidFill>
-                          <a:effectLst/>
-                          <a:latin typeface="+mn-lt"/>
-                        </a:rPr>
-                        <a:t>3</a:t>
-                      </a:r>
-                      <a:r>
-                        <a:rPr lang="en-US" sz="1400" b="0" i="0" dirty="0">
-                          <a:solidFill>
-                            <a:srgbClr val="000000"/>
-                          </a:solidFill>
-                          <a:effectLst/>
-                          <a:latin typeface="+mn-lt"/>
-                        </a:rPr>
-                        <a:t>​.0</a:t>
-                      </a:r>
-                    </a:p>
-                  </a:txBody>
-                  <a:tcPr anchor="ctr">
-                    <a:lnR w="12700" cap="flat" cmpd="sng" algn="ctr">
-                      <a:noFill/>
-                      <a:prstDash val="solid"/>
-                      <a:round/>
-                      <a:headEnd type="none" w="med" len="med"/>
-                      <a:tailEnd type="none" w="med" len="med"/>
-                    </a:lnR>
-                  </a:tcPr>
-                </a:tc>
-                <a:extLst>
-                  <a:ext uri="{0D108BD9-81ED-4DB2-BD59-A6C34878D82A}">
-                    <a16:rowId xmlns:a16="http://schemas.microsoft.com/office/drawing/2014/main" val="4129140390"/>
-                  </a:ext>
-                </a:extLst>
-              </a:tr>
-              <a:tr h="714194">
-                <a:tc>
-                  <a:txBody>
-                    <a:bodyPr/>
-                    <a:lstStyle/>
-                    <a:p>
-                      <a:pPr algn="ctr" rtl="0" fontAlgn="base"/>
-                      <a:r>
-                        <a:rPr lang="en-US" sz="1400" b="0" i="0" dirty="0">
-                          <a:solidFill>
-                            <a:srgbClr val="333F50"/>
-                          </a:solidFill>
-                          <a:effectLst/>
-                          <a:latin typeface="+mn-lt"/>
-                        </a:rPr>
-                        <a:t>Q3</a:t>
-                      </a:r>
-                      <a:endParaRPr lang="en-US" sz="1400" b="0" i="0" dirty="0">
-                        <a:solidFill>
-                          <a:srgbClr val="000000"/>
-                        </a:solidFill>
-                        <a:effectLst/>
-                        <a:latin typeface="+mn-lt"/>
-                      </a:endParaRPr>
-                    </a:p>
-                  </a:txBody>
-                  <a:tcPr anchor="ctr">
-                    <a:lnL w="12700" cap="flat" cmpd="sng" algn="ctr">
-                      <a:noFill/>
-                      <a:prstDash val="solid"/>
-                      <a:round/>
-                      <a:headEnd type="none" w="med" len="med"/>
-                      <a:tailEnd type="none" w="med" len="med"/>
-                    </a:lnL>
-                  </a:tcPr>
-                </a:tc>
-                <a:tc>
-                  <a:txBody>
-                    <a:bodyPr/>
-                    <a:lstStyle/>
-                    <a:p>
-                      <a:pPr algn="ctr" rtl="0" fontAlgn="base"/>
-                      <a:r>
-                        <a:rPr lang="en-US" sz="1400" b="0" i="0" dirty="0">
-                          <a:solidFill>
-                            <a:srgbClr val="333F50"/>
-                          </a:solidFill>
-                          <a:effectLst/>
-                          <a:latin typeface="+mn-lt"/>
-                        </a:rPr>
-                        <a:t>2.1</a:t>
-                      </a:r>
-                      <a:r>
-                        <a:rPr lang="en-US" sz="1400" b="0" i="0" dirty="0">
-                          <a:solidFill>
-                            <a:srgbClr val="000000"/>
-                          </a:solidFill>
-                          <a:effectLst/>
-                          <a:latin typeface="+mn-lt"/>
-                        </a:rPr>
-                        <a:t>​</a:t>
-                      </a:r>
-                    </a:p>
-                  </a:txBody>
-                  <a:tcPr anchor="ctr"/>
-                </a:tc>
-                <a:tc>
-                  <a:txBody>
-                    <a:bodyPr/>
-                    <a:lstStyle/>
-                    <a:p>
-                      <a:pPr algn="ctr" rtl="0" fontAlgn="base"/>
-                      <a:r>
-                        <a:rPr lang="en-US" sz="1400" b="0" i="0" dirty="0">
-                          <a:solidFill>
-                            <a:srgbClr val="333F50"/>
-                          </a:solidFill>
-                          <a:effectLst/>
-                          <a:latin typeface="+mn-lt"/>
-                        </a:rPr>
-                        <a:t>1.7</a:t>
-                      </a:r>
-                      <a:r>
-                        <a:rPr lang="en-US" sz="1400" b="0" i="0" dirty="0">
-                          <a:solidFill>
-                            <a:srgbClr val="000000"/>
-                          </a:solidFill>
-                          <a:effectLst/>
-                          <a:latin typeface="+mn-lt"/>
-                        </a:rPr>
-                        <a:t>​</a:t>
-                      </a:r>
-                    </a:p>
-                  </a:txBody>
-                  <a:tcPr anchor="ctr"/>
-                </a:tc>
-                <a:tc>
-                  <a:txBody>
-                    <a:bodyPr/>
-                    <a:lstStyle/>
-                    <a:p>
-                      <a:pPr algn="ctr" rtl="0" fontAlgn="base"/>
-                      <a:r>
-                        <a:rPr lang="en-US" sz="1400" b="0" i="0" dirty="0">
-                          <a:solidFill>
-                            <a:srgbClr val="333F50"/>
-                          </a:solidFill>
-                          <a:effectLst/>
-                          <a:latin typeface="+mn-lt"/>
-                        </a:rPr>
-                        <a:t>2.5</a:t>
-                      </a:r>
-                      <a:r>
-                        <a:rPr lang="en-US" sz="1400" b="0" i="0" dirty="0">
-                          <a:solidFill>
-                            <a:srgbClr val="000000"/>
-                          </a:solidFill>
-                          <a:effectLst/>
-                          <a:latin typeface="+mn-lt"/>
-                        </a:rPr>
-                        <a:t>​</a:t>
-                      </a:r>
-                    </a:p>
-                  </a:txBody>
-                  <a:tcPr anchor="ctr"/>
-                </a:tc>
-                <a:tc>
-                  <a:txBody>
-                    <a:bodyPr/>
-                    <a:lstStyle/>
-                    <a:p>
-                      <a:pPr algn="ctr" rtl="0" fontAlgn="base"/>
-                      <a:r>
-                        <a:rPr lang="en-US" sz="1400" b="0" i="0" dirty="0">
-                          <a:solidFill>
-                            <a:srgbClr val="333F50"/>
-                          </a:solidFill>
-                          <a:effectLst/>
-                          <a:latin typeface="+mn-lt"/>
-                        </a:rPr>
-                        <a:t>2.8</a:t>
-                      </a:r>
-                      <a:r>
-                        <a:rPr lang="en-US" sz="1400" b="0" i="0" dirty="0">
-                          <a:solidFill>
-                            <a:srgbClr val="000000"/>
-                          </a:solidFill>
-                          <a:effectLst/>
-                          <a:latin typeface="+mn-lt"/>
-                        </a:rPr>
-                        <a:t>​</a:t>
-                      </a:r>
-                    </a:p>
-                  </a:txBody>
-                  <a:tcPr anchor="ctr">
-                    <a:lnR w="12700" cap="flat" cmpd="sng" algn="ctr">
-                      <a:noFill/>
-                      <a:prstDash val="solid"/>
-                      <a:round/>
-                      <a:headEnd type="none" w="med" len="med"/>
-                      <a:tailEnd type="none" w="med" len="med"/>
-                    </a:lnR>
-                  </a:tcPr>
-                </a:tc>
-                <a:extLst>
-                  <a:ext uri="{0D108BD9-81ED-4DB2-BD59-A6C34878D82A}">
-                    <a16:rowId xmlns:a16="http://schemas.microsoft.com/office/drawing/2014/main" val="1699990805"/>
-                  </a:ext>
-                </a:extLst>
-              </a:tr>
-              <a:tr h="714194">
-                <a:tc>
-                  <a:txBody>
-                    <a:bodyPr/>
-                    <a:lstStyle/>
-                    <a:p>
-                      <a:pPr algn="ctr" rtl="0" fontAlgn="base"/>
-                      <a:r>
-                        <a:rPr lang="en-US" sz="1400" b="0" i="0" dirty="0">
-                          <a:solidFill>
-                            <a:srgbClr val="333F50"/>
-                          </a:solidFill>
-                          <a:effectLst/>
-                          <a:latin typeface="+mn-lt"/>
-                        </a:rPr>
-                        <a:t>Q4</a:t>
-                      </a:r>
-                      <a:endParaRPr lang="en-US" sz="1400" b="0" i="0" dirty="0">
-                        <a:solidFill>
-                          <a:srgbClr val="000000"/>
-                        </a:solidFill>
-                        <a:effectLst/>
-                        <a:latin typeface="+mn-lt"/>
-                      </a:endParaRPr>
-                    </a:p>
-                  </a:txBody>
-                  <a:tcPr anchor="ctr">
-                    <a:lnL w="12700" cap="flat" cmpd="sng" algn="ctr">
-                      <a:noFill/>
-                      <a:prstDash val="solid"/>
-                      <a:round/>
-                      <a:headEnd type="none" w="med" len="med"/>
-                      <a:tailEnd type="none" w="med" len="med"/>
-                    </a:lnL>
-                  </a:tcPr>
-                </a:tc>
-                <a:tc>
-                  <a:txBody>
-                    <a:bodyPr/>
-                    <a:lstStyle/>
-                    <a:p>
-                      <a:pPr algn="ctr" rtl="0" fontAlgn="base"/>
-                      <a:r>
-                        <a:rPr lang="en-US" sz="1400" b="0" i="0" dirty="0">
-                          <a:solidFill>
-                            <a:srgbClr val="333F50"/>
-                          </a:solidFill>
-                          <a:effectLst/>
-                          <a:latin typeface="+mn-lt"/>
-                        </a:rPr>
-                        <a:t>4.5</a:t>
-                      </a:r>
-                      <a:r>
-                        <a:rPr lang="en-US" sz="1400" b="0" i="0" dirty="0">
-                          <a:solidFill>
-                            <a:srgbClr val="000000"/>
-                          </a:solidFill>
-                          <a:effectLst/>
-                          <a:latin typeface="+mn-lt"/>
-                        </a:rPr>
-                        <a:t>​</a:t>
-                      </a:r>
-                    </a:p>
-                  </a:txBody>
-                  <a:tcPr anchor="ctr"/>
-                </a:tc>
-                <a:tc>
-                  <a:txBody>
-                    <a:bodyPr/>
-                    <a:lstStyle/>
-                    <a:p>
-                      <a:pPr algn="ctr" rtl="0" fontAlgn="base"/>
-                      <a:r>
-                        <a:rPr lang="en-US" sz="1400" b="0" i="0" dirty="0">
-                          <a:solidFill>
-                            <a:srgbClr val="333F50"/>
-                          </a:solidFill>
-                          <a:effectLst/>
-                          <a:latin typeface="+mn-lt"/>
-                        </a:rPr>
-                        <a:t>2.2</a:t>
-                      </a:r>
-                      <a:r>
-                        <a:rPr lang="en-US" sz="1400" b="0" i="0" dirty="0">
-                          <a:solidFill>
-                            <a:srgbClr val="000000"/>
-                          </a:solidFill>
-                          <a:effectLst/>
-                          <a:latin typeface="+mn-lt"/>
-                        </a:rPr>
-                        <a:t>​</a:t>
-                      </a:r>
-                    </a:p>
-                  </a:txBody>
-                  <a:tcPr anchor="ctr"/>
-                </a:tc>
-                <a:tc>
-                  <a:txBody>
-                    <a:bodyPr/>
-                    <a:lstStyle/>
-                    <a:p>
-                      <a:pPr algn="ctr" rtl="0" fontAlgn="base"/>
-                      <a:r>
-                        <a:rPr lang="en-US" sz="1400" b="0" i="0" dirty="0">
-                          <a:solidFill>
-                            <a:srgbClr val="333F50"/>
-                          </a:solidFill>
-                          <a:effectLst/>
-                          <a:latin typeface="+mn-lt"/>
-                        </a:rPr>
-                        <a:t>1.7</a:t>
-                      </a:r>
-                      <a:r>
-                        <a:rPr lang="en-US" sz="1400" b="0" i="0" dirty="0">
-                          <a:solidFill>
-                            <a:srgbClr val="000000"/>
-                          </a:solidFill>
-                          <a:effectLst/>
-                          <a:latin typeface="+mn-lt"/>
-                        </a:rPr>
-                        <a:t>​</a:t>
-                      </a:r>
-                    </a:p>
-                  </a:txBody>
-                  <a:tcPr anchor="ctr"/>
-                </a:tc>
-                <a:tc>
-                  <a:txBody>
-                    <a:bodyPr/>
-                    <a:lstStyle/>
-                    <a:p>
-                      <a:pPr algn="ctr" rtl="0" fontAlgn="base"/>
-                      <a:r>
-                        <a:rPr lang="en-US" sz="1400" b="0" i="0" dirty="0">
-                          <a:solidFill>
-                            <a:srgbClr val="333F50"/>
-                          </a:solidFill>
-                          <a:effectLst/>
-                          <a:latin typeface="+mn-lt"/>
-                        </a:rPr>
-                        <a:t>7.0</a:t>
-                      </a:r>
-                      <a:endParaRPr lang="en-US" sz="1400" b="0" i="0" dirty="0">
-                        <a:solidFill>
-                          <a:srgbClr val="000000"/>
-                        </a:solidFill>
-                        <a:effectLst/>
-                        <a:latin typeface="+mn-lt"/>
-                      </a:endParaRPr>
-                    </a:p>
-                  </a:txBody>
-                  <a:tcPr anchor="ctr">
-                    <a:lnR w="12700" cap="flat" cmpd="sng" algn="ctr">
-                      <a:noFill/>
-                      <a:prstDash val="solid"/>
-                      <a:round/>
-                      <a:headEnd type="none" w="med" len="med"/>
-                      <a:tailEnd type="none" w="med" len="med"/>
-                    </a:lnR>
-                  </a:tcPr>
-                </a:tc>
-                <a:extLst>
-                  <a:ext uri="{0D108BD9-81ED-4DB2-BD59-A6C34878D82A}">
-                    <a16:rowId xmlns:a16="http://schemas.microsoft.com/office/drawing/2014/main" val="3388671141"/>
-                  </a:ext>
-                </a:extLst>
-              </a:tr>
-            </a:tbl>
-          </a:graphicData>
-        </a:graphic>
-      </p:graphicFrame>
+          <p:cNvPicPr>
+            <a:picLocks noChangeAspect="1"/>
+          </p:cNvPicPr>
+          <p:nvPr/>
+        </p:nvPicPr>
+        <p:blipFill>
+          <a:blip r:embed="rId2"/>
+          <a:stretch>
+            <a:fillRect/>
+          </a:stretch>
+        </p:blipFill>
+        <p:spPr>
+          <a:xfrm>
+            <a:off x="2500312" y="1341437"/>
+            <a:ext cx="7475538" cy="4798708"/>
+          </a:xfrm>
+          <a:prstGeom prst="rect">
+            <a:avLst/>
+          </a:prstGeom>
+        </p:spPr>
+      </p:pic>
     </p:spTree>
     <p:extLst>
       <p:ext uri="{BB962C8B-B14F-4D97-AF65-F5344CB8AC3E}">
-        <p14:creationId xmlns:p14="http://schemas.microsoft.com/office/powerpoint/2010/main" val="2499682613"/>
+        <p14:creationId xmlns:p14="http://schemas.microsoft.com/office/powerpoint/2010/main" val="546110728"/>
       </p:ext>
     </p:extLst>
   </p:cSld>
@@ -18594,6 +17792,34 @@
 </file>
 
 <file path=customXml/item1.xml><?xml version="1.0" encoding="utf-8"?>
+<p:properties xmlns:p="http://schemas.microsoft.com/office/2006/metadata/properties" xmlns:xsi="http://www.w3.org/2001/XMLSchema-instance" xmlns:pc="http://schemas.microsoft.com/office/infopath/2007/PartnerControls">
+  <documentManagement>
+    <_ip_UnifiedCompliancePolicyUIAction xmlns="http://schemas.microsoft.com/sharepoint/v3" xsi:nil="true"/>
+    <Image xmlns="71af3243-3dd4-4a8d-8c0d-dd76da1f02a5">
+      <Url xsi:nil="true"/>
+      <Description xsi:nil="true"/>
+    </Image>
+    <Status xmlns="71af3243-3dd4-4a8d-8c0d-dd76da1f02a5">Not started</Status>
+    <_ip_UnifiedCompliancePolicyProperties xmlns="http://schemas.microsoft.com/sharepoint/v3" xsi:nil="true"/>
+    <ImageTagsTaxHTField xmlns="71af3243-3dd4-4a8d-8c0d-dd76da1f02a5">
+      <Terms xmlns="http://schemas.microsoft.com/office/infopath/2007/PartnerControls"/>
+    </ImageTagsTaxHTField>
+    <TaxCatchAll xmlns="230e9df3-be65-4c73-a93b-d1236ebd677e"/>
+    <MediaServiceKeyPoints xmlns="71af3243-3dd4-4a8d-8c0d-dd76da1f02a5" xsi:nil="true"/>
+  </documentManagement>
+</p:properties>
+</file>
+
+<file path=customXml/item2.xml><?xml version="1.0" encoding="utf-8"?>
+<?mso-contentType ?>
+<FormTemplates xmlns="http://schemas.microsoft.com/sharepoint/v3/contenttype/forms">
+  <Display>DocumentLibraryForm</Display>
+  <Edit>DocumentLibraryForm</Edit>
+  <New>DocumentLibraryForm</New>
+</FormTemplates>
+</file>
+
+<file path=customXml/item3.xml><?xml version="1.0" encoding="utf-8"?>
 <ct:contentTypeSchema xmlns:ct="http://schemas.microsoft.com/office/2006/metadata/contentType" xmlns:ma="http://schemas.microsoft.com/office/2006/metadata/properties/metaAttributes" ct:_="" ma:_="" ma:contentTypeName="Document" ma:contentTypeID="0x01010079F111ED35F8CC479449609E8A0923A6" ma:contentTypeVersion="20" ma:contentTypeDescription="Create a new document." ma:contentTypeScope="" ma:versionID="1267097ee5f5874adfcc408041ae252e">
   <xsd:schema xmlns:xsd="http://www.w3.org/2001/XMLSchema" xmlns:xs="http://www.w3.org/2001/XMLSchema" xmlns:p="http://schemas.microsoft.com/office/2006/metadata/properties" xmlns:ns1="http://schemas.microsoft.com/sharepoint/v3" xmlns:ns2="71af3243-3dd4-4a8d-8c0d-dd76da1f02a5" xmlns:ns3="16c05727-aa75-4e4a-9b5f-8a80a1165891" xmlns:ns4="230e9df3-be65-4c73-a93b-d1236ebd677e" targetNamespace="http://schemas.microsoft.com/office/2006/metadata/properties" ma:root="true" ma:fieldsID="395891a93df65b14727750f2c06c306c" ns1:_="" ns2:_="" ns3:_="" ns4:_="">
     <xsd:import namespace="http://schemas.microsoft.com/sharepoint/v3"/>
@@ -18869,35 +18095,27 @@
 </ct:contentTypeSchema>
 </file>
 
-<file path=customXml/item2.xml><?xml version="1.0" encoding="utf-8"?>
-<?mso-contentType ?>
-<FormTemplates xmlns="http://schemas.microsoft.com/sharepoint/v3/contenttype/forms">
-  <Display>DocumentLibraryForm</Display>
-  <Edit>DocumentLibraryForm</Edit>
-  <New>DocumentLibraryForm</New>
-</FormTemplates>
+<file path=customXml/itemProps1.xml><?xml version="1.0" encoding="utf-8"?>
+<ds:datastoreItem xmlns:ds="http://schemas.openxmlformats.org/officeDocument/2006/customXml" ds:itemID="{4CC7F809-A434-4A8D-A127-1C50C2DB3890}">
+  <ds:schemaRefs>
+    <ds:schemaRef ds:uri="http://schemas.microsoft.com/office/2006/metadata/properties"/>
+    <ds:schemaRef ds:uri="http://schemas.microsoft.com/office/infopath/2007/PartnerControls"/>
+    <ds:schemaRef ds:uri="http://schemas.microsoft.com/sharepoint/v3"/>
+    <ds:schemaRef ds:uri="71af3243-3dd4-4a8d-8c0d-dd76da1f02a5"/>
+    <ds:schemaRef ds:uri="230e9df3-be65-4c73-a93b-d1236ebd677e"/>
+  </ds:schemaRefs>
+</ds:datastoreItem>
 </file>
 
-<file path=customXml/item3.xml><?xml version="1.0" encoding="utf-8"?>
-<p:properties xmlns:p="http://schemas.microsoft.com/office/2006/metadata/properties" xmlns:xsi="http://www.w3.org/2001/XMLSchema-instance" xmlns:pc="http://schemas.microsoft.com/office/infopath/2007/PartnerControls">
-  <documentManagement>
-    <_ip_UnifiedCompliancePolicyUIAction xmlns="http://schemas.microsoft.com/sharepoint/v3" xsi:nil="true"/>
-    <Image xmlns="71af3243-3dd4-4a8d-8c0d-dd76da1f02a5">
-      <Url xsi:nil="true"/>
-      <Description xsi:nil="true"/>
-    </Image>
-    <Status xmlns="71af3243-3dd4-4a8d-8c0d-dd76da1f02a5">Not started</Status>
-    <_ip_UnifiedCompliancePolicyProperties xmlns="http://schemas.microsoft.com/sharepoint/v3" xsi:nil="true"/>
-    <ImageTagsTaxHTField xmlns="71af3243-3dd4-4a8d-8c0d-dd76da1f02a5">
-      <Terms xmlns="http://schemas.microsoft.com/office/infopath/2007/PartnerControls"/>
-    </ImageTagsTaxHTField>
-    <TaxCatchAll xmlns="230e9df3-be65-4c73-a93b-d1236ebd677e"/>
-    <MediaServiceKeyPoints xmlns="71af3243-3dd4-4a8d-8c0d-dd76da1f02a5" xsi:nil="true"/>
-  </documentManagement>
-</p:properties>
+<file path=customXml/itemProps2.xml><?xml version="1.0" encoding="utf-8"?>
+<ds:datastoreItem xmlns:ds="http://schemas.openxmlformats.org/officeDocument/2006/customXml" ds:itemID="{BD5826B4-4DD2-4A9B-8D6D-E91CF9C2316C}">
+  <ds:schemaRefs>
+    <ds:schemaRef ds:uri="http://schemas.microsoft.com/sharepoint/v3/contenttype/forms"/>
+  </ds:schemaRefs>
+</ds:datastoreItem>
 </file>
 
-<file path=customXml/itemProps1.xml><?xml version="1.0" encoding="utf-8"?>
+<file path=customXml/itemProps3.xml><?xml version="1.0" encoding="utf-8"?>
 <ds:datastoreItem xmlns:ds="http://schemas.openxmlformats.org/officeDocument/2006/customXml" ds:itemID="{4DC6F004-8F9D-4F40-8394-6C4C67F70915}">
   <ds:schemaRefs>
     <ds:schemaRef ds:uri="http://schemas.microsoft.com/office/2006/metadata/contentType"/>
@@ -18918,26 +18136,6 @@
 </ds:datastoreItem>
 </file>
 
-<file path=customXml/itemProps2.xml><?xml version="1.0" encoding="utf-8"?>
-<ds:datastoreItem xmlns:ds="http://schemas.openxmlformats.org/officeDocument/2006/customXml" ds:itemID="{BD5826B4-4DD2-4A9B-8D6D-E91CF9C2316C}">
-  <ds:schemaRefs>
-    <ds:schemaRef ds:uri="http://schemas.microsoft.com/sharepoint/v3/contenttype/forms"/>
-  </ds:schemaRefs>
-</ds:datastoreItem>
-</file>
-
-<file path=customXml/itemProps3.xml><?xml version="1.0" encoding="utf-8"?>
-<ds:datastoreItem xmlns:ds="http://schemas.openxmlformats.org/officeDocument/2006/customXml" ds:itemID="{4CC7F809-A434-4A8D-A127-1C50C2DB3890}">
-  <ds:schemaRefs>
-    <ds:schemaRef ds:uri="http://schemas.microsoft.com/office/2006/metadata/properties"/>
-    <ds:schemaRef ds:uri="http://schemas.microsoft.com/office/infopath/2007/PartnerControls"/>
-    <ds:schemaRef ds:uri="http://schemas.microsoft.com/sharepoint/v3"/>
-    <ds:schemaRef ds:uri="71af3243-3dd4-4a8d-8c0d-dd76da1f02a5"/>
-    <ds:schemaRef ds:uri="230e9df3-be65-4c73-a93b-d1236ebd677e"/>
-  </ds:schemaRefs>
-</ds:datastoreItem>
-</file>
-
 <file path=docMetadata/LabelInfo.xml><?xml version="1.0" encoding="utf-8"?>
 <clbl:labelList xmlns:clbl="http://schemas.microsoft.com/office/2020/mipLabelMetadata">
   <clbl:label id="{f42aa342-8706-4288-bd11-ebb85995028c}" enabled="1" method="Standard" siteId="{72f988bf-86f1-41af-91ab-2d7cd011db47}" removed="0"/>

--- a/Presentation/slide_deck.pptx
+++ b/Presentation/slide_deck.pptx
@@ -5,10 +5,10 @@
     <p:sldMasterId id="2147483648" r:id="rId4"/>
   </p:sldMasterIdLst>
   <p:notesMasterIdLst>
-    <p:notesMasterId r:id="rId19"/>
+    <p:notesMasterId r:id="rId21"/>
   </p:notesMasterIdLst>
   <p:handoutMasterIdLst>
-    <p:handoutMasterId r:id="rId20"/>
+    <p:handoutMasterId r:id="rId22"/>
   </p:handoutMasterIdLst>
   <p:sldIdLst>
     <p:sldId id="256" r:id="rId5"/>
@@ -16,15 +16,17 @@
     <p:sldId id="269" r:id="rId7"/>
     <p:sldId id="266" r:id="rId8"/>
     <p:sldId id="279" r:id="rId9"/>
-    <p:sldId id="264" r:id="rId10"/>
-    <p:sldId id="270" r:id="rId11"/>
-    <p:sldId id="261" r:id="rId12"/>
-    <p:sldId id="272" r:id="rId13"/>
-    <p:sldId id="273" r:id="rId14"/>
-    <p:sldId id="274" r:id="rId15"/>
-    <p:sldId id="275" r:id="rId16"/>
-    <p:sldId id="277" r:id="rId17"/>
-    <p:sldId id="276" r:id="rId18"/>
+    <p:sldId id="280" r:id="rId10"/>
+    <p:sldId id="281" r:id="rId11"/>
+    <p:sldId id="264" r:id="rId12"/>
+    <p:sldId id="270" r:id="rId13"/>
+    <p:sldId id="261" r:id="rId14"/>
+    <p:sldId id="272" r:id="rId15"/>
+    <p:sldId id="273" r:id="rId16"/>
+    <p:sldId id="274" r:id="rId17"/>
+    <p:sldId id="275" r:id="rId18"/>
+    <p:sldId id="277" r:id="rId19"/>
+    <p:sldId id="276" r:id="rId20"/>
   </p:sldIdLst>
   <p:sldSz cx="12192000" cy="6858000"/>
   <p:notesSz cx="6858000" cy="9144000"/>
@@ -9644,3545 +9646,10 @@
       </p:grpSpPr>
       <p:graphicFrame>
         <p:nvGraphicFramePr>
-          <p:cNvPr id="43" name="Table 4">
-            <a:extLst>
-              <a:ext uri="{FF2B5EF4-FFF2-40B4-BE49-F238E27FC236}">
-                <a16:creationId xmlns:a16="http://schemas.microsoft.com/office/drawing/2014/main" id="{B22E9DDE-4573-94E5-1D52-A4487B2FBC56}"/>
-              </a:ext>
-            </a:extLst>
-          </p:cNvPr>
-          <p:cNvGraphicFramePr>
-            <a:graphicFrameLocks/>
-          </p:cNvGraphicFramePr>
-          <p:nvPr/>
-        </p:nvGraphicFramePr>
-        <p:xfrm>
-          <a:off x="838200" y="2111375"/>
-          <a:ext cx="10515600" cy="3570970"/>
-        </p:xfrm>
-        <a:graphic>
-          <a:graphicData uri="http://schemas.openxmlformats.org/drawingml/2006/table">
-            <a:tbl>
-              <a:tblPr firstRow="1" bandRow="1">
-                <a:tableStyleId>{7E9639D4-E3E2-4D34-9284-5A2195B3D0D7}</a:tableStyleId>
-              </a:tblPr>
-              <a:tblGrid>
-                <a:gridCol w="2103120">
-                  <a:extLst>
-                    <a:ext uri="{9D8B030D-6E8A-4147-A177-3AD203B41FA5}">
-                      <a16:colId xmlns:a16="http://schemas.microsoft.com/office/drawing/2014/main" val="3261104555"/>
-                    </a:ext>
-                  </a:extLst>
-                </a:gridCol>
-                <a:gridCol w="2103120">
-                  <a:extLst>
-                    <a:ext uri="{9D8B030D-6E8A-4147-A177-3AD203B41FA5}">
-                      <a16:colId xmlns:a16="http://schemas.microsoft.com/office/drawing/2014/main" val="2547279344"/>
-                    </a:ext>
-                  </a:extLst>
-                </a:gridCol>
-                <a:gridCol w="2103120">
-                  <a:extLst>
-                    <a:ext uri="{9D8B030D-6E8A-4147-A177-3AD203B41FA5}">
-                      <a16:colId xmlns:a16="http://schemas.microsoft.com/office/drawing/2014/main" val="2366228292"/>
-                    </a:ext>
-                  </a:extLst>
-                </a:gridCol>
-                <a:gridCol w="2103120">
-                  <a:extLst>
-                    <a:ext uri="{9D8B030D-6E8A-4147-A177-3AD203B41FA5}">
-                      <a16:colId xmlns:a16="http://schemas.microsoft.com/office/drawing/2014/main" val="934788178"/>
-                    </a:ext>
-                  </a:extLst>
-                </a:gridCol>
-                <a:gridCol w="2103120">
-                  <a:extLst>
-                    <a:ext uri="{9D8B030D-6E8A-4147-A177-3AD203B41FA5}">
-                      <a16:colId xmlns:a16="http://schemas.microsoft.com/office/drawing/2014/main" val="2596635212"/>
-                    </a:ext>
-                  </a:extLst>
-                </a:gridCol>
-              </a:tblGrid>
-              <a:tr h="714194">
-                <a:tc>
-                  <a:txBody>
-                    <a:bodyPr/>
-                    <a:lstStyle/>
-                    <a:p>
-                      <a:pPr algn="ctr" rtl="0" fontAlgn="auto"/>
-                      <a:r>
-                        <a:rPr lang="en-US" sz="1600" b="1" i="0" dirty="0">
-                          <a:solidFill>
-                            <a:srgbClr val="FFFFFF"/>
-                          </a:solidFill>
-                          <a:effectLst/>
-                          <a:latin typeface="+mn-lt"/>
-                        </a:rPr>
-                        <a:t>​</a:t>
-                      </a:r>
-                    </a:p>
-                  </a:txBody>
-                  <a:tcPr anchor="ctr"/>
-                </a:tc>
-                <a:tc>
-                  <a:txBody>
-                    <a:bodyPr/>
-                    <a:lstStyle/>
-                    <a:p>
-                      <a:pPr algn="ctr" rtl="0" fontAlgn="base"/>
-                      <a:r>
-                        <a:rPr lang="en-US" sz="1600" b="0" i="0" dirty="0">
-                          <a:solidFill>
-                            <a:schemeClr val="accent1"/>
-                          </a:solidFill>
-                          <a:effectLst/>
-                          <a:latin typeface="+mn-lt"/>
-                        </a:rPr>
-                        <a:t>CATEGORY 1</a:t>
-                      </a:r>
-                      <a:endParaRPr lang="en-US" sz="1600" b="1" i="0" dirty="0">
-                        <a:solidFill>
-                          <a:schemeClr val="accent1"/>
-                        </a:solidFill>
-                        <a:effectLst/>
-                        <a:latin typeface="+mn-lt"/>
-                      </a:endParaRPr>
-                    </a:p>
-                  </a:txBody>
-                  <a:tcPr anchor="ctr"/>
-                </a:tc>
-                <a:tc>
-                  <a:txBody>
-                    <a:bodyPr/>
-                    <a:lstStyle/>
-                    <a:p>
-                      <a:pPr algn="ctr" rtl="0" fontAlgn="base"/>
-                      <a:r>
-                        <a:rPr lang="en-US" sz="1600" b="0" i="0" dirty="0">
-                          <a:solidFill>
-                            <a:schemeClr val="accent1"/>
-                          </a:solidFill>
-                          <a:effectLst/>
-                          <a:latin typeface="+mn-lt"/>
-                        </a:rPr>
-                        <a:t>CATEGORY 2</a:t>
-                      </a:r>
-                      <a:endParaRPr lang="en-US" sz="1600" b="1" i="0" dirty="0">
-                        <a:solidFill>
-                          <a:schemeClr val="accent1"/>
-                        </a:solidFill>
-                        <a:effectLst/>
-                        <a:latin typeface="+mn-lt"/>
-                      </a:endParaRPr>
-                    </a:p>
-                  </a:txBody>
-                  <a:tcPr anchor="ctr"/>
-                </a:tc>
-                <a:tc>
-                  <a:txBody>
-                    <a:bodyPr/>
-                    <a:lstStyle/>
-                    <a:p>
-                      <a:pPr algn="ctr" rtl="0" fontAlgn="base"/>
-                      <a:r>
-                        <a:rPr lang="en-US" sz="1600" b="0" i="0" kern="1200" dirty="0">
-                          <a:solidFill>
-                            <a:schemeClr val="accent1"/>
-                          </a:solidFill>
-                          <a:effectLst/>
-                          <a:latin typeface="+mn-lt"/>
-                          <a:ea typeface="+mn-ea"/>
-                          <a:cs typeface="+mn-cs"/>
-                        </a:rPr>
-                        <a:t>CATEGORY 3</a:t>
-                      </a:r>
-                      <a:r>
-                        <a:rPr lang="en-US" sz="1600" b="1" i="0" dirty="0">
-                          <a:solidFill>
-                            <a:srgbClr val="FFFFFF"/>
-                          </a:solidFill>
-                          <a:effectLst/>
-                          <a:latin typeface="+mn-lt"/>
-                        </a:rPr>
-                        <a:t>​</a:t>
-                      </a:r>
-                    </a:p>
-                  </a:txBody>
-                  <a:tcPr anchor="ctr"/>
-                </a:tc>
-                <a:tc>
-                  <a:txBody>
-                    <a:bodyPr/>
-                    <a:lstStyle/>
-                    <a:p>
-                      <a:pPr algn="ctr" rtl="0" fontAlgn="base"/>
-                      <a:r>
-                        <a:rPr lang="en-US" sz="1600" b="0" i="0" kern="1200" dirty="0">
-                          <a:solidFill>
-                            <a:schemeClr val="accent1"/>
-                          </a:solidFill>
-                          <a:effectLst/>
-                          <a:latin typeface="+mn-lt"/>
-                          <a:ea typeface="+mn-ea"/>
-                          <a:cs typeface="+mn-cs"/>
-                        </a:rPr>
-                        <a:t>CATEGORY 4​</a:t>
-                      </a:r>
-                    </a:p>
-                  </a:txBody>
-                  <a:tcPr anchor="ctr"/>
-                </a:tc>
-                <a:extLst>
-                  <a:ext uri="{0D108BD9-81ED-4DB2-BD59-A6C34878D82A}">
-                    <a16:rowId xmlns:a16="http://schemas.microsoft.com/office/drawing/2014/main" val="3441328149"/>
-                  </a:ext>
-                </a:extLst>
-              </a:tr>
-              <a:tr h="714194">
-                <a:tc>
-                  <a:txBody>
-                    <a:bodyPr/>
-                    <a:lstStyle/>
-                    <a:p>
-                      <a:pPr algn="ctr" rtl="0" fontAlgn="base"/>
-                      <a:r>
-                        <a:rPr lang="en-US" sz="1400" b="0" i="0" dirty="0">
-                          <a:solidFill>
-                            <a:srgbClr val="333F50"/>
-                          </a:solidFill>
-                          <a:effectLst/>
-                          <a:latin typeface="+mn-lt"/>
-                        </a:rPr>
-                        <a:t>Q1</a:t>
-                      </a:r>
-                      <a:endParaRPr lang="en-US" sz="1400" b="0" i="0" dirty="0">
-                        <a:solidFill>
-                          <a:srgbClr val="000000"/>
-                        </a:solidFill>
-                        <a:effectLst/>
-                        <a:latin typeface="+mn-lt"/>
-                      </a:endParaRPr>
-                    </a:p>
-                  </a:txBody>
-                  <a:tcPr anchor="ctr">
-                    <a:lnL w="12700" cap="flat" cmpd="sng" algn="ctr">
-                      <a:noFill/>
-                      <a:prstDash val="solid"/>
-                      <a:round/>
-                      <a:headEnd type="none" w="med" len="med"/>
-                      <a:tailEnd type="none" w="med" len="med"/>
-                    </a:lnL>
-                  </a:tcPr>
-                </a:tc>
-                <a:tc>
-                  <a:txBody>
-                    <a:bodyPr/>
-                    <a:lstStyle/>
-                    <a:p>
-                      <a:pPr algn="ctr" rtl="0" fontAlgn="base"/>
-                      <a:r>
-                        <a:rPr lang="en-US" sz="1400" b="0" i="0" dirty="0">
-                          <a:solidFill>
-                            <a:srgbClr val="333F50"/>
-                          </a:solidFill>
-                          <a:effectLst/>
-                          <a:latin typeface="+mn-lt"/>
-                        </a:rPr>
-                        <a:t>4.5</a:t>
-                      </a:r>
-                      <a:r>
-                        <a:rPr lang="en-US" sz="1400" b="0" i="0" dirty="0">
-                          <a:solidFill>
-                            <a:srgbClr val="000000"/>
-                          </a:solidFill>
-                          <a:effectLst/>
-                          <a:latin typeface="+mn-lt"/>
-                        </a:rPr>
-                        <a:t>​</a:t>
-                      </a:r>
-                    </a:p>
-                  </a:txBody>
-                  <a:tcPr anchor="ctr"/>
-                </a:tc>
-                <a:tc>
-                  <a:txBody>
-                    <a:bodyPr/>
-                    <a:lstStyle/>
-                    <a:p>
-                      <a:pPr algn="ctr" rtl="0" fontAlgn="base"/>
-                      <a:r>
-                        <a:rPr lang="en-US" sz="1400" b="0" i="0" dirty="0">
-                          <a:solidFill>
-                            <a:srgbClr val="333F50"/>
-                          </a:solidFill>
-                          <a:effectLst/>
-                          <a:latin typeface="+mn-lt"/>
-                        </a:rPr>
-                        <a:t>2.3</a:t>
-                      </a:r>
-                      <a:r>
-                        <a:rPr lang="en-US" sz="1400" b="0" i="0" dirty="0">
-                          <a:solidFill>
-                            <a:srgbClr val="000000"/>
-                          </a:solidFill>
-                          <a:effectLst/>
-                          <a:latin typeface="+mn-lt"/>
-                        </a:rPr>
-                        <a:t>​</a:t>
-                      </a:r>
-                    </a:p>
-                  </a:txBody>
-                  <a:tcPr anchor="ctr"/>
-                </a:tc>
-                <a:tc>
-                  <a:txBody>
-                    <a:bodyPr/>
-                    <a:lstStyle/>
-                    <a:p>
-                      <a:pPr algn="ctr" rtl="0" fontAlgn="base"/>
-                      <a:r>
-                        <a:rPr lang="en-US" sz="1400" b="0" i="0" dirty="0">
-                          <a:solidFill>
-                            <a:srgbClr val="333F50"/>
-                          </a:solidFill>
-                          <a:effectLst/>
-                          <a:latin typeface="+mn-lt"/>
-                        </a:rPr>
-                        <a:t>1.7</a:t>
-                      </a:r>
-                      <a:r>
-                        <a:rPr lang="en-US" sz="1400" b="0" i="0" dirty="0">
-                          <a:solidFill>
-                            <a:srgbClr val="000000"/>
-                          </a:solidFill>
-                          <a:effectLst/>
-                          <a:latin typeface="+mn-lt"/>
-                        </a:rPr>
-                        <a:t>​</a:t>
-                      </a:r>
-                    </a:p>
-                  </a:txBody>
-                  <a:tcPr anchor="ctr">
-                    <a:lnR w="12700" cap="flat" cmpd="sng" algn="ctr">
-                      <a:noFill/>
-                      <a:prstDash val="solid"/>
-                      <a:round/>
-                      <a:headEnd type="none" w="med" len="med"/>
-                      <a:tailEnd type="none" w="med" len="med"/>
-                    </a:lnR>
-                  </a:tcPr>
-                </a:tc>
-                <a:tc>
-                  <a:txBody>
-                    <a:bodyPr/>
-                    <a:lstStyle/>
-                    <a:p>
-                      <a:pPr algn="ctr" rtl="0" fontAlgn="base"/>
-                      <a:r>
-                        <a:rPr lang="en-US" sz="1400" b="0" i="0" dirty="0">
-                          <a:solidFill>
-                            <a:srgbClr val="333F50"/>
-                          </a:solidFill>
-                          <a:effectLst/>
-                          <a:latin typeface="+mn-lt"/>
-                        </a:rPr>
-                        <a:t>5</a:t>
-                      </a:r>
-                      <a:r>
-                        <a:rPr lang="en-US" sz="1400" b="0" i="0" dirty="0">
-                          <a:solidFill>
-                            <a:srgbClr val="000000"/>
-                          </a:solidFill>
-                          <a:effectLst/>
-                          <a:latin typeface="+mn-lt"/>
-                        </a:rPr>
-                        <a:t>​.0</a:t>
-                      </a:r>
-                    </a:p>
-                  </a:txBody>
-                  <a:tcPr anchor="ctr">
-                    <a:lnL w="12700" cap="flat" cmpd="sng" algn="ctr">
-                      <a:noFill/>
-                      <a:prstDash val="solid"/>
-                      <a:round/>
-                      <a:headEnd type="none" w="med" len="med"/>
-                      <a:tailEnd type="none" w="med" len="med"/>
-                    </a:lnL>
-                    <a:lnR w="12700" cap="flat" cmpd="sng" algn="ctr">
-                      <a:noFill/>
-                      <a:prstDash val="solid"/>
-                      <a:round/>
-                      <a:headEnd type="none" w="med" len="med"/>
-                      <a:tailEnd type="none" w="med" len="med"/>
-                    </a:lnR>
-                  </a:tcPr>
-                </a:tc>
-                <a:extLst>
-                  <a:ext uri="{0D108BD9-81ED-4DB2-BD59-A6C34878D82A}">
-                    <a16:rowId xmlns:a16="http://schemas.microsoft.com/office/drawing/2014/main" val="3134841754"/>
-                  </a:ext>
-                </a:extLst>
-              </a:tr>
-              <a:tr h="714194">
-                <a:tc>
-                  <a:txBody>
-                    <a:bodyPr/>
-                    <a:lstStyle/>
-                    <a:p>
-                      <a:pPr algn="ctr" rtl="0" fontAlgn="base"/>
-                      <a:r>
-                        <a:rPr lang="en-US" sz="1400" b="0" i="0" dirty="0">
-                          <a:solidFill>
-                            <a:srgbClr val="333F50"/>
-                          </a:solidFill>
-                          <a:effectLst/>
-                          <a:latin typeface="+mn-lt"/>
-                        </a:rPr>
-                        <a:t>Q2</a:t>
-                      </a:r>
-                      <a:endParaRPr lang="en-US" sz="1400" b="0" i="0" dirty="0">
-                        <a:solidFill>
-                          <a:srgbClr val="000000"/>
-                        </a:solidFill>
-                        <a:effectLst/>
-                        <a:latin typeface="+mn-lt"/>
-                      </a:endParaRPr>
-                    </a:p>
-                  </a:txBody>
-                  <a:tcPr anchor="ctr">
-                    <a:lnL w="12700" cap="flat" cmpd="sng" algn="ctr">
-                      <a:noFill/>
-                      <a:prstDash val="solid"/>
-                      <a:round/>
-                      <a:headEnd type="none" w="med" len="med"/>
-                      <a:tailEnd type="none" w="med" len="med"/>
-                    </a:lnL>
-                  </a:tcPr>
-                </a:tc>
-                <a:tc>
-                  <a:txBody>
-                    <a:bodyPr/>
-                    <a:lstStyle/>
-                    <a:p>
-                      <a:pPr algn="ctr" rtl="0" fontAlgn="base"/>
-                      <a:r>
-                        <a:rPr lang="en-US" sz="1400" b="0" i="0" dirty="0">
-                          <a:solidFill>
-                            <a:srgbClr val="333F50"/>
-                          </a:solidFill>
-                          <a:effectLst/>
-                          <a:latin typeface="+mn-lt"/>
-                        </a:rPr>
-                        <a:t>3.2</a:t>
-                      </a:r>
-                      <a:r>
-                        <a:rPr lang="en-US" sz="1400" b="0" i="0" dirty="0">
-                          <a:solidFill>
-                            <a:srgbClr val="000000"/>
-                          </a:solidFill>
-                          <a:effectLst/>
-                          <a:latin typeface="+mn-lt"/>
-                        </a:rPr>
-                        <a:t>​</a:t>
-                      </a:r>
-                    </a:p>
-                  </a:txBody>
-                  <a:tcPr anchor="ctr"/>
-                </a:tc>
-                <a:tc>
-                  <a:txBody>
-                    <a:bodyPr/>
-                    <a:lstStyle/>
-                    <a:p>
-                      <a:pPr algn="ctr" rtl="0" fontAlgn="base"/>
-                      <a:r>
-                        <a:rPr lang="en-US" sz="1400" b="0" i="0" dirty="0">
-                          <a:solidFill>
-                            <a:srgbClr val="333F50"/>
-                          </a:solidFill>
-                          <a:effectLst/>
-                          <a:latin typeface="+mn-lt"/>
-                        </a:rPr>
-                        <a:t>5.1</a:t>
-                      </a:r>
-                      <a:r>
-                        <a:rPr lang="en-US" sz="1400" b="0" i="0" dirty="0">
-                          <a:solidFill>
-                            <a:srgbClr val="000000"/>
-                          </a:solidFill>
-                          <a:effectLst/>
-                          <a:latin typeface="+mn-lt"/>
-                        </a:rPr>
-                        <a:t>​</a:t>
-                      </a:r>
-                    </a:p>
-                  </a:txBody>
-                  <a:tcPr anchor="ctr"/>
-                </a:tc>
-                <a:tc>
-                  <a:txBody>
-                    <a:bodyPr/>
-                    <a:lstStyle/>
-                    <a:p>
-                      <a:pPr algn="ctr" rtl="0" fontAlgn="base"/>
-                      <a:r>
-                        <a:rPr lang="en-US" sz="1400" b="0" i="0" dirty="0">
-                          <a:solidFill>
-                            <a:srgbClr val="333F50"/>
-                          </a:solidFill>
-                          <a:effectLst/>
-                          <a:latin typeface="+mn-lt"/>
-                        </a:rPr>
-                        <a:t>4.4</a:t>
-                      </a:r>
-                      <a:r>
-                        <a:rPr lang="en-US" sz="1400" b="0" i="0" dirty="0">
-                          <a:solidFill>
-                            <a:srgbClr val="000000"/>
-                          </a:solidFill>
-                          <a:effectLst/>
-                          <a:latin typeface="+mn-lt"/>
-                        </a:rPr>
-                        <a:t>​</a:t>
-                      </a:r>
-                    </a:p>
-                  </a:txBody>
-                  <a:tcPr anchor="ctr"/>
-                </a:tc>
-                <a:tc>
-                  <a:txBody>
-                    <a:bodyPr/>
-                    <a:lstStyle/>
-                    <a:p>
-                      <a:pPr algn="ctr" rtl="0" fontAlgn="base"/>
-                      <a:r>
-                        <a:rPr lang="en-US" sz="1400" b="0" i="0" dirty="0">
-                          <a:solidFill>
-                            <a:srgbClr val="333F50"/>
-                          </a:solidFill>
-                          <a:effectLst/>
-                          <a:latin typeface="+mn-lt"/>
-                        </a:rPr>
-                        <a:t>3</a:t>
-                      </a:r>
-                      <a:r>
-                        <a:rPr lang="en-US" sz="1400" b="0" i="0" dirty="0">
-                          <a:solidFill>
-                            <a:srgbClr val="000000"/>
-                          </a:solidFill>
-                          <a:effectLst/>
-                          <a:latin typeface="+mn-lt"/>
-                        </a:rPr>
-                        <a:t>​.0</a:t>
-                      </a:r>
-                    </a:p>
-                  </a:txBody>
-                  <a:tcPr anchor="ctr">
-                    <a:lnR w="12700" cap="flat" cmpd="sng" algn="ctr">
-                      <a:noFill/>
-                      <a:prstDash val="solid"/>
-                      <a:round/>
-                      <a:headEnd type="none" w="med" len="med"/>
-                      <a:tailEnd type="none" w="med" len="med"/>
-                    </a:lnR>
-                  </a:tcPr>
-                </a:tc>
-                <a:extLst>
-                  <a:ext uri="{0D108BD9-81ED-4DB2-BD59-A6C34878D82A}">
-                    <a16:rowId xmlns:a16="http://schemas.microsoft.com/office/drawing/2014/main" val="4129140390"/>
-                  </a:ext>
-                </a:extLst>
-              </a:tr>
-              <a:tr h="714194">
-                <a:tc>
-                  <a:txBody>
-                    <a:bodyPr/>
-                    <a:lstStyle/>
-                    <a:p>
-                      <a:pPr algn="ctr" rtl="0" fontAlgn="base"/>
-                      <a:r>
-                        <a:rPr lang="en-US" sz="1400" b="0" i="0" dirty="0">
-                          <a:solidFill>
-                            <a:srgbClr val="333F50"/>
-                          </a:solidFill>
-                          <a:effectLst/>
-                          <a:latin typeface="+mn-lt"/>
-                        </a:rPr>
-                        <a:t>Q3</a:t>
-                      </a:r>
-                      <a:endParaRPr lang="en-US" sz="1400" b="0" i="0" dirty="0">
-                        <a:solidFill>
-                          <a:srgbClr val="000000"/>
-                        </a:solidFill>
-                        <a:effectLst/>
-                        <a:latin typeface="+mn-lt"/>
-                      </a:endParaRPr>
-                    </a:p>
-                  </a:txBody>
-                  <a:tcPr anchor="ctr">
-                    <a:lnL w="12700" cap="flat" cmpd="sng" algn="ctr">
-                      <a:noFill/>
-                      <a:prstDash val="solid"/>
-                      <a:round/>
-                      <a:headEnd type="none" w="med" len="med"/>
-                      <a:tailEnd type="none" w="med" len="med"/>
-                    </a:lnL>
-                  </a:tcPr>
-                </a:tc>
-                <a:tc>
-                  <a:txBody>
-                    <a:bodyPr/>
-                    <a:lstStyle/>
-                    <a:p>
-                      <a:pPr algn="ctr" rtl="0" fontAlgn="base"/>
-                      <a:r>
-                        <a:rPr lang="en-US" sz="1400" b="0" i="0" dirty="0">
-                          <a:solidFill>
-                            <a:srgbClr val="333F50"/>
-                          </a:solidFill>
-                          <a:effectLst/>
-                          <a:latin typeface="+mn-lt"/>
-                        </a:rPr>
-                        <a:t>2.1</a:t>
-                      </a:r>
-                      <a:r>
-                        <a:rPr lang="en-US" sz="1400" b="0" i="0" dirty="0">
-                          <a:solidFill>
-                            <a:srgbClr val="000000"/>
-                          </a:solidFill>
-                          <a:effectLst/>
-                          <a:latin typeface="+mn-lt"/>
-                        </a:rPr>
-                        <a:t>​</a:t>
-                      </a:r>
-                    </a:p>
-                  </a:txBody>
-                  <a:tcPr anchor="ctr"/>
-                </a:tc>
-                <a:tc>
-                  <a:txBody>
-                    <a:bodyPr/>
-                    <a:lstStyle/>
-                    <a:p>
-                      <a:pPr algn="ctr" rtl="0" fontAlgn="base"/>
-                      <a:r>
-                        <a:rPr lang="en-US" sz="1400" b="0" i="0" dirty="0">
-                          <a:solidFill>
-                            <a:srgbClr val="333F50"/>
-                          </a:solidFill>
-                          <a:effectLst/>
-                          <a:latin typeface="+mn-lt"/>
-                        </a:rPr>
-                        <a:t>1.7</a:t>
-                      </a:r>
-                      <a:r>
-                        <a:rPr lang="en-US" sz="1400" b="0" i="0" dirty="0">
-                          <a:solidFill>
-                            <a:srgbClr val="000000"/>
-                          </a:solidFill>
-                          <a:effectLst/>
-                          <a:latin typeface="+mn-lt"/>
-                        </a:rPr>
-                        <a:t>​</a:t>
-                      </a:r>
-                    </a:p>
-                  </a:txBody>
-                  <a:tcPr anchor="ctr"/>
-                </a:tc>
-                <a:tc>
-                  <a:txBody>
-                    <a:bodyPr/>
-                    <a:lstStyle/>
-                    <a:p>
-                      <a:pPr algn="ctr" rtl="0" fontAlgn="base"/>
-                      <a:r>
-                        <a:rPr lang="en-US" sz="1400" b="0" i="0" dirty="0">
-                          <a:solidFill>
-                            <a:srgbClr val="333F50"/>
-                          </a:solidFill>
-                          <a:effectLst/>
-                          <a:latin typeface="+mn-lt"/>
-                        </a:rPr>
-                        <a:t>2.5</a:t>
-                      </a:r>
-                      <a:r>
-                        <a:rPr lang="en-US" sz="1400" b="0" i="0" dirty="0">
-                          <a:solidFill>
-                            <a:srgbClr val="000000"/>
-                          </a:solidFill>
-                          <a:effectLst/>
-                          <a:latin typeface="+mn-lt"/>
-                        </a:rPr>
-                        <a:t>​</a:t>
-                      </a:r>
-                    </a:p>
-                  </a:txBody>
-                  <a:tcPr anchor="ctr"/>
-                </a:tc>
-                <a:tc>
-                  <a:txBody>
-                    <a:bodyPr/>
-                    <a:lstStyle/>
-                    <a:p>
-                      <a:pPr algn="ctr" rtl="0" fontAlgn="base"/>
-                      <a:r>
-                        <a:rPr lang="en-US" sz="1400" b="0" i="0" dirty="0">
-                          <a:solidFill>
-                            <a:srgbClr val="333F50"/>
-                          </a:solidFill>
-                          <a:effectLst/>
-                          <a:latin typeface="+mn-lt"/>
-                        </a:rPr>
-                        <a:t>2.8</a:t>
-                      </a:r>
-                      <a:r>
-                        <a:rPr lang="en-US" sz="1400" b="0" i="0" dirty="0">
-                          <a:solidFill>
-                            <a:srgbClr val="000000"/>
-                          </a:solidFill>
-                          <a:effectLst/>
-                          <a:latin typeface="+mn-lt"/>
-                        </a:rPr>
-                        <a:t>​</a:t>
-                      </a:r>
-                    </a:p>
-                  </a:txBody>
-                  <a:tcPr anchor="ctr">
-                    <a:lnR w="12700" cap="flat" cmpd="sng" algn="ctr">
-                      <a:noFill/>
-                      <a:prstDash val="solid"/>
-                      <a:round/>
-                      <a:headEnd type="none" w="med" len="med"/>
-                      <a:tailEnd type="none" w="med" len="med"/>
-                    </a:lnR>
-                  </a:tcPr>
-                </a:tc>
-                <a:extLst>
-                  <a:ext uri="{0D108BD9-81ED-4DB2-BD59-A6C34878D82A}">
-                    <a16:rowId xmlns:a16="http://schemas.microsoft.com/office/drawing/2014/main" val="1699990805"/>
-                  </a:ext>
-                </a:extLst>
-              </a:tr>
-              <a:tr h="714194">
-                <a:tc>
-                  <a:txBody>
-                    <a:bodyPr/>
-                    <a:lstStyle/>
-                    <a:p>
-                      <a:pPr algn="ctr" rtl="0" fontAlgn="base"/>
-                      <a:r>
-                        <a:rPr lang="en-US" sz="1400" b="0" i="0" dirty="0">
-                          <a:solidFill>
-                            <a:srgbClr val="333F50"/>
-                          </a:solidFill>
-                          <a:effectLst/>
-                          <a:latin typeface="+mn-lt"/>
-                        </a:rPr>
-                        <a:t>Q4</a:t>
-                      </a:r>
-                      <a:endParaRPr lang="en-US" sz="1400" b="0" i="0" dirty="0">
-                        <a:solidFill>
-                          <a:srgbClr val="000000"/>
-                        </a:solidFill>
-                        <a:effectLst/>
-                        <a:latin typeface="+mn-lt"/>
-                      </a:endParaRPr>
-                    </a:p>
-                  </a:txBody>
-                  <a:tcPr anchor="ctr">
-                    <a:lnL w="12700" cap="flat" cmpd="sng" algn="ctr">
-                      <a:noFill/>
-                      <a:prstDash val="solid"/>
-                      <a:round/>
-                      <a:headEnd type="none" w="med" len="med"/>
-                      <a:tailEnd type="none" w="med" len="med"/>
-                    </a:lnL>
-                  </a:tcPr>
-                </a:tc>
-                <a:tc>
-                  <a:txBody>
-                    <a:bodyPr/>
-                    <a:lstStyle/>
-                    <a:p>
-                      <a:pPr algn="ctr" rtl="0" fontAlgn="base"/>
-                      <a:r>
-                        <a:rPr lang="en-US" sz="1400" b="0" i="0" dirty="0">
-                          <a:solidFill>
-                            <a:srgbClr val="333F50"/>
-                          </a:solidFill>
-                          <a:effectLst/>
-                          <a:latin typeface="+mn-lt"/>
-                        </a:rPr>
-                        <a:t>4.5</a:t>
-                      </a:r>
-                      <a:r>
-                        <a:rPr lang="en-US" sz="1400" b="0" i="0" dirty="0">
-                          <a:solidFill>
-                            <a:srgbClr val="000000"/>
-                          </a:solidFill>
-                          <a:effectLst/>
-                          <a:latin typeface="+mn-lt"/>
-                        </a:rPr>
-                        <a:t>​</a:t>
-                      </a:r>
-                    </a:p>
-                  </a:txBody>
-                  <a:tcPr anchor="ctr"/>
-                </a:tc>
-                <a:tc>
-                  <a:txBody>
-                    <a:bodyPr/>
-                    <a:lstStyle/>
-                    <a:p>
-                      <a:pPr algn="ctr" rtl="0" fontAlgn="base"/>
-                      <a:r>
-                        <a:rPr lang="en-US" sz="1400" b="0" i="0" dirty="0">
-                          <a:solidFill>
-                            <a:srgbClr val="333F50"/>
-                          </a:solidFill>
-                          <a:effectLst/>
-                          <a:latin typeface="+mn-lt"/>
-                        </a:rPr>
-                        <a:t>2.2</a:t>
-                      </a:r>
-                      <a:r>
-                        <a:rPr lang="en-US" sz="1400" b="0" i="0" dirty="0">
-                          <a:solidFill>
-                            <a:srgbClr val="000000"/>
-                          </a:solidFill>
-                          <a:effectLst/>
-                          <a:latin typeface="+mn-lt"/>
-                        </a:rPr>
-                        <a:t>​</a:t>
-                      </a:r>
-                    </a:p>
-                  </a:txBody>
-                  <a:tcPr anchor="ctr"/>
-                </a:tc>
-                <a:tc>
-                  <a:txBody>
-                    <a:bodyPr/>
-                    <a:lstStyle/>
-                    <a:p>
-                      <a:pPr algn="ctr" rtl="0" fontAlgn="base"/>
-                      <a:r>
-                        <a:rPr lang="en-US" sz="1400" b="0" i="0" dirty="0">
-                          <a:solidFill>
-                            <a:srgbClr val="333F50"/>
-                          </a:solidFill>
-                          <a:effectLst/>
-                          <a:latin typeface="+mn-lt"/>
-                        </a:rPr>
-                        <a:t>1.7</a:t>
-                      </a:r>
-                      <a:r>
-                        <a:rPr lang="en-US" sz="1400" b="0" i="0" dirty="0">
-                          <a:solidFill>
-                            <a:srgbClr val="000000"/>
-                          </a:solidFill>
-                          <a:effectLst/>
-                          <a:latin typeface="+mn-lt"/>
-                        </a:rPr>
-                        <a:t>​</a:t>
-                      </a:r>
-                    </a:p>
-                  </a:txBody>
-                  <a:tcPr anchor="ctr"/>
-                </a:tc>
-                <a:tc>
-                  <a:txBody>
-                    <a:bodyPr/>
-                    <a:lstStyle/>
-                    <a:p>
-                      <a:pPr algn="ctr" rtl="0" fontAlgn="base"/>
-                      <a:r>
-                        <a:rPr lang="en-US" sz="1400" b="0" i="0" dirty="0">
-                          <a:solidFill>
-                            <a:srgbClr val="333F50"/>
-                          </a:solidFill>
-                          <a:effectLst/>
-                          <a:latin typeface="+mn-lt"/>
-                        </a:rPr>
-                        <a:t>7.0</a:t>
-                      </a:r>
-                      <a:endParaRPr lang="en-US" sz="1400" b="0" i="0" dirty="0">
-                        <a:solidFill>
-                          <a:srgbClr val="000000"/>
-                        </a:solidFill>
-                        <a:effectLst/>
-                        <a:latin typeface="+mn-lt"/>
-                      </a:endParaRPr>
-                    </a:p>
-                  </a:txBody>
-                  <a:tcPr anchor="ctr">
-                    <a:lnR w="12700" cap="flat" cmpd="sng" algn="ctr">
-                      <a:noFill/>
-                      <a:prstDash val="solid"/>
-                      <a:round/>
-                      <a:headEnd type="none" w="med" len="med"/>
-                      <a:tailEnd type="none" w="med" len="med"/>
-                    </a:lnR>
-                  </a:tcPr>
-                </a:tc>
-                <a:extLst>
-                  <a:ext uri="{0D108BD9-81ED-4DB2-BD59-A6C34878D82A}">
-                    <a16:rowId xmlns:a16="http://schemas.microsoft.com/office/drawing/2014/main" val="3388671141"/>
-                  </a:ext>
-                </a:extLst>
-              </a:tr>
-            </a:tbl>
-          </a:graphicData>
-        </a:graphic>
-      </p:graphicFrame>
-      <p:sp>
-        <p:nvSpPr>
-          <p:cNvPr id="5" name="Title 2">
-            <a:extLst>
-              <a:ext uri="{FF2B5EF4-FFF2-40B4-BE49-F238E27FC236}">
-                <a16:creationId xmlns:a16="http://schemas.microsoft.com/office/drawing/2014/main" id="{6E619B29-6836-A7CF-5BEB-7A66A4E56A42}"/>
-              </a:ext>
-            </a:extLst>
-          </p:cNvPr>
-          <p:cNvSpPr>
-            <a:spLocks noGrp="1"/>
-          </p:cNvSpPr>
-          <p:nvPr>
-            <p:ph type="title"/>
-          </p:nvPr>
-        </p:nvSpPr>
-        <p:spPr>
-          <a:xfrm>
-            <a:off x="838200" y="349626"/>
-            <a:ext cx="10515600" cy="1325563"/>
-          </a:xfrm>
-        </p:spPr>
-        <p:txBody>
-          <a:bodyPr/>
-          <a:lstStyle/>
-          <a:p>
-            <a:r>
-              <a:rPr lang="en-US" dirty="0"/>
-              <a:t>Graph 6</a:t>
-            </a:r>
-          </a:p>
-        </p:txBody>
-      </p:sp>
-    </p:spTree>
-    <p:extLst>
-      <p:ext uri="{BB962C8B-B14F-4D97-AF65-F5344CB8AC3E}">
-        <p14:creationId xmlns:p14="http://schemas.microsoft.com/office/powerpoint/2010/main" val="2187412862"/>
-      </p:ext>
-    </p:extLst>
-  </p:cSld>
-  <p:clrMapOvr>
-    <a:masterClrMapping/>
-  </p:clrMapOvr>
-</p:sld>
-</file>
-
-<file path=ppt/slides/slide11.xml><?xml version="1.0" encoding="utf-8"?>
-<p:sld xmlns:a="http://schemas.openxmlformats.org/drawingml/2006/main" xmlns:r="http://schemas.openxmlformats.org/officeDocument/2006/relationships" xmlns:p="http://schemas.openxmlformats.org/presentationml/2006/main">
-  <p:cSld>
-    <p:spTree>
-      <p:nvGrpSpPr>
-        <p:cNvPr id="1" name=""/>
-        <p:cNvGrpSpPr/>
-        <p:nvPr/>
-      </p:nvGrpSpPr>
-      <p:grpSpPr>
-        <a:xfrm>
-          <a:off x="0" y="0"/>
-          <a:ext cx="0" cy="0"/>
-          <a:chOff x="0" y="0"/>
-          <a:chExt cx="0" cy="0"/>
-        </a:xfrm>
-      </p:grpSpPr>
-      <p:graphicFrame>
-        <p:nvGraphicFramePr>
-          <p:cNvPr id="6" name="Table 4">
-            <a:extLst>
-              <a:ext uri="{FF2B5EF4-FFF2-40B4-BE49-F238E27FC236}">
-                <a16:creationId xmlns:a16="http://schemas.microsoft.com/office/drawing/2014/main" id="{BF79967C-30F3-47E3-49F7-13BB296775D8}"/>
-              </a:ext>
-            </a:extLst>
-          </p:cNvPr>
-          <p:cNvGraphicFramePr>
-            <a:graphicFrameLocks/>
-          </p:cNvGraphicFramePr>
-          <p:nvPr/>
-        </p:nvGraphicFramePr>
-        <p:xfrm>
-          <a:off x="838200" y="2111375"/>
-          <a:ext cx="10515600" cy="3570970"/>
-        </p:xfrm>
-        <a:graphic>
-          <a:graphicData uri="http://schemas.openxmlformats.org/drawingml/2006/table">
-            <a:tbl>
-              <a:tblPr firstRow="1" bandRow="1">
-                <a:tableStyleId>{7E9639D4-E3E2-4D34-9284-5A2195B3D0D7}</a:tableStyleId>
-              </a:tblPr>
-              <a:tblGrid>
-                <a:gridCol w="2103120">
-                  <a:extLst>
-                    <a:ext uri="{9D8B030D-6E8A-4147-A177-3AD203B41FA5}">
-                      <a16:colId xmlns:a16="http://schemas.microsoft.com/office/drawing/2014/main" val="3261104555"/>
-                    </a:ext>
-                  </a:extLst>
-                </a:gridCol>
-                <a:gridCol w="2103120">
-                  <a:extLst>
-                    <a:ext uri="{9D8B030D-6E8A-4147-A177-3AD203B41FA5}">
-                      <a16:colId xmlns:a16="http://schemas.microsoft.com/office/drawing/2014/main" val="2547279344"/>
-                    </a:ext>
-                  </a:extLst>
-                </a:gridCol>
-                <a:gridCol w="2103120">
-                  <a:extLst>
-                    <a:ext uri="{9D8B030D-6E8A-4147-A177-3AD203B41FA5}">
-                      <a16:colId xmlns:a16="http://schemas.microsoft.com/office/drawing/2014/main" val="2366228292"/>
-                    </a:ext>
-                  </a:extLst>
-                </a:gridCol>
-                <a:gridCol w="2103120">
-                  <a:extLst>
-                    <a:ext uri="{9D8B030D-6E8A-4147-A177-3AD203B41FA5}">
-                      <a16:colId xmlns:a16="http://schemas.microsoft.com/office/drawing/2014/main" val="934788178"/>
-                    </a:ext>
-                  </a:extLst>
-                </a:gridCol>
-                <a:gridCol w="2103120">
-                  <a:extLst>
-                    <a:ext uri="{9D8B030D-6E8A-4147-A177-3AD203B41FA5}">
-                      <a16:colId xmlns:a16="http://schemas.microsoft.com/office/drawing/2014/main" val="2596635212"/>
-                    </a:ext>
-                  </a:extLst>
-                </a:gridCol>
-              </a:tblGrid>
-              <a:tr h="714194">
-                <a:tc>
-                  <a:txBody>
-                    <a:bodyPr/>
-                    <a:lstStyle/>
-                    <a:p>
-                      <a:pPr algn="ctr" rtl="0" fontAlgn="auto"/>
-                      <a:r>
-                        <a:rPr lang="en-US" sz="1600" b="1" i="0" dirty="0">
-                          <a:solidFill>
-                            <a:srgbClr val="FFFFFF"/>
-                          </a:solidFill>
-                          <a:effectLst/>
-                          <a:latin typeface="+mn-lt"/>
-                        </a:rPr>
-                        <a:t>​</a:t>
-                      </a:r>
-                    </a:p>
-                  </a:txBody>
-                  <a:tcPr anchor="ctr"/>
-                </a:tc>
-                <a:tc>
-                  <a:txBody>
-                    <a:bodyPr/>
-                    <a:lstStyle/>
-                    <a:p>
-                      <a:pPr algn="ctr" rtl="0" fontAlgn="base"/>
-                      <a:r>
-                        <a:rPr lang="en-US" sz="1600" b="0" i="0" dirty="0">
-                          <a:solidFill>
-                            <a:schemeClr val="accent1"/>
-                          </a:solidFill>
-                          <a:effectLst/>
-                          <a:latin typeface="+mn-lt"/>
-                        </a:rPr>
-                        <a:t>CATEGORY 1</a:t>
-                      </a:r>
-                      <a:endParaRPr lang="en-US" sz="1600" b="1" i="0" dirty="0">
-                        <a:solidFill>
-                          <a:schemeClr val="accent1"/>
-                        </a:solidFill>
-                        <a:effectLst/>
-                        <a:latin typeface="+mn-lt"/>
-                      </a:endParaRPr>
-                    </a:p>
-                  </a:txBody>
-                  <a:tcPr anchor="ctr"/>
-                </a:tc>
-                <a:tc>
-                  <a:txBody>
-                    <a:bodyPr/>
-                    <a:lstStyle/>
-                    <a:p>
-                      <a:pPr algn="ctr" rtl="0" fontAlgn="base"/>
-                      <a:r>
-                        <a:rPr lang="en-US" sz="1600" b="0" i="0" dirty="0">
-                          <a:solidFill>
-                            <a:schemeClr val="accent1"/>
-                          </a:solidFill>
-                          <a:effectLst/>
-                          <a:latin typeface="+mn-lt"/>
-                        </a:rPr>
-                        <a:t>CATEGORY 2</a:t>
-                      </a:r>
-                      <a:endParaRPr lang="en-US" sz="1600" b="1" i="0" dirty="0">
-                        <a:solidFill>
-                          <a:schemeClr val="accent1"/>
-                        </a:solidFill>
-                        <a:effectLst/>
-                        <a:latin typeface="+mn-lt"/>
-                      </a:endParaRPr>
-                    </a:p>
-                  </a:txBody>
-                  <a:tcPr anchor="ctr"/>
-                </a:tc>
-                <a:tc>
-                  <a:txBody>
-                    <a:bodyPr/>
-                    <a:lstStyle/>
-                    <a:p>
-                      <a:pPr algn="ctr" rtl="0" fontAlgn="base"/>
-                      <a:r>
-                        <a:rPr lang="en-US" sz="1600" b="0" i="0" kern="1200" dirty="0">
-                          <a:solidFill>
-                            <a:schemeClr val="accent1"/>
-                          </a:solidFill>
-                          <a:effectLst/>
-                          <a:latin typeface="+mn-lt"/>
-                          <a:ea typeface="+mn-ea"/>
-                          <a:cs typeface="+mn-cs"/>
-                        </a:rPr>
-                        <a:t>CATEGORY 3</a:t>
-                      </a:r>
-                      <a:r>
-                        <a:rPr lang="en-US" sz="1600" b="1" i="0" dirty="0">
-                          <a:solidFill>
-                            <a:srgbClr val="FFFFFF"/>
-                          </a:solidFill>
-                          <a:effectLst/>
-                          <a:latin typeface="+mn-lt"/>
-                        </a:rPr>
-                        <a:t>​</a:t>
-                      </a:r>
-                    </a:p>
-                  </a:txBody>
-                  <a:tcPr anchor="ctr"/>
-                </a:tc>
-                <a:tc>
-                  <a:txBody>
-                    <a:bodyPr/>
-                    <a:lstStyle/>
-                    <a:p>
-                      <a:pPr algn="ctr" rtl="0" fontAlgn="base"/>
-                      <a:r>
-                        <a:rPr lang="en-US" sz="1600" b="0" i="0" kern="1200" dirty="0">
-                          <a:solidFill>
-                            <a:schemeClr val="accent1"/>
-                          </a:solidFill>
-                          <a:effectLst/>
-                          <a:latin typeface="+mn-lt"/>
-                          <a:ea typeface="+mn-ea"/>
-                          <a:cs typeface="+mn-cs"/>
-                        </a:rPr>
-                        <a:t>CATEGORY 4​</a:t>
-                      </a:r>
-                    </a:p>
-                  </a:txBody>
-                  <a:tcPr anchor="ctr"/>
-                </a:tc>
-                <a:extLst>
-                  <a:ext uri="{0D108BD9-81ED-4DB2-BD59-A6C34878D82A}">
-                    <a16:rowId xmlns:a16="http://schemas.microsoft.com/office/drawing/2014/main" val="3441328149"/>
-                  </a:ext>
-                </a:extLst>
-              </a:tr>
-              <a:tr h="714194">
-                <a:tc>
-                  <a:txBody>
-                    <a:bodyPr/>
-                    <a:lstStyle/>
-                    <a:p>
-                      <a:pPr algn="ctr" rtl="0" fontAlgn="base"/>
-                      <a:r>
-                        <a:rPr lang="en-US" sz="1400" b="0" i="0" dirty="0">
-                          <a:solidFill>
-                            <a:srgbClr val="333F50"/>
-                          </a:solidFill>
-                          <a:effectLst/>
-                          <a:latin typeface="+mn-lt"/>
-                        </a:rPr>
-                        <a:t>Q1</a:t>
-                      </a:r>
-                      <a:endParaRPr lang="en-US" sz="1400" b="0" i="0" dirty="0">
-                        <a:solidFill>
-                          <a:srgbClr val="000000"/>
-                        </a:solidFill>
-                        <a:effectLst/>
-                        <a:latin typeface="+mn-lt"/>
-                      </a:endParaRPr>
-                    </a:p>
-                  </a:txBody>
-                  <a:tcPr anchor="ctr">
-                    <a:lnL w="12700" cap="flat" cmpd="sng" algn="ctr">
-                      <a:noFill/>
-                      <a:prstDash val="solid"/>
-                      <a:round/>
-                      <a:headEnd type="none" w="med" len="med"/>
-                      <a:tailEnd type="none" w="med" len="med"/>
-                    </a:lnL>
-                  </a:tcPr>
-                </a:tc>
-                <a:tc>
-                  <a:txBody>
-                    <a:bodyPr/>
-                    <a:lstStyle/>
-                    <a:p>
-                      <a:pPr algn="ctr" rtl="0" fontAlgn="base"/>
-                      <a:r>
-                        <a:rPr lang="en-US" sz="1400" b="0" i="0" dirty="0">
-                          <a:solidFill>
-                            <a:srgbClr val="333F50"/>
-                          </a:solidFill>
-                          <a:effectLst/>
-                          <a:latin typeface="+mn-lt"/>
-                        </a:rPr>
-                        <a:t>4.5</a:t>
-                      </a:r>
-                      <a:r>
-                        <a:rPr lang="en-US" sz="1400" b="0" i="0" dirty="0">
-                          <a:solidFill>
-                            <a:srgbClr val="000000"/>
-                          </a:solidFill>
-                          <a:effectLst/>
-                          <a:latin typeface="+mn-lt"/>
-                        </a:rPr>
-                        <a:t>​</a:t>
-                      </a:r>
-                    </a:p>
-                  </a:txBody>
-                  <a:tcPr anchor="ctr"/>
-                </a:tc>
-                <a:tc>
-                  <a:txBody>
-                    <a:bodyPr/>
-                    <a:lstStyle/>
-                    <a:p>
-                      <a:pPr algn="ctr" rtl="0" fontAlgn="base"/>
-                      <a:r>
-                        <a:rPr lang="en-US" sz="1400" b="0" i="0" dirty="0">
-                          <a:solidFill>
-                            <a:srgbClr val="333F50"/>
-                          </a:solidFill>
-                          <a:effectLst/>
-                          <a:latin typeface="+mn-lt"/>
-                        </a:rPr>
-                        <a:t>2.3</a:t>
-                      </a:r>
-                      <a:r>
-                        <a:rPr lang="en-US" sz="1400" b="0" i="0" dirty="0">
-                          <a:solidFill>
-                            <a:srgbClr val="000000"/>
-                          </a:solidFill>
-                          <a:effectLst/>
-                          <a:latin typeface="+mn-lt"/>
-                        </a:rPr>
-                        <a:t>​</a:t>
-                      </a:r>
-                    </a:p>
-                  </a:txBody>
-                  <a:tcPr anchor="ctr"/>
-                </a:tc>
-                <a:tc>
-                  <a:txBody>
-                    <a:bodyPr/>
-                    <a:lstStyle/>
-                    <a:p>
-                      <a:pPr algn="ctr" rtl="0" fontAlgn="base"/>
-                      <a:r>
-                        <a:rPr lang="en-US" sz="1400" b="0" i="0" dirty="0">
-                          <a:solidFill>
-                            <a:srgbClr val="333F50"/>
-                          </a:solidFill>
-                          <a:effectLst/>
-                          <a:latin typeface="+mn-lt"/>
-                        </a:rPr>
-                        <a:t>1.7</a:t>
-                      </a:r>
-                      <a:r>
-                        <a:rPr lang="en-US" sz="1400" b="0" i="0" dirty="0">
-                          <a:solidFill>
-                            <a:srgbClr val="000000"/>
-                          </a:solidFill>
-                          <a:effectLst/>
-                          <a:latin typeface="+mn-lt"/>
-                        </a:rPr>
-                        <a:t>​</a:t>
-                      </a:r>
-                    </a:p>
-                  </a:txBody>
-                  <a:tcPr anchor="ctr">
-                    <a:lnR w="12700" cap="flat" cmpd="sng" algn="ctr">
-                      <a:noFill/>
-                      <a:prstDash val="solid"/>
-                      <a:round/>
-                      <a:headEnd type="none" w="med" len="med"/>
-                      <a:tailEnd type="none" w="med" len="med"/>
-                    </a:lnR>
-                  </a:tcPr>
-                </a:tc>
-                <a:tc>
-                  <a:txBody>
-                    <a:bodyPr/>
-                    <a:lstStyle/>
-                    <a:p>
-                      <a:pPr algn="ctr" rtl="0" fontAlgn="base"/>
-                      <a:r>
-                        <a:rPr lang="en-US" sz="1400" b="0" i="0" dirty="0">
-                          <a:solidFill>
-                            <a:srgbClr val="333F50"/>
-                          </a:solidFill>
-                          <a:effectLst/>
-                          <a:latin typeface="+mn-lt"/>
-                        </a:rPr>
-                        <a:t>5</a:t>
-                      </a:r>
-                      <a:r>
-                        <a:rPr lang="en-US" sz="1400" b="0" i="0" dirty="0">
-                          <a:solidFill>
-                            <a:srgbClr val="000000"/>
-                          </a:solidFill>
-                          <a:effectLst/>
-                          <a:latin typeface="+mn-lt"/>
-                        </a:rPr>
-                        <a:t>​.0</a:t>
-                      </a:r>
-                    </a:p>
-                  </a:txBody>
-                  <a:tcPr anchor="ctr">
-                    <a:lnL w="12700" cap="flat" cmpd="sng" algn="ctr">
-                      <a:noFill/>
-                      <a:prstDash val="solid"/>
-                      <a:round/>
-                      <a:headEnd type="none" w="med" len="med"/>
-                      <a:tailEnd type="none" w="med" len="med"/>
-                    </a:lnL>
-                    <a:lnR w="12700" cap="flat" cmpd="sng" algn="ctr">
-                      <a:noFill/>
-                      <a:prstDash val="solid"/>
-                      <a:round/>
-                      <a:headEnd type="none" w="med" len="med"/>
-                      <a:tailEnd type="none" w="med" len="med"/>
-                    </a:lnR>
-                  </a:tcPr>
-                </a:tc>
-                <a:extLst>
-                  <a:ext uri="{0D108BD9-81ED-4DB2-BD59-A6C34878D82A}">
-                    <a16:rowId xmlns:a16="http://schemas.microsoft.com/office/drawing/2014/main" val="3134841754"/>
-                  </a:ext>
-                </a:extLst>
-              </a:tr>
-              <a:tr h="714194">
-                <a:tc>
-                  <a:txBody>
-                    <a:bodyPr/>
-                    <a:lstStyle/>
-                    <a:p>
-                      <a:pPr algn="ctr" rtl="0" fontAlgn="base"/>
-                      <a:r>
-                        <a:rPr lang="en-US" sz="1400" b="0" i="0" dirty="0">
-                          <a:solidFill>
-                            <a:srgbClr val="333F50"/>
-                          </a:solidFill>
-                          <a:effectLst/>
-                          <a:latin typeface="+mn-lt"/>
-                        </a:rPr>
-                        <a:t>Q2</a:t>
-                      </a:r>
-                      <a:endParaRPr lang="en-US" sz="1400" b="0" i="0" dirty="0">
-                        <a:solidFill>
-                          <a:srgbClr val="000000"/>
-                        </a:solidFill>
-                        <a:effectLst/>
-                        <a:latin typeface="+mn-lt"/>
-                      </a:endParaRPr>
-                    </a:p>
-                  </a:txBody>
-                  <a:tcPr anchor="ctr">
-                    <a:lnL w="12700" cap="flat" cmpd="sng" algn="ctr">
-                      <a:noFill/>
-                      <a:prstDash val="solid"/>
-                      <a:round/>
-                      <a:headEnd type="none" w="med" len="med"/>
-                      <a:tailEnd type="none" w="med" len="med"/>
-                    </a:lnL>
-                  </a:tcPr>
-                </a:tc>
-                <a:tc>
-                  <a:txBody>
-                    <a:bodyPr/>
-                    <a:lstStyle/>
-                    <a:p>
-                      <a:pPr algn="ctr" rtl="0" fontAlgn="base"/>
-                      <a:r>
-                        <a:rPr lang="en-US" sz="1400" b="0" i="0" dirty="0">
-                          <a:solidFill>
-                            <a:srgbClr val="333F50"/>
-                          </a:solidFill>
-                          <a:effectLst/>
-                          <a:latin typeface="+mn-lt"/>
-                        </a:rPr>
-                        <a:t>3.2</a:t>
-                      </a:r>
-                      <a:r>
-                        <a:rPr lang="en-US" sz="1400" b="0" i="0" dirty="0">
-                          <a:solidFill>
-                            <a:srgbClr val="000000"/>
-                          </a:solidFill>
-                          <a:effectLst/>
-                          <a:latin typeface="+mn-lt"/>
-                        </a:rPr>
-                        <a:t>​</a:t>
-                      </a:r>
-                    </a:p>
-                  </a:txBody>
-                  <a:tcPr anchor="ctr"/>
-                </a:tc>
-                <a:tc>
-                  <a:txBody>
-                    <a:bodyPr/>
-                    <a:lstStyle/>
-                    <a:p>
-                      <a:pPr algn="ctr" rtl="0" fontAlgn="base"/>
-                      <a:r>
-                        <a:rPr lang="en-US" sz="1400" b="0" i="0" dirty="0">
-                          <a:solidFill>
-                            <a:srgbClr val="333F50"/>
-                          </a:solidFill>
-                          <a:effectLst/>
-                          <a:latin typeface="+mn-lt"/>
-                        </a:rPr>
-                        <a:t>5.1</a:t>
-                      </a:r>
-                      <a:r>
-                        <a:rPr lang="en-US" sz="1400" b="0" i="0" dirty="0">
-                          <a:solidFill>
-                            <a:srgbClr val="000000"/>
-                          </a:solidFill>
-                          <a:effectLst/>
-                          <a:latin typeface="+mn-lt"/>
-                        </a:rPr>
-                        <a:t>​</a:t>
-                      </a:r>
-                    </a:p>
-                  </a:txBody>
-                  <a:tcPr anchor="ctr"/>
-                </a:tc>
-                <a:tc>
-                  <a:txBody>
-                    <a:bodyPr/>
-                    <a:lstStyle/>
-                    <a:p>
-                      <a:pPr algn="ctr" rtl="0" fontAlgn="base"/>
-                      <a:r>
-                        <a:rPr lang="en-US" sz="1400" b="0" i="0" dirty="0">
-                          <a:solidFill>
-                            <a:srgbClr val="333F50"/>
-                          </a:solidFill>
-                          <a:effectLst/>
-                          <a:latin typeface="+mn-lt"/>
-                        </a:rPr>
-                        <a:t>4.4</a:t>
-                      </a:r>
-                      <a:r>
-                        <a:rPr lang="en-US" sz="1400" b="0" i="0" dirty="0">
-                          <a:solidFill>
-                            <a:srgbClr val="000000"/>
-                          </a:solidFill>
-                          <a:effectLst/>
-                          <a:latin typeface="+mn-lt"/>
-                        </a:rPr>
-                        <a:t>​</a:t>
-                      </a:r>
-                    </a:p>
-                  </a:txBody>
-                  <a:tcPr anchor="ctr"/>
-                </a:tc>
-                <a:tc>
-                  <a:txBody>
-                    <a:bodyPr/>
-                    <a:lstStyle/>
-                    <a:p>
-                      <a:pPr algn="ctr" rtl="0" fontAlgn="base"/>
-                      <a:r>
-                        <a:rPr lang="en-US" sz="1400" b="0" i="0" dirty="0">
-                          <a:solidFill>
-                            <a:srgbClr val="333F50"/>
-                          </a:solidFill>
-                          <a:effectLst/>
-                          <a:latin typeface="+mn-lt"/>
-                        </a:rPr>
-                        <a:t>3</a:t>
-                      </a:r>
-                      <a:r>
-                        <a:rPr lang="en-US" sz="1400" b="0" i="0" dirty="0">
-                          <a:solidFill>
-                            <a:srgbClr val="000000"/>
-                          </a:solidFill>
-                          <a:effectLst/>
-                          <a:latin typeface="+mn-lt"/>
-                        </a:rPr>
-                        <a:t>​.0</a:t>
-                      </a:r>
-                    </a:p>
-                  </a:txBody>
-                  <a:tcPr anchor="ctr">
-                    <a:lnR w="12700" cap="flat" cmpd="sng" algn="ctr">
-                      <a:noFill/>
-                      <a:prstDash val="solid"/>
-                      <a:round/>
-                      <a:headEnd type="none" w="med" len="med"/>
-                      <a:tailEnd type="none" w="med" len="med"/>
-                    </a:lnR>
-                  </a:tcPr>
-                </a:tc>
-                <a:extLst>
-                  <a:ext uri="{0D108BD9-81ED-4DB2-BD59-A6C34878D82A}">
-                    <a16:rowId xmlns:a16="http://schemas.microsoft.com/office/drawing/2014/main" val="4129140390"/>
-                  </a:ext>
-                </a:extLst>
-              </a:tr>
-              <a:tr h="714194">
-                <a:tc>
-                  <a:txBody>
-                    <a:bodyPr/>
-                    <a:lstStyle/>
-                    <a:p>
-                      <a:pPr algn="ctr" rtl="0" fontAlgn="base"/>
-                      <a:r>
-                        <a:rPr lang="en-US" sz="1400" b="0" i="0" dirty="0">
-                          <a:solidFill>
-                            <a:srgbClr val="333F50"/>
-                          </a:solidFill>
-                          <a:effectLst/>
-                          <a:latin typeface="+mn-lt"/>
-                        </a:rPr>
-                        <a:t>Q3</a:t>
-                      </a:r>
-                      <a:endParaRPr lang="en-US" sz="1400" b="0" i="0" dirty="0">
-                        <a:solidFill>
-                          <a:srgbClr val="000000"/>
-                        </a:solidFill>
-                        <a:effectLst/>
-                        <a:latin typeface="+mn-lt"/>
-                      </a:endParaRPr>
-                    </a:p>
-                  </a:txBody>
-                  <a:tcPr anchor="ctr">
-                    <a:lnL w="12700" cap="flat" cmpd="sng" algn="ctr">
-                      <a:noFill/>
-                      <a:prstDash val="solid"/>
-                      <a:round/>
-                      <a:headEnd type="none" w="med" len="med"/>
-                      <a:tailEnd type="none" w="med" len="med"/>
-                    </a:lnL>
-                  </a:tcPr>
-                </a:tc>
-                <a:tc>
-                  <a:txBody>
-                    <a:bodyPr/>
-                    <a:lstStyle/>
-                    <a:p>
-                      <a:pPr algn="ctr" rtl="0" fontAlgn="base"/>
-                      <a:r>
-                        <a:rPr lang="en-US" sz="1400" b="0" i="0" dirty="0">
-                          <a:solidFill>
-                            <a:srgbClr val="333F50"/>
-                          </a:solidFill>
-                          <a:effectLst/>
-                          <a:latin typeface="+mn-lt"/>
-                        </a:rPr>
-                        <a:t>2.1</a:t>
-                      </a:r>
-                      <a:r>
-                        <a:rPr lang="en-US" sz="1400" b="0" i="0" dirty="0">
-                          <a:solidFill>
-                            <a:srgbClr val="000000"/>
-                          </a:solidFill>
-                          <a:effectLst/>
-                          <a:latin typeface="+mn-lt"/>
-                        </a:rPr>
-                        <a:t>​</a:t>
-                      </a:r>
-                    </a:p>
-                  </a:txBody>
-                  <a:tcPr anchor="ctr"/>
-                </a:tc>
-                <a:tc>
-                  <a:txBody>
-                    <a:bodyPr/>
-                    <a:lstStyle/>
-                    <a:p>
-                      <a:pPr algn="ctr" rtl="0" fontAlgn="base"/>
-                      <a:r>
-                        <a:rPr lang="en-US" sz="1400" b="0" i="0" dirty="0">
-                          <a:solidFill>
-                            <a:srgbClr val="333F50"/>
-                          </a:solidFill>
-                          <a:effectLst/>
-                          <a:latin typeface="+mn-lt"/>
-                        </a:rPr>
-                        <a:t>1.7</a:t>
-                      </a:r>
-                      <a:r>
-                        <a:rPr lang="en-US" sz="1400" b="0" i="0" dirty="0">
-                          <a:solidFill>
-                            <a:srgbClr val="000000"/>
-                          </a:solidFill>
-                          <a:effectLst/>
-                          <a:latin typeface="+mn-lt"/>
-                        </a:rPr>
-                        <a:t>​</a:t>
-                      </a:r>
-                    </a:p>
-                  </a:txBody>
-                  <a:tcPr anchor="ctr"/>
-                </a:tc>
-                <a:tc>
-                  <a:txBody>
-                    <a:bodyPr/>
-                    <a:lstStyle/>
-                    <a:p>
-                      <a:pPr algn="ctr" rtl="0" fontAlgn="base"/>
-                      <a:r>
-                        <a:rPr lang="en-US" sz="1400" b="0" i="0" dirty="0">
-                          <a:solidFill>
-                            <a:srgbClr val="333F50"/>
-                          </a:solidFill>
-                          <a:effectLst/>
-                          <a:latin typeface="+mn-lt"/>
-                        </a:rPr>
-                        <a:t>2.5</a:t>
-                      </a:r>
-                      <a:r>
-                        <a:rPr lang="en-US" sz="1400" b="0" i="0" dirty="0">
-                          <a:solidFill>
-                            <a:srgbClr val="000000"/>
-                          </a:solidFill>
-                          <a:effectLst/>
-                          <a:latin typeface="+mn-lt"/>
-                        </a:rPr>
-                        <a:t>​</a:t>
-                      </a:r>
-                    </a:p>
-                  </a:txBody>
-                  <a:tcPr anchor="ctr"/>
-                </a:tc>
-                <a:tc>
-                  <a:txBody>
-                    <a:bodyPr/>
-                    <a:lstStyle/>
-                    <a:p>
-                      <a:pPr algn="ctr" rtl="0" fontAlgn="base"/>
-                      <a:r>
-                        <a:rPr lang="en-US" sz="1400" b="0" i="0" dirty="0">
-                          <a:solidFill>
-                            <a:srgbClr val="333F50"/>
-                          </a:solidFill>
-                          <a:effectLst/>
-                          <a:latin typeface="+mn-lt"/>
-                        </a:rPr>
-                        <a:t>2.8</a:t>
-                      </a:r>
-                      <a:r>
-                        <a:rPr lang="en-US" sz="1400" b="0" i="0" dirty="0">
-                          <a:solidFill>
-                            <a:srgbClr val="000000"/>
-                          </a:solidFill>
-                          <a:effectLst/>
-                          <a:latin typeface="+mn-lt"/>
-                        </a:rPr>
-                        <a:t>​</a:t>
-                      </a:r>
-                    </a:p>
-                  </a:txBody>
-                  <a:tcPr anchor="ctr">
-                    <a:lnR w="12700" cap="flat" cmpd="sng" algn="ctr">
-                      <a:noFill/>
-                      <a:prstDash val="solid"/>
-                      <a:round/>
-                      <a:headEnd type="none" w="med" len="med"/>
-                      <a:tailEnd type="none" w="med" len="med"/>
-                    </a:lnR>
-                  </a:tcPr>
-                </a:tc>
-                <a:extLst>
-                  <a:ext uri="{0D108BD9-81ED-4DB2-BD59-A6C34878D82A}">
-                    <a16:rowId xmlns:a16="http://schemas.microsoft.com/office/drawing/2014/main" val="1699990805"/>
-                  </a:ext>
-                </a:extLst>
-              </a:tr>
-              <a:tr h="714194">
-                <a:tc>
-                  <a:txBody>
-                    <a:bodyPr/>
-                    <a:lstStyle/>
-                    <a:p>
-                      <a:pPr algn="ctr" rtl="0" fontAlgn="base"/>
-                      <a:r>
-                        <a:rPr lang="en-US" sz="1400" b="0" i="0" dirty="0">
-                          <a:solidFill>
-                            <a:srgbClr val="333F50"/>
-                          </a:solidFill>
-                          <a:effectLst/>
-                          <a:latin typeface="+mn-lt"/>
-                        </a:rPr>
-                        <a:t>Q4</a:t>
-                      </a:r>
-                      <a:endParaRPr lang="en-US" sz="1400" b="0" i="0" dirty="0">
-                        <a:solidFill>
-                          <a:srgbClr val="000000"/>
-                        </a:solidFill>
-                        <a:effectLst/>
-                        <a:latin typeface="+mn-lt"/>
-                      </a:endParaRPr>
-                    </a:p>
-                  </a:txBody>
-                  <a:tcPr anchor="ctr">
-                    <a:lnL w="12700" cap="flat" cmpd="sng" algn="ctr">
-                      <a:noFill/>
-                      <a:prstDash val="solid"/>
-                      <a:round/>
-                      <a:headEnd type="none" w="med" len="med"/>
-                      <a:tailEnd type="none" w="med" len="med"/>
-                    </a:lnL>
-                  </a:tcPr>
-                </a:tc>
-                <a:tc>
-                  <a:txBody>
-                    <a:bodyPr/>
-                    <a:lstStyle/>
-                    <a:p>
-                      <a:pPr algn="ctr" rtl="0" fontAlgn="base"/>
-                      <a:r>
-                        <a:rPr lang="en-US" sz="1400" b="0" i="0" dirty="0">
-                          <a:solidFill>
-                            <a:srgbClr val="333F50"/>
-                          </a:solidFill>
-                          <a:effectLst/>
-                          <a:latin typeface="+mn-lt"/>
-                        </a:rPr>
-                        <a:t>4.5</a:t>
-                      </a:r>
-                      <a:r>
-                        <a:rPr lang="en-US" sz="1400" b="0" i="0" dirty="0">
-                          <a:solidFill>
-                            <a:srgbClr val="000000"/>
-                          </a:solidFill>
-                          <a:effectLst/>
-                          <a:latin typeface="+mn-lt"/>
-                        </a:rPr>
-                        <a:t>​</a:t>
-                      </a:r>
-                    </a:p>
-                  </a:txBody>
-                  <a:tcPr anchor="ctr"/>
-                </a:tc>
-                <a:tc>
-                  <a:txBody>
-                    <a:bodyPr/>
-                    <a:lstStyle/>
-                    <a:p>
-                      <a:pPr algn="ctr" rtl="0" fontAlgn="base"/>
-                      <a:r>
-                        <a:rPr lang="en-US" sz="1400" b="0" i="0" dirty="0">
-                          <a:solidFill>
-                            <a:srgbClr val="333F50"/>
-                          </a:solidFill>
-                          <a:effectLst/>
-                          <a:latin typeface="+mn-lt"/>
-                        </a:rPr>
-                        <a:t>2.2</a:t>
-                      </a:r>
-                      <a:r>
-                        <a:rPr lang="en-US" sz="1400" b="0" i="0" dirty="0">
-                          <a:solidFill>
-                            <a:srgbClr val="000000"/>
-                          </a:solidFill>
-                          <a:effectLst/>
-                          <a:latin typeface="+mn-lt"/>
-                        </a:rPr>
-                        <a:t>​</a:t>
-                      </a:r>
-                    </a:p>
-                  </a:txBody>
-                  <a:tcPr anchor="ctr"/>
-                </a:tc>
-                <a:tc>
-                  <a:txBody>
-                    <a:bodyPr/>
-                    <a:lstStyle/>
-                    <a:p>
-                      <a:pPr algn="ctr" rtl="0" fontAlgn="base"/>
-                      <a:r>
-                        <a:rPr lang="en-US" sz="1400" b="0" i="0" dirty="0">
-                          <a:solidFill>
-                            <a:srgbClr val="333F50"/>
-                          </a:solidFill>
-                          <a:effectLst/>
-                          <a:latin typeface="+mn-lt"/>
-                        </a:rPr>
-                        <a:t>1.7</a:t>
-                      </a:r>
-                      <a:r>
-                        <a:rPr lang="en-US" sz="1400" b="0" i="0" dirty="0">
-                          <a:solidFill>
-                            <a:srgbClr val="000000"/>
-                          </a:solidFill>
-                          <a:effectLst/>
-                          <a:latin typeface="+mn-lt"/>
-                        </a:rPr>
-                        <a:t>​</a:t>
-                      </a:r>
-                    </a:p>
-                  </a:txBody>
-                  <a:tcPr anchor="ctr"/>
-                </a:tc>
-                <a:tc>
-                  <a:txBody>
-                    <a:bodyPr/>
-                    <a:lstStyle/>
-                    <a:p>
-                      <a:pPr algn="ctr" rtl="0" fontAlgn="base"/>
-                      <a:r>
-                        <a:rPr lang="en-US" sz="1400" b="0" i="0" dirty="0">
-                          <a:solidFill>
-                            <a:srgbClr val="333F50"/>
-                          </a:solidFill>
-                          <a:effectLst/>
-                          <a:latin typeface="+mn-lt"/>
-                        </a:rPr>
-                        <a:t>7.0</a:t>
-                      </a:r>
-                      <a:endParaRPr lang="en-US" sz="1400" b="0" i="0" dirty="0">
-                        <a:solidFill>
-                          <a:srgbClr val="000000"/>
-                        </a:solidFill>
-                        <a:effectLst/>
-                        <a:latin typeface="+mn-lt"/>
-                      </a:endParaRPr>
-                    </a:p>
-                  </a:txBody>
-                  <a:tcPr anchor="ctr">
-                    <a:lnR w="12700" cap="flat" cmpd="sng" algn="ctr">
-                      <a:noFill/>
-                      <a:prstDash val="solid"/>
-                      <a:round/>
-                      <a:headEnd type="none" w="med" len="med"/>
-                      <a:tailEnd type="none" w="med" len="med"/>
-                    </a:lnR>
-                  </a:tcPr>
-                </a:tc>
-                <a:extLst>
-                  <a:ext uri="{0D108BD9-81ED-4DB2-BD59-A6C34878D82A}">
-                    <a16:rowId xmlns:a16="http://schemas.microsoft.com/office/drawing/2014/main" val="3388671141"/>
-                  </a:ext>
-                </a:extLst>
-              </a:tr>
-            </a:tbl>
-          </a:graphicData>
-        </a:graphic>
-      </p:graphicFrame>
-      <p:sp>
-        <p:nvSpPr>
-          <p:cNvPr id="5" name="Title 2">
-            <a:extLst>
-              <a:ext uri="{FF2B5EF4-FFF2-40B4-BE49-F238E27FC236}">
-                <a16:creationId xmlns:a16="http://schemas.microsoft.com/office/drawing/2014/main" id="{0568B8FE-691D-A8EB-BD3B-2F2B9B3B0BB5}"/>
-              </a:ext>
-            </a:extLst>
-          </p:cNvPr>
-          <p:cNvSpPr>
-            <a:spLocks noGrp="1"/>
-          </p:cNvSpPr>
-          <p:nvPr>
-            <p:ph type="title"/>
-          </p:nvPr>
-        </p:nvSpPr>
-        <p:spPr>
-          <a:xfrm>
-            <a:off x="838200" y="349626"/>
-            <a:ext cx="10515600" cy="1325563"/>
-          </a:xfrm>
-        </p:spPr>
-        <p:txBody>
-          <a:bodyPr/>
-          <a:lstStyle/>
-          <a:p>
-            <a:r>
-              <a:rPr lang="en-US" dirty="0"/>
-              <a:t>Graph 7</a:t>
-            </a:r>
-          </a:p>
-        </p:txBody>
-      </p:sp>
-    </p:spTree>
-    <p:extLst>
-      <p:ext uri="{BB962C8B-B14F-4D97-AF65-F5344CB8AC3E}">
-        <p14:creationId xmlns:p14="http://schemas.microsoft.com/office/powerpoint/2010/main" val="1590426193"/>
-      </p:ext>
-    </p:extLst>
-  </p:cSld>
-  <p:clrMapOvr>
-    <a:masterClrMapping/>
-  </p:clrMapOvr>
-</p:sld>
-</file>
-
-<file path=ppt/slides/slide12.xml><?xml version="1.0" encoding="utf-8"?>
-<p:sld xmlns:a="http://schemas.openxmlformats.org/drawingml/2006/main" xmlns:r="http://schemas.openxmlformats.org/officeDocument/2006/relationships" xmlns:p="http://schemas.openxmlformats.org/presentationml/2006/main">
-  <p:cSld>
-    <p:spTree>
-      <p:nvGrpSpPr>
-        <p:cNvPr id="1" name=""/>
-        <p:cNvGrpSpPr/>
-        <p:nvPr/>
-      </p:nvGrpSpPr>
-      <p:grpSpPr>
-        <a:xfrm>
-          <a:off x="0" y="0"/>
-          <a:ext cx="0" cy="0"/>
-          <a:chOff x="0" y="0"/>
-          <a:chExt cx="0" cy="0"/>
-        </a:xfrm>
-      </p:grpSpPr>
-      <p:graphicFrame>
-        <p:nvGraphicFramePr>
           <p:cNvPr id="23" name="Table 4">
             <a:extLst>
               <a:ext uri="{FF2B5EF4-FFF2-40B4-BE49-F238E27FC236}">
                 <a16:creationId xmlns:a16="http://schemas.microsoft.com/office/drawing/2014/main" id="{10EBCF29-A96D-F7D3-3575-17FB2E2AA981}"/>
-              </a:ext>
-            </a:extLst>
-          </p:cNvPr>
-          <p:cNvGraphicFramePr>
-            <a:graphicFrameLocks/>
-          </p:cNvGraphicFramePr>
-          <p:nvPr/>
-        </p:nvGraphicFramePr>
-        <p:xfrm>
-          <a:off x="838200" y="2111375"/>
-          <a:ext cx="10515600" cy="3570970"/>
-        </p:xfrm>
-        <a:graphic>
-          <a:graphicData uri="http://schemas.openxmlformats.org/drawingml/2006/table">
-            <a:tbl>
-              <a:tblPr firstRow="1" bandRow="1">
-                <a:tableStyleId>{7E9639D4-E3E2-4D34-9284-5A2195B3D0D7}</a:tableStyleId>
-              </a:tblPr>
-              <a:tblGrid>
-                <a:gridCol w="2103120">
-                  <a:extLst>
-                    <a:ext uri="{9D8B030D-6E8A-4147-A177-3AD203B41FA5}">
-                      <a16:colId xmlns:a16="http://schemas.microsoft.com/office/drawing/2014/main" val="3261104555"/>
-                    </a:ext>
-                  </a:extLst>
-                </a:gridCol>
-                <a:gridCol w="2103120">
-                  <a:extLst>
-                    <a:ext uri="{9D8B030D-6E8A-4147-A177-3AD203B41FA5}">
-                      <a16:colId xmlns:a16="http://schemas.microsoft.com/office/drawing/2014/main" val="2547279344"/>
-                    </a:ext>
-                  </a:extLst>
-                </a:gridCol>
-                <a:gridCol w="2103120">
-                  <a:extLst>
-                    <a:ext uri="{9D8B030D-6E8A-4147-A177-3AD203B41FA5}">
-                      <a16:colId xmlns:a16="http://schemas.microsoft.com/office/drawing/2014/main" val="2366228292"/>
-                    </a:ext>
-                  </a:extLst>
-                </a:gridCol>
-                <a:gridCol w="2103120">
-                  <a:extLst>
-                    <a:ext uri="{9D8B030D-6E8A-4147-A177-3AD203B41FA5}">
-                      <a16:colId xmlns:a16="http://schemas.microsoft.com/office/drawing/2014/main" val="934788178"/>
-                    </a:ext>
-                  </a:extLst>
-                </a:gridCol>
-                <a:gridCol w="2103120">
-                  <a:extLst>
-                    <a:ext uri="{9D8B030D-6E8A-4147-A177-3AD203B41FA5}">
-                      <a16:colId xmlns:a16="http://schemas.microsoft.com/office/drawing/2014/main" val="2596635212"/>
-                    </a:ext>
-                  </a:extLst>
-                </a:gridCol>
-              </a:tblGrid>
-              <a:tr h="714194">
-                <a:tc>
-                  <a:txBody>
-                    <a:bodyPr/>
-                    <a:lstStyle/>
-                    <a:p>
-                      <a:pPr algn="ctr" rtl="0" fontAlgn="auto"/>
-                      <a:r>
-                        <a:rPr lang="en-US" sz="1600" b="1" i="0" dirty="0">
-                          <a:solidFill>
-                            <a:srgbClr val="FFFFFF"/>
-                          </a:solidFill>
-                          <a:effectLst/>
-                          <a:latin typeface="+mn-lt"/>
-                        </a:rPr>
-                        <a:t>​</a:t>
-                      </a:r>
-                    </a:p>
-                  </a:txBody>
-                  <a:tcPr anchor="ctr"/>
-                </a:tc>
-                <a:tc>
-                  <a:txBody>
-                    <a:bodyPr/>
-                    <a:lstStyle/>
-                    <a:p>
-                      <a:pPr algn="ctr" rtl="0" fontAlgn="base"/>
-                      <a:r>
-                        <a:rPr lang="en-US" sz="1600" b="0" i="0" dirty="0">
-                          <a:solidFill>
-                            <a:schemeClr val="accent1"/>
-                          </a:solidFill>
-                          <a:effectLst/>
-                          <a:latin typeface="+mn-lt"/>
-                        </a:rPr>
-                        <a:t>CATEGORY 1</a:t>
-                      </a:r>
-                      <a:endParaRPr lang="en-US" sz="1600" b="1" i="0" dirty="0">
-                        <a:solidFill>
-                          <a:schemeClr val="accent1"/>
-                        </a:solidFill>
-                        <a:effectLst/>
-                        <a:latin typeface="+mn-lt"/>
-                      </a:endParaRPr>
-                    </a:p>
-                  </a:txBody>
-                  <a:tcPr anchor="ctr"/>
-                </a:tc>
-                <a:tc>
-                  <a:txBody>
-                    <a:bodyPr/>
-                    <a:lstStyle/>
-                    <a:p>
-                      <a:pPr algn="ctr" rtl="0" fontAlgn="base"/>
-                      <a:r>
-                        <a:rPr lang="en-US" sz="1600" b="0" i="0" dirty="0">
-                          <a:solidFill>
-                            <a:schemeClr val="accent1"/>
-                          </a:solidFill>
-                          <a:effectLst/>
-                          <a:latin typeface="+mn-lt"/>
-                        </a:rPr>
-                        <a:t>CATEGORY 2</a:t>
-                      </a:r>
-                      <a:endParaRPr lang="en-US" sz="1600" b="1" i="0" dirty="0">
-                        <a:solidFill>
-                          <a:schemeClr val="accent1"/>
-                        </a:solidFill>
-                        <a:effectLst/>
-                        <a:latin typeface="+mn-lt"/>
-                      </a:endParaRPr>
-                    </a:p>
-                  </a:txBody>
-                  <a:tcPr anchor="ctr"/>
-                </a:tc>
-                <a:tc>
-                  <a:txBody>
-                    <a:bodyPr/>
-                    <a:lstStyle/>
-                    <a:p>
-                      <a:pPr algn="ctr" rtl="0" fontAlgn="base"/>
-                      <a:r>
-                        <a:rPr lang="en-US" sz="1600" b="0" i="0" kern="1200" dirty="0">
-                          <a:solidFill>
-                            <a:schemeClr val="accent1"/>
-                          </a:solidFill>
-                          <a:effectLst/>
-                          <a:latin typeface="+mn-lt"/>
-                          <a:ea typeface="+mn-ea"/>
-                          <a:cs typeface="+mn-cs"/>
-                        </a:rPr>
-                        <a:t>CATEGORY 3</a:t>
-                      </a:r>
-                      <a:r>
-                        <a:rPr lang="en-US" sz="1600" b="1" i="0" dirty="0">
-                          <a:solidFill>
-                            <a:srgbClr val="FFFFFF"/>
-                          </a:solidFill>
-                          <a:effectLst/>
-                          <a:latin typeface="+mn-lt"/>
-                        </a:rPr>
-                        <a:t>​</a:t>
-                      </a:r>
-                    </a:p>
-                  </a:txBody>
-                  <a:tcPr anchor="ctr"/>
-                </a:tc>
-                <a:tc>
-                  <a:txBody>
-                    <a:bodyPr/>
-                    <a:lstStyle/>
-                    <a:p>
-                      <a:pPr algn="ctr" rtl="0" fontAlgn="base"/>
-                      <a:r>
-                        <a:rPr lang="en-US" sz="1600" b="0" i="0" kern="1200" dirty="0">
-                          <a:solidFill>
-                            <a:schemeClr val="accent1"/>
-                          </a:solidFill>
-                          <a:effectLst/>
-                          <a:latin typeface="+mn-lt"/>
-                          <a:ea typeface="+mn-ea"/>
-                          <a:cs typeface="+mn-cs"/>
-                        </a:rPr>
-                        <a:t>CATEGORY 4​</a:t>
-                      </a:r>
-                    </a:p>
-                  </a:txBody>
-                  <a:tcPr anchor="ctr"/>
-                </a:tc>
-                <a:extLst>
-                  <a:ext uri="{0D108BD9-81ED-4DB2-BD59-A6C34878D82A}">
-                    <a16:rowId xmlns:a16="http://schemas.microsoft.com/office/drawing/2014/main" val="3441328149"/>
-                  </a:ext>
-                </a:extLst>
-              </a:tr>
-              <a:tr h="714194">
-                <a:tc>
-                  <a:txBody>
-                    <a:bodyPr/>
-                    <a:lstStyle/>
-                    <a:p>
-                      <a:pPr algn="ctr" rtl="0" fontAlgn="base"/>
-                      <a:r>
-                        <a:rPr lang="en-US" sz="1400" b="0" i="0" dirty="0">
-                          <a:solidFill>
-                            <a:srgbClr val="333F50"/>
-                          </a:solidFill>
-                          <a:effectLst/>
-                          <a:latin typeface="+mn-lt"/>
-                        </a:rPr>
-                        <a:t>Q1</a:t>
-                      </a:r>
-                      <a:endParaRPr lang="en-US" sz="1400" b="0" i="0" dirty="0">
-                        <a:solidFill>
-                          <a:srgbClr val="000000"/>
-                        </a:solidFill>
-                        <a:effectLst/>
-                        <a:latin typeface="+mn-lt"/>
-                      </a:endParaRPr>
-                    </a:p>
-                  </a:txBody>
-                  <a:tcPr anchor="ctr">
-                    <a:lnL w="12700" cap="flat" cmpd="sng" algn="ctr">
-                      <a:noFill/>
-                      <a:prstDash val="solid"/>
-                      <a:round/>
-                      <a:headEnd type="none" w="med" len="med"/>
-                      <a:tailEnd type="none" w="med" len="med"/>
-                    </a:lnL>
-                  </a:tcPr>
-                </a:tc>
-                <a:tc>
-                  <a:txBody>
-                    <a:bodyPr/>
-                    <a:lstStyle/>
-                    <a:p>
-                      <a:pPr algn="ctr" rtl="0" fontAlgn="base"/>
-                      <a:r>
-                        <a:rPr lang="en-US" sz="1400" b="0" i="0" dirty="0">
-                          <a:solidFill>
-                            <a:srgbClr val="333F50"/>
-                          </a:solidFill>
-                          <a:effectLst/>
-                          <a:latin typeface="+mn-lt"/>
-                        </a:rPr>
-                        <a:t>4.5</a:t>
-                      </a:r>
-                      <a:r>
-                        <a:rPr lang="en-US" sz="1400" b="0" i="0" dirty="0">
-                          <a:solidFill>
-                            <a:srgbClr val="000000"/>
-                          </a:solidFill>
-                          <a:effectLst/>
-                          <a:latin typeface="+mn-lt"/>
-                        </a:rPr>
-                        <a:t>​</a:t>
-                      </a:r>
-                    </a:p>
-                  </a:txBody>
-                  <a:tcPr anchor="ctr"/>
-                </a:tc>
-                <a:tc>
-                  <a:txBody>
-                    <a:bodyPr/>
-                    <a:lstStyle/>
-                    <a:p>
-                      <a:pPr algn="ctr" rtl="0" fontAlgn="base"/>
-                      <a:r>
-                        <a:rPr lang="en-US" sz="1400" b="0" i="0" dirty="0">
-                          <a:solidFill>
-                            <a:srgbClr val="333F50"/>
-                          </a:solidFill>
-                          <a:effectLst/>
-                          <a:latin typeface="+mn-lt"/>
-                        </a:rPr>
-                        <a:t>2.3</a:t>
-                      </a:r>
-                      <a:r>
-                        <a:rPr lang="en-US" sz="1400" b="0" i="0" dirty="0">
-                          <a:solidFill>
-                            <a:srgbClr val="000000"/>
-                          </a:solidFill>
-                          <a:effectLst/>
-                          <a:latin typeface="+mn-lt"/>
-                        </a:rPr>
-                        <a:t>​</a:t>
-                      </a:r>
-                    </a:p>
-                  </a:txBody>
-                  <a:tcPr anchor="ctr"/>
-                </a:tc>
-                <a:tc>
-                  <a:txBody>
-                    <a:bodyPr/>
-                    <a:lstStyle/>
-                    <a:p>
-                      <a:pPr algn="ctr" rtl="0" fontAlgn="base"/>
-                      <a:r>
-                        <a:rPr lang="en-US" sz="1400" b="0" i="0" dirty="0">
-                          <a:solidFill>
-                            <a:srgbClr val="333F50"/>
-                          </a:solidFill>
-                          <a:effectLst/>
-                          <a:latin typeface="+mn-lt"/>
-                        </a:rPr>
-                        <a:t>1.7</a:t>
-                      </a:r>
-                      <a:r>
-                        <a:rPr lang="en-US" sz="1400" b="0" i="0" dirty="0">
-                          <a:solidFill>
-                            <a:srgbClr val="000000"/>
-                          </a:solidFill>
-                          <a:effectLst/>
-                          <a:latin typeface="+mn-lt"/>
-                        </a:rPr>
-                        <a:t>​</a:t>
-                      </a:r>
-                    </a:p>
-                  </a:txBody>
-                  <a:tcPr anchor="ctr">
-                    <a:lnR w="12700" cap="flat" cmpd="sng" algn="ctr">
-                      <a:noFill/>
-                      <a:prstDash val="solid"/>
-                      <a:round/>
-                      <a:headEnd type="none" w="med" len="med"/>
-                      <a:tailEnd type="none" w="med" len="med"/>
-                    </a:lnR>
-                  </a:tcPr>
-                </a:tc>
-                <a:tc>
-                  <a:txBody>
-                    <a:bodyPr/>
-                    <a:lstStyle/>
-                    <a:p>
-                      <a:pPr algn="ctr" rtl="0" fontAlgn="base"/>
-                      <a:r>
-                        <a:rPr lang="en-US" sz="1400" b="0" i="0" dirty="0">
-                          <a:solidFill>
-                            <a:srgbClr val="333F50"/>
-                          </a:solidFill>
-                          <a:effectLst/>
-                          <a:latin typeface="+mn-lt"/>
-                        </a:rPr>
-                        <a:t>5</a:t>
-                      </a:r>
-                      <a:r>
-                        <a:rPr lang="en-US" sz="1400" b="0" i="0" dirty="0">
-                          <a:solidFill>
-                            <a:srgbClr val="000000"/>
-                          </a:solidFill>
-                          <a:effectLst/>
-                          <a:latin typeface="+mn-lt"/>
-                        </a:rPr>
-                        <a:t>​.0</a:t>
-                      </a:r>
-                    </a:p>
-                  </a:txBody>
-                  <a:tcPr anchor="ctr">
-                    <a:lnL w="12700" cap="flat" cmpd="sng" algn="ctr">
-                      <a:noFill/>
-                      <a:prstDash val="solid"/>
-                      <a:round/>
-                      <a:headEnd type="none" w="med" len="med"/>
-                      <a:tailEnd type="none" w="med" len="med"/>
-                    </a:lnL>
-                    <a:lnR w="12700" cap="flat" cmpd="sng" algn="ctr">
-                      <a:noFill/>
-                      <a:prstDash val="solid"/>
-                      <a:round/>
-                      <a:headEnd type="none" w="med" len="med"/>
-                      <a:tailEnd type="none" w="med" len="med"/>
-                    </a:lnR>
-                  </a:tcPr>
-                </a:tc>
-                <a:extLst>
-                  <a:ext uri="{0D108BD9-81ED-4DB2-BD59-A6C34878D82A}">
-                    <a16:rowId xmlns:a16="http://schemas.microsoft.com/office/drawing/2014/main" val="3134841754"/>
-                  </a:ext>
-                </a:extLst>
-              </a:tr>
-              <a:tr h="714194">
-                <a:tc>
-                  <a:txBody>
-                    <a:bodyPr/>
-                    <a:lstStyle/>
-                    <a:p>
-                      <a:pPr algn="ctr" rtl="0" fontAlgn="base"/>
-                      <a:r>
-                        <a:rPr lang="en-US" sz="1400" b="0" i="0" dirty="0">
-                          <a:solidFill>
-                            <a:srgbClr val="333F50"/>
-                          </a:solidFill>
-                          <a:effectLst/>
-                          <a:latin typeface="+mn-lt"/>
-                        </a:rPr>
-                        <a:t>Q2</a:t>
-                      </a:r>
-                      <a:endParaRPr lang="en-US" sz="1400" b="0" i="0" dirty="0">
-                        <a:solidFill>
-                          <a:srgbClr val="000000"/>
-                        </a:solidFill>
-                        <a:effectLst/>
-                        <a:latin typeface="+mn-lt"/>
-                      </a:endParaRPr>
-                    </a:p>
-                  </a:txBody>
-                  <a:tcPr anchor="ctr">
-                    <a:lnL w="12700" cap="flat" cmpd="sng" algn="ctr">
-                      <a:noFill/>
-                      <a:prstDash val="solid"/>
-                      <a:round/>
-                      <a:headEnd type="none" w="med" len="med"/>
-                      <a:tailEnd type="none" w="med" len="med"/>
-                    </a:lnL>
-                  </a:tcPr>
-                </a:tc>
-                <a:tc>
-                  <a:txBody>
-                    <a:bodyPr/>
-                    <a:lstStyle/>
-                    <a:p>
-                      <a:pPr algn="ctr" rtl="0" fontAlgn="base"/>
-                      <a:r>
-                        <a:rPr lang="en-US" sz="1400" b="0" i="0" dirty="0">
-                          <a:solidFill>
-                            <a:srgbClr val="333F50"/>
-                          </a:solidFill>
-                          <a:effectLst/>
-                          <a:latin typeface="+mn-lt"/>
-                        </a:rPr>
-                        <a:t>3.2</a:t>
-                      </a:r>
-                      <a:r>
-                        <a:rPr lang="en-US" sz="1400" b="0" i="0" dirty="0">
-                          <a:solidFill>
-                            <a:srgbClr val="000000"/>
-                          </a:solidFill>
-                          <a:effectLst/>
-                          <a:latin typeface="+mn-lt"/>
-                        </a:rPr>
-                        <a:t>​</a:t>
-                      </a:r>
-                    </a:p>
-                  </a:txBody>
-                  <a:tcPr anchor="ctr"/>
-                </a:tc>
-                <a:tc>
-                  <a:txBody>
-                    <a:bodyPr/>
-                    <a:lstStyle/>
-                    <a:p>
-                      <a:pPr algn="ctr" rtl="0" fontAlgn="base"/>
-                      <a:r>
-                        <a:rPr lang="en-US" sz="1400" b="0" i="0" dirty="0">
-                          <a:solidFill>
-                            <a:srgbClr val="333F50"/>
-                          </a:solidFill>
-                          <a:effectLst/>
-                          <a:latin typeface="+mn-lt"/>
-                        </a:rPr>
-                        <a:t>5.1</a:t>
-                      </a:r>
-                      <a:r>
-                        <a:rPr lang="en-US" sz="1400" b="0" i="0" dirty="0">
-                          <a:solidFill>
-                            <a:srgbClr val="000000"/>
-                          </a:solidFill>
-                          <a:effectLst/>
-                          <a:latin typeface="+mn-lt"/>
-                        </a:rPr>
-                        <a:t>​</a:t>
-                      </a:r>
-                    </a:p>
-                  </a:txBody>
-                  <a:tcPr anchor="ctr"/>
-                </a:tc>
-                <a:tc>
-                  <a:txBody>
-                    <a:bodyPr/>
-                    <a:lstStyle/>
-                    <a:p>
-                      <a:pPr algn="ctr" rtl="0" fontAlgn="base"/>
-                      <a:r>
-                        <a:rPr lang="en-US" sz="1400" b="0" i="0" dirty="0">
-                          <a:solidFill>
-                            <a:srgbClr val="333F50"/>
-                          </a:solidFill>
-                          <a:effectLst/>
-                          <a:latin typeface="+mn-lt"/>
-                        </a:rPr>
-                        <a:t>4.4</a:t>
-                      </a:r>
-                      <a:r>
-                        <a:rPr lang="en-US" sz="1400" b="0" i="0" dirty="0">
-                          <a:solidFill>
-                            <a:srgbClr val="000000"/>
-                          </a:solidFill>
-                          <a:effectLst/>
-                          <a:latin typeface="+mn-lt"/>
-                        </a:rPr>
-                        <a:t>​</a:t>
-                      </a:r>
-                    </a:p>
-                  </a:txBody>
-                  <a:tcPr anchor="ctr"/>
-                </a:tc>
-                <a:tc>
-                  <a:txBody>
-                    <a:bodyPr/>
-                    <a:lstStyle/>
-                    <a:p>
-                      <a:pPr algn="ctr" rtl="0" fontAlgn="base"/>
-                      <a:r>
-                        <a:rPr lang="en-US" sz="1400" b="0" i="0" dirty="0">
-                          <a:solidFill>
-                            <a:srgbClr val="333F50"/>
-                          </a:solidFill>
-                          <a:effectLst/>
-                          <a:latin typeface="+mn-lt"/>
-                        </a:rPr>
-                        <a:t>3</a:t>
-                      </a:r>
-                      <a:r>
-                        <a:rPr lang="en-US" sz="1400" b="0" i="0" dirty="0">
-                          <a:solidFill>
-                            <a:srgbClr val="000000"/>
-                          </a:solidFill>
-                          <a:effectLst/>
-                          <a:latin typeface="+mn-lt"/>
-                        </a:rPr>
-                        <a:t>​.0</a:t>
-                      </a:r>
-                    </a:p>
-                  </a:txBody>
-                  <a:tcPr anchor="ctr">
-                    <a:lnR w="12700" cap="flat" cmpd="sng" algn="ctr">
-                      <a:noFill/>
-                      <a:prstDash val="solid"/>
-                      <a:round/>
-                      <a:headEnd type="none" w="med" len="med"/>
-                      <a:tailEnd type="none" w="med" len="med"/>
-                    </a:lnR>
-                  </a:tcPr>
-                </a:tc>
-                <a:extLst>
-                  <a:ext uri="{0D108BD9-81ED-4DB2-BD59-A6C34878D82A}">
-                    <a16:rowId xmlns:a16="http://schemas.microsoft.com/office/drawing/2014/main" val="4129140390"/>
-                  </a:ext>
-                </a:extLst>
-              </a:tr>
-              <a:tr h="714194">
-                <a:tc>
-                  <a:txBody>
-                    <a:bodyPr/>
-                    <a:lstStyle/>
-                    <a:p>
-                      <a:pPr algn="ctr" rtl="0" fontAlgn="base"/>
-                      <a:r>
-                        <a:rPr lang="en-US" sz="1400" b="0" i="0" dirty="0">
-                          <a:solidFill>
-                            <a:srgbClr val="333F50"/>
-                          </a:solidFill>
-                          <a:effectLst/>
-                          <a:latin typeface="+mn-lt"/>
-                        </a:rPr>
-                        <a:t>Q3</a:t>
-                      </a:r>
-                      <a:endParaRPr lang="en-US" sz="1400" b="0" i="0" dirty="0">
-                        <a:solidFill>
-                          <a:srgbClr val="000000"/>
-                        </a:solidFill>
-                        <a:effectLst/>
-                        <a:latin typeface="+mn-lt"/>
-                      </a:endParaRPr>
-                    </a:p>
-                  </a:txBody>
-                  <a:tcPr anchor="ctr">
-                    <a:lnL w="12700" cap="flat" cmpd="sng" algn="ctr">
-                      <a:noFill/>
-                      <a:prstDash val="solid"/>
-                      <a:round/>
-                      <a:headEnd type="none" w="med" len="med"/>
-                      <a:tailEnd type="none" w="med" len="med"/>
-                    </a:lnL>
-                  </a:tcPr>
-                </a:tc>
-                <a:tc>
-                  <a:txBody>
-                    <a:bodyPr/>
-                    <a:lstStyle/>
-                    <a:p>
-                      <a:pPr algn="ctr" rtl="0" fontAlgn="base"/>
-                      <a:r>
-                        <a:rPr lang="en-US" sz="1400" b="0" i="0" dirty="0">
-                          <a:solidFill>
-                            <a:srgbClr val="333F50"/>
-                          </a:solidFill>
-                          <a:effectLst/>
-                          <a:latin typeface="+mn-lt"/>
-                        </a:rPr>
-                        <a:t>2.1</a:t>
-                      </a:r>
-                      <a:r>
-                        <a:rPr lang="en-US" sz="1400" b="0" i="0" dirty="0">
-                          <a:solidFill>
-                            <a:srgbClr val="000000"/>
-                          </a:solidFill>
-                          <a:effectLst/>
-                          <a:latin typeface="+mn-lt"/>
-                        </a:rPr>
-                        <a:t>​</a:t>
-                      </a:r>
-                    </a:p>
-                  </a:txBody>
-                  <a:tcPr anchor="ctr"/>
-                </a:tc>
-                <a:tc>
-                  <a:txBody>
-                    <a:bodyPr/>
-                    <a:lstStyle/>
-                    <a:p>
-                      <a:pPr algn="ctr" rtl="0" fontAlgn="base"/>
-                      <a:r>
-                        <a:rPr lang="en-US" sz="1400" b="0" i="0" dirty="0">
-                          <a:solidFill>
-                            <a:srgbClr val="333F50"/>
-                          </a:solidFill>
-                          <a:effectLst/>
-                          <a:latin typeface="+mn-lt"/>
-                        </a:rPr>
-                        <a:t>1.7</a:t>
-                      </a:r>
-                      <a:r>
-                        <a:rPr lang="en-US" sz="1400" b="0" i="0" dirty="0">
-                          <a:solidFill>
-                            <a:srgbClr val="000000"/>
-                          </a:solidFill>
-                          <a:effectLst/>
-                          <a:latin typeface="+mn-lt"/>
-                        </a:rPr>
-                        <a:t>​</a:t>
-                      </a:r>
-                    </a:p>
-                  </a:txBody>
-                  <a:tcPr anchor="ctr"/>
-                </a:tc>
-                <a:tc>
-                  <a:txBody>
-                    <a:bodyPr/>
-                    <a:lstStyle/>
-                    <a:p>
-                      <a:pPr algn="ctr" rtl="0" fontAlgn="base"/>
-                      <a:r>
-                        <a:rPr lang="en-US" sz="1400" b="0" i="0" dirty="0">
-                          <a:solidFill>
-                            <a:srgbClr val="333F50"/>
-                          </a:solidFill>
-                          <a:effectLst/>
-                          <a:latin typeface="+mn-lt"/>
-                        </a:rPr>
-                        <a:t>2.5</a:t>
-                      </a:r>
-                      <a:r>
-                        <a:rPr lang="en-US" sz="1400" b="0" i="0" dirty="0">
-                          <a:solidFill>
-                            <a:srgbClr val="000000"/>
-                          </a:solidFill>
-                          <a:effectLst/>
-                          <a:latin typeface="+mn-lt"/>
-                        </a:rPr>
-                        <a:t>​</a:t>
-                      </a:r>
-                    </a:p>
-                  </a:txBody>
-                  <a:tcPr anchor="ctr"/>
-                </a:tc>
-                <a:tc>
-                  <a:txBody>
-                    <a:bodyPr/>
-                    <a:lstStyle/>
-                    <a:p>
-                      <a:pPr algn="ctr" rtl="0" fontAlgn="base"/>
-                      <a:r>
-                        <a:rPr lang="en-US" sz="1400" b="0" i="0" dirty="0">
-                          <a:solidFill>
-                            <a:srgbClr val="333F50"/>
-                          </a:solidFill>
-                          <a:effectLst/>
-                          <a:latin typeface="+mn-lt"/>
-                        </a:rPr>
-                        <a:t>2.8</a:t>
-                      </a:r>
-                      <a:r>
-                        <a:rPr lang="en-US" sz="1400" b="0" i="0" dirty="0">
-                          <a:solidFill>
-                            <a:srgbClr val="000000"/>
-                          </a:solidFill>
-                          <a:effectLst/>
-                          <a:latin typeface="+mn-lt"/>
-                        </a:rPr>
-                        <a:t>​</a:t>
-                      </a:r>
-                    </a:p>
-                  </a:txBody>
-                  <a:tcPr anchor="ctr">
-                    <a:lnR w="12700" cap="flat" cmpd="sng" algn="ctr">
-                      <a:noFill/>
-                      <a:prstDash val="solid"/>
-                      <a:round/>
-                      <a:headEnd type="none" w="med" len="med"/>
-                      <a:tailEnd type="none" w="med" len="med"/>
-                    </a:lnR>
-                  </a:tcPr>
-                </a:tc>
-                <a:extLst>
-                  <a:ext uri="{0D108BD9-81ED-4DB2-BD59-A6C34878D82A}">
-                    <a16:rowId xmlns:a16="http://schemas.microsoft.com/office/drawing/2014/main" val="1699990805"/>
-                  </a:ext>
-                </a:extLst>
-              </a:tr>
-              <a:tr h="714194">
-                <a:tc>
-                  <a:txBody>
-                    <a:bodyPr/>
-                    <a:lstStyle/>
-                    <a:p>
-                      <a:pPr algn="ctr" rtl="0" fontAlgn="base"/>
-                      <a:r>
-                        <a:rPr lang="en-US" sz="1400" b="0" i="0" dirty="0">
-                          <a:solidFill>
-                            <a:srgbClr val="333F50"/>
-                          </a:solidFill>
-                          <a:effectLst/>
-                          <a:latin typeface="+mn-lt"/>
-                        </a:rPr>
-                        <a:t>Q4</a:t>
-                      </a:r>
-                      <a:endParaRPr lang="en-US" sz="1400" b="0" i="0" dirty="0">
-                        <a:solidFill>
-                          <a:srgbClr val="000000"/>
-                        </a:solidFill>
-                        <a:effectLst/>
-                        <a:latin typeface="+mn-lt"/>
-                      </a:endParaRPr>
-                    </a:p>
-                  </a:txBody>
-                  <a:tcPr anchor="ctr">
-                    <a:lnL w="12700" cap="flat" cmpd="sng" algn="ctr">
-                      <a:noFill/>
-                      <a:prstDash val="solid"/>
-                      <a:round/>
-                      <a:headEnd type="none" w="med" len="med"/>
-                      <a:tailEnd type="none" w="med" len="med"/>
-                    </a:lnL>
-                  </a:tcPr>
-                </a:tc>
-                <a:tc>
-                  <a:txBody>
-                    <a:bodyPr/>
-                    <a:lstStyle/>
-                    <a:p>
-                      <a:pPr algn="ctr" rtl="0" fontAlgn="base"/>
-                      <a:r>
-                        <a:rPr lang="en-US" sz="1400" b="0" i="0" dirty="0">
-                          <a:solidFill>
-                            <a:srgbClr val="333F50"/>
-                          </a:solidFill>
-                          <a:effectLst/>
-                          <a:latin typeface="+mn-lt"/>
-                        </a:rPr>
-                        <a:t>4.5</a:t>
-                      </a:r>
-                      <a:r>
-                        <a:rPr lang="en-US" sz="1400" b="0" i="0" dirty="0">
-                          <a:solidFill>
-                            <a:srgbClr val="000000"/>
-                          </a:solidFill>
-                          <a:effectLst/>
-                          <a:latin typeface="+mn-lt"/>
-                        </a:rPr>
-                        <a:t>​</a:t>
-                      </a:r>
-                    </a:p>
-                  </a:txBody>
-                  <a:tcPr anchor="ctr"/>
-                </a:tc>
-                <a:tc>
-                  <a:txBody>
-                    <a:bodyPr/>
-                    <a:lstStyle/>
-                    <a:p>
-                      <a:pPr algn="ctr" rtl="0" fontAlgn="base"/>
-                      <a:r>
-                        <a:rPr lang="en-US" sz="1400" b="0" i="0" dirty="0">
-                          <a:solidFill>
-                            <a:srgbClr val="333F50"/>
-                          </a:solidFill>
-                          <a:effectLst/>
-                          <a:latin typeface="+mn-lt"/>
-                        </a:rPr>
-                        <a:t>2.2</a:t>
-                      </a:r>
-                      <a:r>
-                        <a:rPr lang="en-US" sz="1400" b="0" i="0" dirty="0">
-                          <a:solidFill>
-                            <a:srgbClr val="000000"/>
-                          </a:solidFill>
-                          <a:effectLst/>
-                          <a:latin typeface="+mn-lt"/>
-                        </a:rPr>
-                        <a:t>​</a:t>
-                      </a:r>
-                    </a:p>
-                  </a:txBody>
-                  <a:tcPr anchor="ctr"/>
-                </a:tc>
-                <a:tc>
-                  <a:txBody>
-                    <a:bodyPr/>
-                    <a:lstStyle/>
-                    <a:p>
-                      <a:pPr algn="ctr" rtl="0" fontAlgn="base"/>
-                      <a:r>
-                        <a:rPr lang="en-US" sz="1400" b="0" i="0" dirty="0">
-                          <a:solidFill>
-                            <a:srgbClr val="333F50"/>
-                          </a:solidFill>
-                          <a:effectLst/>
-                          <a:latin typeface="+mn-lt"/>
-                        </a:rPr>
-                        <a:t>1.7</a:t>
-                      </a:r>
-                      <a:r>
-                        <a:rPr lang="en-US" sz="1400" b="0" i="0" dirty="0">
-                          <a:solidFill>
-                            <a:srgbClr val="000000"/>
-                          </a:solidFill>
-                          <a:effectLst/>
-                          <a:latin typeface="+mn-lt"/>
-                        </a:rPr>
-                        <a:t>​</a:t>
-                      </a:r>
-                    </a:p>
-                  </a:txBody>
-                  <a:tcPr anchor="ctr"/>
-                </a:tc>
-                <a:tc>
-                  <a:txBody>
-                    <a:bodyPr/>
-                    <a:lstStyle/>
-                    <a:p>
-                      <a:pPr algn="ctr" rtl="0" fontAlgn="base"/>
-                      <a:r>
-                        <a:rPr lang="en-US" sz="1400" b="0" i="0" dirty="0">
-                          <a:solidFill>
-                            <a:srgbClr val="333F50"/>
-                          </a:solidFill>
-                          <a:effectLst/>
-                          <a:latin typeface="+mn-lt"/>
-                        </a:rPr>
-                        <a:t>7.0</a:t>
-                      </a:r>
-                      <a:endParaRPr lang="en-US" sz="1400" b="0" i="0" dirty="0">
-                        <a:solidFill>
-                          <a:srgbClr val="000000"/>
-                        </a:solidFill>
-                        <a:effectLst/>
-                        <a:latin typeface="+mn-lt"/>
-                      </a:endParaRPr>
-                    </a:p>
-                  </a:txBody>
-                  <a:tcPr anchor="ctr">
-                    <a:lnR w="12700" cap="flat" cmpd="sng" algn="ctr">
-                      <a:noFill/>
-                      <a:prstDash val="solid"/>
-                      <a:round/>
-                      <a:headEnd type="none" w="med" len="med"/>
-                      <a:tailEnd type="none" w="med" len="med"/>
-                    </a:lnR>
-                  </a:tcPr>
-                </a:tc>
-                <a:extLst>
-                  <a:ext uri="{0D108BD9-81ED-4DB2-BD59-A6C34878D82A}">
-                    <a16:rowId xmlns:a16="http://schemas.microsoft.com/office/drawing/2014/main" val="3388671141"/>
-                  </a:ext>
-                </a:extLst>
-              </a:tr>
-            </a:tbl>
-          </a:graphicData>
-        </a:graphic>
-      </p:graphicFrame>
-      <p:sp>
-        <p:nvSpPr>
-          <p:cNvPr id="5" name="Title 2">
-            <a:extLst>
-              <a:ext uri="{FF2B5EF4-FFF2-40B4-BE49-F238E27FC236}">
-                <a16:creationId xmlns:a16="http://schemas.microsoft.com/office/drawing/2014/main" id="{5638E1D0-DA73-0BEC-A76F-A1400FDFAED1}"/>
-              </a:ext>
-            </a:extLst>
-          </p:cNvPr>
-          <p:cNvSpPr>
-            <a:spLocks noGrp="1"/>
-          </p:cNvSpPr>
-          <p:nvPr>
-            <p:ph type="title"/>
-          </p:nvPr>
-        </p:nvSpPr>
-        <p:spPr>
-          <a:xfrm>
-            <a:off x="838200" y="349626"/>
-            <a:ext cx="10515600" cy="1325563"/>
-          </a:xfrm>
-        </p:spPr>
-        <p:txBody>
-          <a:bodyPr/>
-          <a:lstStyle/>
-          <a:p>
-            <a:r>
-              <a:rPr lang="en-US" dirty="0"/>
-              <a:t>Graph 8</a:t>
-            </a:r>
-          </a:p>
-        </p:txBody>
-      </p:sp>
-    </p:spTree>
-    <p:extLst>
-      <p:ext uri="{BB962C8B-B14F-4D97-AF65-F5344CB8AC3E}">
-        <p14:creationId xmlns:p14="http://schemas.microsoft.com/office/powerpoint/2010/main" val="883572584"/>
-      </p:ext>
-    </p:extLst>
-  </p:cSld>
-  <p:clrMapOvr>
-    <a:masterClrMapping/>
-  </p:clrMapOvr>
-</p:sld>
-</file>
-
-<file path=ppt/slides/slide13.xml><?xml version="1.0" encoding="utf-8"?>
-<p:sld xmlns:a="http://schemas.openxmlformats.org/drawingml/2006/main" xmlns:r="http://schemas.openxmlformats.org/officeDocument/2006/relationships" xmlns:p="http://schemas.openxmlformats.org/presentationml/2006/main">
-  <p:cSld>
-    <p:spTree>
-      <p:nvGrpSpPr>
-        <p:cNvPr id="1" name=""/>
-        <p:cNvGrpSpPr/>
-        <p:nvPr/>
-      </p:nvGrpSpPr>
-      <p:grpSpPr>
-        <a:xfrm>
-          <a:off x="0" y="0"/>
-          <a:ext cx="0" cy="0"/>
-          <a:chOff x="0" y="0"/>
-          <a:chExt cx="0" cy="0"/>
-        </a:xfrm>
-      </p:grpSpPr>
-      <p:sp>
-        <p:nvSpPr>
-          <p:cNvPr id="2" name="Title 1">
-            <a:extLst>
-              <a:ext uri="{FF2B5EF4-FFF2-40B4-BE49-F238E27FC236}">
-                <a16:creationId xmlns:a16="http://schemas.microsoft.com/office/drawing/2014/main" id="{4518FC28-E0BD-4387-B8BE-9965D1A57FF1}"/>
-              </a:ext>
-            </a:extLst>
-          </p:cNvPr>
-          <p:cNvSpPr>
-            <a:spLocks noGrp="1"/>
-          </p:cNvSpPr>
-          <p:nvPr>
-            <p:ph type="title"/>
-          </p:nvPr>
-        </p:nvSpPr>
-        <p:spPr>
-          <a:xfrm>
-            <a:off x="4469485" y="416277"/>
-            <a:ext cx="5111750" cy="1204912"/>
-          </a:xfrm>
-        </p:spPr>
-        <p:txBody>
-          <a:bodyPr/>
-          <a:lstStyle/>
-          <a:p>
-            <a:r>
-              <a:rPr lang="en-US" dirty="0"/>
-              <a:t>SUMMARY</a:t>
-            </a:r>
-          </a:p>
-        </p:txBody>
-      </p:sp>
-      <p:sp>
-        <p:nvSpPr>
-          <p:cNvPr id="3" name="Text Placeholder 2">
-            <a:extLst>
-              <a:ext uri="{FF2B5EF4-FFF2-40B4-BE49-F238E27FC236}">
-                <a16:creationId xmlns:a16="http://schemas.microsoft.com/office/drawing/2014/main" id="{FED19BCA-B61F-4EA6-A1FB-CCA3BD8506FB}"/>
-              </a:ext>
-            </a:extLst>
-          </p:cNvPr>
-          <p:cNvSpPr>
-            <a:spLocks noGrp="1"/>
-          </p:cNvSpPr>
-          <p:nvPr>
-            <p:ph type="body" idx="1"/>
-          </p:nvPr>
-        </p:nvSpPr>
-        <p:spPr>
-          <a:xfrm>
-            <a:off x="5337390" y="1888505"/>
-            <a:ext cx="5111750" cy="3080989"/>
-          </a:xfrm>
-        </p:spPr>
-        <p:txBody>
-          <a:bodyPr>
-            <a:normAutofit/>
-          </a:bodyPr>
-          <a:lstStyle/>
-          <a:p>
-            <a:pPr marL="342900" indent="-342900">
-              <a:buFont typeface="Arial" panose="020B0604020202020204" pitchFamily="34" charset="0"/>
-              <a:buChar char="•"/>
-            </a:pPr>
-            <a:r>
-              <a:rPr lang="en-US" sz="2000" dirty="0"/>
-              <a:t>Summary 1</a:t>
-            </a:r>
-          </a:p>
-          <a:p>
-            <a:pPr marL="342900" indent="-342900">
-              <a:buFont typeface="Arial" panose="020B0604020202020204" pitchFamily="34" charset="0"/>
-              <a:buChar char="•"/>
-            </a:pPr>
-            <a:r>
-              <a:rPr lang="en-US" sz="2000" dirty="0"/>
-              <a:t>Summary 2</a:t>
-            </a:r>
-          </a:p>
-          <a:p>
-            <a:pPr marL="342900" indent="-342900">
-              <a:buFont typeface="Arial" panose="020B0604020202020204" pitchFamily="34" charset="0"/>
-              <a:buChar char="•"/>
-            </a:pPr>
-            <a:r>
-              <a:rPr lang="en-US" sz="2000" dirty="0"/>
-              <a:t>Summary 3</a:t>
-            </a:r>
-          </a:p>
-        </p:txBody>
-      </p:sp>
-    </p:spTree>
-    <p:extLst>
-      <p:ext uri="{BB962C8B-B14F-4D97-AF65-F5344CB8AC3E}">
-        <p14:creationId xmlns:p14="http://schemas.microsoft.com/office/powerpoint/2010/main" val="4142709595"/>
-      </p:ext>
-    </p:extLst>
-  </p:cSld>
-  <p:clrMapOvr>
-    <a:masterClrMapping/>
-  </p:clrMapOvr>
-</p:sld>
-</file>
-
-<file path=ppt/slides/slide14.xml><?xml version="1.0" encoding="utf-8"?>
-<p:sld xmlns:a="http://schemas.openxmlformats.org/drawingml/2006/main" xmlns:r="http://schemas.openxmlformats.org/officeDocument/2006/relationships" xmlns:p="http://schemas.openxmlformats.org/presentationml/2006/main">
-  <p:cSld>
-    <p:spTree>
-      <p:nvGrpSpPr>
-        <p:cNvPr id="1" name=""/>
-        <p:cNvGrpSpPr/>
-        <p:nvPr/>
-      </p:nvGrpSpPr>
-      <p:grpSpPr>
-        <a:xfrm>
-          <a:off x="0" y="0"/>
-          <a:ext cx="0" cy="0"/>
-          <a:chOff x="0" y="0"/>
-          <a:chExt cx="0" cy="0"/>
-        </a:xfrm>
-      </p:grpSpPr>
-      <p:sp>
-        <p:nvSpPr>
-          <p:cNvPr id="2" name="Title 1">
-            <a:extLst>
-              <a:ext uri="{FF2B5EF4-FFF2-40B4-BE49-F238E27FC236}">
-                <a16:creationId xmlns:a16="http://schemas.microsoft.com/office/drawing/2014/main" id="{CFE75451-6A4B-484B-9ED1-353CCE25B0F4}"/>
-              </a:ext>
-            </a:extLst>
-          </p:cNvPr>
-          <p:cNvSpPr>
-            <a:spLocks noGrp="1"/>
-          </p:cNvSpPr>
-          <p:nvPr>
-            <p:ph type="ctrTitle"/>
-          </p:nvPr>
-        </p:nvSpPr>
-        <p:spPr>
-          <a:xfrm>
-            <a:off x="6416041" y="3626766"/>
-            <a:ext cx="4941771" cy="1122202"/>
-          </a:xfrm>
-        </p:spPr>
-        <p:txBody>
-          <a:bodyPr/>
-          <a:lstStyle/>
-          <a:p>
-            <a:r>
-              <a:rPr lang="en-US" dirty="0"/>
-              <a:t>Thank you!</a:t>
-            </a:r>
-          </a:p>
-        </p:txBody>
-      </p:sp>
-    </p:spTree>
-    <p:extLst>
-      <p:ext uri="{BB962C8B-B14F-4D97-AF65-F5344CB8AC3E}">
-        <p14:creationId xmlns:p14="http://schemas.microsoft.com/office/powerpoint/2010/main" val="2570047403"/>
-      </p:ext>
-    </p:extLst>
-  </p:cSld>
-  <p:clrMapOvr>
-    <a:masterClrMapping/>
-  </p:clrMapOvr>
-</p:sld>
-</file>
-
-<file path=ppt/slides/slide2.xml><?xml version="1.0" encoding="utf-8"?>
-<p:sld xmlns:a="http://schemas.openxmlformats.org/drawingml/2006/main" xmlns:r="http://schemas.openxmlformats.org/officeDocument/2006/relationships" xmlns:p="http://schemas.openxmlformats.org/presentationml/2006/main">
-  <p:cSld>
-    <p:spTree>
-      <p:nvGrpSpPr>
-        <p:cNvPr id="1" name=""/>
-        <p:cNvGrpSpPr/>
-        <p:nvPr/>
-      </p:nvGrpSpPr>
-      <p:grpSpPr>
-        <a:xfrm>
-          <a:off x="0" y="0"/>
-          <a:ext cx="0" cy="0"/>
-          <a:chOff x="0" y="0"/>
-          <a:chExt cx="0" cy="0"/>
-        </a:xfrm>
-      </p:grpSpPr>
-      <p:sp>
-        <p:nvSpPr>
-          <p:cNvPr id="2" name="Title 1">
-            <a:extLst>
-              <a:ext uri="{FF2B5EF4-FFF2-40B4-BE49-F238E27FC236}">
-                <a16:creationId xmlns:a16="http://schemas.microsoft.com/office/drawing/2014/main" id="{0A32731C-311B-46F7-A865-6C3AF6B09A47}"/>
-              </a:ext>
-            </a:extLst>
-          </p:cNvPr>
-          <p:cNvSpPr>
-            <a:spLocks noGrp="1"/>
-          </p:cNvSpPr>
-          <p:nvPr>
-            <p:ph type="title"/>
-          </p:nvPr>
-        </p:nvSpPr>
-        <p:spPr>
-          <a:xfrm>
-            <a:off x="3540125" y="664249"/>
-            <a:ext cx="5111750" cy="1204912"/>
-          </a:xfrm>
-        </p:spPr>
-        <p:txBody>
-          <a:bodyPr/>
-          <a:lstStyle/>
-          <a:p>
-            <a:r>
-              <a:rPr lang="en-US" sz="2800" dirty="0"/>
-              <a:t>Introduction</a:t>
-            </a:r>
-            <a:endParaRPr lang="en-US" dirty="0"/>
-          </a:p>
-        </p:txBody>
-      </p:sp>
-      <p:sp>
-        <p:nvSpPr>
-          <p:cNvPr id="3" name="Text Placeholder 2">
-            <a:extLst>
-              <a:ext uri="{FF2B5EF4-FFF2-40B4-BE49-F238E27FC236}">
-                <a16:creationId xmlns:a16="http://schemas.microsoft.com/office/drawing/2014/main" id="{9D5232F9-FD00-464A-9F17-619C91AEF8F3}"/>
-              </a:ext>
-            </a:extLst>
-          </p:cNvPr>
-          <p:cNvSpPr>
-            <a:spLocks noGrp="1"/>
-          </p:cNvSpPr>
-          <p:nvPr>
-            <p:ph type="body" idx="1"/>
-          </p:nvPr>
-        </p:nvSpPr>
-        <p:spPr>
-          <a:xfrm>
-            <a:off x="1362075" y="2666205"/>
-            <a:ext cx="5111750" cy="2463733"/>
-          </a:xfrm>
-        </p:spPr>
-        <p:txBody>
-          <a:bodyPr>
-            <a:normAutofit/>
-          </a:bodyPr>
-          <a:lstStyle/>
-          <a:p>
-            <a:r>
-              <a:rPr lang="en-US" sz="1600" dirty="0"/>
-              <a:t>Objective:</a:t>
-            </a:r>
-          </a:p>
-          <a:p>
-            <a:r>
-              <a:rPr lang="en-US" sz="1600" dirty="0"/>
-              <a:t>See if the changes in the federal funds rates and mortgage rates are having an impact on the real estate markets in the Austin area. </a:t>
-            </a:r>
-          </a:p>
-          <a:p>
-            <a:r>
-              <a:rPr lang="en-US" sz="1600" dirty="0"/>
-              <a:t>Impacts we focused on included housing sale prices, inventory, and whether homes are being sold above or below listing price. </a:t>
-            </a:r>
-          </a:p>
-        </p:txBody>
-      </p:sp>
-    </p:spTree>
-    <p:extLst>
-      <p:ext uri="{BB962C8B-B14F-4D97-AF65-F5344CB8AC3E}">
-        <p14:creationId xmlns:p14="http://schemas.microsoft.com/office/powerpoint/2010/main" val="3571516367"/>
-      </p:ext>
-    </p:extLst>
-  </p:cSld>
-  <p:clrMapOvr>
-    <a:masterClrMapping/>
-  </p:clrMapOvr>
-</p:sld>
-</file>
-
-<file path=ppt/slides/slide3.xml><?xml version="1.0" encoding="utf-8"?>
-<p:sld xmlns:a="http://schemas.openxmlformats.org/drawingml/2006/main" xmlns:r="http://schemas.openxmlformats.org/officeDocument/2006/relationships" xmlns:p="http://schemas.openxmlformats.org/presentationml/2006/main">
-  <p:cSld>
-    <p:spTree>
-      <p:nvGrpSpPr>
-        <p:cNvPr id="1" name=""/>
-        <p:cNvGrpSpPr/>
-        <p:nvPr/>
-      </p:nvGrpSpPr>
-      <p:grpSpPr>
-        <a:xfrm>
-          <a:off x="0" y="0"/>
-          <a:ext cx="0" cy="0"/>
-          <a:chOff x="0" y="0"/>
-          <a:chExt cx="0" cy="0"/>
-        </a:xfrm>
-      </p:grpSpPr>
-      <p:pic>
-        <p:nvPicPr>
-          <p:cNvPr id="13" name="Picture 12">
-            <a:extLst>
-              <a:ext uri="{FF2B5EF4-FFF2-40B4-BE49-F238E27FC236}">
-                <a16:creationId xmlns:a16="http://schemas.microsoft.com/office/drawing/2014/main" id="{1334D90D-1327-BBD7-DF95-A40E448E0040}"/>
-              </a:ext>
-            </a:extLst>
-          </p:cNvPr>
-          <p:cNvPicPr>
-            <a:picLocks noChangeAspect="1"/>
-          </p:cNvPicPr>
-          <p:nvPr/>
-        </p:nvPicPr>
-        <p:blipFill>
-          <a:blip r:embed="rId2"/>
-          <a:stretch>
-            <a:fillRect/>
-          </a:stretch>
-        </p:blipFill>
-        <p:spPr>
-          <a:xfrm>
-            <a:off x="477255" y="508000"/>
-            <a:ext cx="5180358" cy="5842000"/>
-          </a:xfrm>
-          <a:prstGeom prst="rect">
-            <a:avLst/>
-          </a:prstGeom>
-        </p:spPr>
-      </p:pic>
-      <p:sp>
-        <p:nvSpPr>
-          <p:cNvPr id="14" name="TextBox 13">
-            <a:extLst>
-              <a:ext uri="{FF2B5EF4-FFF2-40B4-BE49-F238E27FC236}">
-                <a16:creationId xmlns:a16="http://schemas.microsoft.com/office/drawing/2014/main" id="{9AB3697B-01C1-3EB1-10F1-D2BD16DA0C8C}"/>
-              </a:ext>
-            </a:extLst>
-          </p:cNvPr>
-          <p:cNvSpPr txBox="1"/>
-          <p:nvPr/>
-        </p:nvSpPr>
-        <p:spPr>
-          <a:xfrm>
-            <a:off x="6388100" y="508000"/>
-            <a:ext cx="5275845" cy="2492990"/>
-          </a:xfrm>
-          <a:prstGeom prst="rect">
-            <a:avLst/>
-          </a:prstGeom>
-          <a:noFill/>
-        </p:spPr>
-        <p:txBody>
-          <a:bodyPr wrap="square" rtlCol="0">
-            <a:spAutoFit/>
-          </a:bodyPr>
-          <a:lstStyle/>
-          <a:p>
-            <a:pPr algn="ctr"/>
-            <a:r>
-              <a:rPr lang="en-US" dirty="0"/>
-              <a:t>Austin, TX</a:t>
-            </a:r>
-          </a:p>
-          <a:p>
-            <a:pPr marL="285750" indent="-285750">
-              <a:buFont typeface="Arial" panose="020B0604020202020204" pitchFamily="34" charset="0"/>
-              <a:buChar char="•"/>
-            </a:pPr>
-            <a:endParaRPr lang="en-US" dirty="0"/>
-          </a:p>
-          <a:p>
-            <a:pPr marL="285750" indent="-285750">
-              <a:buFont typeface="Arial" panose="020B0604020202020204" pitchFamily="34" charset="0"/>
-              <a:buChar char="•"/>
-            </a:pPr>
-            <a:r>
-              <a:rPr lang="en-US" sz="2000" dirty="0"/>
-              <a:t>Known as a hot real estate market</a:t>
-            </a:r>
-          </a:p>
-          <a:p>
-            <a:pPr marL="285750" indent="-285750">
-              <a:buFont typeface="Arial" panose="020B0604020202020204" pitchFamily="34" charset="0"/>
-              <a:buChar char="•"/>
-            </a:pPr>
-            <a:endParaRPr lang="en-US" sz="2000" dirty="0"/>
-          </a:p>
-          <a:p>
-            <a:pPr marL="285750" indent="-285750">
-              <a:buFont typeface="Arial" panose="020B0604020202020204" pitchFamily="34" charset="0"/>
-              <a:buChar char="•"/>
-            </a:pPr>
-            <a:r>
-              <a:rPr lang="en-US" sz="2000" dirty="0"/>
-              <a:t>Fed set lending rates to near 0% in 2020</a:t>
-            </a:r>
-          </a:p>
-          <a:p>
-            <a:pPr marL="285750" indent="-285750">
-              <a:buFont typeface="Arial" panose="020B0604020202020204" pitchFamily="34" charset="0"/>
-              <a:buChar char="•"/>
-            </a:pPr>
-            <a:endParaRPr lang="en-US" sz="2000" dirty="0"/>
-          </a:p>
-          <a:p>
-            <a:pPr marL="285750" indent="-285750">
-              <a:buFont typeface="Arial" panose="020B0604020202020204" pitchFamily="34" charset="0"/>
-              <a:buChar char="•"/>
-            </a:pPr>
-            <a:r>
-              <a:rPr lang="en-US" sz="2000" dirty="0"/>
-              <a:t>~4 trillion US Dollars printed in reaction to Covid</a:t>
-            </a:r>
-          </a:p>
-        </p:txBody>
-      </p:sp>
-      <p:pic>
-        <p:nvPicPr>
-          <p:cNvPr id="16" name="Picture 15">
-            <a:extLst>
-              <a:ext uri="{FF2B5EF4-FFF2-40B4-BE49-F238E27FC236}">
-                <a16:creationId xmlns:a16="http://schemas.microsoft.com/office/drawing/2014/main" id="{5B225BC4-93F4-B40C-739F-E2E1F771DED9}"/>
-              </a:ext>
-            </a:extLst>
-          </p:cNvPr>
-          <p:cNvPicPr>
-            <a:picLocks noChangeAspect="1"/>
-          </p:cNvPicPr>
-          <p:nvPr/>
-        </p:nvPicPr>
-        <p:blipFill>
-          <a:blip r:embed="rId3"/>
-          <a:stretch>
-            <a:fillRect/>
-          </a:stretch>
-        </p:blipFill>
-        <p:spPr>
-          <a:xfrm>
-            <a:off x="6388100" y="3232150"/>
-            <a:ext cx="4845050" cy="3120540"/>
-          </a:xfrm>
-          <a:prstGeom prst="rect">
-            <a:avLst/>
-          </a:prstGeom>
-        </p:spPr>
-      </p:pic>
-    </p:spTree>
-    <p:extLst>
-      <p:ext uri="{BB962C8B-B14F-4D97-AF65-F5344CB8AC3E}">
-        <p14:creationId xmlns:p14="http://schemas.microsoft.com/office/powerpoint/2010/main" val="2499682613"/>
-      </p:ext>
-    </p:extLst>
-  </p:cSld>
-  <p:clrMapOvr>
-    <a:masterClrMapping/>
-  </p:clrMapOvr>
-</p:sld>
-</file>
-
-<file path=ppt/slides/slide4.xml><?xml version="1.0" encoding="utf-8"?>
-<p:sld xmlns:a="http://schemas.openxmlformats.org/drawingml/2006/main" xmlns:r="http://schemas.openxmlformats.org/officeDocument/2006/relationships" xmlns:p="http://schemas.openxmlformats.org/presentationml/2006/main">
-  <p:cSld>
-    <p:spTree>
-      <p:nvGrpSpPr>
-        <p:cNvPr id="1" name=""/>
-        <p:cNvGrpSpPr/>
-        <p:nvPr/>
-      </p:nvGrpSpPr>
-      <p:grpSpPr>
-        <a:xfrm>
-          <a:off x="0" y="0"/>
-          <a:ext cx="0" cy="0"/>
-          <a:chOff x="0" y="0"/>
-          <a:chExt cx="0" cy="0"/>
-        </a:xfrm>
-      </p:grpSpPr>
-      <p:sp>
-        <p:nvSpPr>
-          <p:cNvPr id="2" name="Title 1">
-            <a:extLst>
-              <a:ext uri="{FF2B5EF4-FFF2-40B4-BE49-F238E27FC236}">
-                <a16:creationId xmlns:a16="http://schemas.microsoft.com/office/drawing/2014/main" id="{4518FC28-E0BD-4387-B8BE-9965D1A57FF1}"/>
-              </a:ext>
-            </a:extLst>
-          </p:cNvPr>
-          <p:cNvSpPr>
-            <a:spLocks noGrp="1"/>
-          </p:cNvSpPr>
-          <p:nvPr>
-            <p:ph type="title"/>
-          </p:nvPr>
-        </p:nvSpPr>
-        <p:spPr>
-          <a:xfrm>
-            <a:off x="4469485" y="416277"/>
-            <a:ext cx="4452265" cy="866423"/>
-          </a:xfrm>
-        </p:spPr>
-        <p:txBody>
-          <a:bodyPr>
-            <a:normAutofit/>
-          </a:bodyPr>
-          <a:lstStyle/>
-          <a:p>
-            <a:r>
-              <a:rPr lang="en-US" sz="4800" dirty="0"/>
-              <a:t>Hypothesis</a:t>
-            </a:r>
-          </a:p>
-        </p:txBody>
-      </p:sp>
-      <p:sp>
-        <p:nvSpPr>
-          <p:cNvPr id="3" name="Text Placeholder 2">
-            <a:extLst>
-              <a:ext uri="{FF2B5EF4-FFF2-40B4-BE49-F238E27FC236}">
-                <a16:creationId xmlns:a16="http://schemas.microsoft.com/office/drawing/2014/main" id="{FED19BCA-B61F-4EA6-A1FB-CCA3BD8506FB}"/>
-              </a:ext>
-            </a:extLst>
-          </p:cNvPr>
-          <p:cNvSpPr>
-            <a:spLocks noGrp="1"/>
-          </p:cNvSpPr>
-          <p:nvPr>
-            <p:ph type="body" idx="1"/>
-          </p:nvPr>
-        </p:nvSpPr>
-        <p:spPr>
-          <a:xfrm>
-            <a:off x="5337390" y="1888505"/>
-            <a:ext cx="5876710" cy="3080989"/>
-          </a:xfrm>
-        </p:spPr>
-        <p:txBody>
-          <a:bodyPr>
-            <a:normAutofit/>
-          </a:bodyPr>
-          <a:lstStyle/>
-          <a:p>
-            <a:r>
-              <a:rPr lang="en-US" sz="2800" b="0" i="0" dirty="0">
-                <a:effectLst/>
-                <a:latin typeface="-apple-system"/>
-              </a:rPr>
-              <a:t>Fed rate increases are impacting the Austin real estate market by slowing it down.</a:t>
-            </a:r>
-            <a:endParaRPr lang="en-US" sz="2800" dirty="0"/>
-          </a:p>
-        </p:txBody>
-      </p:sp>
-    </p:spTree>
-    <p:extLst>
-      <p:ext uri="{BB962C8B-B14F-4D97-AF65-F5344CB8AC3E}">
-        <p14:creationId xmlns:p14="http://schemas.microsoft.com/office/powerpoint/2010/main" val="1742861620"/>
-      </p:ext>
-    </p:extLst>
-  </p:cSld>
-  <p:clrMapOvr>
-    <a:masterClrMapping/>
-  </p:clrMapOvr>
-</p:sld>
-</file>
-
-<file path=ppt/slides/slide5.xml><?xml version="1.0" encoding="utf-8"?>
-<p:sld xmlns:a="http://schemas.openxmlformats.org/drawingml/2006/main" xmlns:r="http://schemas.openxmlformats.org/officeDocument/2006/relationships" xmlns:p="http://schemas.openxmlformats.org/presentationml/2006/main">
-  <p:cSld>
-    <p:spTree>
-      <p:nvGrpSpPr>
-        <p:cNvPr id="1" name=""/>
-        <p:cNvGrpSpPr/>
-        <p:nvPr/>
-      </p:nvGrpSpPr>
-      <p:grpSpPr>
-        <a:xfrm>
-          <a:off x="0" y="0"/>
-          <a:ext cx="0" cy="0"/>
-          <a:chOff x="0" y="0"/>
-          <a:chExt cx="0" cy="0"/>
-        </a:xfrm>
-      </p:grpSpPr>
-      <p:sp>
-        <p:nvSpPr>
-          <p:cNvPr id="3" name="Title 2">
-            <a:extLst>
-              <a:ext uri="{FF2B5EF4-FFF2-40B4-BE49-F238E27FC236}">
-                <a16:creationId xmlns:a16="http://schemas.microsoft.com/office/drawing/2014/main" id="{3E5FEE2D-79E5-4C1D-8BF7-EE619CA7039A}"/>
-              </a:ext>
-            </a:extLst>
-          </p:cNvPr>
-          <p:cNvSpPr>
-            <a:spLocks noGrp="1"/>
-          </p:cNvSpPr>
-          <p:nvPr>
-            <p:ph type="title"/>
-          </p:nvPr>
-        </p:nvSpPr>
-        <p:spPr>
-          <a:xfrm>
-            <a:off x="838200" y="349627"/>
-            <a:ext cx="10572750" cy="596524"/>
-          </a:xfrm>
-        </p:spPr>
-        <p:txBody>
-          <a:bodyPr/>
-          <a:lstStyle/>
-          <a:p>
-            <a:r>
-              <a:rPr lang="en-US" dirty="0"/>
-              <a:t>Geographic focus</a:t>
-            </a:r>
-          </a:p>
-        </p:txBody>
-      </p:sp>
-      <p:pic>
-        <p:nvPicPr>
-          <p:cNvPr id="7" name="Picture 6">
-            <a:extLst>
-              <a:ext uri="{FF2B5EF4-FFF2-40B4-BE49-F238E27FC236}">
-                <a16:creationId xmlns:a16="http://schemas.microsoft.com/office/drawing/2014/main" id="{49F8FB2C-E133-53E7-3BC7-33181C4FB041}"/>
-              </a:ext>
-            </a:extLst>
-          </p:cNvPr>
-          <p:cNvPicPr>
-            <a:picLocks noChangeAspect="1"/>
-          </p:cNvPicPr>
-          <p:nvPr/>
-        </p:nvPicPr>
-        <p:blipFill>
-          <a:blip r:embed="rId2"/>
-          <a:stretch>
-            <a:fillRect/>
-          </a:stretch>
-        </p:blipFill>
-        <p:spPr>
-          <a:xfrm>
-            <a:off x="2500312" y="1341437"/>
-            <a:ext cx="7475538" cy="4798708"/>
-          </a:xfrm>
-          <a:prstGeom prst="rect">
-            <a:avLst/>
-          </a:prstGeom>
-        </p:spPr>
-      </p:pic>
-    </p:spTree>
-    <p:extLst>
-      <p:ext uri="{BB962C8B-B14F-4D97-AF65-F5344CB8AC3E}">
-        <p14:creationId xmlns:p14="http://schemas.microsoft.com/office/powerpoint/2010/main" val="546110728"/>
-      </p:ext>
-    </p:extLst>
-  </p:cSld>
-  <p:clrMapOvr>
-    <a:masterClrMapping/>
-  </p:clrMapOvr>
-</p:sld>
-</file>
-
-<file path=ppt/slides/slide6.xml><?xml version="1.0" encoding="utf-8"?>
-<p:sld xmlns:a="http://schemas.openxmlformats.org/drawingml/2006/main" xmlns:r="http://schemas.openxmlformats.org/officeDocument/2006/relationships" xmlns:p="http://schemas.openxmlformats.org/presentationml/2006/main">
-  <p:cSld>
-    <p:spTree>
-      <p:nvGrpSpPr>
-        <p:cNvPr id="1" name=""/>
-        <p:cNvGrpSpPr/>
-        <p:nvPr/>
-      </p:nvGrpSpPr>
-      <p:grpSpPr>
-        <a:xfrm>
-          <a:off x="0" y="0"/>
-          <a:ext cx="0" cy="0"/>
-          <a:chOff x="0" y="0"/>
-          <a:chExt cx="0" cy="0"/>
-        </a:xfrm>
-      </p:grpSpPr>
-      <p:graphicFrame>
-        <p:nvGraphicFramePr>
-          <p:cNvPr id="43" name="Table 4">
-            <a:extLst>
-              <a:ext uri="{FF2B5EF4-FFF2-40B4-BE49-F238E27FC236}">
-                <a16:creationId xmlns:a16="http://schemas.microsoft.com/office/drawing/2014/main" id="{B22E9DDE-4573-94E5-1D52-A4487B2FBC56}"/>
               </a:ext>
             </a:extLst>
           </p:cNvPr>
@@ -14077,10 +10544,10 @@
       </p:graphicFrame>
       <p:sp>
         <p:nvSpPr>
-          <p:cNvPr id="46" name="Title 2">
+          <p:cNvPr id="26" name="Title 2">
             <a:extLst>
               <a:ext uri="{FF2B5EF4-FFF2-40B4-BE49-F238E27FC236}">
-                <a16:creationId xmlns:a16="http://schemas.microsoft.com/office/drawing/2014/main" id="{07BF29D6-57A8-B152-2D21-A0AE019FC41F}"/>
+                <a16:creationId xmlns:a16="http://schemas.microsoft.com/office/drawing/2014/main" id="{ADB66AD3-A507-9B7E-3707-729FD55D83AE}"/>
               </a:ext>
             </a:extLst>
           </p:cNvPr>
@@ -14103,7 +10570,7 @@
           <a:p>
             <a:r>
               <a:rPr lang="en-US" dirty="0"/>
-              <a:t>Graph 2</a:t>
+              <a:t>Graph 4</a:t>
             </a:r>
           </a:p>
         </p:txBody>
@@ -14111,7 +10578,4600 @@
     </p:spTree>
     <p:extLst>
       <p:ext uri="{BB962C8B-B14F-4D97-AF65-F5344CB8AC3E}">
-        <p14:creationId xmlns:p14="http://schemas.microsoft.com/office/powerpoint/2010/main" val="2619301236"/>
+        <p14:creationId xmlns:p14="http://schemas.microsoft.com/office/powerpoint/2010/main" val="1429429409"/>
+      </p:ext>
+    </p:extLst>
+  </p:cSld>
+  <p:clrMapOvr>
+    <a:masterClrMapping/>
+  </p:clrMapOvr>
+</p:sld>
+</file>
+
+<file path=ppt/slides/slide11.xml><?xml version="1.0" encoding="utf-8"?>
+<p:sld xmlns:a="http://schemas.openxmlformats.org/drawingml/2006/main" xmlns:r="http://schemas.openxmlformats.org/officeDocument/2006/relationships" xmlns:p="http://schemas.openxmlformats.org/presentationml/2006/main">
+  <p:cSld>
+    <p:spTree>
+      <p:nvGrpSpPr>
+        <p:cNvPr id="1" name=""/>
+        <p:cNvGrpSpPr/>
+        <p:nvPr/>
+      </p:nvGrpSpPr>
+      <p:grpSpPr>
+        <a:xfrm>
+          <a:off x="0" y="0"/>
+          <a:ext cx="0" cy="0"/>
+          <a:chOff x="0" y="0"/>
+          <a:chExt cx="0" cy="0"/>
+        </a:xfrm>
+      </p:grpSpPr>
+      <p:sp>
+        <p:nvSpPr>
+          <p:cNvPr id="3" name="Title 2">
+            <a:extLst>
+              <a:ext uri="{FF2B5EF4-FFF2-40B4-BE49-F238E27FC236}">
+                <a16:creationId xmlns:a16="http://schemas.microsoft.com/office/drawing/2014/main" id="{3E5FEE2D-79E5-4C1D-8BF7-EE619CA7039A}"/>
+              </a:ext>
+            </a:extLst>
+          </p:cNvPr>
+          <p:cNvSpPr>
+            <a:spLocks noGrp="1"/>
+          </p:cNvSpPr>
+          <p:nvPr>
+            <p:ph type="title"/>
+          </p:nvPr>
+        </p:nvSpPr>
+        <p:spPr>
+          <a:xfrm>
+            <a:off x="838200" y="349626"/>
+            <a:ext cx="10515600" cy="1325563"/>
+          </a:xfrm>
+        </p:spPr>
+        <p:txBody>
+          <a:bodyPr/>
+          <a:lstStyle/>
+          <a:p>
+            <a:r>
+              <a:rPr lang="en-US" dirty="0"/>
+              <a:t>Graph 5</a:t>
+            </a:r>
+          </a:p>
+        </p:txBody>
+      </p:sp>
+      <p:graphicFrame>
+        <p:nvGraphicFramePr>
+          <p:cNvPr id="4" name="Table 4">
+            <a:extLst>
+              <a:ext uri="{FF2B5EF4-FFF2-40B4-BE49-F238E27FC236}">
+                <a16:creationId xmlns:a16="http://schemas.microsoft.com/office/drawing/2014/main" id="{390E7E75-E57A-4FF0-A0E4-A4DBCF6EA89A}"/>
+              </a:ext>
+            </a:extLst>
+          </p:cNvPr>
+          <p:cNvGraphicFramePr>
+            <a:graphicFrameLocks noGrp="1"/>
+          </p:cNvGraphicFramePr>
+          <p:nvPr>
+            <p:ph type="tbl" sz="quarter" idx="14"/>
+          </p:nvPr>
+        </p:nvGraphicFramePr>
+        <p:xfrm>
+          <a:off x="838200" y="2111375"/>
+          <a:ext cx="10515600" cy="3570970"/>
+        </p:xfrm>
+        <a:graphic>
+          <a:graphicData uri="http://schemas.openxmlformats.org/drawingml/2006/table">
+            <a:tbl>
+              <a:tblPr firstRow="1" bandRow="1">
+                <a:tableStyleId>{7E9639D4-E3E2-4D34-9284-5A2195B3D0D7}</a:tableStyleId>
+              </a:tblPr>
+              <a:tblGrid>
+                <a:gridCol w="2103120">
+                  <a:extLst>
+                    <a:ext uri="{9D8B030D-6E8A-4147-A177-3AD203B41FA5}">
+                      <a16:colId xmlns:a16="http://schemas.microsoft.com/office/drawing/2014/main" val="3261104555"/>
+                    </a:ext>
+                  </a:extLst>
+                </a:gridCol>
+                <a:gridCol w="2103120">
+                  <a:extLst>
+                    <a:ext uri="{9D8B030D-6E8A-4147-A177-3AD203B41FA5}">
+                      <a16:colId xmlns:a16="http://schemas.microsoft.com/office/drawing/2014/main" val="2547279344"/>
+                    </a:ext>
+                  </a:extLst>
+                </a:gridCol>
+                <a:gridCol w="2103120">
+                  <a:extLst>
+                    <a:ext uri="{9D8B030D-6E8A-4147-A177-3AD203B41FA5}">
+                      <a16:colId xmlns:a16="http://schemas.microsoft.com/office/drawing/2014/main" val="2366228292"/>
+                    </a:ext>
+                  </a:extLst>
+                </a:gridCol>
+                <a:gridCol w="2103120">
+                  <a:extLst>
+                    <a:ext uri="{9D8B030D-6E8A-4147-A177-3AD203B41FA5}">
+                      <a16:colId xmlns:a16="http://schemas.microsoft.com/office/drawing/2014/main" val="934788178"/>
+                    </a:ext>
+                  </a:extLst>
+                </a:gridCol>
+                <a:gridCol w="2103120">
+                  <a:extLst>
+                    <a:ext uri="{9D8B030D-6E8A-4147-A177-3AD203B41FA5}">
+                      <a16:colId xmlns:a16="http://schemas.microsoft.com/office/drawing/2014/main" val="2596635212"/>
+                    </a:ext>
+                  </a:extLst>
+                </a:gridCol>
+              </a:tblGrid>
+              <a:tr h="714194">
+                <a:tc>
+                  <a:txBody>
+                    <a:bodyPr/>
+                    <a:lstStyle/>
+                    <a:p>
+                      <a:pPr algn="ctr" rtl="0" fontAlgn="auto"/>
+                      <a:r>
+                        <a:rPr lang="en-US" sz="1600" b="1" i="0" dirty="0">
+                          <a:solidFill>
+                            <a:srgbClr val="FFFFFF"/>
+                          </a:solidFill>
+                          <a:effectLst/>
+                          <a:latin typeface="+mn-lt"/>
+                        </a:rPr>
+                        <a:t>​</a:t>
+                      </a:r>
+                    </a:p>
+                  </a:txBody>
+                  <a:tcPr anchor="ctr"/>
+                </a:tc>
+                <a:tc>
+                  <a:txBody>
+                    <a:bodyPr/>
+                    <a:lstStyle/>
+                    <a:p>
+                      <a:pPr algn="ctr" rtl="0" fontAlgn="base"/>
+                      <a:r>
+                        <a:rPr lang="en-US" sz="1600" b="0" i="0" dirty="0">
+                          <a:solidFill>
+                            <a:schemeClr val="accent1"/>
+                          </a:solidFill>
+                          <a:effectLst/>
+                          <a:latin typeface="+mn-lt"/>
+                        </a:rPr>
+                        <a:t>CATEGORY 1</a:t>
+                      </a:r>
+                      <a:endParaRPr lang="en-US" sz="1600" b="1" i="0" dirty="0">
+                        <a:solidFill>
+                          <a:schemeClr val="accent1"/>
+                        </a:solidFill>
+                        <a:effectLst/>
+                        <a:latin typeface="+mn-lt"/>
+                      </a:endParaRPr>
+                    </a:p>
+                  </a:txBody>
+                  <a:tcPr anchor="ctr"/>
+                </a:tc>
+                <a:tc>
+                  <a:txBody>
+                    <a:bodyPr/>
+                    <a:lstStyle/>
+                    <a:p>
+                      <a:pPr algn="ctr" rtl="0" fontAlgn="base"/>
+                      <a:r>
+                        <a:rPr lang="en-US" sz="1600" b="0" i="0" dirty="0">
+                          <a:solidFill>
+                            <a:schemeClr val="accent1"/>
+                          </a:solidFill>
+                          <a:effectLst/>
+                          <a:latin typeface="+mn-lt"/>
+                        </a:rPr>
+                        <a:t>CATEGORY 2</a:t>
+                      </a:r>
+                      <a:endParaRPr lang="en-US" sz="1600" b="1" i="0" dirty="0">
+                        <a:solidFill>
+                          <a:schemeClr val="accent1"/>
+                        </a:solidFill>
+                        <a:effectLst/>
+                        <a:latin typeface="+mn-lt"/>
+                      </a:endParaRPr>
+                    </a:p>
+                  </a:txBody>
+                  <a:tcPr anchor="ctr"/>
+                </a:tc>
+                <a:tc>
+                  <a:txBody>
+                    <a:bodyPr/>
+                    <a:lstStyle/>
+                    <a:p>
+                      <a:pPr algn="ctr" rtl="0" fontAlgn="base"/>
+                      <a:r>
+                        <a:rPr lang="en-US" sz="1600" b="0" i="0" kern="1200" dirty="0">
+                          <a:solidFill>
+                            <a:schemeClr val="accent1"/>
+                          </a:solidFill>
+                          <a:effectLst/>
+                          <a:latin typeface="+mn-lt"/>
+                          <a:ea typeface="+mn-ea"/>
+                          <a:cs typeface="+mn-cs"/>
+                        </a:rPr>
+                        <a:t>CATEGORY 3</a:t>
+                      </a:r>
+                      <a:r>
+                        <a:rPr lang="en-US" sz="1600" b="1" i="0" dirty="0">
+                          <a:solidFill>
+                            <a:srgbClr val="FFFFFF"/>
+                          </a:solidFill>
+                          <a:effectLst/>
+                          <a:latin typeface="+mn-lt"/>
+                        </a:rPr>
+                        <a:t>​</a:t>
+                      </a:r>
+                    </a:p>
+                  </a:txBody>
+                  <a:tcPr anchor="ctr"/>
+                </a:tc>
+                <a:tc>
+                  <a:txBody>
+                    <a:bodyPr/>
+                    <a:lstStyle/>
+                    <a:p>
+                      <a:pPr algn="ctr" rtl="0" fontAlgn="base"/>
+                      <a:r>
+                        <a:rPr lang="en-US" sz="1600" b="0" i="0" kern="1200" dirty="0">
+                          <a:solidFill>
+                            <a:schemeClr val="accent1"/>
+                          </a:solidFill>
+                          <a:effectLst/>
+                          <a:latin typeface="+mn-lt"/>
+                          <a:ea typeface="+mn-ea"/>
+                          <a:cs typeface="+mn-cs"/>
+                        </a:rPr>
+                        <a:t>CATEGORY 4​</a:t>
+                      </a:r>
+                    </a:p>
+                  </a:txBody>
+                  <a:tcPr anchor="ctr"/>
+                </a:tc>
+                <a:extLst>
+                  <a:ext uri="{0D108BD9-81ED-4DB2-BD59-A6C34878D82A}">
+                    <a16:rowId xmlns:a16="http://schemas.microsoft.com/office/drawing/2014/main" val="3441328149"/>
+                  </a:ext>
+                </a:extLst>
+              </a:tr>
+              <a:tr h="714194">
+                <a:tc>
+                  <a:txBody>
+                    <a:bodyPr/>
+                    <a:lstStyle/>
+                    <a:p>
+                      <a:pPr algn="ctr" rtl="0" fontAlgn="base"/>
+                      <a:r>
+                        <a:rPr lang="en-US" sz="1400" b="0" i="0" dirty="0">
+                          <a:solidFill>
+                            <a:srgbClr val="333F50"/>
+                          </a:solidFill>
+                          <a:effectLst/>
+                          <a:latin typeface="+mn-lt"/>
+                        </a:rPr>
+                        <a:t>Q1</a:t>
+                      </a:r>
+                      <a:endParaRPr lang="en-US" sz="1400" b="0" i="0" dirty="0">
+                        <a:solidFill>
+                          <a:srgbClr val="000000"/>
+                        </a:solidFill>
+                        <a:effectLst/>
+                        <a:latin typeface="+mn-lt"/>
+                      </a:endParaRPr>
+                    </a:p>
+                  </a:txBody>
+                  <a:tcPr anchor="ctr">
+                    <a:lnL w="12700" cap="flat" cmpd="sng" algn="ctr">
+                      <a:noFill/>
+                      <a:prstDash val="solid"/>
+                      <a:round/>
+                      <a:headEnd type="none" w="med" len="med"/>
+                      <a:tailEnd type="none" w="med" len="med"/>
+                    </a:lnL>
+                  </a:tcPr>
+                </a:tc>
+                <a:tc>
+                  <a:txBody>
+                    <a:bodyPr/>
+                    <a:lstStyle/>
+                    <a:p>
+                      <a:pPr algn="ctr" rtl="0" fontAlgn="base"/>
+                      <a:r>
+                        <a:rPr lang="en-US" sz="1400" b="0" i="0" dirty="0">
+                          <a:solidFill>
+                            <a:srgbClr val="333F50"/>
+                          </a:solidFill>
+                          <a:effectLst/>
+                          <a:latin typeface="+mn-lt"/>
+                        </a:rPr>
+                        <a:t>4.5</a:t>
+                      </a:r>
+                      <a:r>
+                        <a:rPr lang="en-US" sz="1400" b="0" i="0" dirty="0">
+                          <a:solidFill>
+                            <a:srgbClr val="000000"/>
+                          </a:solidFill>
+                          <a:effectLst/>
+                          <a:latin typeface="+mn-lt"/>
+                        </a:rPr>
+                        <a:t>​</a:t>
+                      </a:r>
+                    </a:p>
+                  </a:txBody>
+                  <a:tcPr anchor="ctr"/>
+                </a:tc>
+                <a:tc>
+                  <a:txBody>
+                    <a:bodyPr/>
+                    <a:lstStyle/>
+                    <a:p>
+                      <a:pPr algn="ctr" rtl="0" fontAlgn="base"/>
+                      <a:r>
+                        <a:rPr lang="en-US" sz="1400" b="0" i="0" dirty="0">
+                          <a:solidFill>
+                            <a:srgbClr val="333F50"/>
+                          </a:solidFill>
+                          <a:effectLst/>
+                          <a:latin typeface="+mn-lt"/>
+                        </a:rPr>
+                        <a:t>2.3</a:t>
+                      </a:r>
+                      <a:r>
+                        <a:rPr lang="en-US" sz="1400" b="0" i="0" dirty="0">
+                          <a:solidFill>
+                            <a:srgbClr val="000000"/>
+                          </a:solidFill>
+                          <a:effectLst/>
+                          <a:latin typeface="+mn-lt"/>
+                        </a:rPr>
+                        <a:t>​</a:t>
+                      </a:r>
+                    </a:p>
+                  </a:txBody>
+                  <a:tcPr anchor="ctr"/>
+                </a:tc>
+                <a:tc>
+                  <a:txBody>
+                    <a:bodyPr/>
+                    <a:lstStyle/>
+                    <a:p>
+                      <a:pPr algn="ctr" rtl="0" fontAlgn="base"/>
+                      <a:r>
+                        <a:rPr lang="en-US" sz="1400" b="0" i="0" dirty="0">
+                          <a:solidFill>
+                            <a:srgbClr val="333F50"/>
+                          </a:solidFill>
+                          <a:effectLst/>
+                          <a:latin typeface="+mn-lt"/>
+                        </a:rPr>
+                        <a:t>1.7</a:t>
+                      </a:r>
+                      <a:r>
+                        <a:rPr lang="en-US" sz="1400" b="0" i="0" dirty="0">
+                          <a:solidFill>
+                            <a:srgbClr val="000000"/>
+                          </a:solidFill>
+                          <a:effectLst/>
+                          <a:latin typeface="+mn-lt"/>
+                        </a:rPr>
+                        <a:t>​</a:t>
+                      </a:r>
+                    </a:p>
+                  </a:txBody>
+                  <a:tcPr anchor="ctr">
+                    <a:lnR w="12700" cap="flat" cmpd="sng" algn="ctr">
+                      <a:noFill/>
+                      <a:prstDash val="solid"/>
+                      <a:round/>
+                      <a:headEnd type="none" w="med" len="med"/>
+                      <a:tailEnd type="none" w="med" len="med"/>
+                    </a:lnR>
+                  </a:tcPr>
+                </a:tc>
+                <a:tc>
+                  <a:txBody>
+                    <a:bodyPr/>
+                    <a:lstStyle/>
+                    <a:p>
+                      <a:pPr algn="ctr" rtl="0" fontAlgn="base"/>
+                      <a:r>
+                        <a:rPr lang="en-US" sz="1400" b="0" i="0" dirty="0">
+                          <a:solidFill>
+                            <a:srgbClr val="333F50"/>
+                          </a:solidFill>
+                          <a:effectLst/>
+                          <a:latin typeface="+mn-lt"/>
+                        </a:rPr>
+                        <a:t>5</a:t>
+                      </a:r>
+                      <a:r>
+                        <a:rPr lang="en-US" sz="1400" b="0" i="0" dirty="0">
+                          <a:solidFill>
+                            <a:srgbClr val="000000"/>
+                          </a:solidFill>
+                          <a:effectLst/>
+                          <a:latin typeface="+mn-lt"/>
+                        </a:rPr>
+                        <a:t>​.0</a:t>
+                      </a:r>
+                    </a:p>
+                  </a:txBody>
+                  <a:tcPr anchor="ctr">
+                    <a:lnL w="12700" cap="flat" cmpd="sng" algn="ctr">
+                      <a:noFill/>
+                      <a:prstDash val="solid"/>
+                      <a:round/>
+                      <a:headEnd type="none" w="med" len="med"/>
+                      <a:tailEnd type="none" w="med" len="med"/>
+                    </a:lnL>
+                    <a:lnR w="12700" cap="flat" cmpd="sng" algn="ctr">
+                      <a:noFill/>
+                      <a:prstDash val="solid"/>
+                      <a:round/>
+                      <a:headEnd type="none" w="med" len="med"/>
+                      <a:tailEnd type="none" w="med" len="med"/>
+                    </a:lnR>
+                  </a:tcPr>
+                </a:tc>
+                <a:extLst>
+                  <a:ext uri="{0D108BD9-81ED-4DB2-BD59-A6C34878D82A}">
+                    <a16:rowId xmlns:a16="http://schemas.microsoft.com/office/drawing/2014/main" val="3134841754"/>
+                  </a:ext>
+                </a:extLst>
+              </a:tr>
+              <a:tr h="714194">
+                <a:tc>
+                  <a:txBody>
+                    <a:bodyPr/>
+                    <a:lstStyle/>
+                    <a:p>
+                      <a:pPr algn="ctr" rtl="0" fontAlgn="base"/>
+                      <a:r>
+                        <a:rPr lang="en-US" sz="1400" b="0" i="0" dirty="0">
+                          <a:solidFill>
+                            <a:srgbClr val="333F50"/>
+                          </a:solidFill>
+                          <a:effectLst/>
+                          <a:latin typeface="+mn-lt"/>
+                        </a:rPr>
+                        <a:t>Q2</a:t>
+                      </a:r>
+                      <a:endParaRPr lang="en-US" sz="1400" b="0" i="0" dirty="0">
+                        <a:solidFill>
+                          <a:srgbClr val="000000"/>
+                        </a:solidFill>
+                        <a:effectLst/>
+                        <a:latin typeface="+mn-lt"/>
+                      </a:endParaRPr>
+                    </a:p>
+                  </a:txBody>
+                  <a:tcPr anchor="ctr">
+                    <a:lnL w="12700" cap="flat" cmpd="sng" algn="ctr">
+                      <a:noFill/>
+                      <a:prstDash val="solid"/>
+                      <a:round/>
+                      <a:headEnd type="none" w="med" len="med"/>
+                      <a:tailEnd type="none" w="med" len="med"/>
+                    </a:lnL>
+                  </a:tcPr>
+                </a:tc>
+                <a:tc>
+                  <a:txBody>
+                    <a:bodyPr/>
+                    <a:lstStyle/>
+                    <a:p>
+                      <a:pPr algn="ctr" rtl="0" fontAlgn="base"/>
+                      <a:r>
+                        <a:rPr lang="en-US" sz="1400" b="0" i="0" dirty="0">
+                          <a:solidFill>
+                            <a:srgbClr val="333F50"/>
+                          </a:solidFill>
+                          <a:effectLst/>
+                          <a:latin typeface="+mn-lt"/>
+                        </a:rPr>
+                        <a:t>3.2</a:t>
+                      </a:r>
+                      <a:r>
+                        <a:rPr lang="en-US" sz="1400" b="0" i="0" dirty="0">
+                          <a:solidFill>
+                            <a:srgbClr val="000000"/>
+                          </a:solidFill>
+                          <a:effectLst/>
+                          <a:latin typeface="+mn-lt"/>
+                        </a:rPr>
+                        <a:t>​</a:t>
+                      </a:r>
+                    </a:p>
+                  </a:txBody>
+                  <a:tcPr anchor="ctr"/>
+                </a:tc>
+                <a:tc>
+                  <a:txBody>
+                    <a:bodyPr/>
+                    <a:lstStyle/>
+                    <a:p>
+                      <a:pPr algn="ctr" rtl="0" fontAlgn="base"/>
+                      <a:r>
+                        <a:rPr lang="en-US" sz="1400" b="0" i="0" dirty="0">
+                          <a:solidFill>
+                            <a:srgbClr val="333F50"/>
+                          </a:solidFill>
+                          <a:effectLst/>
+                          <a:latin typeface="+mn-lt"/>
+                        </a:rPr>
+                        <a:t>5.1</a:t>
+                      </a:r>
+                      <a:r>
+                        <a:rPr lang="en-US" sz="1400" b="0" i="0" dirty="0">
+                          <a:solidFill>
+                            <a:srgbClr val="000000"/>
+                          </a:solidFill>
+                          <a:effectLst/>
+                          <a:latin typeface="+mn-lt"/>
+                        </a:rPr>
+                        <a:t>​</a:t>
+                      </a:r>
+                    </a:p>
+                  </a:txBody>
+                  <a:tcPr anchor="ctr"/>
+                </a:tc>
+                <a:tc>
+                  <a:txBody>
+                    <a:bodyPr/>
+                    <a:lstStyle/>
+                    <a:p>
+                      <a:pPr algn="ctr" rtl="0" fontAlgn="base"/>
+                      <a:r>
+                        <a:rPr lang="en-US" sz="1400" b="0" i="0" dirty="0">
+                          <a:solidFill>
+                            <a:srgbClr val="333F50"/>
+                          </a:solidFill>
+                          <a:effectLst/>
+                          <a:latin typeface="+mn-lt"/>
+                        </a:rPr>
+                        <a:t>4.4</a:t>
+                      </a:r>
+                      <a:r>
+                        <a:rPr lang="en-US" sz="1400" b="0" i="0" dirty="0">
+                          <a:solidFill>
+                            <a:srgbClr val="000000"/>
+                          </a:solidFill>
+                          <a:effectLst/>
+                          <a:latin typeface="+mn-lt"/>
+                        </a:rPr>
+                        <a:t>​</a:t>
+                      </a:r>
+                    </a:p>
+                  </a:txBody>
+                  <a:tcPr anchor="ctr"/>
+                </a:tc>
+                <a:tc>
+                  <a:txBody>
+                    <a:bodyPr/>
+                    <a:lstStyle/>
+                    <a:p>
+                      <a:pPr algn="ctr" rtl="0" fontAlgn="base"/>
+                      <a:r>
+                        <a:rPr lang="en-US" sz="1400" b="0" i="0" dirty="0">
+                          <a:solidFill>
+                            <a:srgbClr val="333F50"/>
+                          </a:solidFill>
+                          <a:effectLst/>
+                          <a:latin typeface="+mn-lt"/>
+                        </a:rPr>
+                        <a:t>3</a:t>
+                      </a:r>
+                      <a:r>
+                        <a:rPr lang="en-US" sz="1400" b="0" i="0" dirty="0">
+                          <a:solidFill>
+                            <a:srgbClr val="000000"/>
+                          </a:solidFill>
+                          <a:effectLst/>
+                          <a:latin typeface="+mn-lt"/>
+                        </a:rPr>
+                        <a:t>​.0</a:t>
+                      </a:r>
+                    </a:p>
+                  </a:txBody>
+                  <a:tcPr anchor="ctr">
+                    <a:lnR w="12700" cap="flat" cmpd="sng" algn="ctr">
+                      <a:noFill/>
+                      <a:prstDash val="solid"/>
+                      <a:round/>
+                      <a:headEnd type="none" w="med" len="med"/>
+                      <a:tailEnd type="none" w="med" len="med"/>
+                    </a:lnR>
+                  </a:tcPr>
+                </a:tc>
+                <a:extLst>
+                  <a:ext uri="{0D108BD9-81ED-4DB2-BD59-A6C34878D82A}">
+                    <a16:rowId xmlns:a16="http://schemas.microsoft.com/office/drawing/2014/main" val="4129140390"/>
+                  </a:ext>
+                </a:extLst>
+              </a:tr>
+              <a:tr h="714194">
+                <a:tc>
+                  <a:txBody>
+                    <a:bodyPr/>
+                    <a:lstStyle/>
+                    <a:p>
+                      <a:pPr algn="ctr" rtl="0" fontAlgn="base"/>
+                      <a:r>
+                        <a:rPr lang="en-US" sz="1400" b="0" i="0" dirty="0">
+                          <a:solidFill>
+                            <a:srgbClr val="333F50"/>
+                          </a:solidFill>
+                          <a:effectLst/>
+                          <a:latin typeface="+mn-lt"/>
+                        </a:rPr>
+                        <a:t>Q3</a:t>
+                      </a:r>
+                      <a:endParaRPr lang="en-US" sz="1400" b="0" i="0" dirty="0">
+                        <a:solidFill>
+                          <a:srgbClr val="000000"/>
+                        </a:solidFill>
+                        <a:effectLst/>
+                        <a:latin typeface="+mn-lt"/>
+                      </a:endParaRPr>
+                    </a:p>
+                  </a:txBody>
+                  <a:tcPr anchor="ctr">
+                    <a:lnL w="12700" cap="flat" cmpd="sng" algn="ctr">
+                      <a:noFill/>
+                      <a:prstDash val="solid"/>
+                      <a:round/>
+                      <a:headEnd type="none" w="med" len="med"/>
+                      <a:tailEnd type="none" w="med" len="med"/>
+                    </a:lnL>
+                  </a:tcPr>
+                </a:tc>
+                <a:tc>
+                  <a:txBody>
+                    <a:bodyPr/>
+                    <a:lstStyle/>
+                    <a:p>
+                      <a:pPr algn="ctr" rtl="0" fontAlgn="base"/>
+                      <a:r>
+                        <a:rPr lang="en-US" sz="1400" b="0" i="0" dirty="0">
+                          <a:solidFill>
+                            <a:srgbClr val="333F50"/>
+                          </a:solidFill>
+                          <a:effectLst/>
+                          <a:latin typeface="+mn-lt"/>
+                        </a:rPr>
+                        <a:t>2.1</a:t>
+                      </a:r>
+                      <a:r>
+                        <a:rPr lang="en-US" sz="1400" b="0" i="0" dirty="0">
+                          <a:solidFill>
+                            <a:srgbClr val="000000"/>
+                          </a:solidFill>
+                          <a:effectLst/>
+                          <a:latin typeface="+mn-lt"/>
+                        </a:rPr>
+                        <a:t>​</a:t>
+                      </a:r>
+                    </a:p>
+                  </a:txBody>
+                  <a:tcPr anchor="ctr"/>
+                </a:tc>
+                <a:tc>
+                  <a:txBody>
+                    <a:bodyPr/>
+                    <a:lstStyle/>
+                    <a:p>
+                      <a:pPr algn="ctr" rtl="0" fontAlgn="base"/>
+                      <a:r>
+                        <a:rPr lang="en-US" sz="1400" b="0" i="0" dirty="0">
+                          <a:solidFill>
+                            <a:srgbClr val="333F50"/>
+                          </a:solidFill>
+                          <a:effectLst/>
+                          <a:latin typeface="+mn-lt"/>
+                        </a:rPr>
+                        <a:t>1.7</a:t>
+                      </a:r>
+                      <a:r>
+                        <a:rPr lang="en-US" sz="1400" b="0" i="0" dirty="0">
+                          <a:solidFill>
+                            <a:srgbClr val="000000"/>
+                          </a:solidFill>
+                          <a:effectLst/>
+                          <a:latin typeface="+mn-lt"/>
+                        </a:rPr>
+                        <a:t>​</a:t>
+                      </a:r>
+                    </a:p>
+                  </a:txBody>
+                  <a:tcPr anchor="ctr"/>
+                </a:tc>
+                <a:tc>
+                  <a:txBody>
+                    <a:bodyPr/>
+                    <a:lstStyle/>
+                    <a:p>
+                      <a:pPr algn="ctr" rtl="0" fontAlgn="base"/>
+                      <a:r>
+                        <a:rPr lang="en-US" sz="1400" b="0" i="0" dirty="0">
+                          <a:solidFill>
+                            <a:srgbClr val="333F50"/>
+                          </a:solidFill>
+                          <a:effectLst/>
+                          <a:latin typeface="+mn-lt"/>
+                        </a:rPr>
+                        <a:t>2.5</a:t>
+                      </a:r>
+                      <a:r>
+                        <a:rPr lang="en-US" sz="1400" b="0" i="0" dirty="0">
+                          <a:solidFill>
+                            <a:srgbClr val="000000"/>
+                          </a:solidFill>
+                          <a:effectLst/>
+                          <a:latin typeface="+mn-lt"/>
+                        </a:rPr>
+                        <a:t>​</a:t>
+                      </a:r>
+                    </a:p>
+                  </a:txBody>
+                  <a:tcPr anchor="ctr"/>
+                </a:tc>
+                <a:tc>
+                  <a:txBody>
+                    <a:bodyPr/>
+                    <a:lstStyle/>
+                    <a:p>
+                      <a:pPr algn="ctr" rtl="0" fontAlgn="base"/>
+                      <a:r>
+                        <a:rPr lang="en-US" sz="1400" b="0" i="0" dirty="0">
+                          <a:solidFill>
+                            <a:srgbClr val="333F50"/>
+                          </a:solidFill>
+                          <a:effectLst/>
+                          <a:latin typeface="+mn-lt"/>
+                        </a:rPr>
+                        <a:t>2.8</a:t>
+                      </a:r>
+                      <a:r>
+                        <a:rPr lang="en-US" sz="1400" b="0" i="0" dirty="0">
+                          <a:solidFill>
+                            <a:srgbClr val="000000"/>
+                          </a:solidFill>
+                          <a:effectLst/>
+                          <a:latin typeface="+mn-lt"/>
+                        </a:rPr>
+                        <a:t>​</a:t>
+                      </a:r>
+                    </a:p>
+                  </a:txBody>
+                  <a:tcPr anchor="ctr">
+                    <a:lnR w="12700" cap="flat" cmpd="sng" algn="ctr">
+                      <a:noFill/>
+                      <a:prstDash val="solid"/>
+                      <a:round/>
+                      <a:headEnd type="none" w="med" len="med"/>
+                      <a:tailEnd type="none" w="med" len="med"/>
+                    </a:lnR>
+                  </a:tcPr>
+                </a:tc>
+                <a:extLst>
+                  <a:ext uri="{0D108BD9-81ED-4DB2-BD59-A6C34878D82A}">
+                    <a16:rowId xmlns:a16="http://schemas.microsoft.com/office/drawing/2014/main" val="1699990805"/>
+                  </a:ext>
+                </a:extLst>
+              </a:tr>
+              <a:tr h="714194">
+                <a:tc>
+                  <a:txBody>
+                    <a:bodyPr/>
+                    <a:lstStyle/>
+                    <a:p>
+                      <a:pPr algn="ctr" rtl="0" fontAlgn="base"/>
+                      <a:r>
+                        <a:rPr lang="en-US" sz="1400" b="0" i="0" dirty="0">
+                          <a:solidFill>
+                            <a:srgbClr val="333F50"/>
+                          </a:solidFill>
+                          <a:effectLst/>
+                          <a:latin typeface="+mn-lt"/>
+                        </a:rPr>
+                        <a:t>Q4</a:t>
+                      </a:r>
+                      <a:endParaRPr lang="en-US" sz="1400" b="0" i="0" dirty="0">
+                        <a:solidFill>
+                          <a:srgbClr val="000000"/>
+                        </a:solidFill>
+                        <a:effectLst/>
+                        <a:latin typeface="+mn-lt"/>
+                      </a:endParaRPr>
+                    </a:p>
+                  </a:txBody>
+                  <a:tcPr anchor="ctr">
+                    <a:lnL w="12700" cap="flat" cmpd="sng" algn="ctr">
+                      <a:noFill/>
+                      <a:prstDash val="solid"/>
+                      <a:round/>
+                      <a:headEnd type="none" w="med" len="med"/>
+                      <a:tailEnd type="none" w="med" len="med"/>
+                    </a:lnL>
+                  </a:tcPr>
+                </a:tc>
+                <a:tc>
+                  <a:txBody>
+                    <a:bodyPr/>
+                    <a:lstStyle/>
+                    <a:p>
+                      <a:pPr algn="ctr" rtl="0" fontAlgn="base"/>
+                      <a:r>
+                        <a:rPr lang="en-US" sz="1400" b="0" i="0" dirty="0">
+                          <a:solidFill>
+                            <a:srgbClr val="333F50"/>
+                          </a:solidFill>
+                          <a:effectLst/>
+                          <a:latin typeface="+mn-lt"/>
+                        </a:rPr>
+                        <a:t>4.5</a:t>
+                      </a:r>
+                      <a:r>
+                        <a:rPr lang="en-US" sz="1400" b="0" i="0" dirty="0">
+                          <a:solidFill>
+                            <a:srgbClr val="000000"/>
+                          </a:solidFill>
+                          <a:effectLst/>
+                          <a:latin typeface="+mn-lt"/>
+                        </a:rPr>
+                        <a:t>​</a:t>
+                      </a:r>
+                    </a:p>
+                  </a:txBody>
+                  <a:tcPr anchor="ctr"/>
+                </a:tc>
+                <a:tc>
+                  <a:txBody>
+                    <a:bodyPr/>
+                    <a:lstStyle/>
+                    <a:p>
+                      <a:pPr algn="ctr" rtl="0" fontAlgn="base"/>
+                      <a:r>
+                        <a:rPr lang="en-US" sz="1400" b="0" i="0" dirty="0">
+                          <a:solidFill>
+                            <a:srgbClr val="333F50"/>
+                          </a:solidFill>
+                          <a:effectLst/>
+                          <a:latin typeface="+mn-lt"/>
+                        </a:rPr>
+                        <a:t>2.2</a:t>
+                      </a:r>
+                      <a:r>
+                        <a:rPr lang="en-US" sz="1400" b="0" i="0" dirty="0">
+                          <a:solidFill>
+                            <a:srgbClr val="000000"/>
+                          </a:solidFill>
+                          <a:effectLst/>
+                          <a:latin typeface="+mn-lt"/>
+                        </a:rPr>
+                        <a:t>​</a:t>
+                      </a:r>
+                    </a:p>
+                  </a:txBody>
+                  <a:tcPr anchor="ctr"/>
+                </a:tc>
+                <a:tc>
+                  <a:txBody>
+                    <a:bodyPr/>
+                    <a:lstStyle/>
+                    <a:p>
+                      <a:pPr algn="ctr" rtl="0" fontAlgn="base"/>
+                      <a:r>
+                        <a:rPr lang="en-US" sz="1400" b="0" i="0" dirty="0">
+                          <a:solidFill>
+                            <a:srgbClr val="333F50"/>
+                          </a:solidFill>
+                          <a:effectLst/>
+                          <a:latin typeface="+mn-lt"/>
+                        </a:rPr>
+                        <a:t>1.7</a:t>
+                      </a:r>
+                      <a:r>
+                        <a:rPr lang="en-US" sz="1400" b="0" i="0" dirty="0">
+                          <a:solidFill>
+                            <a:srgbClr val="000000"/>
+                          </a:solidFill>
+                          <a:effectLst/>
+                          <a:latin typeface="+mn-lt"/>
+                        </a:rPr>
+                        <a:t>​</a:t>
+                      </a:r>
+                    </a:p>
+                  </a:txBody>
+                  <a:tcPr anchor="ctr"/>
+                </a:tc>
+                <a:tc>
+                  <a:txBody>
+                    <a:bodyPr/>
+                    <a:lstStyle/>
+                    <a:p>
+                      <a:pPr algn="ctr" rtl="0" fontAlgn="base"/>
+                      <a:r>
+                        <a:rPr lang="en-US" sz="1400" b="0" i="0" dirty="0">
+                          <a:solidFill>
+                            <a:srgbClr val="333F50"/>
+                          </a:solidFill>
+                          <a:effectLst/>
+                          <a:latin typeface="+mn-lt"/>
+                        </a:rPr>
+                        <a:t>7.0</a:t>
+                      </a:r>
+                      <a:endParaRPr lang="en-US" sz="1400" b="0" i="0" dirty="0">
+                        <a:solidFill>
+                          <a:srgbClr val="000000"/>
+                        </a:solidFill>
+                        <a:effectLst/>
+                        <a:latin typeface="+mn-lt"/>
+                      </a:endParaRPr>
+                    </a:p>
+                  </a:txBody>
+                  <a:tcPr anchor="ctr">
+                    <a:lnR w="12700" cap="flat" cmpd="sng" algn="ctr">
+                      <a:noFill/>
+                      <a:prstDash val="solid"/>
+                      <a:round/>
+                      <a:headEnd type="none" w="med" len="med"/>
+                      <a:tailEnd type="none" w="med" len="med"/>
+                    </a:lnR>
+                  </a:tcPr>
+                </a:tc>
+                <a:extLst>
+                  <a:ext uri="{0D108BD9-81ED-4DB2-BD59-A6C34878D82A}">
+                    <a16:rowId xmlns:a16="http://schemas.microsoft.com/office/drawing/2014/main" val="3388671141"/>
+                  </a:ext>
+                </a:extLst>
+              </a:tr>
+            </a:tbl>
+          </a:graphicData>
+        </a:graphic>
+      </p:graphicFrame>
+    </p:spTree>
+    <p:extLst>
+      <p:ext uri="{BB962C8B-B14F-4D97-AF65-F5344CB8AC3E}">
+        <p14:creationId xmlns:p14="http://schemas.microsoft.com/office/powerpoint/2010/main" val="1633536190"/>
+      </p:ext>
+    </p:extLst>
+  </p:cSld>
+  <p:clrMapOvr>
+    <a:masterClrMapping/>
+  </p:clrMapOvr>
+</p:sld>
+</file>
+
+<file path=ppt/slides/slide12.xml><?xml version="1.0" encoding="utf-8"?>
+<p:sld xmlns:a="http://schemas.openxmlformats.org/drawingml/2006/main" xmlns:r="http://schemas.openxmlformats.org/officeDocument/2006/relationships" xmlns:p="http://schemas.openxmlformats.org/presentationml/2006/main">
+  <p:cSld>
+    <p:spTree>
+      <p:nvGrpSpPr>
+        <p:cNvPr id="1" name=""/>
+        <p:cNvGrpSpPr/>
+        <p:nvPr/>
+      </p:nvGrpSpPr>
+      <p:grpSpPr>
+        <a:xfrm>
+          <a:off x="0" y="0"/>
+          <a:ext cx="0" cy="0"/>
+          <a:chOff x="0" y="0"/>
+          <a:chExt cx="0" cy="0"/>
+        </a:xfrm>
+      </p:grpSpPr>
+      <p:graphicFrame>
+        <p:nvGraphicFramePr>
+          <p:cNvPr id="43" name="Table 4">
+            <a:extLst>
+              <a:ext uri="{FF2B5EF4-FFF2-40B4-BE49-F238E27FC236}">
+                <a16:creationId xmlns:a16="http://schemas.microsoft.com/office/drawing/2014/main" id="{B22E9DDE-4573-94E5-1D52-A4487B2FBC56}"/>
+              </a:ext>
+            </a:extLst>
+          </p:cNvPr>
+          <p:cNvGraphicFramePr>
+            <a:graphicFrameLocks/>
+          </p:cNvGraphicFramePr>
+          <p:nvPr/>
+        </p:nvGraphicFramePr>
+        <p:xfrm>
+          <a:off x="838200" y="2111375"/>
+          <a:ext cx="10515600" cy="3570970"/>
+        </p:xfrm>
+        <a:graphic>
+          <a:graphicData uri="http://schemas.openxmlformats.org/drawingml/2006/table">
+            <a:tbl>
+              <a:tblPr firstRow="1" bandRow="1">
+                <a:tableStyleId>{7E9639D4-E3E2-4D34-9284-5A2195B3D0D7}</a:tableStyleId>
+              </a:tblPr>
+              <a:tblGrid>
+                <a:gridCol w="2103120">
+                  <a:extLst>
+                    <a:ext uri="{9D8B030D-6E8A-4147-A177-3AD203B41FA5}">
+                      <a16:colId xmlns:a16="http://schemas.microsoft.com/office/drawing/2014/main" val="3261104555"/>
+                    </a:ext>
+                  </a:extLst>
+                </a:gridCol>
+                <a:gridCol w="2103120">
+                  <a:extLst>
+                    <a:ext uri="{9D8B030D-6E8A-4147-A177-3AD203B41FA5}">
+                      <a16:colId xmlns:a16="http://schemas.microsoft.com/office/drawing/2014/main" val="2547279344"/>
+                    </a:ext>
+                  </a:extLst>
+                </a:gridCol>
+                <a:gridCol w="2103120">
+                  <a:extLst>
+                    <a:ext uri="{9D8B030D-6E8A-4147-A177-3AD203B41FA5}">
+                      <a16:colId xmlns:a16="http://schemas.microsoft.com/office/drawing/2014/main" val="2366228292"/>
+                    </a:ext>
+                  </a:extLst>
+                </a:gridCol>
+                <a:gridCol w="2103120">
+                  <a:extLst>
+                    <a:ext uri="{9D8B030D-6E8A-4147-A177-3AD203B41FA5}">
+                      <a16:colId xmlns:a16="http://schemas.microsoft.com/office/drawing/2014/main" val="934788178"/>
+                    </a:ext>
+                  </a:extLst>
+                </a:gridCol>
+                <a:gridCol w="2103120">
+                  <a:extLst>
+                    <a:ext uri="{9D8B030D-6E8A-4147-A177-3AD203B41FA5}">
+                      <a16:colId xmlns:a16="http://schemas.microsoft.com/office/drawing/2014/main" val="2596635212"/>
+                    </a:ext>
+                  </a:extLst>
+                </a:gridCol>
+              </a:tblGrid>
+              <a:tr h="714194">
+                <a:tc>
+                  <a:txBody>
+                    <a:bodyPr/>
+                    <a:lstStyle/>
+                    <a:p>
+                      <a:pPr algn="ctr" rtl="0" fontAlgn="auto"/>
+                      <a:r>
+                        <a:rPr lang="en-US" sz="1600" b="1" i="0" dirty="0">
+                          <a:solidFill>
+                            <a:srgbClr val="FFFFFF"/>
+                          </a:solidFill>
+                          <a:effectLst/>
+                          <a:latin typeface="+mn-lt"/>
+                        </a:rPr>
+                        <a:t>​</a:t>
+                      </a:r>
+                    </a:p>
+                  </a:txBody>
+                  <a:tcPr anchor="ctr"/>
+                </a:tc>
+                <a:tc>
+                  <a:txBody>
+                    <a:bodyPr/>
+                    <a:lstStyle/>
+                    <a:p>
+                      <a:pPr algn="ctr" rtl="0" fontAlgn="base"/>
+                      <a:r>
+                        <a:rPr lang="en-US" sz="1600" b="0" i="0" dirty="0">
+                          <a:solidFill>
+                            <a:schemeClr val="accent1"/>
+                          </a:solidFill>
+                          <a:effectLst/>
+                          <a:latin typeface="+mn-lt"/>
+                        </a:rPr>
+                        <a:t>CATEGORY 1</a:t>
+                      </a:r>
+                      <a:endParaRPr lang="en-US" sz="1600" b="1" i="0" dirty="0">
+                        <a:solidFill>
+                          <a:schemeClr val="accent1"/>
+                        </a:solidFill>
+                        <a:effectLst/>
+                        <a:latin typeface="+mn-lt"/>
+                      </a:endParaRPr>
+                    </a:p>
+                  </a:txBody>
+                  <a:tcPr anchor="ctr"/>
+                </a:tc>
+                <a:tc>
+                  <a:txBody>
+                    <a:bodyPr/>
+                    <a:lstStyle/>
+                    <a:p>
+                      <a:pPr algn="ctr" rtl="0" fontAlgn="base"/>
+                      <a:r>
+                        <a:rPr lang="en-US" sz="1600" b="0" i="0" dirty="0">
+                          <a:solidFill>
+                            <a:schemeClr val="accent1"/>
+                          </a:solidFill>
+                          <a:effectLst/>
+                          <a:latin typeface="+mn-lt"/>
+                        </a:rPr>
+                        <a:t>CATEGORY 2</a:t>
+                      </a:r>
+                      <a:endParaRPr lang="en-US" sz="1600" b="1" i="0" dirty="0">
+                        <a:solidFill>
+                          <a:schemeClr val="accent1"/>
+                        </a:solidFill>
+                        <a:effectLst/>
+                        <a:latin typeface="+mn-lt"/>
+                      </a:endParaRPr>
+                    </a:p>
+                  </a:txBody>
+                  <a:tcPr anchor="ctr"/>
+                </a:tc>
+                <a:tc>
+                  <a:txBody>
+                    <a:bodyPr/>
+                    <a:lstStyle/>
+                    <a:p>
+                      <a:pPr algn="ctr" rtl="0" fontAlgn="base"/>
+                      <a:r>
+                        <a:rPr lang="en-US" sz="1600" b="0" i="0" kern="1200" dirty="0">
+                          <a:solidFill>
+                            <a:schemeClr val="accent1"/>
+                          </a:solidFill>
+                          <a:effectLst/>
+                          <a:latin typeface="+mn-lt"/>
+                          <a:ea typeface="+mn-ea"/>
+                          <a:cs typeface="+mn-cs"/>
+                        </a:rPr>
+                        <a:t>CATEGORY 3</a:t>
+                      </a:r>
+                      <a:r>
+                        <a:rPr lang="en-US" sz="1600" b="1" i="0" dirty="0">
+                          <a:solidFill>
+                            <a:srgbClr val="FFFFFF"/>
+                          </a:solidFill>
+                          <a:effectLst/>
+                          <a:latin typeface="+mn-lt"/>
+                        </a:rPr>
+                        <a:t>​</a:t>
+                      </a:r>
+                    </a:p>
+                  </a:txBody>
+                  <a:tcPr anchor="ctr"/>
+                </a:tc>
+                <a:tc>
+                  <a:txBody>
+                    <a:bodyPr/>
+                    <a:lstStyle/>
+                    <a:p>
+                      <a:pPr algn="ctr" rtl="0" fontAlgn="base"/>
+                      <a:r>
+                        <a:rPr lang="en-US" sz="1600" b="0" i="0" kern="1200" dirty="0">
+                          <a:solidFill>
+                            <a:schemeClr val="accent1"/>
+                          </a:solidFill>
+                          <a:effectLst/>
+                          <a:latin typeface="+mn-lt"/>
+                          <a:ea typeface="+mn-ea"/>
+                          <a:cs typeface="+mn-cs"/>
+                        </a:rPr>
+                        <a:t>CATEGORY 4​</a:t>
+                      </a:r>
+                    </a:p>
+                  </a:txBody>
+                  <a:tcPr anchor="ctr"/>
+                </a:tc>
+                <a:extLst>
+                  <a:ext uri="{0D108BD9-81ED-4DB2-BD59-A6C34878D82A}">
+                    <a16:rowId xmlns:a16="http://schemas.microsoft.com/office/drawing/2014/main" val="3441328149"/>
+                  </a:ext>
+                </a:extLst>
+              </a:tr>
+              <a:tr h="714194">
+                <a:tc>
+                  <a:txBody>
+                    <a:bodyPr/>
+                    <a:lstStyle/>
+                    <a:p>
+                      <a:pPr algn="ctr" rtl="0" fontAlgn="base"/>
+                      <a:r>
+                        <a:rPr lang="en-US" sz="1400" b="0" i="0" dirty="0">
+                          <a:solidFill>
+                            <a:srgbClr val="333F50"/>
+                          </a:solidFill>
+                          <a:effectLst/>
+                          <a:latin typeface="+mn-lt"/>
+                        </a:rPr>
+                        <a:t>Q1</a:t>
+                      </a:r>
+                      <a:endParaRPr lang="en-US" sz="1400" b="0" i="0" dirty="0">
+                        <a:solidFill>
+                          <a:srgbClr val="000000"/>
+                        </a:solidFill>
+                        <a:effectLst/>
+                        <a:latin typeface="+mn-lt"/>
+                      </a:endParaRPr>
+                    </a:p>
+                  </a:txBody>
+                  <a:tcPr anchor="ctr">
+                    <a:lnL w="12700" cap="flat" cmpd="sng" algn="ctr">
+                      <a:noFill/>
+                      <a:prstDash val="solid"/>
+                      <a:round/>
+                      <a:headEnd type="none" w="med" len="med"/>
+                      <a:tailEnd type="none" w="med" len="med"/>
+                    </a:lnL>
+                  </a:tcPr>
+                </a:tc>
+                <a:tc>
+                  <a:txBody>
+                    <a:bodyPr/>
+                    <a:lstStyle/>
+                    <a:p>
+                      <a:pPr algn="ctr" rtl="0" fontAlgn="base"/>
+                      <a:r>
+                        <a:rPr lang="en-US" sz="1400" b="0" i="0" dirty="0">
+                          <a:solidFill>
+                            <a:srgbClr val="333F50"/>
+                          </a:solidFill>
+                          <a:effectLst/>
+                          <a:latin typeface="+mn-lt"/>
+                        </a:rPr>
+                        <a:t>4.5</a:t>
+                      </a:r>
+                      <a:r>
+                        <a:rPr lang="en-US" sz="1400" b="0" i="0" dirty="0">
+                          <a:solidFill>
+                            <a:srgbClr val="000000"/>
+                          </a:solidFill>
+                          <a:effectLst/>
+                          <a:latin typeface="+mn-lt"/>
+                        </a:rPr>
+                        <a:t>​</a:t>
+                      </a:r>
+                    </a:p>
+                  </a:txBody>
+                  <a:tcPr anchor="ctr"/>
+                </a:tc>
+                <a:tc>
+                  <a:txBody>
+                    <a:bodyPr/>
+                    <a:lstStyle/>
+                    <a:p>
+                      <a:pPr algn="ctr" rtl="0" fontAlgn="base"/>
+                      <a:r>
+                        <a:rPr lang="en-US" sz="1400" b="0" i="0" dirty="0">
+                          <a:solidFill>
+                            <a:srgbClr val="333F50"/>
+                          </a:solidFill>
+                          <a:effectLst/>
+                          <a:latin typeface="+mn-lt"/>
+                        </a:rPr>
+                        <a:t>2.3</a:t>
+                      </a:r>
+                      <a:r>
+                        <a:rPr lang="en-US" sz="1400" b="0" i="0" dirty="0">
+                          <a:solidFill>
+                            <a:srgbClr val="000000"/>
+                          </a:solidFill>
+                          <a:effectLst/>
+                          <a:latin typeface="+mn-lt"/>
+                        </a:rPr>
+                        <a:t>​</a:t>
+                      </a:r>
+                    </a:p>
+                  </a:txBody>
+                  <a:tcPr anchor="ctr"/>
+                </a:tc>
+                <a:tc>
+                  <a:txBody>
+                    <a:bodyPr/>
+                    <a:lstStyle/>
+                    <a:p>
+                      <a:pPr algn="ctr" rtl="0" fontAlgn="base"/>
+                      <a:r>
+                        <a:rPr lang="en-US" sz="1400" b="0" i="0" dirty="0">
+                          <a:solidFill>
+                            <a:srgbClr val="333F50"/>
+                          </a:solidFill>
+                          <a:effectLst/>
+                          <a:latin typeface="+mn-lt"/>
+                        </a:rPr>
+                        <a:t>1.7</a:t>
+                      </a:r>
+                      <a:r>
+                        <a:rPr lang="en-US" sz="1400" b="0" i="0" dirty="0">
+                          <a:solidFill>
+                            <a:srgbClr val="000000"/>
+                          </a:solidFill>
+                          <a:effectLst/>
+                          <a:latin typeface="+mn-lt"/>
+                        </a:rPr>
+                        <a:t>​</a:t>
+                      </a:r>
+                    </a:p>
+                  </a:txBody>
+                  <a:tcPr anchor="ctr">
+                    <a:lnR w="12700" cap="flat" cmpd="sng" algn="ctr">
+                      <a:noFill/>
+                      <a:prstDash val="solid"/>
+                      <a:round/>
+                      <a:headEnd type="none" w="med" len="med"/>
+                      <a:tailEnd type="none" w="med" len="med"/>
+                    </a:lnR>
+                  </a:tcPr>
+                </a:tc>
+                <a:tc>
+                  <a:txBody>
+                    <a:bodyPr/>
+                    <a:lstStyle/>
+                    <a:p>
+                      <a:pPr algn="ctr" rtl="0" fontAlgn="base"/>
+                      <a:r>
+                        <a:rPr lang="en-US" sz="1400" b="0" i="0" dirty="0">
+                          <a:solidFill>
+                            <a:srgbClr val="333F50"/>
+                          </a:solidFill>
+                          <a:effectLst/>
+                          <a:latin typeface="+mn-lt"/>
+                        </a:rPr>
+                        <a:t>5</a:t>
+                      </a:r>
+                      <a:r>
+                        <a:rPr lang="en-US" sz="1400" b="0" i="0" dirty="0">
+                          <a:solidFill>
+                            <a:srgbClr val="000000"/>
+                          </a:solidFill>
+                          <a:effectLst/>
+                          <a:latin typeface="+mn-lt"/>
+                        </a:rPr>
+                        <a:t>​.0</a:t>
+                      </a:r>
+                    </a:p>
+                  </a:txBody>
+                  <a:tcPr anchor="ctr">
+                    <a:lnL w="12700" cap="flat" cmpd="sng" algn="ctr">
+                      <a:noFill/>
+                      <a:prstDash val="solid"/>
+                      <a:round/>
+                      <a:headEnd type="none" w="med" len="med"/>
+                      <a:tailEnd type="none" w="med" len="med"/>
+                    </a:lnL>
+                    <a:lnR w="12700" cap="flat" cmpd="sng" algn="ctr">
+                      <a:noFill/>
+                      <a:prstDash val="solid"/>
+                      <a:round/>
+                      <a:headEnd type="none" w="med" len="med"/>
+                      <a:tailEnd type="none" w="med" len="med"/>
+                    </a:lnR>
+                  </a:tcPr>
+                </a:tc>
+                <a:extLst>
+                  <a:ext uri="{0D108BD9-81ED-4DB2-BD59-A6C34878D82A}">
+                    <a16:rowId xmlns:a16="http://schemas.microsoft.com/office/drawing/2014/main" val="3134841754"/>
+                  </a:ext>
+                </a:extLst>
+              </a:tr>
+              <a:tr h="714194">
+                <a:tc>
+                  <a:txBody>
+                    <a:bodyPr/>
+                    <a:lstStyle/>
+                    <a:p>
+                      <a:pPr algn="ctr" rtl="0" fontAlgn="base"/>
+                      <a:r>
+                        <a:rPr lang="en-US" sz="1400" b="0" i="0" dirty="0">
+                          <a:solidFill>
+                            <a:srgbClr val="333F50"/>
+                          </a:solidFill>
+                          <a:effectLst/>
+                          <a:latin typeface="+mn-lt"/>
+                        </a:rPr>
+                        <a:t>Q2</a:t>
+                      </a:r>
+                      <a:endParaRPr lang="en-US" sz="1400" b="0" i="0" dirty="0">
+                        <a:solidFill>
+                          <a:srgbClr val="000000"/>
+                        </a:solidFill>
+                        <a:effectLst/>
+                        <a:latin typeface="+mn-lt"/>
+                      </a:endParaRPr>
+                    </a:p>
+                  </a:txBody>
+                  <a:tcPr anchor="ctr">
+                    <a:lnL w="12700" cap="flat" cmpd="sng" algn="ctr">
+                      <a:noFill/>
+                      <a:prstDash val="solid"/>
+                      <a:round/>
+                      <a:headEnd type="none" w="med" len="med"/>
+                      <a:tailEnd type="none" w="med" len="med"/>
+                    </a:lnL>
+                  </a:tcPr>
+                </a:tc>
+                <a:tc>
+                  <a:txBody>
+                    <a:bodyPr/>
+                    <a:lstStyle/>
+                    <a:p>
+                      <a:pPr algn="ctr" rtl="0" fontAlgn="base"/>
+                      <a:r>
+                        <a:rPr lang="en-US" sz="1400" b="0" i="0" dirty="0">
+                          <a:solidFill>
+                            <a:srgbClr val="333F50"/>
+                          </a:solidFill>
+                          <a:effectLst/>
+                          <a:latin typeface="+mn-lt"/>
+                        </a:rPr>
+                        <a:t>3.2</a:t>
+                      </a:r>
+                      <a:r>
+                        <a:rPr lang="en-US" sz="1400" b="0" i="0" dirty="0">
+                          <a:solidFill>
+                            <a:srgbClr val="000000"/>
+                          </a:solidFill>
+                          <a:effectLst/>
+                          <a:latin typeface="+mn-lt"/>
+                        </a:rPr>
+                        <a:t>​</a:t>
+                      </a:r>
+                    </a:p>
+                  </a:txBody>
+                  <a:tcPr anchor="ctr"/>
+                </a:tc>
+                <a:tc>
+                  <a:txBody>
+                    <a:bodyPr/>
+                    <a:lstStyle/>
+                    <a:p>
+                      <a:pPr algn="ctr" rtl="0" fontAlgn="base"/>
+                      <a:r>
+                        <a:rPr lang="en-US" sz="1400" b="0" i="0" dirty="0">
+                          <a:solidFill>
+                            <a:srgbClr val="333F50"/>
+                          </a:solidFill>
+                          <a:effectLst/>
+                          <a:latin typeface="+mn-lt"/>
+                        </a:rPr>
+                        <a:t>5.1</a:t>
+                      </a:r>
+                      <a:r>
+                        <a:rPr lang="en-US" sz="1400" b="0" i="0" dirty="0">
+                          <a:solidFill>
+                            <a:srgbClr val="000000"/>
+                          </a:solidFill>
+                          <a:effectLst/>
+                          <a:latin typeface="+mn-lt"/>
+                        </a:rPr>
+                        <a:t>​</a:t>
+                      </a:r>
+                    </a:p>
+                  </a:txBody>
+                  <a:tcPr anchor="ctr"/>
+                </a:tc>
+                <a:tc>
+                  <a:txBody>
+                    <a:bodyPr/>
+                    <a:lstStyle/>
+                    <a:p>
+                      <a:pPr algn="ctr" rtl="0" fontAlgn="base"/>
+                      <a:r>
+                        <a:rPr lang="en-US" sz="1400" b="0" i="0" dirty="0">
+                          <a:solidFill>
+                            <a:srgbClr val="333F50"/>
+                          </a:solidFill>
+                          <a:effectLst/>
+                          <a:latin typeface="+mn-lt"/>
+                        </a:rPr>
+                        <a:t>4.4</a:t>
+                      </a:r>
+                      <a:r>
+                        <a:rPr lang="en-US" sz="1400" b="0" i="0" dirty="0">
+                          <a:solidFill>
+                            <a:srgbClr val="000000"/>
+                          </a:solidFill>
+                          <a:effectLst/>
+                          <a:latin typeface="+mn-lt"/>
+                        </a:rPr>
+                        <a:t>​</a:t>
+                      </a:r>
+                    </a:p>
+                  </a:txBody>
+                  <a:tcPr anchor="ctr"/>
+                </a:tc>
+                <a:tc>
+                  <a:txBody>
+                    <a:bodyPr/>
+                    <a:lstStyle/>
+                    <a:p>
+                      <a:pPr algn="ctr" rtl="0" fontAlgn="base"/>
+                      <a:r>
+                        <a:rPr lang="en-US" sz="1400" b="0" i="0" dirty="0">
+                          <a:solidFill>
+                            <a:srgbClr val="333F50"/>
+                          </a:solidFill>
+                          <a:effectLst/>
+                          <a:latin typeface="+mn-lt"/>
+                        </a:rPr>
+                        <a:t>3</a:t>
+                      </a:r>
+                      <a:r>
+                        <a:rPr lang="en-US" sz="1400" b="0" i="0" dirty="0">
+                          <a:solidFill>
+                            <a:srgbClr val="000000"/>
+                          </a:solidFill>
+                          <a:effectLst/>
+                          <a:latin typeface="+mn-lt"/>
+                        </a:rPr>
+                        <a:t>​.0</a:t>
+                      </a:r>
+                    </a:p>
+                  </a:txBody>
+                  <a:tcPr anchor="ctr">
+                    <a:lnR w="12700" cap="flat" cmpd="sng" algn="ctr">
+                      <a:noFill/>
+                      <a:prstDash val="solid"/>
+                      <a:round/>
+                      <a:headEnd type="none" w="med" len="med"/>
+                      <a:tailEnd type="none" w="med" len="med"/>
+                    </a:lnR>
+                  </a:tcPr>
+                </a:tc>
+                <a:extLst>
+                  <a:ext uri="{0D108BD9-81ED-4DB2-BD59-A6C34878D82A}">
+                    <a16:rowId xmlns:a16="http://schemas.microsoft.com/office/drawing/2014/main" val="4129140390"/>
+                  </a:ext>
+                </a:extLst>
+              </a:tr>
+              <a:tr h="714194">
+                <a:tc>
+                  <a:txBody>
+                    <a:bodyPr/>
+                    <a:lstStyle/>
+                    <a:p>
+                      <a:pPr algn="ctr" rtl="0" fontAlgn="base"/>
+                      <a:r>
+                        <a:rPr lang="en-US" sz="1400" b="0" i="0" dirty="0">
+                          <a:solidFill>
+                            <a:srgbClr val="333F50"/>
+                          </a:solidFill>
+                          <a:effectLst/>
+                          <a:latin typeface="+mn-lt"/>
+                        </a:rPr>
+                        <a:t>Q3</a:t>
+                      </a:r>
+                      <a:endParaRPr lang="en-US" sz="1400" b="0" i="0" dirty="0">
+                        <a:solidFill>
+                          <a:srgbClr val="000000"/>
+                        </a:solidFill>
+                        <a:effectLst/>
+                        <a:latin typeface="+mn-lt"/>
+                      </a:endParaRPr>
+                    </a:p>
+                  </a:txBody>
+                  <a:tcPr anchor="ctr">
+                    <a:lnL w="12700" cap="flat" cmpd="sng" algn="ctr">
+                      <a:noFill/>
+                      <a:prstDash val="solid"/>
+                      <a:round/>
+                      <a:headEnd type="none" w="med" len="med"/>
+                      <a:tailEnd type="none" w="med" len="med"/>
+                    </a:lnL>
+                  </a:tcPr>
+                </a:tc>
+                <a:tc>
+                  <a:txBody>
+                    <a:bodyPr/>
+                    <a:lstStyle/>
+                    <a:p>
+                      <a:pPr algn="ctr" rtl="0" fontAlgn="base"/>
+                      <a:r>
+                        <a:rPr lang="en-US" sz="1400" b="0" i="0" dirty="0">
+                          <a:solidFill>
+                            <a:srgbClr val="333F50"/>
+                          </a:solidFill>
+                          <a:effectLst/>
+                          <a:latin typeface="+mn-lt"/>
+                        </a:rPr>
+                        <a:t>2.1</a:t>
+                      </a:r>
+                      <a:r>
+                        <a:rPr lang="en-US" sz="1400" b="0" i="0" dirty="0">
+                          <a:solidFill>
+                            <a:srgbClr val="000000"/>
+                          </a:solidFill>
+                          <a:effectLst/>
+                          <a:latin typeface="+mn-lt"/>
+                        </a:rPr>
+                        <a:t>​</a:t>
+                      </a:r>
+                    </a:p>
+                  </a:txBody>
+                  <a:tcPr anchor="ctr"/>
+                </a:tc>
+                <a:tc>
+                  <a:txBody>
+                    <a:bodyPr/>
+                    <a:lstStyle/>
+                    <a:p>
+                      <a:pPr algn="ctr" rtl="0" fontAlgn="base"/>
+                      <a:r>
+                        <a:rPr lang="en-US" sz="1400" b="0" i="0" dirty="0">
+                          <a:solidFill>
+                            <a:srgbClr val="333F50"/>
+                          </a:solidFill>
+                          <a:effectLst/>
+                          <a:latin typeface="+mn-lt"/>
+                        </a:rPr>
+                        <a:t>1.7</a:t>
+                      </a:r>
+                      <a:r>
+                        <a:rPr lang="en-US" sz="1400" b="0" i="0" dirty="0">
+                          <a:solidFill>
+                            <a:srgbClr val="000000"/>
+                          </a:solidFill>
+                          <a:effectLst/>
+                          <a:latin typeface="+mn-lt"/>
+                        </a:rPr>
+                        <a:t>​</a:t>
+                      </a:r>
+                    </a:p>
+                  </a:txBody>
+                  <a:tcPr anchor="ctr"/>
+                </a:tc>
+                <a:tc>
+                  <a:txBody>
+                    <a:bodyPr/>
+                    <a:lstStyle/>
+                    <a:p>
+                      <a:pPr algn="ctr" rtl="0" fontAlgn="base"/>
+                      <a:r>
+                        <a:rPr lang="en-US" sz="1400" b="0" i="0" dirty="0">
+                          <a:solidFill>
+                            <a:srgbClr val="333F50"/>
+                          </a:solidFill>
+                          <a:effectLst/>
+                          <a:latin typeface="+mn-lt"/>
+                        </a:rPr>
+                        <a:t>2.5</a:t>
+                      </a:r>
+                      <a:r>
+                        <a:rPr lang="en-US" sz="1400" b="0" i="0" dirty="0">
+                          <a:solidFill>
+                            <a:srgbClr val="000000"/>
+                          </a:solidFill>
+                          <a:effectLst/>
+                          <a:latin typeface="+mn-lt"/>
+                        </a:rPr>
+                        <a:t>​</a:t>
+                      </a:r>
+                    </a:p>
+                  </a:txBody>
+                  <a:tcPr anchor="ctr"/>
+                </a:tc>
+                <a:tc>
+                  <a:txBody>
+                    <a:bodyPr/>
+                    <a:lstStyle/>
+                    <a:p>
+                      <a:pPr algn="ctr" rtl="0" fontAlgn="base"/>
+                      <a:r>
+                        <a:rPr lang="en-US" sz="1400" b="0" i="0" dirty="0">
+                          <a:solidFill>
+                            <a:srgbClr val="333F50"/>
+                          </a:solidFill>
+                          <a:effectLst/>
+                          <a:latin typeface="+mn-lt"/>
+                        </a:rPr>
+                        <a:t>2.8</a:t>
+                      </a:r>
+                      <a:r>
+                        <a:rPr lang="en-US" sz="1400" b="0" i="0" dirty="0">
+                          <a:solidFill>
+                            <a:srgbClr val="000000"/>
+                          </a:solidFill>
+                          <a:effectLst/>
+                          <a:latin typeface="+mn-lt"/>
+                        </a:rPr>
+                        <a:t>​</a:t>
+                      </a:r>
+                    </a:p>
+                  </a:txBody>
+                  <a:tcPr anchor="ctr">
+                    <a:lnR w="12700" cap="flat" cmpd="sng" algn="ctr">
+                      <a:noFill/>
+                      <a:prstDash val="solid"/>
+                      <a:round/>
+                      <a:headEnd type="none" w="med" len="med"/>
+                      <a:tailEnd type="none" w="med" len="med"/>
+                    </a:lnR>
+                  </a:tcPr>
+                </a:tc>
+                <a:extLst>
+                  <a:ext uri="{0D108BD9-81ED-4DB2-BD59-A6C34878D82A}">
+                    <a16:rowId xmlns:a16="http://schemas.microsoft.com/office/drawing/2014/main" val="1699990805"/>
+                  </a:ext>
+                </a:extLst>
+              </a:tr>
+              <a:tr h="714194">
+                <a:tc>
+                  <a:txBody>
+                    <a:bodyPr/>
+                    <a:lstStyle/>
+                    <a:p>
+                      <a:pPr algn="ctr" rtl="0" fontAlgn="base"/>
+                      <a:r>
+                        <a:rPr lang="en-US" sz="1400" b="0" i="0" dirty="0">
+                          <a:solidFill>
+                            <a:srgbClr val="333F50"/>
+                          </a:solidFill>
+                          <a:effectLst/>
+                          <a:latin typeface="+mn-lt"/>
+                        </a:rPr>
+                        <a:t>Q4</a:t>
+                      </a:r>
+                      <a:endParaRPr lang="en-US" sz="1400" b="0" i="0" dirty="0">
+                        <a:solidFill>
+                          <a:srgbClr val="000000"/>
+                        </a:solidFill>
+                        <a:effectLst/>
+                        <a:latin typeface="+mn-lt"/>
+                      </a:endParaRPr>
+                    </a:p>
+                  </a:txBody>
+                  <a:tcPr anchor="ctr">
+                    <a:lnL w="12700" cap="flat" cmpd="sng" algn="ctr">
+                      <a:noFill/>
+                      <a:prstDash val="solid"/>
+                      <a:round/>
+                      <a:headEnd type="none" w="med" len="med"/>
+                      <a:tailEnd type="none" w="med" len="med"/>
+                    </a:lnL>
+                  </a:tcPr>
+                </a:tc>
+                <a:tc>
+                  <a:txBody>
+                    <a:bodyPr/>
+                    <a:lstStyle/>
+                    <a:p>
+                      <a:pPr algn="ctr" rtl="0" fontAlgn="base"/>
+                      <a:r>
+                        <a:rPr lang="en-US" sz="1400" b="0" i="0" dirty="0">
+                          <a:solidFill>
+                            <a:srgbClr val="333F50"/>
+                          </a:solidFill>
+                          <a:effectLst/>
+                          <a:latin typeface="+mn-lt"/>
+                        </a:rPr>
+                        <a:t>4.5</a:t>
+                      </a:r>
+                      <a:r>
+                        <a:rPr lang="en-US" sz="1400" b="0" i="0" dirty="0">
+                          <a:solidFill>
+                            <a:srgbClr val="000000"/>
+                          </a:solidFill>
+                          <a:effectLst/>
+                          <a:latin typeface="+mn-lt"/>
+                        </a:rPr>
+                        <a:t>​</a:t>
+                      </a:r>
+                    </a:p>
+                  </a:txBody>
+                  <a:tcPr anchor="ctr"/>
+                </a:tc>
+                <a:tc>
+                  <a:txBody>
+                    <a:bodyPr/>
+                    <a:lstStyle/>
+                    <a:p>
+                      <a:pPr algn="ctr" rtl="0" fontAlgn="base"/>
+                      <a:r>
+                        <a:rPr lang="en-US" sz="1400" b="0" i="0" dirty="0">
+                          <a:solidFill>
+                            <a:srgbClr val="333F50"/>
+                          </a:solidFill>
+                          <a:effectLst/>
+                          <a:latin typeface="+mn-lt"/>
+                        </a:rPr>
+                        <a:t>2.2</a:t>
+                      </a:r>
+                      <a:r>
+                        <a:rPr lang="en-US" sz="1400" b="0" i="0" dirty="0">
+                          <a:solidFill>
+                            <a:srgbClr val="000000"/>
+                          </a:solidFill>
+                          <a:effectLst/>
+                          <a:latin typeface="+mn-lt"/>
+                        </a:rPr>
+                        <a:t>​</a:t>
+                      </a:r>
+                    </a:p>
+                  </a:txBody>
+                  <a:tcPr anchor="ctr"/>
+                </a:tc>
+                <a:tc>
+                  <a:txBody>
+                    <a:bodyPr/>
+                    <a:lstStyle/>
+                    <a:p>
+                      <a:pPr algn="ctr" rtl="0" fontAlgn="base"/>
+                      <a:r>
+                        <a:rPr lang="en-US" sz="1400" b="0" i="0" dirty="0">
+                          <a:solidFill>
+                            <a:srgbClr val="333F50"/>
+                          </a:solidFill>
+                          <a:effectLst/>
+                          <a:latin typeface="+mn-lt"/>
+                        </a:rPr>
+                        <a:t>1.7</a:t>
+                      </a:r>
+                      <a:r>
+                        <a:rPr lang="en-US" sz="1400" b="0" i="0" dirty="0">
+                          <a:solidFill>
+                            <a:srgbClr val="000000"/>
+                          </a:solidFill>
+                          <a:effectLst/>
+                          <a:latin typeface="+mn-lt"/>
+                        </a:rPr>
+                        <a:t>​</a:t>
+                      </a:r>
+                    </a:p>
+                  </a:txBody>
+                  <a:tcPr anchor="ctr"/>
+                </a:tc>
+                <a:tc>
+                  <a:txBody>
+                    <a:bodyPr/>
+                    <a:lstStyle/>
+                    <a:p>
+                      <a:pPr algn="ctr" rtl="0" fontAlgn="base"/>
+                      <a:r>
+                        <a:rPr lang="en-US" sz="1400" b="0" i="0" dirty="0">
+                          <a:solidFill>
+                            <a:srgbClr val="333F50"/>
+                          </a:solidFill>
+                          <a:effectLst/>
+                          <a:latin typeface="+mn-lt"/>
+                        </a:rPr>
+                        <a:t>7.0</a:t>
+                      </a:r>
+                      <a:endParaRPr lang="en-US" sz="1400" b="0" i="0" dirty="0">
+                        <a:solidFill>
+                          <a:srgbClr val="000000"/>
+                        </a:solidFill>
+                        <a:effectLst/>
+                        <a:latin typeface="+mn-lt"/>
+                      </a:endParaRPr>
+                    </a:p>
+                  </a:txBody>
+                  <a:tcPr anchor="ctr">
+                    <a:lnR w="12700" cap="flat" cmpd="sng" algn="ctr">
+                      <a:noFill/>
+                      <a:prstDash val="solid"/>
+                      <a:round/>
+                      <a:headEnd type="none" w="med" len="med"/>
+                      <a:tailEnd type="none" w="med" len="med"/>
+                    </a:lnR>
+                  </a:tcPr>
+                </a:tc>
+                <a:extLst>
+                  <a:ext uri="{0D108BD9-81ED-4DB2-BD59-A6C34878D82A}">
+                    <a16:rowId xmlns:a16="http://schemas.microsoft.com/office/drawing/2014/main" val="3388671141"/>
+                  </a:ext>
+                </a:extLst>
+              </a:tr>
+            </a:tbl>
+          </a:graphicData>
+        </a:graphic>
+      </p:graphicFrame>
+      <p:sp>
+        <p:nvSpPr>
+          <p:cNvPr id="5" name="Title 2">
+            <a:extLst>
+              <a:ext uri="{FF2B5EF4-FFF2-40B4-BE49-F238E27FC236}">
+                <a16:creationId xmlns:a16="http://schemas.microsoft.com/office/drawing/2014/main" id="{6E619B29-6836-A7CF-5BEB-7A66A4E56A42}"/>
+              </a:ext>
+            </a:extLst>
+          </p:cNvPr>
+          <p:cNvSpPr>
+            <a:spLocks noGrp="1"/>
+          </p:cNvSpPr>
+          <p:nvPr>
+            <p:ph type="title"/>
+          </p:nvPr>
+        </p:nvSpPr>
+        <p:spPr>
+          <a:xfrm>
+            <a:off x="838200" y="349626"/>
+            <a:ext cx="10515600" cy="1325563"/>
+          </a:xfrm>
+        </p:spPr>
+        <p:txBody>
+          <a:bodyPr/>
+          <a:lstStyle/>
+          <a:p>
+            <a:r>
+              <a:rPr lang="en-US" dirty="0"/>
+              <a:t>Graph 6</a:t>
+            </a:r>
+          </a:p>
+        </p:txBody>
+      </p:sp>
+    </p:spTree>
+    <p:extLst>
+      <p:ext uri="{BB962C8B-B14F-4D97-AF65-F5344CB8AC3E}">
+        <p14:creationId xmlns:p14="http://schemas.microsoft.com/office/powerpoint/2010/main" val="2187412862"/>
+      </p:ext>
+    </p:extLst>
+  </p:cSld>
+  <p:clrMapOvr>
+    <a:masterClrMapping/>
+  </p:clrMapOvr>
+</p:sld>
+</file>
+
+<file path=ppt/slides/slide13.xml><?xml version="1.0" encoding="utf-8"?>
+<p:sld xmlns:a="http://schemas.openxmlformats.org/drawingml/2006/main" xmlns:r="http://schemas.openxmlformats.org/officeDocument/2006/relationships" xmlns:p="http://schemas.openxmlformats.org/presentationml/2006/main">
+  <p:cSld>
+    <p:spTree>
+      <p:nvGrpSpPr>
+        <p:cNvPr id="1" name=""/>
+        <p:cNvGrpSpPr/>
+        <p:nvPr/>
+      </p:nvGrpSpPr>
+      <p:grpSpPr>
+        <a:xfrm>
+          <a:off x="0" y="0"/>
+          <a:ext cx="0" cy="0"/>
+          <a:chOff x="0" y="0"/>
+          <a:chExt cx="0" cy="0"/>
+        </a:xfrm>
+      </p:grpSpPr>
+      <p:graphicFrame>
+        <p:nvGraphicFramePr>
+          <p:cNvPr id="6" name="Table 4">
+            <a:extLst>
+              <a:ext uri="{FF2B5EF4-FFF2-40B4-BE49-F238E27FC236}">
+                <a16:creationId xmlns:a16="http://schemas.microsoft.com/office/drawing/2014/main" id="{BF79967C-30F3-47E3-49F7-13BB296775D8}"/>
+              </a:ext>
+            </a:extLst>
+          </p:cNvPr>
+          <p:cNvGraphicFramePr>
+            <a:graphicFrameLocks/>
+          </p:cNvGraphicFramePr>
+          <p:nvPr/>
+        </p:nvGraphicFramePr>
+        <p:xfrm>
+          <a:off x="838200" y="2111375"/>
+          <a:ext cx="10515600" cy="3570970"/>
+        </p:xfrm>
+        <a:graphic>
+          <a:graphicData uri="http://schemas.openxmlformats.org/drawingml/2006/table">
+            <a:tbl>
+              <a:tblPr firstRow="1" bandRow="1">
+                <a:tableStyleId>{7E9639D4-E3E2-4D34-9284-5A2195B3D0D7}</a:tableStyleId>
+              </a:tblPr>
+              <a:tblGrid>
+                <a:gridCol w="2103120">
+                  <a:extLst>
+                    <a:ext uri="{9D8B030D-6E8A-4147-A177-3AD203B41FA5}">
+                      <a16:colId xmlns:a16="http://schemas.microsoft.com/office/drawing/2014/main" val="3261104555"/>
+                    </a:ext>
+                  </a:extLst>
+                </a:gridCol>
+                <a:gridCol w="2103120">
+                  <a:extLst>
+                    <a:ext uri="{9D8B030D-6E8A-4147-A177-3AD203B41FA5}">
+                      <a16:colId xmlns:a16="http://schemas.microsoft.com/office/drawing/2014/main" val="2547279344"/>
+                    </a:ext>
+                  </a:extLst>
+                </a:gridCol>
+                <a:gridCol w="2103120">
+                  <a:extLst>
+                    <a:ext uri="{9D8B030D-6E8A-4147-A177-3AD203B41FA5}">
+                      <a16:colId xmlns:a16="http://schemas.microsoft.com/office/drawing/2014/main" val="2366228292"/>
+                    </a:ext>
+                  </a:extLst>
+                </a:gridCol>
+                <a:gridCol w="2103120">
+                  <a:extLst>
+                    <a:ext uri="{9D8B030D-6E8A-4147-A177-3AD203B41FA5}">
+                      <a16:colId xmlns:a16="http://schemas.microsoft.com/office/drawing/2014/main" val="934788178"/>
+                    </a:ext>
+                  </a:extLst>
+                </a:gridCol>
+                <a:gridCol w="2103120">
+                  <a:extLst>
+                    <a:ext uri="{9D8B030D-6E8A-4147-A177-3AD203B41FA5}">
+                      <a16:colId xmlns:a16="http://schemas.microsoft.com/office/drawing/2014/main" val="2596635212"/>
+                    </a:ext>
+                  </a:extLst>
+                </a:gridCol>
+              </a:tblGrid>
+              <a:tr h="714194">
+                <a:tc>
+                  <a:txBody>
+                    <a:bodyPr/>
+                    <a:lstStyle/>
+                    <a:p>
+                      <a:pPr algn="ctr" rtl="0" fontAlgn="auto"/>
+                      <a:r>
+                        <a:rPr lang="en-US" sz="1600" b="1" i="0" dirty="0">
+                          <a:solidFill>
+                            <a:srgbClr val="FFFFFF"/>
+                          </a:solidFill>
+                          <a:effectLst/>
+                          <a:latin typeface="+mn-lt"/>
+                        </a:rPr>
+                        <a:t>​</a:t>
+                      </a:r>
+                    </a:p>
+                  </a:txBody>
+                  <a:tcPr anchor="ctr"/>
+                </a:tc>
+                <a:tc>
+                  <a:txBody>
+                    <a:bodyPr/>
+                    <a:lstStyle/>
+                    <a:p>
+                      <a:pPr algn="ctr" rtl="0" fontAlgn="base"/>
+                      <a:r>
+                        <a:rPr lang="en-US" sz="1600" b="0" i="0" dirty="0">
+                          <a:solidFill>
+                            <a:schemeClr val="accent1"/>
+                          </a:solidFill>
+                          <a:effectLst/>
+                          <a:latin typeface="+mn-lt"/>
+                        </a:rPr>
+                        <a:t>CATEGORY 1</a:t>
+                      </a:r>
+                      <a:endParaRPr lang="en-US" sz="1600" b="1" i="0" dirty="0">
+                        <a:solidFill>
+                          <a:schemeClr val="accent1"/>
+                        </a:solidFill>
+                        <a:effectLst/>
+                        <a:latin typeface="+mn-lt"/>
+                      </a:endParaRPr>
+                    </a:p>
+                  </a:txBody>
+                  <a:tcPr anchor="ctr"/>
+                </a:tc>
+                <a:tc>
+                  <a:txBody>
+                    <a:bodyPr/>
+                    <a:lstStyle/>
+                    <a:p>
+                      <a:pPr algn="ctr" rtl="0" fontAlgn="base"/>
+                      <a:r>
+                        <a:rPr lang="en-US" sz="1600" b="0" i="0" dirty="0">
+                          <a:solidFill>
+                            <a:schemeClr val="accent1"/>
+                          </a:solidFill>
+                          <a:effectLst/>
+                          <a:latin typeface="+mn-lt"/>
+                        </a:rPr>
+                        <a:t>CATEGORY 2</a:t>
+                      </a:r>
+                      <a:endParaRPr lang="en-US" sz="1600" b="1" i="0" dirty="0">
+                        <a:solidFill>
+                          <a:schemeClr val="accent1"/>
+                        </a:solidFill>
+                        <a:effectLst/>
+                        <a:latin typeface="+mn-lt"/>
+                      </a:endParaRPr>
+                    </a:p>
+                  </a:txBody>
+                  <a:tcPr anchor="ctr"/>
+                </a:tc>
+                <a:tc>
+                  <a:txBody>
+                    <a:bodyPr/>
+                    <a:lstStyle/>
+                    <a:p>
+                      <a:pPr algn="ctr" rtl="0" fontAlgn="base"/>
+                      <a:r>
+                        <a:rPr lang="en-US" sz="1600" b="0" i="0" kern="1200" dirty="0">
+                          <a:solidFill>
+                            <a:schemeClr val="accent1"/>
+                          </a:solidFill>
+                          <a:effectLst/>
+                          <a:latin typeface="+mn-lt"/>
+                          <a:ea typeface="+mn-ea"/>
+                          <a:cs typeface="+mn-cs"/>
+                        </a:rPr>
+                        <a:t>CATEGORY 3</a:t>
+                      </a:r>
+                      <a:r>
+                        <a:rPr lang="en-US" sz="1600" b="1" i="0" dirty="0">
+                          <a:solidFill>
+                            <a:srgbClr val="FFFFFF"/>
+                          </a:solidFill>
+                          <a:effectLst/>
+                          <a:latin typeface="+mn-lt"/>
+                        </a:rPr>
+                        <a:t>​</a:t>
+                      </a:r>
+                    </a:p>
+                  </a:txBody>
+                  <a:tcPr anchor="ctr"/>
+                </a:tc>
+                <a:tc>
+                  <a:txBody>
+                    <a:bodyPr/>
+                    <a:lstStyle/>
+                    <a:p>
+                      <a:pPr algn="ctr" rtl="0" fontAlgn="base"/>
+                      <a:r>
+                        <a:rPr lang="en-US" sz="1600" b="0" i="0" kern="1200" dirty="0">
+                          <a:solidFill>
+                            <a:schemeClr val="accent1"/>
+                          </a:solidFill>
+                          <a:effectLst/>
+                          <a:latin typeface="+mn-lt"/>
+                          <a:ea typeface="+mn-ea"/>
+                          <a:cs typeface="+mn-cs"/>
+                        </a:rPr>
+                        <a:t>CATEGORY 4​</a:t>
+                      </a:r>
+                    </a:p>
+                  </a:txBody>
+                  <a:tcPr anchor="ctr"/>
+                </a:tc>
+                <a:extLst>
+                  <a:ext uri="{0D108BD9-81ED-4DB2-BD59-A6C34878D82A}">
+                    <a16:rowId xmlns:a16="http://schemas.microsoft.com/office/drawing/2014/main" val="3441328149"/>
+                  </a:ext>
+                </a:extLst>
+              </a:tr>
+              <a:tr h="714194">
+                <a:tc>
+                  <a:txBody>
+                    <a:bodyPr/>
+                    <a:lstStyle/>
+                    <a:p>
+                      <a:pPr algn="ctr" rtl="0" fontAlgn="base"/>
+                      <a:r>
+                        <a:rPr lang="en-US" sz="1400" b="0" i="0" dirty="0">
+                          <a:solidFill>
+                            <a:srgbClr val="333F50"/>
+                          </a:solidFill>
+                          <a:effectLst/>
+                          <a:latin typeface="+mn-lt"/>
+                        </a:rPr>
+                        <a:t>Q1</a:t>
+                      </a:r>
+                      <a:endParaRPr lang="en-US" sz="1400" b="0" i="0" dirty="0">
+                        <a:solidFill>
+                          <a:srgbClr val="000000"/>
+                        </a:solidFill>
+                        <a:effectLst/>
+                        <a:latin typeface="+mn-lt"/>
+                      </a:endParaRPr>
+                    </a:p>
+                  </a:txBody>
+                  <a:tcPr anchor="ctr">
+                    <a:lnL w="12700" cap="flat" cmpd="sng" algn="ctr">
+                      <a:noFill/>
+                      <a:prstDash val="solid"/>
+                      <a:round/>
+                      <a:headEnd type="none" w="med" len="med"/>
+                      <a:tailEnd type="none" w="med" len="med"/>
+                    </a:lnL>
+                  </a:tcPr>
+                </a:tc>
+                <a:tc>
+                  <a:txBody>
+                    <a:bodyPr/>
+                    <a:lstStyle/>
+                    <a:p>
+                      <a:pPr algn="ctr" rtl="0" fontAlgn="base"/>
+                      <a:r>
+                        <a:rPr lang="en-US" sz="1400" b="0" i="0" dirty="0">
+                          <a:solidFill>
+                            <a:srgbClr val="333F50"/>
+                          </a:solidFill>
+                          <a:effectLst/>
+                          <a:latin typeface="+mn-lt"/>
+                        </a:rPr>
+                        <a:t>4.5</a:t>
+                      </a:r>
+                      <a:r>
+                        <a:rPr lang="en-US" sz="1400" b="0" i="0" dirty="0">
+                          <a:solidFill>
+                            <a:srgbClr val="000000"/>
+                          </a:solidFill>
+                          <a:effectLst/>
+                          <a:latin typeface="+mn-lt"/>
+                        </a:rPr>
+                        <a:t>​</a:t>
+                      </a:r>
+                    </a:p>
+                  </a:txBody>
+                  <a:tcPr anchor="ctr"/>
+                </a:tc>
+                <a:tc>
+                  <a:txBody>
+                    <a:bodyPr/>
+                    <a:lstStyle/>
+                    <a:p>
+                      <a:pPr algn="ctr" rtl="0" fontAlgn="base"/>
+                      <a:r>
+                        <a:rPr lang="en-US" sz="1400" b="0" i="0" dirty="0">
+                          <a:solidFill>
+                            <a:srgbClr val="333F50"/>
+                          </a:solidFill>
+                          <a:effectLst/>
+                          <a:latin typeface="+mn-lt"/>
+                        </a:rPr>
+                        <a:t>2.3</a:t>
+                      </a:r>
+                      <a:r>
+                        <a:rPr lang="en-US" sz="1400" b="0" i="0" dirty="0">
+                          <a:solidFill>
+                            <a:srgbClr val="000000"/>
+                          </a:solidFill>
+                          <a:effectLst/>
+                          <a:latin typeface="+mn-lt"/>
+                        </a:rPr>
+                        <a:t>​</a:t>
+                      </a:r>
+                    </a:p>
+                  </a:txBody>
+                  <a:tcPr anchor="ctr"/>
+                </a:tc>
+                <a:tc>
+                  <a:txBody>
+                    <a:bodyPr/>
+                    <a:lstStyle/>
+                    <a:p>
+                      <a:pPr algn="ctr" rtl="0" fontAlgn="base"/>
+                      <a:r>
+                        <a:rPr lang="en-US" sz="1400" b="0" i="0" dirty="0">
+                          <a:solidFill>
+                            <a:srgbClr val="333F50"/>
+                          </a:solidFill>
+                          <a:effectLst/>
+                          <a:latin typeface="+mn-lt"/>
+                        </a:rPr>
+                        <a:t>1.7</a:t>
+                      </a:r>
+                      <a:r>
+                        <a:rPr lang="en-US" sz="1400" b="0" i="0" dirty="0">
+                          <a:solidFill>
+                            <a:srgbClr val="000000"/>
+                          </a:solidFill>
+                          <a:effectLst/>
+                          <a:latin typeface="+mn-lt"/>
+                        </a:rPr>
+                        <a:t>​</a:t>
+                      </a:r>
+                    </a:p>
+                  </a:txBody>
+                  <a:tcPr anchor="ctr">
+                    <a:lnR w="12700" cap="flat" cmpd="sng" algn="ctr">
+                      <a:noFill/>
+                      <a:prstDash val="solid"/>
+                      <a:round/>
+                      <a:headEnd type="none" w="med" len="med"/>
+                      <a:tailEnd type="none" w="med" len="med"/>
+                    </a:lnR>
+                  </a:tcPr>
+                </a:tc>
+                <a:tc>
+                  <a:txBody>
+                    <a:bodyPr/>
+                    <a:lstStyle/>
+                    <a:p>
+                      <a:pPr algn="ctr" rtl="0" fontAlgn="base"/>
+                      <a:r>
+                        <a:rPr lang="en-US" sz="1400" b="0" i="0" dirty="0">
+                          <a:solidFill>
+                            <a:srgbClr val="333F50"/>
+                          </a:solidFill>
+                          <a:effectLst/>
+                          <a:latin typeface="+mn-lt"/>
+                        </a:rPr>
+                        <a:t>5</a:t>
+                      </a:r>
+                      <a:r>
+                        <a:rPr lang="en-US" sz="1400" b="0" i="0" dirty="0">
+                          <a:solidFill>
+                            <a:srgbClr val="000000"/>
+                          </a:solidFill>
+                          <a:effectLst/>
+                          <a:latin typeface="+mn-lt"/>
+                        </a:rPr>
+                        <a:t>​.0</a:t>
+                      </a:r>
+                    </a:p>
+                  </a:txBody>
+                  <a:tcPr anchor="ctr">
+                    <a:lnL w="12700" cap="flat" cmpd="sng" algn="ctr">
+                      <a:noFill/>
+                      <a:prstDash val="solid"/>
+                      <a:round/>
+                      <a:headEnd type="none" w="med" len="med"/>
+                      <a:tailEnd type="none" w="med" len="med"/>
+                    </a:lnL>
+                    <a:lnR w="12700" cap="flat" cmpd="sng" algn="ctr">
+                      <a:noFill/>
+                      <a:prstDash val="solid"/>
+                      <a:round/>
+                      <a:headEnd type="none" w="med" len="med"/>
+                      <a:tailEnd type="none" w="med" len="med"/>
+                    </a:lnR>
+                  </a:tcPr>
+                </a:tc>
+                <a:extLst>
+                  <a:ext uri="{0D108BD9-81ED-4DB2-BD59-A6C34878D82A}">
+                    <a16:rowId xmlns:a16="http://schemas.microsoft.com/office/drawing/2014/main" val="3134841754"/>
+                  </a:ext>
+                </a:extLst>
+              </a:tr>
+              <a:tr h="714194">
+                <a:tc>
+                  <a:txBody>
+                    <a:bodyPr/>
+                    <a:lstStyle/>
+                    <a:p>
+                      <a:pPr algn="ctr" rtl="0" fontAlgn="base"/>
+                      <a:r>
+                        <a:rPr lang="en-US" sz="1400" b="0" i="0" dirty="0">
+                          <a:solidFill>
+                            <a:srgbClr val="333F50"/>
+                          </a:solidFill>
+                          <a:effectLst/>
+                          <a:latin typeface="+mn-lt"/>
+                        </a:rPr>
+                        <a:t>Q2</a:t>
+                      </a:r>
+                      <a:endParaRPr lang="en-US" sz="1400" b="0" i="0" dirty="0">
+                        <a:solidFill>
+                          <a:srgbClr val="000000"/>
+                        </a:solidFill>
+                        <a:effectLst/>
+                        <a:latin typeface="+mn-lt"/>
+                      </a:endParaRPr>
+                    </a:p>
+                  </a:txBody>
+                  <a:tcPr anchor="ctr">
+                    <a:lnL w="12700" cap="flat" cmpd="sng" algn="ctr">
+                      <a:noFill/>
+                      <a:prstDash val="solid"/>
+                      <a:round/>
+                      <a:headEnd type="none" w="med" len="med"/>
+                      <a:tailEnd type="none" w="med" len="med"/>
+                    </a:lnL>
+                  </a:tcPr>
+                </a:tc>
+                <a:tc>
+                  <a:txBody>
+                    <a:bodyPr/>
+                    <a:lstStyle/>
+                    <a:p>
+                      <a:pPr algn="ctr" rtl="0" fontAlgn="base"/>
+                      <a:r>
+                        <a:rPr lang="en-US" sz="1400" b="0" i="0" dirty="0">
+                          <a:solidFill>
+                            <a:srgbClr val="333F50"/>
+                          </a:solidFill>
+                          <a:effectLst/>
+                          <a:latin typeface="+mn-lt"/>
+                        </a:rPr>
+                        <a:t>3.2</a:t>
+                      </a:r>
+                      <a:r>
+                        <a:rPr lang="en-US" sz="1400" b="0" i="0" dirty="0">
+                          <a:solidFill>
+                            <a:srgbClr val="000000"/>
+                          </a:solidFill>
+                          <a:effectLst/>
+                          <a:latin typeface="+mn-lt"/>
+                        </a:rPr>
+                        <a:t>​</a:t>
+                      </a:r>
+                    </a:p>
+                  </a:txBody>
+                  <a:tcPr anchor="ctr"/>
+                </a:tc>
+                <a:tc>
+                  <a:txBody>
+                    <a:bodyPr/>
+                    <a:lstStyle/>
+                    <a:p>
+                      <a:pPr algn="ctr" rtl="0" fontAlgn="base"/>
+                      <a:r>
+                        <a:rPr lang="en-US" sz="1400" b="0" i="0" dirty="0">
+                          <a:solidFill>
+                            <a:srgbClr val="333F50"/>
+                          </a:solidFill>
+                          <a:effectLst/>
+                          <a:latin typeface="+mn-lt"/>
+                        </a:rPr>
+                        <a:t>5.1</a:t>
+                      </a:r>
+                      <a:r>
+                        <a:rPr lang="en-US" sz="1400" b="0" i="0" dirty="0">
+                          <a:solidFill>
+                            <a:srgbClr val="000000"/>
+                          </a:solidFill>
+                          <a:effectLst/>
+                          <a:latin typeface="+mn-lt"/>
+                        </a:rPr>
+                        <a:t>​</a:t>
+                      </a:r>
+                    </a:p>
+                  </a:txBody>
+                  <a:tcPr anchor="ctr"/>
+                </a:tc>
+                <a:tc>
+                  <a:txBody>
+                    <a:bodyPr/>
+                    <a:lstStyle/>
+                    <a:p>
+                      <a:pPr algn="ctr" rtl="0" fontAlgn="base"/>
+                      <a:r>
+                        <a:rPr lang="en-US" sz="1400" b="0" i="0" dirty="0">
+                          <a:solidFill>
+                            <a:srgbClr val="333F50"/>
+                          </a:solidFill>
+                          <a:effectLst/>
+                          <a:latin typeface="+mn-lt"/>
+                        </a:rPr>
+                        <a:t>4.4</a:t>
+                      </a:r>
+                      <a:r>
+                        <a:rPr lang="en-US" sz="1400" b="0" i="0" dirty="0">
+                          <a:solidFill>
+                            <a:srgbClr val="000000"/>
+                          </a:solidFill>
+                          <a:effectLst/>
+                          <a:latin typeface="+mn-lt"/>
+                        </a:rPr>
+                        <a:t>​</a:t>
+                      </a:r>
+                    </a:p>
+                  </a:txBody>
+                  <a:tcPr anchor="ctr"/>
+                </a:tc>
+                <a:tc>
+                  <a:txBody>
+                    <a:bodyPr/>
+                    <a:lstStyle/>
+                    <a:p>
+                      <a:pPr algn="ctr" rtl="0" fontAlgn="base"/>
+                      <a:r>
+                        <a:rPr lang="en-US" sz="1400" b="0" i="0" dirty="0">
+                          <a:solidFill>
+                            <a:srgbClr val="333F50"/>
+                          </a:solidFill>
+                          <a:effectLst/>
+                          <a:latin typeface="+mn-lt"/>
+                        </a:rPr>
+                        <a:t>3</a:t>
+                      </a:r>
+                      <a:r>
+                        <a:rPr lang="en-US" sz="1400" b="0" i="0" dirty="0">
+                          <a:solidFill>
+                            <a:srgbClr val="000000"/>
+                          </a:solidFill>
+                          <a:effectLst/>
+                          <a:latin typeface="+mn-lt"/>
+                        </a:rPr>
+                        <a:t>​.0</a:t>
+                      </a:r>
+                    </a:p>
+                  </a:txBody>
+                  <a:tcPr anchor="ctr">
+                    <a:lnR w="12700" cap="flat" cmpd="sng" algn="ctr">
+                      <a:noFill/>
+                      <a:prstDash val="solid"/>
+                      <a:round/>
+                      <a:headEnd type="none" w="med" len="med"/>
+                      <a:tailEnd type="none" w="med" len="med"/>
+                    </a:lnR>
+                  </a:tcPr>
+                </a:tc>
+                <a:extLst>
+                  <a:ext uri="{0D108BD9-81ED-4DB2-BD59-A6C34878D82A}">
+                    <a16:rowId xmlns:a16="http://schemas.microsoft.com/office/drawing/2014/main" val="4129140390"/>
+                  </a:ext>
+                </a:extLst>
+              </a:tr>
+              <a:tr h="714194">
+                <a:tc>
+                  <a:txBody>
+                    <a:bodyPr/>
+                    <a:lstStyle/>
+                    <a:p>
+                      <a:pPr algn="ctr" rtl="0" fontAlgn="base"/>
+                      <a:r>
+                        <a:rPr lang="en-US" sz="1400" b="0" i="0" dirty="0">
+                          <a:solidFill>
+                            <a:srgbClr val="333F50"/>
+                          </a:solidFill>
+                          <a:effectLst/>
+                          <a:latin typeface="+mn-lt"/>
+                        </a:rPr>
+                        <a:t>Q3</a:t>
+                      </a:r>
+                      <a:endParaRPr lang="en-US" sz="1400" b="0" i="0" dirty="0">
+                        <a:solidFill>
+                          <a:srgbClr val="000000"/>
+                        </a:solidFill>
+                        <a:effectLst/>
+                        <a:latin typeface="+mn-lt"/>
+                      </a:endParaRPr>
+                    </a:p>
+                  </a:txBody>
+                  <a:tcPr anchor="ctr">
+                    <a:lnL w="12700" cap="flat" cmpd="sng" algn="ctr">
+                      <a:noFill/>
+                      <a:prstDash val="solid"/>
+                      <a:round/>
+                      <a:headEnd type="none" w="med" len="med"/>
+                      <a:tailEnd type="none" w="med" len="med"/>
+                    </a:lnL>
+                  </a:tcPr>
+                </a:tc>
+                <a:tc>
+                  <a:txBody>
+                    <a:bodyPr/>
+                    <a:lstStyle/>
+                    <a:p>
+                      <a:pPr algn="ctr" rtl="0" fontAlgn="base"/>
+                      <a:r>
+                        <a:rPr lang="en-US" sz="1400" b="0" i="0" dirty="0">
+                          <a:solidFill>
+                            <a:srgbClr val="333F50"/>
+                          </a:solidFill>
+                          <a:effectLst/>
+                          <a:latin typeface="+mn-lt"/>
+                        </a:rPr>
+                        <a:t>2.1</a:t>
+                      </a:r>
+                      <a:r>
+                        <a:rPr lang="en-US" sz="1400" b="0" i="0" dirty="0">
+                          <a:solidFill>
+                            <a:srgbClr val="000000"/>
+                          </a:solidFill>
+                          <a:effectLst/>
+                          <a:latin typeface="+mn-lt"/>
+                        </a:rPr>
+                        <a:t>​</a:t>
+                      </a:r>
+                    </a:p>
+                  </a:txBody>
+                  <a:tcPr anchor="ctr"/>
+                </a:tc>
+                <a:tc>
+                  <a:txBody>
+                    <a:bodyPr/>
+                    <a:lstStyle/>
+                    <a:p>
+                      <a:pPr algn="ctr" rtl="0" fontAlgn="base"/>
+                      <a:r>
+                        <a:rPr lang="en-US" sz="1400" b="0" i="0" dirty="0">
+                          <a:solidFill>
+                            <a:srgbClr val="333F50"/>
+                          </a:solidFill>
+                          <a:effectLst/>
+                          <a:latin typeface="+mn-lt"/>
+                        </a:rPr>
+                        <a:t>1.7</a:t>
+                      </a:r>
+                      <a:r>
+                        <a:rPr lang="en-US" sz="1400" b="0" i="0" dirty="0">
+                          <a:solidFill>
+                            <a:srgbClr val="000000"/>
+                          </a:solidFill>
+                          <a:effectLst/>
+                          <a:latin typeface="+mn-lt"/>
+                        </a:rPr>
+                        <a:t>​</a:t>
+                      </a:r>
+                    </a:p>
+                  </a:txBody>
+                  <a:tcPr anchor="ctr"/>
+                </a:tc>
+                <a:tc>
+                  <a:txBody>
+                    <a:bodyPr/>
+                    <a:lstStyle/>
+                    <a:p>
+                      <a:pPr algn="ctr" rtl="0" fontAlgn="base"/>
+                      <a:r>
+                        <a:rPr lang="en-US" sz="1400" b="0" i="0" dirty="0">
+                          <a:solidFill>
+                            <a:srgbClr val="333F50"/>
+                          </a:solidFill>
+                          <a:effectLst/>
+                          <a:latin typeface="+mn-lt"/>
+                        </a:rPr>
+                        <a:t>2.5</a:t>
+                      </a:r>
+                      <a:r>
+                        <a:rPr lang="en-US" sz="1400" b="0" i="0" dirty="0">
+                          <a:solidFill>
+                            <a:srgbClr val="000000"/>
+                          </a:solidFill>
+                          <a:effectLst/>
+                          <a:latin typeface="+mn-lt"/>
+                        </a:rPr>
+                        <a:t>​</a:t>
+                      </a:r>
+                    </a:p>
+                  </a:txBody>
+                  <a:tcPr anchor="ctr"/>
+                </a:tc>
+                <a:tc>
+                  <a:txBody>
+                    <a:bodyPr/>
+                    <a:lstStyle/>
+                    <a:p>
+                      <a:pPr algn="ctr" rtl="0" fontAlgn="base"/>
+                      <a:r>
+                        <a:rPr lang="en-US" sz="1400" b="0" i="0" dirty="0">
+                          <a:solidFill>
+                            <a:srgbClr val="333F50"/>
+                          </a:solidFill>
+                          <a:effectLst/>
+                          <a:latin typeface="+mn-lt"/>
+                        </a:rPr>
+                        <a:t>2.8</a:t>
+                      </a:r>
+                      <a:r>
+                        <a:rPr lang="en-US" sz="1400" b="0" i="0" dirty="0">
+                          <a:solidFill>
+                            <a:srgbClr val="000000"/>
+                          </a:solidFill>
+                          <a:effectLst/>
+                          <a:latin typeface="+mn-lt"/>
+                        </a:rPr>
+                        <a:t>​</a:t>
+                      </a:r>
+                    </a:p>
+                  </a:txBody>
+                  <a:tcPr anchor="ctr">
+                    <a:lnR w="12700" cap="flat" cmpd="sng" algn="ctr">
+                      <a:noFill/>
+                      <a:prstDash val="solid"/>
+                      <a:round/>
+                      <a:headEnd type="none" w="med" len="med"/>
+                      <a:tailEnd type="none" w="med" len="med"/>
+                    </a:lnR>
+                  </a:tcPr>
+                </a:tc>
+                <a:extLst>
+                  <a:ext uri="{0D108BD9-81ED-4DB2-BD59-A6C34878D82A}">
+                    <a16:rowId xmlns:a16="http://schemas.microsoft.com/office/drawing/2014/main" val="1699990805"/>
+                  </a:ext>
+                </a:extLst>
+              </a:tr>
+              <a:tr h="714194">
+                <a:tc>
+                  <a:txBody>
+                    <a:bodyPr/>
+                    <a:lstStyle/>
+                    <a:p>
+                      <a:pPr algn="ctr" rtl="0" fontAlgn="base"/>
+                      <a:r>
+                        <a:rPr lang="en-US" sz="1400" b="0" i="0" dirty="0">
+                          <a:solidFill>
+                            <a:srgbClr val="333F50"/>
+                          </a:solidFill>
+                          <a:effectLst/>
+                          <a:latin typeface="+mn-lt"/>
+                        </a:rPr>
+                        <a:t>Q4</a:t>
+                      </a:r>
+                      <a:endParaRPr lang="en-US" sz="1400" b="0" i="0" dirty="0">
+                        <a:solidFill>
+                          <a:srgbClr val="000000"/>
+                        </a:solidFill>
+                        <a:effectLst/>
+                        <a:latin typeface="+mn-lt"/>
+                      </a:endParaRPr>
+                    </a:p>
+                  </a:txBody>
+                  <a:tcPr anchor="ctr">
+                    <a:lnL w="12700" cap="flat" cmpd="sng" algn="ctr">
+                      <a:noFill/>
+                      <a:prstDash val="solid"/>
+                      <a:round/>
+                      <a:headEnd type="none" w="med" len="med"/>
+                      <a:tailEnd type="none" w="med" len="med"/>
+                    </a:lnL>
+                  </a:tcPr>
+                </a:tc>
+                <a:tc>
+                  <a:txBody>
+                    <a:bodyPr/>
+                    <a:lstStyle/>
+                    <a:p>
+                      <a:pPr algn="ctr" rtl="0" fontAlgn="base"/>
+                      <a:r>
+                        <a:rPr lang="en-US" sz="1400" b="0" i="0" dirty="0">
+                          <a:solidFill>
+                            <a:srgbClr val="333F50"/>
+                          </a:solidFill>
+                          <a:effectLst/>
+                          <a:latin typeface="+mn-lt"/>
+                        </a:rPr>
+                        <a:t>4.5</a:t>
+                      </a:r>
+                      <a:r>
+                        <a:rPr lang="en-US" sz="1400" b="0" i="0" dirty="0">
+                          <a:solidFill>
+                            <a:srgbClr val="000000"/>
+                          </a:solidFill>
+                          <a:effectLst/>
+                          <a:latin typeface="+mn-lt"/>
+                        </a:rPr>
+                        <a:t>​</a:t>
+                      </a:r>
+                    </a:p>
+                  </a:txBody>
+                  <a:tcPr anchor="ctr"/>
+                </a:tc>
+                <a:tc>
+                  <a:txBody>
+                    <a:bodyPr/>
+                    <a:lstStyle/>
+                    <a:p>
+                      <a:pPr algn="ctr" rtl="0" fontAlgn="base"/>
+                      <a:r>
+                        <a:rPr lang="en-US" sz="1400" b="0" i="0" dirty="0">
+                          <a:solidFill>
+                            <a:srgbClr val="333F50"/>
+                          </a:solidFill>
+                          <a:effectLst/>
+                          <a:latin typeface="+mn-lt"/>
+                        </a:rPr>
+                        <a:t>2.2</a:t>
+                      </a:r>
+                      <a:r>
+                        <a:rPr lang="en-US" sz="1400" b="0" i="0" dirty="0">
+                          <a:solidFill>
+                            <a:srgbClr val="000000"/>
+                          </a:solidFill>
+                          <a:effectLst/>
+                          <a:latin typeface="+mn-lt"/>
+                        </a:rPr>
+                        <a:t>​</a:t>
+                      </a:r>
+                    </a:p>
+                  </a:txBody>
+                  <a:tcPr anchor="ctr"/>
+                </a:tc>
+                <a:tc>
+                  <a:txBody>
+                    <a:bodyPr/>
+                    <a:lstStyle/>
+                    <a:p>
+                      <a:pPr algn="ctr" rtl="0" fontAlgn="base"/>
+                      <a:r>
+                        <a:rPr lang="en-US" sz="1400" b="0" i="0" dirty="0">
+                          <a:solidFill>
+                            <a:srgbClr val="333F50"/>
+                          </a:solidFill>
+                          <a:effectLst/>
+                          <a:latin typeface="+mn-lt"/>
+                        </a:rPr>
+                        <a:t>1.7</a:t>
+                      </a:r>
+                      <a:r>
+                        <a:rPr lang="en-US" sz="1400" b="0" i="0" dirty="0">
+                          <a:solidFill>
+                            <a:srgbClr val="000000"/>
+                          </a:solidFill>
+                          <a:effectLst/>
+                          <a:latin typeface="+mn-lt"/>
+                        </a:rPr>
+                        <a:t>​</a:t>
+                      </a:r>
+                    </a:p>
+                  </a:txBody>
+                  <a:tcPr anchor="ctr"/>
+                </a:tc>
+                <a:tc>
+                  <a:txBody>
+                    <a:bodyPr/>
+                    <a:lstStyle/>
+                    <a:p>
+                      <a:pPr algn="ctr" rtl="0" fontAlgn="base"/>
+                      <a:r>
+                        <a:rPr lang="en-US" sz="1400" b="0" i="0" dirty="0">
+                          <a:solidFill>
+                            <a:srgbClr val="333F50"/>
+                          </a:solidFill>
+                          <a:effectLst/>
+                          <a:latin typeface="+mn-lt"/>
+                        </a:rPr>
+                        <a:t>7.0</a:t>
+                      </a:r>
+                      <a:endParaRPr lang="en-US" sz="1400" b="0" i="0" dirty="0">
+                        <a:solidFill>
+                          <a:srgbClr val="000000"/>
+                        </a:solidFill>
+                        <a:effectLst/>
+                        <a:latin typeface="+mn-lt"/>
+                      </a:endParaRPr>
+                    </a:p>
+                  </a:txBody>
+                  <a:tcPr anchor="ctr">
+                    <a:lnR w="12700" cap="flat" cmpd="sng" algn="ctr">
+                      <a:noFill/>
+                      <a:prstDash val="solid"/>
+                      <a:round/>
+                      <a:headEnd type="none" w="med" len="med"/>
+                      <a:tailEnd type="none" w="med" len="med"/>
+                    </a:lnR>
+                  </a:tcPr>
+                </a:tc>
+                <a:extLst>
+                  <a:ext uri="{0D108BD9-81ED-4DB2-BD59-A6C34878D82A}">
+                    <a16:rowId xmlns:a16="http://schemas.microsoft.com/office/drawing/2014/main" val="3388671141"/>
+                  </a:ext>
+                </a:extLst>
+              </a:tr>
+            </a:tbl>
+          </a:graphicData>
+        </a:graphic>
+      </p:graphicFrame>
+      <p:sp>
+        <p:nvSpPr>
+          <p:cNvPr id="5" name="Title 2">
+            <a:extLst>
+              <a:ext uri="{FF2B5EF4-FFF2-40B4-BE49-F238E27FC236}">
+                <a16:creationId xmlns:a16="http://schemas.microsoft.com/office/drawing/2014/main" id="{0568B8FE-691D-A8EB-BD3B-2F2B9B3B0BB5}"/>
+              </a:ext>
+            </a:extLst>
+          </p:cNvPr>
+          <p:cNvSpPr>
+            <a:spLocks noGrp="1"/>
+          </p:cNvSpPr>
+          <p:nvPr>
+            <p:ph type="title"/>
+          </p:nvPr>
+        </p:nvSpPr>
+        <p:spPr>
+          <a:xfrm>
+            <a:off x="838200" y="349626"/>
+            <a:ext cx="10515600" cy="1325563"/>
+          </a:xfrm>
+        </p:spPr>
+        <p:txBody>
+          <a:bodyPr/>
+          <a:lstStyle/>
+          <a:p>
+            <a:r>
+              <a:rPr lang="en-US" dirty="0"/>
+              <a:t>Graph 7</a:t>
+            </a:r>
+          </a:p>
+        </p:txBody>
+      </p:sp>
+    </p:spTree>
+    <p:extLst>
+      <p:ext uri="{BB962C8B-B14F-4D97-AF65-F5344CB8AC3E}">
+        <p14:creationId xmlns:p14="http://schemas.microsoft.com/office/powerpoint/2010/main" val="1590426193"/>
+      </p:ext>
+    </p:extLst>
+  </p:cSld>
+  <p:clrMapOvr>
+    <a:masterClrMapping/>
+  </p:clrMapOvr>
+</p:sld>
+</file>
+
+<file path=ppt/slides/slide14.xml><?xml version="1.0" encoding="utf-8"?>
+<p:sld xmlns:a="http://schemas.openxmlformats.org/drawingml/2006/main" xmlns:r="http://schemas.openxmlformats.org/officeDocument/2006/relationships" xmlns:p="http://schemas.openxmlformats.org/presentationml/2006/main">
+  <p:cSld>
+    <p:spTree>
+      <p:nvGrpSpPr>
+        <p:cNvPr id="1" name=""/>
+        <p:cNvGrpSpPr/>
+        <p:nvPr/>
+      </p:nvGrpSpPr>
+      <p:grpSpPr>
+        <a:xfrm>
+          <a:off x="0" y="0"/>
+          <a:ext cx="0" cy="0"/>
+          <a:chOff x="0" y="0"/>
+          <a:chExt cx="0" cy="0"/>
+        </a:xfrm>
+      </p:grpSpPr>
+      <p:graphicFrame>
+        <p:nvGraphicFramePr>
+          <p:cNvPr id="23" name="Table 4">
+            <a:extLst>
+              <a:ext uri="{FF2B5EF4-FFF2-40B4-BE49-F238E27FC236}">
+                <a16:creationId xmlns:a16="http://schemas.microsoft.com/office/drawing/2014/main" id="{10EBCF29-A96D-F7D3-3575-17FB2E2AA981}"/>
+              </a:ext>
+            </a:extLst>
+          </p:cNvPr>
+          <p:cNvGraphicFramePr>
+            <a:graphicFrameLocks/>
+          </p:cNvGraphicFramePr>
+          <p:nvPr/>
+        </p:nvGraphicFramePr>
+        <p:xfrm>
+          <a:off x="838200" y="2111375"/>
+          <a:ext cx="10515600" cy="3570970"/>
+        </p:xfrm>
+        <a:graphic>
+          <a:graphicData uri="http://schemas.openxmlformats.org/drawingml/2006/table">
+            <a:tbl>
+              <a:tblPr firstRow="1" bandRow="1">
+                <a:tableStyleId>{7E9639D4-E3E2-4D34-9284-5A2195B3D0D7}</a:tableStyleId>
+              </a:tblPr>
+              <a:tblGrid>
+                <a:gridCol w="2103120">
+                  <a:extLst>
+                    <a:ext uri="{9D8B030D-6E8A-4147-A177-3AD203B41FA5}">
+                      <a16:colId xmlns:a16="http://schemas.microsoft.com/office/drawing/2014/main" val="3261104555"/>
+                    </a:ext>
+                  </a:extLst>
+                </a:gridCol>
+                <a:gridCol w="2103120">
+                  <a:extLst>
+                    <a:ext uri="{9D8B030D-6E8A-4147-A177-3AD203B41FA5}">
+                      <a16:colId xmlns:a16="http://schemas.microsoft.com/office/drawing/2014/main" val="2547279344"/>
+                    </a:ext>
+                  </a:extLst>
+                </a:gridCol>
+                <a:gridCol w="2103120">
+                  <a:extLst>
+                    <a:ext uri="{9D8B030D-6E8A-4147-A177-3AD203B41FA5}">
+                      <a16:colId xmlns:a16="http://schemas.microsoft.com/office/drawing/2014/main" val="2366228292"/>
+                    </a:ext>
+                  </a:extLst>
+                </a:gridCol>
+                <a:gridCol w="2103120">
+                  <a:extLst>
+                    <a:ext uri="{9D8B030D-6E8A-4147-A177-3AD203B41FA5}">
+                      <a16:colId xmlns:a16="http://schemas.microsoft.com/office/drawing/2014/main" val="934788178"/>
+                    </a:ext>
+                  </a:extLst>
+                </a:gridCol>
+                <a:gridCol w="2103120">
+                  <a:extLst>
+                    <a:ext uri="{9D8B030D-6E8A-4147-A177-3AD203B41FA5}">
+                      <a16:colId xmlns:a16="http://schemas.microsoft.com/office/drawing/2014/main" val="2596635212"/>
+                    </a:ext>
+                  </a:extLst>
+                </a:gridCol>
+              </a:tblGrid>
+              <a:tr h="714194">
+                <a:tc>
+                  <a:txBody>
+                    <a:bodyPr/>
+                    <a:lstStyle/>
+                    <a:p>
+                      <a:pPr algn="ctr" rtl="0" fontAlgn="auto"/>
+                      <a:r>
+                        <a:rPr lang="en-US" sz="1600" b="1" i="0" dirty="0">
+                          <a:solidFill>
+                            <a:srgbClr val="FFFFFF"/>
+                          </a:solidFill>
+                          <a:effectLst/>
+                          <a:latin typeface="+mn-lt"/>
+                        </a:rPr>
+                        <a:t>​</a:t>
+                      </a:r>
+                    </a:p>
+                  </a:txBody>
+                  <a:tcPr anchor="ctr"/>
+                </a:tc>
+                <a:tc>
+                  <a:txBody>
+                    <a:bodyPr/>
+                    <a:lstStyle/>
+                    <a:p>
+                      <a:pPr algn="ctr" rtl="0" fontAlgn="base"/>
+                      <a:r>
+                        <a:rPr lang="en-US" sz="1600" b="0" i="0" dirty="0">
+                          <a:solidFill>
+                            <a:schemeClr val="accent1"/>
+                          </a:solidFill>
+                          <a:effectLst/>
+                          <a:latin typeface="+mn-lt"/>
+                        </a:rPr>
+                        <a:t>CATEGORY 1</a:t>
+                      </a:r>
+                      <a:endParaRPr lang="en-US" sz="1600" b="1" i="0" dirty="0">
+                        <a:solidFill>
+                          <a:schemeClr val="accent1"/>
+                        </a:solidFill>
+                        <a:effectLst/>
+                        <a:latin typeface="+mn-lt"/>
+                      </a:endParaRPr>
+                    </a:p>
+                  </a:txBody>
+                  <a:tcPr anchor="ctr"/>
+                </a:tc>
+                <a:tc>
+                  <a:txBody>
+                    <a:bodyPr/>
+                    <a:lstStyle/>
+                    <a:p>
+                      <a:pPr algn="ctr" rtl="0" fontAlgn="base"/>
+                      <a:r>
+                        <a:rPr lang="en-US" sz="1600" b="0" i="0" dirty="0">
+                          <a:solidFill>
+                            <a:schemeClr val="accent1"/>
+                          </a:solidFill>
+                          <a:effectLst/>
+                          <a:latin typeface="+mn-lt"/>
+                        </a:rPr>
+                        <a:t>CATEGORY 2</a:t>
+                      </a:r>
+                      <a:endParaRPr lang="en-US" sz="1600" b="1" i="0" dirty="0">
+                        <a:solidFill>
+                          <a:schemeClr val="accent1"/>
+                        </a:solidFill>
+                        <a:effectLst/>
+                        <a:latin typeface="+mn-lt"/>
+                      </a:endParaRPr>
+                    </a:p>
+                  </a:txBody>
+                  <a:tcPr anchor="ctr"/>
+                </a:tc>
+                <a:tc>
+                  <a:txBody>
+                    <a:bodyPr/>
+                    <a:lstStyle/>
+                    <a:p>
+                      <a:pPr algn="ctr" rtl="0" fontAlgn="base"/>
+                      <a:r>
+                        <a:rPr lang="en-US" sz="1600" b="0" i="0" kern="1200" dirty="0">
+                          <a:solidFill>
+                            <a:schemeClr val="accent1"/>
+                          </a:solidFill>
+                          <a:effectLst/>
+                          <a:latin typeface="+mn-lt"/>
+                          <a:ea typeface="+mn-ea"/>
+                          <a:cs typeface="+mn-cs"/>
+                        </a:rPr>
+                        <a:t>CATEGORY 3</a:t>
+                      </a:r>
+                      <a:r>
+                        <a:rPr lang="en-US" sz="1600" b="1" i="0" dirty="0">
+                          <a:solidFill>
+                            <a:srgbClr val="FFFFFF"/>
+                          </a:solidFill>
+                          <a:effectLst/>
+                          <a:latin typeface="+mn-lt"/>
+                        </a:rPr>
+                        <a:t>​</a:t>
+                      </a:r>
+                    </a:p>
+                  </a:txBody>
+                  <a:tcPr anchor="ctr"/>
+                </a:tc>
+                <a:tc>
+                  <a:txBody>
+                    <a:bodyPr/>
+                    <a:lstStyle/>
+                    <a:p>
+                      <a:pPr algn="ctr" rtl="0" fontAlgn="base"/>
+                      <a:r>
+                        <a:rPr lang="en-US" sz="1600" b="0" i="0" kern="1200" dirty="0">
+                          <a:solidFill>
+                            <a:schemeClr val="accent1"/>
+                          </a:solidFill>
+                          <a:effectLst/>
+                          <a:latin typeface="+mn-lt"/>
+                          <a:ea typeface="+mn-ea"/>
+                          <a:cs typeface="+mn-cs"/>
+                        </a:rPr>
+                        <a:t>CATEGORY 4​</a:t>
+                      </a:r>
+                    </a:p>
+                  </a:txBody>
+                  <a:tcPr anchor="ctr"/>
+                </a:tc>
+                <a:extLst>
+                  <a:ext uri="{0D108BD9-81ED-4DB2-BD59-A6C34878D82A}">
+                    <a16:rowId xmlns:a16="http://schemas.microsoft.com/office/drawing/2014/main" val="3441328149"/>
+                  </a:ext>
+                </a:extLst>
+              </a:tr>
+              <a:tr h="714194">
+                <a:tc>
+                  <a:txBody>
+                    <a:bodyPr/>
+                    <a:lstStyle/>
+                    <a:p>
+                      <a:pPr algn="ctr" rtl="0" fontAlgn="base"/>
+                      <a:r>
+                        <a:rPr lang="en-US" sz="1400" b="0" i="0" dirty="0">
+                          <a:solidFill>
+                            <a:srgbClr val="333F50"/>
+                          </a:solidFill>
+                          <a:effectLst/>
+                          <a:latin typeface="+mn-lt"/>
+                        </a:rPr>
+                        <a:t>Q1</a:t>
+                      </a:r>
+                      <a:endParaRPr lang="en-US" sz="1400" b="0" i="0" dirty="0">
+                        <a:solidFill>
+                          <a:srgbClr val="000000"/>
+                        </a:solidFill>
+                        <a:effectLst/>
+                        <a:latin typeface="+mn-lt"/>
+                      </a:endParaRPr>
+                    </a:p>
+                  </a:txBody>
+                  <a:tcPr anchor="ctr">
+                    <a:lnL w="12700" cap="flat" cmpd="sng" algn="ctr">
+                      <a:noFill/>
+                      <a:prstDash val="solid"/>
+                      <a:round/>
+                      <a:headEnd type="none" w="med" len="med"/>
+                      <a:tailEnd type="none" w="med" len="med"/>
+                    </a:lnL>
+                  </a:tcPr>
+                </a:tc>
+                <a:tc>
+                  <a:txBody>
+                    <a:bodyPr/>
+                    <a:lstStyle/>
+                    <a:p>
+                      <a:pPr algn="ctr" rtl="0" fontAlgn="base"/>
+                      <a:r>
+                        <a:rPr lang="en-US" sz="1400" b="0" i="0" dirty="0">
+                          <a:solidFill>
+                            <a:srgbClr val="333F50"/>
+                          </a:solidFill>
+                          <a:effectLst/>
+                          <a:latin typeface="+mn-lt"/>
+                        </a:rPr>
+                        <a:t>4.5</a:t>
+                      </a:r>
+                      <a:r>
+                        <a:rPr lang="en-US" sz="1400" b="0" i="0" dirty="0">
+                          <a:solidFill>
+                            <a:srgbClr val="000000"/>
+                          </a:solidFill>
+                          <a:effectLst/>
+                          <a:latin typeface="+mn-lt"/>
+                        </a:rPr>
+                        <a:t>​</a:t>
+                      </a:r>
+                    </a:p>
+                  </a:txBody>
+                  <a:tcPr anchor="ctr"/>
+                </a:tc>
+                <a:tc>
+                  <a:txBody>
+                    <a:bodyPr/>
+                    <a:lstStyle/>
+                    <a:p>
+                      <a:pPr algn="ctr" rtl="0" fontAlgn="base"/>
+                      <a:r>
+                        <a:rPr lang="en-US" sz="1400" b="0" i="0" dirty="0">
+                          <a:solidFill>
+                            <a:srgbClr val="333F50"/>
+                          </a:solidFill>
+                          <a:effectLst/>
+                          <a:latin typeface="+mn-lt"/>
+                        </a:rPr>
+                        <a:t>2.3</a:t>
+                      </a:r>
+                      <a:r>
+                        <a:rPr lang="en-US" sz="1400" b="0" i="0" dirty="0">
+                          <a:solidFill>
+                            <a:srgbClr val="000000"/>
+                          </a:solidFill>
+                          <a:effectLst/>
+                          <a:latin typeface="+mn-lt"/>
+                        </a:rPr>
+                        <a:t>​</a:t>
+                      </a:r>
+                    </a:p>
+                  </a:txBody>
+                  <a:tcPr anchor="ctr"/>
+                </a:tc>
+                <a:tc>
+                  <a:txBody>
+                    <a:bodyPr/>
+                    <a:lstStyle/>
+                    <a:p>
+                      <a:pPr algn="ctr" rtl="0" fontAlgn="base"/>
+                      <a:r>
+                        <a:rPr lang="en-US" sz="1400" b="0" i="0" dirty="0">
+                          <a:solidFill>
+                            <a:srgbClr val="333F50"/>
+                          </a:solidFill>
+                          <a:effectLst/>
+                          <a:latin typeface="+mn-lt"/>
+                        </a:rPr>
+                        <a:t>1.7</a:t>
+                      </a:r>
+                      <a:r>
+                        <a:rPr lang="en-US" sz="1400" b="0" i="0" dirty="0">
+                          <a:solidFill>
+                            <a:srgbClr val="000000"/>
+                          </a:solidFill>
+                          <a:effectLst/>
+                          <a:latin typeface="+mn-lt"/>
+                        </a:rPr>
+                        <a:t>​</a:t>
+                      </a:r>
+                    </a:p>
+                  </a:txBody>
+                  <a:tcPr anchor="ctr">
+                    <a:lnR w="12700" cap="flat" cmpd="sng" algn="ctr">
+                      <a:noFill/>
+                      <a:prstDash val="solid"/>
+                      <a:round/>
+                      <a:headEnd type="none" w="med" len="med"/>
+                      <a:tailEnd type="none" w="med" len="med"/>
+                    </a:lnR>
+                  </a:tcPr>
+                </a:tc>
+                <a:tc>
+                  <a:txBody>
+                    <a:bodyPr/>
+                    <a:lstStyle/>
+                    <a:p>
+                      <a:pPr algn="ctr" rtl="0" fontAlgn="base"/>
+                      <a:r>
+                        <a:rPr lang="en-US" sz="1400" b="0" i="0" dirty="0">
+                          <a:solidFill>
+                            <a:srgbClr val="333F50"/>
+                          </a:solidFill>
+                          <a:effectLst/>
+                          <a:latin typeface="+mn-lt"/>
+                        </a:rPr>
+                        <a:t>5</a:t>
+                      </a:r>
+                      <a:r>
+                        <a:rPr lang="en-US" sz="1400" b="0" i="0" dirty="0">
+                          <a:solidFill>
+                            <a:srgbClr val="000000"/>
+                          </a:solidFill>
+                          <a:effectLst/>
+                          <a:latin typeface="+mn-lt"/>
+                        </a:rPr>
+                        <a:t>​.0</a:t>
+                      </a:r>
+                    </a:p>
+                  </a:txBody>
+                  <a:tcPr anchor="ctr">
+                    <a:lnL w="12700" cap="flat" cmpd="sng" algn="ctr">
+                      <a:noFill/>
+                      <a:prstDash val="solid"/>
+                      <a:round/>
+                      <a:headEnd type="none" w="med" len="med"/>
+                      <a:tailEnd type="none" w="med" len="med"/>
+                    </a:lnL>
+                    <a:lnR w="12700" cap="flat" cmpd="sng" algn="ctr">
+                      <a:noFill/>
+                      <a:prstDash val="solid"/>
+                      <a:round/>
+                      <a:headEnd type="none" w="med" len="med"/>
+                      <a:tailEnd type="none" w="med" len="med"/>
+                    </a:lnR>
+                  </a:tcPr>
+                </a:tc>
+                <a:extLst>
+                  <a:ext uri="{0D108BD9-81ED-4DB2-BD59-A6C34878D82A}">
+                    <a16:rowId xmlns:a16="http://schemas.microsoft.com/office/drawing/2014/main" val="3134841754"/>
+                  </a:ext>
+                </a:extLst>
+              </a:tr>
+              <a:tr h="714194">
+                <a:tc>
+                  <a:txBody>
+                    <a:bodyPr/>
+                    <a:lstStyle/>
+                    <a:p>
+                      <a:pPr algn="ctr" rtl="0" fontAlgn="base"/>
+                      <a:r>
+                        <a:rPr lang="en-US" sz="1400" b="0" i="0" dirty="0">
+                          <a:solidFill>
+                            <a:srgbClr val="333F50"/>
+                          </a:solidFill>
+                          <a:effectLst/>
+                          <a:latin typeface="+mn-lt"/>
+                        </a:rPr>
+                        <a:t>Q2</a:t>
+                      </a:r>
+                      <a:endParaRPr lang="en-US" sz="1400" b="0" i="0" dirty="0">
+                        <a:solidFill>
+                          <a:srgbClr val="000000"/>
+                        </a:solidFill>
+                        <a:effectLst/>
+                        <a:latin typeface="+mn-lt"/>
+                      </a:endParaRPr>
+                    </a:p>
+                  </a:txBody>
+                  <a:tcPr anchor="ctr">
+                    <a:lnL w="12700" cap="flat" cmpd="sng" algn="ctr">
+                      <a:noFill/>
+                      <a:prstDash val="solid"/>
+                      <a:round/>
+                      <a:headEnd type="none" w="med" len="med"/>
+                      <a:tailEnd type="none" w="med" len="med"/>
+                    </a:lnL>
+                  </a:tcPr>
+                </a:tc>
+                <a:tc>
+                  <a:txBody>
+                    <a:bodyPr/>
+                    <a:lstStyle/>
+                    <a:p>
+                      <a:pPr algn="ctr" rtl="0" fontAlgn="base"/>
+                      <a:r>
+                        <a:rPr lang="en-US" sz="1400" b="0" i="0" dirty="0">
+                          <a:solidFill>
+                            <a:srgbClr val="333F50"/>
+                          </a:solidFill>
+                          <a:effectLst/>
+                          <a:latin typeface="+mn-lt"/>
+                        </a:rPr>
+                        <a:t>3.2</a:t>
+                      </a:r>
+                      <a:r>
+                        <a:rPr lang="en-US" sz="1400" b="0" i="0" dirty="0">
+                          <a:solidFill>
+                            <a:srgbClr val="000000"/>
+                          </a:solidFill>
+                          <a:effectLst/>
+                          <a:latin typeface="+mn-lt"/>
+                        </a:rPr>
+                        <a:t>​</a:t>
+                      </a:r>
+                    </a:p>
+                  </a:txBody>
+                  <a:tcPr anchor="ctr"/>
+                </a:tc>
+                <a:tc>
+                  <a:txBody>
+                    <a:bodyPr/>
+                    <a:lstStyle/>
+                    <a:p>
+                      <a:pPr algn="ctr" rtl="0" fontAlgn="base"/>
+                      <a:r>
+                        <a:rPr lang="en-US" sz="1400" b="0" i="0" dirty="0">
+                          <a:solidFill>
+                            <a:srgbClr val="333F50"/>
+                          </a:solidFill>
+                          <a:effectLst/>
+                          <a:latin typeface="+mn-lt"/>
+                        </a:rPr>
+                        <a:t>5.1</a:t>
+                      </a:r>
+                      <a:r>
+                        <a:rPr lang="en-US" sz="1400" b="0" i="0" dirty="0">
+                          <a:solidFill>
+                            <a:srgbClr val="000000"/>
+                          </a:solidFill>
+                          <a:effectLst/>
+                          <a:latin typeface="+mn-lt"/>
+                        </a:rPr>
+                        <a:t>​</a:t>
+                      </a:r>
+                    </a:p>
+                  </a:txBody>
+                  <a:tcPr anchor="ctr"/>
+                </a:tc>
+                <a:tc>
+                  <a:txBody>
+                    <a:bodyPr/>
+                    <a:lstStyle/>
+                    <a:p>
+                      <a:pPr algn="ctr" rtl="0" fontAlgn="base"/>
+                      <a:r>
+                        <a:rPr lang="en-US" sz="1400" b="0" i="0" dirty="0">
+                          <a:solidFill>
+                            <a:srgbClr val="333F50"/>
+                          </a:solidFill>
+                          <a:effectLst/>
+                          <a:latin typeface="+mn-lt"/>
+                        </a:rPr>
+                        <a:t>4.4</a:t>
+                      </a:r>
+                      <a:r>
+                        <a:rPr lang="en-US" sz="1400" b="0" i="0" dirty="0">
+                          <a:solidFill>
+                            <a:srgbClr val="000000"/>
+                          </a:solidFill>
+                          <a:effectLst/>
+                          <a:latin typeface="+mn-lt"/>
+                        </a:rPr>
+                        <a:t>​</a:t>
+                      </a:r>
+                    </a:p>
+                  </a:txBody>
+                  <a:tcPr anchor="ctr"/>
+                </a:tc>
+                <a:tc>
+                  <a:txBody>
+                    <a:bodyPr/>
+                    <a:lstStyle/>
+                    <a:p>
+                      <a:pPr algn="ctr" rtl="0" fontAlgn="base"/>
+                      <a:r>
+                        <a:rPr lang="en-US" sz="1400" b="0" i="0" dirty="0">
+                          <a:solidFill>
+                            <a:srgbClr val="333F50"/>
+                          </a:solidFill>
+                          <a:effectLst/>
+                          <a:latin typeface="+mn-lt"/>
+                        </a:rPr>
+                        <a:t>3</a:t>
+                      </a:r>
+                      <a:r>
+                        <a:rPr lang="en-US" sz="1400" b="0" i="0" dirty="0">
+                          <a:solidFill>
+                            <a:srgbClr val="000000"/>
+                          </a:solidFill>
+                          <a:effectLst/>
+                          <a:latin typeface="+mn-lt"/>
+                        </a:rPr>
+                        <a:t>​.0</a:t>
+                      </a:r>
+                    </a:p>
+                  </a:txBody>
+                  <a:tcPr anchor="ctr">
+                    <a:lnR w="12700" cap="flat" cmpd="sng" algn="ctr">
+                      <a:noFill/>
+                      <a:prstDash val="solid"/>
+                      <a:round/>
+                      <a:headEnd type="none" w="med" len="med"/>
+                      <a:tailEnd type="none" w="med" len="med"/>
+                    </a:lnR>
+                  </a:tcPr>
+                </a:tc>
+                <a:extLst>
+                  <a:ext uri="{0D108BD9-81ED-4DB2-BD59-A6C34878D82A}">
+                    <a16:rowId xmlns:a16="http://schemas.microsoft.com/office/drawing/2014/main" val="4129140390"/>
+                  </a:ext>
+                </a:extLst>
+              </a:tr>
+              <a:tr h="714194">
+                <a:tc>
+                  <a:txBody>
+                    <a:bodyPr/>
+                    <a:lstStyle/>
+                    <a:p>
+                      <a:pPr algn="ctr" rtl="0" fontAlgn="base"/>
+                      <a:r>
+                        <a:rPr lang="en-US" sz="1400" b="0" i="0" dirty="0">
+                          <a:solidFill>
+                            <a:srgbClr val="333F50"/>
+                          </a:solidFill>
+                          <a:effectLst/>
+                          <a:latin typeface="+mn-lt"/>
+                        </a:rPr>
+                        <a:t>Q3</a:t>
+                      </a:r>
+                      <a:endParaRPr lang="en-US" sz="1400" b="0" i="0" dirty="0">
+                        <a:solidFill>
+                          <a:srgbClr val="000000"/>
+                        </a:solidFill>
+                        <a:effectLst/>
+                        <a:latin typeface="+mn-lt"/>
+                      </a:endParaRPr>
+                    </a:p>
+                  </a:txBody>
+                  <a:tcPr anchor="ctr">
+                    <a:lnL w="12700" cap="flat" cmpd="sng" algn="ctr">
+                      <a:noFill/>
+                      <a:prstDash val="solid"/>
+                      <a:round/>
+                      <a:headEnd type="none" w="med" len="med"/>
+                      <a:tailEnd type="none" w="med" len="med"/>
+                    </a:lnL>
+                  </a:tcPr>
+                </a:tc>
+                <a:tc>
+                  <a:txBody>
+                    <a:bodyPr/>
+                    <a:lstStyle/>
+                    <a:p>
+                      <a:pPr algn="ctr" rtl="0" fontAlgn="base"/>
+                      <a:r>
+                        <a:rPr lang="en-US" sz="1400" b="0" i="0" dirty="0">
+                          <a:solidFill>
+                            <a:srgbClr val="333F50"/>
+                          </a:solidFill>
+                          <a:effectLst/>
+                          <a:latin typeface="+mn-lt"/>
+                        </a:rPr>
+                        <a:t>2.1</a:t>
+                      </a:r>
+                      <a:r>
+                        <a:rPr lang="en-US" sz="1400" b="0" i="0" dirty="0">
+                          <a:solidFill>
+                            <a:srgbClr val="000000"/>
+                          </a:solidFill>
+                          <a:effectLst/>
+                          <a:latin typeface="+mn-lt"/>
+                        </a:rPr>
+                        <a:t>​</a:t>
+                      </a:r>
+                    </a:p>
+                  </a:txBody>
+                  <a:tcPr anchor="ctr"/>
+                </a:tc>
+                <a:tc>
+                  <a:txBody>
+                    <a:bodyPr/>
+                    <a:lstStyle/>
+                    <a:p>
+                      <a:pPr algn="ctr" rtl="0" fontAlgn="base"/>
+                      <a:r>
+                        <a:rPr lang="en-US" sz="1400" b="0" i="0" dirty="0">
+                          <a:solidFill>
+                            <a:srgbClr val="333F50"/>
+                          </a:solidFill>
+                          <a:effectLst/>
+                          <a:latin typeface="+mn-lt"/>
+                        </a:rPr>
+                        <a:t>1.7</a:t>
+                      </a:r>
+                      <a:r>
+                        <a:rPr lang="en-US" sz="1400" b="0" i="0" dirty="0">
+                          <a:solidFill>
+                            <a:srgbClr val="000000"/>
+                          </a:solidFill>
+                          <a:effectLst/>
+                          <a:latin typeface="+mn-lt"/>
+                        </a:rPr>
+                        <a:t>​</a:t>
+                      </a:r>
+                    </a:p>
+                  </a:txBody>
+                  <a:tcPr anchor="ctr"/>
+                </a:tc>
+                <a:tc>
+                  <a:txBody>
+                    <a:bodyPr/>
+                    <a:lstStyle/>
+                    <a:p>
+                      <a:pPr algn="ctr" rtl="0" fontAlgn="base"/>
+                      <a:r>
+                        <a:rPr lang="en-US" sz="1400" b="0" i="0" dirty="0">
+                          <a:solidFill>
+                            <a:srgbClr val="333F50"/>
+                          </a:solidFill>
+                          <a:effectLst/>
+                          <a:latin typeface="+mn-lt"/>
+                        </a:rPr>
+                        <a:t>2.5</a:t>
+                      </a:r>
+                      <a:r>
+                        <a:rPr lang="en-US" sz="1400" b="0" i="0" dirty="0">
+                          <a:solidFill>
+                            <a:srgbClr val="000000"/>
+                          </a:solidFill>
+                          <a:effectLst/>
+                          <a:latin typeface="+mn-lt"/>
+                        </a:rPr>
+                        <a:t>​</a:t>
+                      </a:r>
+                    </a:p>
+                  </a:txBody>
+                  <a:tcPr anchor="ctr"/>
+                </a:tc>
+                <a:tc>
+                  <a:txBody>
+                    <a:bodyPr/>
+                    <a:lstStyle/>
+                    <a:p>
+                      <a:pPr algn="ctr" rtl="0" fontAlgn="base"/>
+                      <a:r>
+                        <a:rPr lang="en-US" sz="1400" b="0" i="0" dirty="0">
+                          <a:solidFill>
+                            <a:srgbClr val="333F50"/>
+                          </a:solidFill>
+                          <a:effectLst/>
+                          <a:latin typeface="+mn-lt"/>
+                        </a:rPr>
+                        <a:t>2.8</a:t>
+                      </a:r>
+                      <a:r>
+                        <a:rPr lang="en-US" sz="1400" b="0" i="0" dirty="0">
+                          <a:solidFill>
+                            <a:srgbClr val="000000"/>
+                          </a:solidFill>
+                          <a:effectLst/>
+                          <a:latin typeface="+mn-lt"/>
+                        </a:rPr>
+                        <a:t>​</a:t>
+                      </a:r>
+                    </a:p>
+                  </a:txBody>
+                  <a:tcPr anchor="ctr">
+                    <a:lnR w="12700" cap="flat" cmpd="sng" algn="ctr">
+                      <a:noFill/>
+                      <a:prstDash val="solid"/>
+                      <a:round/>
+                      <a:headEnd type="none" w="med" len="med"/>
+                      <a:tailEnd type="none" w="med" len="med"/>
+                    </a:lnR>
+                  </a:tcPr>
+                </a:tc>
+                <a:extLst>
+                  <a:ext uri="{0D108BD9-81ED-4DB2-BD59-A6C34878D82A}">
+                    <a16:rowId xmlns:a16="http://schemas.microsoft.com/office/drawing/2014/main" val="1699990805"/>
+                  </a:ext>
+                </a:extLst>
+              </a:tr>
+              <a:tr h="714194">
+                <a:tc>
+                  <a:txBody>
+                    <a:bodyPr/>
+                    <a:lstStyle/>
+                    <a:p>
+                      <a:pPr algn="ctr" rtl="0" fontAlgn="base"/>
+                      <a:r>
+                        <a:rPr lang="en-US" sz="1400" b="0" i="0" dirty="0">
+                          <a:solidFill>
+                            <a:srgbClr val="333F50"/>
+                          </a:solidFill>
+                          <a:effectLst/>
+                          <a:latin typeface="+mn-lt"/>
+                        </a:rPr>
+                        <a:t>Q4</a:t>
+                      </a:r>
+                      <a:endParaRPr lang="en-US" sz="1400" b="0" i="0" dirty="0">
+                        <a:solidFill>
+                          <a:srgbClr val="000000"/>
+                        </a:solidFill>
+                        <a:effectLst/>
+                        <a:latin typeface="+mn-lt"/>
+                      </a:endParaRPr>
+                    </a:p>
+                  </a:txBody>
+                  <a:tcPr anchor="ctr">
+                    <a:lnL w="12700" cap="flat" cmpd="sng" algn="ctr">
+                      <a:noFill/>
+                      <a:prstDash val="solid"/>
+                      <a:round/>
+                      <a:headEnd type="none" w="med" len="med"/>
+                      <a:tailEnd type="none" w="med" len="med"/>
+                    </a:lnL>
+                  </a:tcPr>
+                </a:tc>
+                <a:tc>
+                  <a:txBody>
+                    <a:bodyPr/>
+                    <a:lstStyle/>
+                    <a:p>
+                      <a:pPr algn="ctr" rtl="0" fontAlgn="base"/>
+                      <a:r>
+                        <a:rPr lang="en-US" sz="1400" b="0" i="0" dirty="0">
+                          <a:solidFill>
+                            <a:srgbClr val="333F50"/>
+                          </a:solidFill>
+                          <a:effectLst/>
+                          <a:latin typeface="+mn-lt"/>
+                        </a:rPr>
+                        <a:t>4.5</a:t>
+                      </a:r>
+                      <a:r>
+                        <a:rPr lang="en-US" sz="1400" b="0" i="0" dirty="0">
+                          <a:solidFill>
+                            <a:srgbClr val="000000"/>
+                          </a:solidFill>
+                          <a:effectLst/>
+                          <a:latin typeface="+mn-lt"/>
+                        </a:rPr>
+                        <a:t>​</a:t>
+                      </a:r>
+                    </a:p>
+                  </a:txBody>
+                  <a:tcPr anchor="ctr"/>
+                </a:tc>
+                <a:tc>
+                  <a:txBody>
+                    <a:bodyPr/>
+                    <a:lstStyle/>
+                    <a:p>
+                      <a:pPr algn="ctr" rtl="0" fontAlgn="base"/>
+                      <a:r>
+                        <a:rPr lang="en-US" sz="1400" b="0" i="0" dirty="0">
+                          <a:solidFill>
+                            <a:srgbClr val="333F50"/>
+                          </a:solidFill>
+                          <a:effectLst/>
+                          <a:latin typeface="+mn-lt"/>
+                        </a:rPr>
+                        <a:t>2.2</a:t>
+                      </a:r>
+                      <a:r>
+                        <a:rPr lang="en-US" sz="1400" b="0" i="0" dirty="0">
+                          <a:solidFill>
+                            <a:srgbClr val="000000"/>
+                          </a:solidFill>
+                          <a:effectLst/>
+                          <a:latin typeface="+mn-lt"/>
+                        </a:rPr>
+                        <a:t>​</a:t>
+                      </a:r>
+                    </a:p>
+                  </a:txBody>
+                  <a:tcPr anchor="ctr"/>
+                </a:tc>
+                <a:tc>
+                  <a:txBody>
+                    <a:bodyPr/>
+                    <a:lstStyle/>
+                    <a:p>
+                      <a:pPr algn="ctr" rtl="0" fontAlgn="base"/>
+                      <a:r>
+                        <a:rPr lang="en-US" sz="1400" b="0" i="0" dirty="0">
+                          <a:solidFill>
+                            <a:srgbClr val="333F50"/>
+                          </a:solidFill>
+                          <a:effectLst/>
+                          <a:latin typeface="+mn-lt"/>
+                        </a:rPr>
+                        <a:t>1.7</a:t>
+                      </a:r>
+                      <a:r>
+                        <a:rPr lang="en-US" sz="1400" b="0" i="0" dirty="0">
+                          <a:solidFill>
+                            <a:srgbClr val="000000"/>
+                          </a:solidFill>
+                          <a:effectLst/>
+                          <a:latin typeface="+mn-lt"/>
+                        </a:rPr>
+                        <a:t>​</a:t>
+                      </a:r>
+                    </a:p>
+                  </a:txBody>
+                  <a:tcPr anchor="ctr"/>
+                </a:tc>
+                <a:tc>
+                  <a:txBody>
+                    <a:bodyPr/>
+                    <a:lstStyle/>
+                    <a:p>
+                      <a:pPr algn="ctr" rtl="0" fontAlgn="base"/>
+                      <a:r>
+                        <a:rPr lang="en-US" sz="1400" b="0" i="0" dirty="0">
+                          <a:solidFill>
+                            <a:srgbClr val="333F50"/>
+                          </a:solidFill>
+                          <a:effectLst/>
+                          <a:latin typeface="+mn-lt"/>
+                        </a:rPr>
+                        <a:t>7.0</a:t>
+                      </a:r>
+                      <a:endParaRPr lang="en-US" sz="1400" b="0" i="0" dirty="0">
+                        <a:solidFill>
+                          <a:srgbClr val="000000"/>
+                        </a:solidFill>
+                        <a:effectLst/>
+                        <a:latin typeface="+mn-lt"/>
+                      </a:endParaRPr>
+                    </a:p>
+                  </a:txBody>
+                  <a:tcPr anchor="ctr">
+                    <a:lnR w="12700" cap="flat" cmpd="sng" algn="ctr">
+                      <a:noFill/>
+                      <a:prstDash val="solid"/>
+                      <a:round/>
+                      <a:headEnd type="none" w="med" len="med"/>
+                      <a:tailEnd type="none" w="med" len="med"/>
+                    </a:lnR>
+                  </a:tcPr>
+                </a:tc>
+                <a:extLst>
+                  <a:ext uri="{0D108BD9-81ED-4DB2-BD59-A6C34878D82A}">
+                    <a16:rowId xmlns:a16="http://schemas.microsoft.com/office/drawing/2014/main" val="3388671141"/>
+                  </a:ext>
+                </a:extLst>
+              </a:tr>
+            </a:tbl>
+          </a:graphicData>
+        </a:graphic>
+      </p:graphicFrame>
+      <p:sp>
+        <p:nvSpPr>
+          <p:cNvPr id="5" name="Title 2">
+            <a:extLst>
+              <a:ext uri="{FF2B5EF4-FFF2-40B4-BE49-F238E27FC236}">
+                <a16:creationId xmlns:a16="http://schemas.microsoft.com/office/drawing/2014/main" id="{5638E1D0-DA73-0BEC-A76F-A1400FDFAED1}"/>
+              </a:ext>
+            </a:extLst>
+          </p:cNvPr>
+          <p:cNvSpPr>
+            <a:spLocks noGrp="1"/>
+          </p:cNvSpPr>
+          <p:nvPr>
+            <p:ph type="title"/>
+          </p:nvPr>
+        </p:nvSpPr>
+        <p:spPr>
+          <a:xfrm>
+            <a:off x="838200" y="349626"/>
+            <a:ext cx="10515600" cy="1325563"/>
+          </a:xfrm>
+        </p:spPr>
+        <p:txBody>
+          <a:bodyPr/>
+          <a:lstStyle/>
+          <a:p>
+            <a:r>
+              <a:rPr lang="en-US" dirty="0"/>
+              <a:t>Graph 8</a:t>
+            </a:r>
+          </a:p>
+        </p:txBody>
+      </p:sp>
+    </p:spTree>
+    <p:extLst>
+      <p:ext uri="{BB962C8B-B14F-4D97-AF65-F5344CB8AC3E}">
+        <p14:creationId xmlns:p14="http://schemas.microsoft.com/office/powerpoint/2010/main" val="883572584"/>
+      </p:ext>
+    </p:extLst>
+  </p:cSld>
+  <p:clrMapOvr>
+    <a:masterClrMapping/>
+  </p:clrMapOvr>
+</p:sld>
+</file>
+
+<file path=ppt/slides/slide15.xml><?xml version="1.0" encoding="utf-8"?>
+<p:sld xmlns:a="http://schemas.openxmlformats.org/drawingml/2006/main" xmlns:r="http://schemas.openxmlformats.org/officeDocument/2006/relationships" xmlns:p="http://schemas.openxmlformats.org/presentationml/2006/main">
+  <p:cSld>
+    <p:spTree>
+      <p:nvGrpSpPr>
+        <p:cNvPr id="1" name=""/>
+        <p:cNvGrpSpPr/>
+        <p:nvPr/>
+      </p:nvGrpSpPr>
+      <p:grpSpPr>
+        <a:xfrm>
+          <a:off x="0" y="0"/>
+          <a:ext cx="0" cy="0"/>
+          <a:chOff x="0" y="0"/>
+          <a:chExt cx="0" cy="0"/>
+        </a:xfrm>
+      </p:grpSpPr>
+      <p:sp>
+        <p:nvSpPr>
+          <p:cNvPr id="2" name="Title 1">
+            <a:extLst>
+              <a:ext uri="{FF2B5EF4-FFF2-40B4-BE49-F238E27FC236}">
+                <a16:creationId xmlns:a16="http://schemas.microsoft.com/office/drawing/2014/main" id="{4518FC28-E0BD-4387-B8BE-9965D1A57FF1}"/>
+              </a:ext>
+            </a:extLst>
+          </p:cNvPr>
+          <p:cNvSpPr>
+            <a:spLocks noGrp="1"/>
+          </p:cNvSpPr>
+          <p:nvPr>
+            <p:ph type="title"/>
+          </p:nvPr>
+        </p:nvSpPr>
+        <p:spPr>
+          <a:xfrm>
+            <a:off x="4469485" y="416277"/>
+            <a:ext cx="5111750" cy="1204912"/>
+          </a:xfrm>
+        </p:spPr>
+        <p:txBody>
+          <a:bodyPr/>
+          <a:lstStyle/>
+          <a:p>
+            <a:r>
+              <a:rPr lang="en-US" dirty="0"/>
+              <a:t>SUMMARY</a:t>
+            </a:r>
+          </a:p>
+        </p:txBody>
+      </p:sp>
+      <p:sp>
+        <p:nvSpPr>
+          <p:cNvPr id="3" name="Text Placeholder 2">
+            <a:extLst>
+              <a:ext uri="{FF2B5EF4-FFF2-40B4-BE49-F238E27FC236}">
+                <a16:creationId xmlns:a16="http://schemas.microsoft.com/office/drawing/2014/main" id="{FED19BCA-B61F-4EA6-A1FB-CCA3BD8506FB}"/>
+              </a:ext>
+            </a:extLst>
+          </p:cNvPr>
+          <p:cNvSpPr>
+            <a:spLocks noGrp="1"/>
+          </p:cNvSpPr>
+          <p:nvPr>
+            <p:ph type="body" idx="1"/>
+          </p:nvPr>
+        </p:nvSpPr>
+        <p:spPr>
+          <a:xfrm>
+            <a:off x="5337390" y="1888505"/>
+            <a:ext cx="5111750" cy="3080989"/>
+          </a:xfrm>
+        </p:spPr>
+        <p:txBody>
+          <a:bodyPr>
+            <a:normAutofit/>
+          </a:bodyPr>
+          <a:lstStyle/>
+          <a:p>
+            <a:pPr marL="342900" indent="-342900">
+              <a:buFont typeface="Arial" panose="020B0604020202020204" pitchFamily="34" charset="0"/>
+              <a:buChar char="•"/>
+            </a:pPr>
+            <a:r>
+              <a:rPr lang="en-US" sz="2000" dirty="0"/>
+              <a:t>Summary 1</a:t>
+            </a:r>
+          </a:p>
+          <a:p>
+            <a:pPr marL="342900" indent="-342900">
+              <a:buFont typeface="Arial" panose="020B0604020202020204" pitchFamily="34" charset="0"/>
+              <a:buChar char="•"/>
+            </a:pPr>
+            <a:r>
+              <a:rPr lang="en-US" sz="2000" dirty="0"/>
+              <a:t>Summary 2</a:t>
+            </a:r>
+          </a:p>
+          <a:p>
+            <a:pPr marL="342900" indent="-342900">
+              <a:buFont typeface="Arial" panose="020B0604020202020204" pitchFamily="34" charset="0"/>
+              <a:buChar char="•"/>
+            </a:pPr>
+            <a:r>
+              <a:rPr lang="en-US" sz="2000" dirty="0"/>
+              <a:t>Summary 3</a:t>
+            </a:r>
+          </a:p>
+        </p:txBody>
+      </p:sp>
+    </p:spTree>
+    <p:extLst>
+      <p:ext uri="{BB962C8B-B14F-4D97-AF65-F5344CB8AC3E}">
+        <p14:creationId xmlns:p14="http://schemas.microsoft.com/office/powerpoint/2010/main" val="4142709595"/>
+      </p:ext>
+    </p:extLst>
+  </p:cSld>
+  <p:clrMapOvr>
+    <a:masterClrMapping/>
+  </p:clrMapOvr>
+</p:sld>
+</file>
+
+<file path=ppt/slides/slide16.xml><?xml version="1.0" encoding="utf-8"?>
+<p:sld xmlns:a="http://schemas.openxmlformats.org/drawingml/2006/main" xmlns:r="http://schemas.openxmlformats.org/officeDocument/2006/relationships" xmlns:p="http://schemas.openxmlformats.org/presentationml/2006/main">
+  <p:cSld>
+    <p:spTree>
+      <p:nvGrpSpPr>
+        <p:cNvPr id="1" name=""/>
+        <p:cNvGrpSpPr/>
+        <p:nvPr/>
+      </p:nvGrpSpPr>
+      <p:grpSpPr>
+        <a:xfrm>
+          <a:off x="0" y="0"/>
+          <a:ext cx="0" cy="0"/>
+          <a:chOff x="0" y="0"/>
+          <a:chExt cx="0" cy="0"/>
+        </a:xfrm>
+      </p:grpSpPr>
+      <p:sp>
+        <p:nvSpPr>
+          <p:cNvPr id="2" name="Title 1">
+            <a:extLst>
+              <a:ext uri="{FF2B5EF4-FFF2-40B4-BE49-F238E27FC236}">
+                <a16:creationId xmlns:a16="http://schemas.microsoft.com/office/drawing/2014/main" id="{CFE75451-6A4B-484B-9ED1-353CCE25B0F4}"/>
+              </a:ext>
+            </a:extLst>
+          </p:cNvPr>
+          <p:cNvSpPr>
+            <a:spLocks noGrp="1"/>
+          </p:cNvSpPr>
+          <p:nvPr>
+            <p:ph type="ctrTitle"/>
+          </p:nvPr>
+        </p:nvSpPr>
+        <p:spPr>
+          <a:xfrm>
+            <a:off x="6416041" y="3626766"/>
+            <a:ext cx="4941771" cy="1122202"/>
+          </a:xfrm>
+        </p:spPr>
+        <p:txBody>
+          <a:bodyPr/>
+          <a:lstStyle/>
+          <a:p>
+            <a:r>
+              <a:rPr lang="en-US" dirty="0"/>
+              <a:t>Thank you!</a:t>
+            </a:r>
+          </a:p>
+        </p:txBody>
+      </p:sp>
+    </p:spTree>
+    <p:extLst>
+      <p:ext uri="{BB962C8B-B14F-4D97-AF65-F5344CB8AC3E}">
+        <p14:creationId xmlns:p14="http://schemas.microsoft.com/office/powerpoint/2010/main" val="2570047403"/>
+      </p:ext>
+    </p:extLst>
+  </p:cSld>
+  <p:clrMapOvr>
+    <a:masterClrMapping/>
+  </p:clrMapOvr>
+</p:sld>
+</file>
+
+<file path=ppt/slides/slide2.xml><?xml version="1.0" encoding="utf-8"?>
+<p:sld xmlns:a="http://schemas.openxmlformats.org/drawingml/2006/main" xmlns:r="http://schemas.openxmlformats.org/officeDocument/2006/relationships" xmlns:p="http://schemas.openxmlformats.org/presentationml/2006/main">
+  <p:cSld>
+    <p:spTree>
+      <p:nvGrpSpPr>
+        <p:cNvPr id="1" name=""/>
+        <p:cNvGrpSpPr/>
+        <p:nvPr/>
+      </p:nvGrpSpPr>
+      <p:grpSpPr>
+        <a:xfrm>
+          <a:off x="0" y="0"/>
+          <a:ext cx="0" cy="0"/>
+          <a:chOff x="0" y="0"/>
+          <a:chExt cx="0" cy="0"/>
+        </a:xfrm>
+      </p:grpSpPr>
+      <p:sp>
+        <p:nvSpPr>
+          <p:cNvPr id="2" name="Title 1">
+            <a:extLst>
+              <a:ext uri="{FF2B5EF4-FFF2-40B4-BE49-F238E27FC236}">
+                <a16:creationId xmlns:a16="http://schemas.microsoft.com/office/drawing/2014/main" id="{0A32731C-311B-46F7-A865-6C3AF6B09A47}"/>
+              </a:ext>
+            </a:extLst>
+          </p:cNvPr>
+          <p:cNvSpPr>
+            <a:spLocks noGrp="1"/>
+          </p:cNvSpPr>
+          <p:nvPr>
+            <p:ph type="title"/>
+          </p:nvPr>
+        </p:nvSpPr>
+        <p:spPr>
+          <a:xfrm>
+            <a:off x="3540125" y="664249"/>
+            <a:ext cx="5111750" cy="1204912"/>
+          </a:xfrm>
+        </p:spPr>
+        <p:txBody>
+          <a:bodyPr/>
+          <a:lstStyle/>
+          <a:p>
+            <a:r>
+              <a:rPr lang="en-US" sz="2800" dirty="0"/>
+              <a:t>Introduction</a:t>
+            </a:r>
+            <a:endParaRPr lang="en-US" dirty="0"/>
+          </a:p>
+        </p:txBody>
+      </p:sp>
+      <p:sp>
+        <p:nvSpPr>
+          <p:cNvPr id="3" name="Text Placeholder 2">
+            <a:extLst>
+              <a:ext uri="{FF2B5EF4-FFF2-40B4-BE49-F238E27FC236}">
+                <a16:creationId xmlns:a16="http://schemas.microsoft.com/office/drawing/2014/main" id="{9D5232F9-FD00-464A-9F17-619C91AEF8F3}"/>
+              </a:ext>
+            </a:extLst>
+          </p:cNvPr>
+          <p:cNvSpPr>
+            <a:spLocks noGrp="1"/>
+          </p:cNvSpPr>
+          <p:nvPr>
+            <p:ph type="body" idx="1"/>
+          </p:nvPr>
+        </p:nvSpPr>
+        <p:spPr>
+          <a:xfrm>
+            <a:off x="1362075" y="2666205"/>
+            <a:ext cx="5111750" cy="2463733"/>
+          </a:xfrm>
+        </p:spPr>
+        <p:txBody>
+          <a:bodyPr>
+            <a:normAutofit/>
+          </a:bodyPr>
+          <a:lstStyle/>
+          <a:p>
+            <a:r>
+              <a:rPr lang="en-US" sz="1600" dirty="0"/>
+              <a:t>Objective:</a:t>
+            </a:r>
+          </a:p>
+          <a:p>
+            <a:r>
+              <a:rPr lang="en-US" sz="1600" dirty="0"/>
+              <a:t>See if the changes in the federal funds rates and mortgage rates are having an impact on the real estate markets in the Austin area. </a:t>
+            </a:r>
+          </a:p>
+          <a:p>
+            <a:r>
+              <a:rPr lang="en-US" sz="1600" dirty="0"/>
+              <a:t>Impacts we focused on included housing sale prices, inventory, and whether homes are being sold above or below listing price. </a:t>
+            </a:r>
+          </a:p>
+        </p:txBody>
+      </p:sp>
+    </p:spTree>
+    <p:extLst>
+      <p:ext uri="{BB962C8B-B14F-4D97-AF65-F5344CB8AC3E}">
+        <p14:creationId xmlns:p14="http://schemas.microsoft.com/office/powerpoint/2010/main" val="3571516367"/>
+      </p:ext>
+    </p:extLst>
+  </p:cSld>
+  <p:clrMapOvr>
+    <a:masterClrMapping/>
+  </p:clrMapOvr>
+</p:sld>
+</file>
+
+<file path=ppt/slides/slide3.xml><?xml version="1.0" encoding="utf-8"?>
+<p:sld xmlns:a="http://schemas.openxmlformats.org/drawingml/2006/main" xmlns:r="http://schemas.openxmlformats.org/officeDocument/2006/relationships" xmlns:p="http://schemas.openxmlformats.org/presentationml/2006/main">
+  <p:cSld>
+    <p:spTree>
+      <p:nvGrpSpPr>
+        <p:cNvPr id="1" name=""/>
+        <p:cNvGrpSpPr/>
+        <p:nvPr/>
+      </p:nvGrpSpPr>
+      <p:grpSpPr>
+        <a:xfrm>
+          <a:off x="0" y="0"/>
+          <a:ext cx="0" cy="0"/>
+          <a:chOff x="0" y="0"/>
+          <a:chExt cx="0" cy="0"/>
+        </a:xfrm>
+      </p:grpSpPr>
+      <p:pic>
+        <p:nvPicPr>
+          <p:cNvPr id="13" name="Picture 12">
+            <a:extLst>
+              <a:ext uri="{FF2B5EF4-FFF2-40B4-BE49-F238E27FC236}">
+                <a16:creationId xmlns:a16="http://schemas.microsoft.com/office/drawing/2014/main" id="{1334D90D-1327-BBD7-DF95-A40E448E0040}"/>
+              </a:ext>
+            </a:extLst>
+          </p:cNvPr>
+          <p:cNvPicPr>
+            <a:picLocks noChangeAspect="1"/>
+          </p:cNvPicPr>
+          <p:nvPr/>
+        </p:nvPicPr>
+        <p:blipFill>
+          <a:blip r:embed="rId2"/>
+          <a:stretch>
+            <a:fillRect/>
+          </a:stretch>
+        </p:blipFill>
+        <p:spPr>
+          <a:xfrm>
+            <a:off x="477255" y="508000"/>
+            <a:ext cx="5180358" cy="5842000"/>
+          </a:xfrm>
+          <a:prstGeom prst="rect">
+            <a:avLst/>
+          </a:prstGeom>
+        </p:spPr>
+      </p:pic>
+      <p:sp>
+        <p:nvSpPr>
+          <p:cNvPr id="14" name="TextBox 13">
+            <a:extLst>
+              <a:ext uri="{FF2B5EF4-FFF2-40B4-BE49-F238E27FC236}">
+                <a16:creationId xmlns:a16="http://schemas.microsoft.com/office/drawing/2014/main" id="{9AB3697B-01C1-3EB1-10F1-D2BD16DA0C8C}"/>
+              </a:ext>
+            </a:extLst>
+          </p:cNvPr>
+          <p:cNvSpPr txBox="1"/>
+          <p:nvPr/>
+        </p:nvSpPr>
+        <p:spPr>
+          <a:xfrm>
+            <a:off x="6388100" y="508000"/>
+            <a:ext cx="5275845" cy="2492990"/>
+          </a:xfrm>
+          <a:prstGeom prst="rect">
+            <a:avLst/>
+          </a:prstGeom>
+          <a:noFill/>
+        </p:spPr>
+        <p:txBody>
+          <a:bodyPr wrap="square" rtlCol="0">
+            <a:spAutoFit/>
+          </a:bodyPr>
+          <a:lstStyle/>
+          <a:p>
+            <a:pPr algn="ctr"/>
+            <a:r>
+              <a:rPr lang="en-US" dirty="0"/>
+              <a:t>Austin, TX</a:t>
+            </a:r>
+          </a:p>
+          <a:p>
+            <a:pPr marL="285750" indent="-285750">
+              <a:buFont typeface="Arial" panose="020B0604020202020204" pitchFamily="34" charset="0"/>
+              <a:buChar char="•"/>
+            </a:pPr>
+            <a:endParaRPr lang="en-US" dirty="0"/>
+          </a:p>
+          <a:p>
+            <a:pPr marL="285750" indent="-285750">
+              <a:buFont typeface="Arial" panose="020B0604020202020204" pitchFamily="34" charset="0"/>
+              <a:buChar char="•"/>
+            </a:pPr>
+            <a:r>
+              <a:rPr lang="en-US" sz="2000" dirty="0"/>
+              <a:t>Known as a hot real estate market</a:t>
+            </a:r>
+          </a:p>
+          <a:p>
+            <a:pPr marL="285750" indent="-285750">
+              <a:buFont typeface="Arial" panose="020B0604020202020204" pitchFamily="34" charset="0"/>
+              <a:buChar char="•"/>
+            </a:pPr>
+            <a:endParaRPr lang="en-US" sz="2000" dirty="0"/>
+          </a:p>
+          <a:p>
+            <a:pPr marL="285750" indent="-285750">
+              <a:buFont typeface="Arial" panose="020B0604020202020204" pitchFamily="34" charset="0"/>
+              <a:buChar char="•"/>
+            </a:pPr>
+            <a:r>
+              <a:rPr lang="en-US" sz="2000" dirty="0"/>
+              <a:t>Fed set lending rates to near 0% in 2020</a:t>
+            </a:r>
+          </a:p>
+          <a:p>
+            <a:pPr marL="285750" indent="-285750">
+              <a:buFont typeface="Arial" panose="020B0604020202020204" pitchFamily="34" charset="0"/>
+              <a:buChar char="•"/>
+            </a:pPr>
+            <a:endParaRPr lang="en-US" sz="2000" dirty="0"/>
+          </a:p>
+          <a:p>
+            <a:pPr marL="285750" indent="-285750">
+              <a:buFont typeface="Arial" panose="020B0604020202020204" pitchFamily="34" charset="0"/>
+              <a:buChar char="•"/>
+            </a:pPr>
+            <a:r>
+              <a:rPr lang="en-US" sz="2000" dirty="0"/>
+              <a:t>~4 trillion US Dollars printed in reaction to Covid</a:t>
+            </a:r>
+          </a:p>
+        </p:txBody>
+      </p:sp>
+      <p:pic>
+        <p:nvPicPr>
+          <p:cNvPr id="16" name="Picture 15">
+            <a:extLst>
+              <a:ext uri="{FF2B5EF4-FFF2-40B4-BE49-F238E27FC236}">
+                <a16:creationId xmlns:a16="http://schemas.microsoft.com/office/drawing/2014/main" id="{5B225BC4-93F4-B40C-739F-E2E1F771DED9}"/>
+              </a:ext>
+            </a:extLst>
+          </p:cNvPr>
+          <p:cNvPicPr>
+            <a:picLocks noChangeAspect="1"/>
+          </p:cNvPicPr>
+          <p:nvPr/>
+        </p:nvPicPr>
+        <p:blipFill>
+          <a:blip r:embed="rId3"/>
+          <a:stretch>
+            <a:fillRect/>
+          </a:stretch>
+        </p:blipFill>
+        <p:spPr>
+          <a:xfrm>
+            <a:off x="6388100" y="3232150"/>
+            <a:ext cx="4845050" cy="3120540"/>
+          </a:xfrm>
+          <a:prstGeom prst="rect">
+            <a:avLst/>
+          </a:prstGeom>
+        </p:spPr>
+      </p:pic>
+    </p:spTree>
+    <p:extLst>
+      <p:ext uri="{BB962C8B-B14F-4D97-AF65-F5344CB8AC3E}">
+        <p14:creationId xmlns:p14="http://schemas.microsoft.com/office/powerpoint/2010/main" val="2499682613"/>
+      </p:ext>
+    </p:extLst>
+  </p:cSld>
+  <p:clrMapOvr>
+    <a:masterClrMapping/>
+  </p:clrMapOvr>
+</p:sld>
+</file>
+
+<file path=ppt/slides/slide4.xml><?xml version="1.0" encoding="utf-8"?>
+<p:sld xmlns:a="http://schemas.openxmlformats.org/drawingml/2006/main" xmlns:r="http://schemas.openxmlformats.org/officeDocument/2006/relationships" xmlns:p="http://schemas.openxmlformats.org/presentationml/2006/main">
+  <p:cSld>
+    <p:spTree>
+      <p:nvGrpSpPr>
+        <p:cNvPr id="1" name=""/>
+        <p:cNvGrpSpPr/>
+        <p:nvPr/>
+      </p:nvGrpSpPr>
+      <p:grpSpPr>
+        <a:xfrm>
+          <a:off x="0" y="0"/>
+          <a:ext cx="0" cy="0"/>
+          <a:chOff x="0" y="0"/>
+          <a:chExt cx="0" cy="0"/>
+        </a:xfrm>
+      </p:grpSpPr>
+      <p:sp>
+        <p:nvSpPr>
+          <p:cNvPr id="2" name="Title 1">
+            <a:extLst>
+              <a:ext uri="{FF2B5EF4-FFF2-40B4-BE49-F238E27FC236}">
+                <a16:creationId xmlns:a16="http://schemas.microsoft.com/office/drawing/2014/main" id="{4518FC28-E0BD-4387-B8BE-9965D1A57FF1}"/>
+              </a:ext>
+            </a:extLst>
+          </p:cNvPr>
+          <p:cNvSpPr>
+            <a:spLocks noGrp="1"/>
+          </p:cNvSpPr>
+          <p:nvPr>
+            <p:ph type="title"/>
+          </p:nvPr>
+        </p:nvSpPr>
+        <p:spPr>
+          <a:xfrm>
+            <a:off x="4469485" y="416277"/>
+            <a:ext cx="4452265" cy="866423"/>
+          </a:xfrm>
+        </p:spPr>
+        <p:txBody>
+          <a:bodyPr>
+            <a:normAutofit/>
+          </a:bodyPr>
+          <a:lstStyle/>
+          <a:p>
+            <a:r>
+              <a:rPr lang="en-US" sz="4800" dirty="0"/>
+              <a:t>Hypothesis</a:t>
+            </a:r>
+          </a:p>
+        </p:txBody>
+      </p:sp>
+      <p:sp>
+        <p:nvSpPr>
+          <p:cNvPr id="3" name="Text Placeholder 2">
+            <a:extLst>
+              <a:ext uri="{FF2B5EF4-FFF2-40B4-BE49-F238E27FC236}">
+                <a16:creationId xmlns:a16="http://schemas.microsoft.com/office/drawing/2014/main" id="{FED19BCA-B61F-4EA6-A1FB-CCA3BD8506FB}"/>
+              </a:ext>
+            </a:extLst>
+          </p:cNvPr>
+          <p:cNvSpPr>
+            <a:spLocks noGrp="1"/>
+          </p:cNvSpPr>
+          <p:nvPr>
+            <p:ph type="body" idx="1"/>
+          </p:nvPr>
+        </p:nvSpPr>
+        <p:spPr>
+          <a:xfrm>
+            <a:off x="5337390" y="1888505"/>
+            <a:ext cx="5876710" cy="3080989"/>
+          </a:xfrm>
+        </p:spPr>
+        <p:txBody>
+          <a:bodyPr>
+            <a:normAutofit/>
+          </a:bodyPr>
+          <a:lstStyle/>
+          <a:p>
+            <a:r>
+              <a:rPr lang="en-US" sz="2800" b="0" i="0" dirty="0">
+                <a:effectLst/>
+                <a:latin typeface="-apple-system"/>
+              </a:rPr>
+              <a:t>Fed rate increases are impacting the Austin real estate market by slowing it down.</a:t>
+            </a:r>
+            <a:endParaRPr lang="en-US" sz="2800" dirty="0"/>
+          </a:p>
+        </p:txBody>
+      </p:sp>
+    </p:spTree>
+    <p:extLst>
+      <p:ext uri="{BB962C8B-B14F-4D97-AF65-F5344CB8AC3E}">
+        <p14:creationId xmlns:p14="http://schemas.microsoft.com/office/powerpoint/2010/main" val="1742861620"/>
+      </p:ext>
+    </p:extLst>
+  </p:cSld>
+  <p:clrMapOvr>
+    <a:masterClrMapping/>
+  </p:clrMapOvr>
+</p:sld>
+</file>
+
+<file path=ppt/slides/slide5.xml><?xml version="1.0" encoding="utf-8"?>
+<p:sld xmlns:a="http://schemas.openxmlformats.org/drawingml/2006/main" xmlns:r="http://schemas.openxmlformats.org/officeDocument/2006/relationships" xmlns:p="http://schemas.openxmlformats.org/presentationml/2006/main">
+  <p:cSld>
+    <p:spTree>
+      <p:nvGrpSpPr>
+        <p:cNvPr id="1" name=""/>
+        <p:cNvGrpSpPr/>
+        <p:nvPr/>
+      </p:nvGrpSpPr>
+      <p:grpSpPr>
+        <a:xfrm>
+          <a:off x="0" y="0"/>
+          <a:ext cx="0" cy="0"/>
+          <a:chOff x="0" y="0"/>
+          <a:chExt cx="0" cy="0"/>
+        </a:xfrm>
+      </p:grpSpPr>
+      <p:sp>
+        <p:nvSpPr>
+          <p:cNvPr id="3" name="Title 2">
+            <a:extLst>
+              <a:ext uri="{FF2B5EF4-FFF2-40B4-BE49-F238E27FC236}">
+                <a16:creationId xmlns:a16="http://schemas.microsoft.com/office/drawing/2014/main" id="{3E5FEE2D-79E5-4C1D-8BF7-EE619CA7039A}"/>
+              </a:ext>
+            </a:extLst>
+          </p:cNvPr>
+          <p:cNvSpPr>
+            <a:spLocks noGrp="1"/>
+          </p:cNvSpPr>
+          <p:nvPr>
+            <p:ph type="title"/>
+          </p:nvPr>
+        </p:nvSpPr>
+        <p:spPr>
+          <a:xfrm>
+            <a:off x="838200" y="349627"/>
+            <a:ext cx="10572750" cy="596524"/>
+          </a:xfrm>
+        </p:spPr>
+        <p:txBody>
+          <a:bodyPr/>
+          <a:lstStyle/>
+          <a:p>
+            <a:r>
+              <a:rPr lang="en-US" dirty="0"/>
+              <a:t>Geographic focus</a:t>
+            </a:r>
+          </a:p>
+        </p:txBody>
+      </p:sp>
+      <p:pic>
+        <p:nvPicPr>
+          <p:cNvPr id="7" name="Picture 6">
+            <a:extLst>
+              <a:ext uri="{FF2B5EF4-FFF2-40B4-BE49-F238E27FC236}">
+                <a16:creationId xmlns:a16="http://schemas.microsoft.com/office/drawing/2014/main" id="{49F8FB2C-E133-53E7-3BC7-33181C4FB041}"/>
+              </a:ext>
+            </a:extLst>
+          </p:cNvPr>
+          <p:cNvPicPr>
+            <a:picLocks noChangeAspect="1"/>
+          </p:cNvPicPr>
+          <p:nvPr/>
+        </p:nvPicPr>
+        <p:blipFill>
+          <a:blip r:embed="rId2"/>
+          <a:stretch>
+            <a:fillRect/>
+          </a:stretch>
+        </p:blipFill>
+        <p:spPr>
+          <a:xfrm>
+            <a:off x="2500312" y="1341437"/>
+            <a:ext cx="7475538" cy="4798708"/>
+          </a:xfrm>
+          <a:prstGeom prst="rect">
+            <a:avLst/>
+          </a:prstGeom>
+        </p:spPr>
+      </p:pic>
+    </p:spTree>
+    <p:extLst>
+      <p:ext uri="{BB962C8B-B14F-4D97-AF65-F5344CB8AC3E}">
+        <p14:creationId xmlns:p14="http://schemas.microsoft.com/office/powerpoint/2010/main" val="546110728"/>
+      </p:ext>
+    </p:extLst>
+  </p:cSld>
+  <p:clrMapOvr>
+    <a:masterClrMapping/>
+  </p:clrMapOvr>
+</p:sld>
+</file>
+
+<file path=ppt/slides/slide6.xml><?xml version="1.0" encoding="utf-8"?>
+<p:sld xmlns:a="http://schemas.openxmlformats.org/drawingml/2006/main" xmlns:r="http://schemas.openxmlformats.org/officeDocument/2006/relationships" xmlns:p="http://schemas.openxmlformats.org/presentationml/2006/main">
+  <p:cSld>
+    <p:spTree>
+      <p:nvGrpSpPr>
+        <p:cNvPr id="1" name=""/>
+        <p:cNvGrpSpPr/>
+        <p:nvPr/>
+      </p:nvGrpSpPr>
+      <p:grpSpPr>
+        <a:xfrm>
+          <a:off x="0" y="0"/>
+          <a:ext cx="0" cy="0"/>
+          <a:chOff x="0" y="0"/>
+          <a:chExt cx="0" cy="0"/>
+        </a:xfrm>
+      </p:grpSpPr>
+      <p:sp>
+        <p:nvSpPr>
+          <p:cNvPr id="3" name="Title 2">
+            <a:extLst>
+              <a:ext uri="{FF2B5EF4-FFF2-40B4-BE49-F238E27FC236}">
+                <a16:creationId xmlns:a16="http://schemas.microsoft.com/office/drawing/2014/main" id="{3E5FEE2D-79E5-4C1D-8BF7-EE619CA7039A}"/>
+              </a:ext>
+            </a:extLst>
+          </p:cNvPr>
+          <p:cNvSpPr>
+            <a:spLocks noGrp="1"/>
+          </p:cNvSpPr>
+          <p:nvPr>
+            <p:ph type="title"/>
+          </p:nvPr>
+        </p:nvSpPr>
+        <p:spPr>
+          <a:xfrm>
+            <a:off x="838200" y="349627"/>
+            <a:ext cx="10572750" cy="596524"/>
+          </a:xfrm>
+        </p:spPr>
+        <p:txBody>
+          <a:bodyPr/>
+          <a:lstStyle/>
+          <a:p>
+            <a:r>
+              <a:rPr lang="en-US" dirty="0"/>
+              <a:t>Add </a:t>
+            </a:r>
+            <a:r>
+              <a:rPr lang="en-US" dirty="0" err="1"/>
+              <a:t>lables</a:t>
+            </a:r>
+            <a:r>
+              <a:rPr lang="en-US" dirty="0"/>
+              <a:t>.  Median sales</a:t>
+            </a:r>
+          </a:p>
+        </p:txBody>
+      </p:sp>
+      <p:pic>
+        <p:nvPicPr>
+          <p:cNvPr id="4" name="Picture 3">
+            <a:extLst>
+              <a:ext uri="{FF2B5EF4-FFF2-40B4-BE49-F238E27FC236}">
+                <a16:creationId xmlns:a16="http://schemas.microsoft.com/office/drawing/2014/main" id="{CFE4197D-F145-3F42-C8BB-A172E7235771}"/>
+              </a:ext>
+            </a:extLst>
+          </p:cNvPr>
+          <p:cNvPicPr>
+            <a:picLocks noChangeAspect="1"/>
+          </p:cNvPicPr>
+          <p:nvPr/>
+        </p:nvPicPr>
+        <p:blipFill>
+          <a:blip r:embed="rId2"/>
+          <a:stretch>
+            <a:fillRect/>
+          </a:stretch>
+        </p:blipFill>
+        <p:spPr>
+          <a:xfrm>
+            <a:off x="3285733" y="1457050"/>
+            <a:ext cx="5620534" cy="3943900"/>
+          </a:xfrm>
+          <a:prstGeom prst="rect">
+            <a:avLst/>
+          </a:prstGeom>
+        </p:spPr>
+      </p:pic>
+    </p:spTree>
+    <p:extLst>
+      <p:ext uri="{BB962C8B-B14F-4D97-AF65-F5344CB8AC3E}">
+        <p14:creationId xmlns:p14="http://schemas.microsoft.com/office/powerpoint/2010/main" val="330485087"/>
       </p:ext>
     </p:extLst>
   </p:cSld>
@@ -14138,12 +15198,113 @@
           <a:chExt cx="0" cy="0"/>
         </a:xfrm>
       </p:grpSpPr>
+      <p:sp>
+        <p:nvSpPr>
+          <p:cNvPr id="3" name="Title 2">
+            <a:extLst>
+              <a:ext uri="{FF2B5EF4-FFF2-40B4-BE49-F238E27FC236}">
+                <a16:creationId xmlns:a16="http://schemas.microsoft.com/office/drawing/2014/main" id="{3E5FEE2D-79E5-4C1D-8BF7-EE619CA7039A}"/>
+              </a:ext>
+            </a:extLst>
+          </p:cNvPr>
+          <p:cNvSpPr>
+            <a:spLocks noGrp="1"/>
+          </p:cNvSpPr>
+          <p:nvPr>
+            <p:ph type="title"/>
+          </p:nvPr>
+        </p:nvSpPr>
+        <p:spPr>
+          <a:xfrm>
+            <a:off x="838200" y="349627"/>
+            <a:ext cx="10572750" cy="596524"/>
+          </a:xfrm>
+        </p:spPr>
+        <p:txBody>
+          <a:bodyPr/>
+          <a:lstStyle/>
+          <a:p>
+            <a:r>
+              <a:rPr lang="en-US" dirty="0"/>
+              <a:t>Add </a:t>
+            </a:r>
+            <a:r>
+              <a:rPr lang="en-US" dirty="0" err="1"/>
+              <a:t>lables</a:t>
+            </a:r>
+            <a:r>
+              <a:rPr lang="en-US" dirty="0"/>
+              <a:t>.  Median sales</a:t>
+            </a:r>
+          </a:p>
+        </p:txBody>
+      </p:sp>
+      <p:pic>
+        <p:nvPicPr>
+          <p:cNvPr id="5" name="Picture 4">
+            <a:extLst>
+              <a:ext uri="{FF2B5EF4-FFF2-40B4-BE49-F238E27FC236}">
+                <a16:creationId xmlns:a16="http://schemas.microsoft.com/office/drawing/2014/main" id="{57F1A16C-8E23-3EBD-F2AB-9C34A4B29FAD}"/>
+              </a:ext>
+            </a:extLst>
+          </p:cNvPr>
+          <p:cNvPicPr>
+            <a:picLocks noChangeAspect="1"/>
+          </p:cNvPicPr>
+          <p:nvPr/>
+        </p:nvPicPr>
+        <p:blipFill>
+          <a:blip r:embed="rId2"/>
+          <a:stretch>
+            <a:fillRect/>
+          </a:stretch>
+        </p:blipFill>
+        <p:spPr>
+          <a:xfrm>
+            <a:off x="3466733" y="1452286"/>
+            <a:ext cx="5258534" cy="3953427"/>
+          </a:xfrm>
+          <a:prstGeom prst="rect">
+            <a:avLst/>
+          </a:prstGeom>
+        </p:spPr>
+      </p:pic>
+    </p:spTree>
+    <p:extLst>
+      <p:ext uri="{BB962C8B-B14F-4D97-AF65-F5344CB8AC3E}">
+        <p14:creationId xmlns:p14="http://schemas.microsoft.com/office/powerpoint/2010/main" val="4221102302"/>
+      </p:ext>
+    </p:extLst>
+  </p:cSld>
+  <p:clrMapOvr>
+    <a:masterClrMapping/>
+  </p:clrMapOvr>
+</p:sld>
+</file>
+
+<file path=ppt/slides/slide8.xml><?xml version="1.0" encoding="utf-8"?>
+<p:sld xmlns:a="http://schemas.openxmlformats.org/drawingml/2006/main" xmlns:r="http://schemas.openxmlformats.org/officeDocument/2006/relationships" xmlns:p="http://schemas.openxmlformats.org/presentationml/2006/main">
+  <p:cSld>
+    <p:spTree>
+      <p:nvGrpSpPr>
+        <p:cNvPr id="1" name=""/>
+        <p:cNvGrpSpPr/>
+        <p:nvPr/>
+      </p:nvGrpSpPr>
+      <p:grpSpPr>
+        <a:xfrm>
+          <a:off x="0" y="0"/>
+          <a:ext cx="0" cy="0"/>
+          <a:chOff x="0" y="0"/>
+          <a:chExt cx="0" cy="0"/>
+        </a:xfrm>
+      </p:grpSpPr>
       <p:graphicFrame>
         <p:nvGraphicFramePr>
-          <p:cNvPr id="6" name="Table 4">
+          <p:cNvPr id="43" name="Table 4">
             <a:extLst>
               <a:ext uri="{FF2B5EF4-FFF2-40B4-BE49-F238E27FC236}">
-                <a16:creationId xmlns:a16="http://schemas.microsoft.com/office/drawing/2014/main" id="{BF79967C-30F3-47E3-49F7-13BB296775D8}"/>
+                <a16:creationId xmlns:a16="http://schemas.microsoft.com/office/drawing/2014/main" id="{B22E9DDE-4573-94E5-1D52-A4487B2FBC56}"/>
               </a:ext>
             </a:extLst>
           </p:cNvPr>
@@ -15038,10 +16199,10 @@
       </p:graphicFrame>
       <p:sp>
         <p:nvSpPr>
-          <p:cNvPr id="11" name="Title 2">
+          <p:cNvPr id="46" name="Title 2">
             <a:extLst>
               <a:ext uri="{FF2B5EF4-FFF2-40B4-BE49-F238E27FC236}">
-                <a16:creationId xmlns:a16="http://schemas.microsoft.com/office/drawing/2014/main" id="{87040CB0-A422-6B1F-DA4A-3A2F7C5ACCCE}"/>
+                <a16:creationId xmlns:a16="http://schemas.microsoft.com/office/drawing/2014/main" id="{07BF29D6-57A8-B152-2D21-A0AE019FC41F}"/>
               </a:ext>
             </a:extLst>
           </p:cNvPr>
@@ -15064,7 +16225,7 @@
           <a:p>
             <a:r>
               <a:rPr lang="en-US" dirty="0"/>
-              <a:t>Graph 3</a:t>
+              <a:t>Graph 2</a:t>
             </a:r>
           </a:p>
         </p:txBody>
@@ -15072,7 +16233,7 @@
     </p:spTree>
     <p:extLst>
       <p:ext uri="{BB962C8B-B14F-4D97-AF65-F5344CB8AC3E}">
-        <p14:creationId xmlns:p14="http://schemas.microsoft.com/office/powerpoint/2010/main" val="2896385493"/>
+        <p14:creationId xmlns:p14="http://schemas.microsoft.com/office/powerpoint/2010/main" val="2619301236"/>
       </p:ext>
     </p:extLst>
   </p:cSld>
@@ -15082,7 +16243,7 @@
 </p:sld>
 </file>
 
-<file path=ppt/slides/slide8.xml><?xml version="1.0" encoding="utf-8"?>
+<file path=ppt/slides/slide9.xml><?xml version="1.0" encoding="utf-8"?>
 <p:sld xmlns:a="http://schemas.openxmlformats.org/drawingml/2006/main" xmlns:r="http://schemas.openxmlformats.org/officeDocument/2006/relationships" xmlns:p="http://schemas.openxmlformats.org/presentationml/2006/main">
   <p:cSld>
     <p:spTree>
@@ -15101,10 +16262,10 @@
       </p:grpSpPr>
       <p:graphicFrame>
         <p:nvGraphicFramePr>
-          <p:cNvPr id="23" name="Table 4">
+          <p:cNvPr id="6" name="Table 4">
             <a:extLst>
               <a:ext uri="{FF2B5EF4-FFF2-40B4-BE49-F238E27FC236}">
-                <a16:creationId xmlns:a16="http://schemas.microsoft.com/office/drawing/2014/main" id="{10EBCF29-A96D-F7D3-3575-17FB2E2AA981}"/>
+                <a16:creationId xmlns:a16="http://schemas.microsoft.com/office/drawing/2014/main" id="{BF79967C-30F3-47E3-49F7-13BB296775D8}"/>
               </a:ext>
             </a:extLst>
           </p:cNvPr>
@@ -15999,10 +17160,10 @@
       </p:graphicFrame>
       <p:sp>
         <p:nvSpPr>
-          <p:cNvPr id="26" name="Title 2">
+          <p:cNvPr id="11" name="Title 2">
             <a:extLst>
               <a:ext uri="{FF2B5EF4-FFF2-40B4-BE49-F238E27FC236}">
-                <a16:creationId xmlns:a16="http://schemas.microsoft.com/office/drawing/2014/main" id="{ADB66AD3-A507-9B7E-3707-729FD55D83AE}"/>
+                <a16:creationId xmlns:a16="http://schemas.microsoft.com/office/drawing/2014/main" id="{87040CB0-A422-6B1F-DA4A-3A2F7C5ACCCE}"/>
               </a:ext>
             </a:extLst>
           </p:cNvPr>
@@ -16025,7 +17186,7 @@
           <a:p>
             <a:r>
               <a:rPr lang="en-US" dirty="0"/>
-              <a:t>Graph 4</a:t>
+              <a:t>Graph 3</a:t>
             </a:r>
           </a:p>
         </p:txBody>
@@ -16033,964 +17194,7 @@
     </p:spTree>
     <p:extLst>
       <p:ext uri="{BB962C8B-B14F-4D97-AF65-F5344CB8AC3E}">
-        <p14:creationId xmlns:p14="http://schemas.microsoft.com/office/powerpoint/2010/main" val="1429429409"/>
-      </p:ext>
-    </p:extLst>
-  </p:cSld>
-  <p:clrMapOvr>
-    <a:masterClrMapping/>
-  </p:clrMapOvr>
-</p:sld>
-</file>
-
-<file path=ppt/slides/slide9.xml><?xml version="1.0" encoding="utf-8"?>
-<p:sld xmlns:a="http://schemas.openxmlformats.org/drawingml/2006/main" xmlns:r="http://schemas.openxmlformats.org/officeDocument/2006/relationships" xmlns:p="http://schemas.openxmlformats.org/presentationml/2006/main">
-  <p:cSld>
-    <p:spTree>
-      <p:nvGrpSpPr>
-        <p:cNvPr id="1" name=""/>
-        <p:cNvGrpSpPr/>
-        <p:nvPr/>
-      </p:nvGrpSpPr>
-      <p:grpSpPr>
-        <a:xfrm>
-          <a:off x="0" y="0"/>
-          <a:ext cx="0" cy="0"/>
-          <a:chOff x="0" y="0"/>
-          <a:chExt cx="0" cy="0"/>
-        </a:xfrm>
-      </p:grpSpPr>
-      <p:sp>
-        <p:nvSpPr>
-          <p:cNvPr id="3" name="Title 2">
-            <a:extLst>
-              <a:ext uri="{FF2B5EF4-FFF2-40B4-BE49-F238E27FC236}">
-                <a16:creationId xmlns:a16="http://schemas.microsoft.com/office/drawing/2014/main" id="{3E5FEE2D-79E5-4C1D-8BF7-EE619CA7039A}"/>
-              </a:ext>
-            </a:extLst>
-          </p:cNvPr>
-          <p:cNvSpPr>
-            <a:spLocks noGrp="1"/>
-          </p:cNvSpPr>
-          <p:nvPr>
-            <p:ph type="title"/>
-          </p:nvPr>
-        </p:nvSpPr>
-        <p:spPr>
-          <a:xfrm>
-            <a:off x="838200" y="349626"/>
-            <a:ext cx="10515600" cy="1325563"/>
-          </a:xfrm>
-        </p:spPr>
-        <p:txBody>
-          <a:bodyPr/>
-          <a:lstStyle/>
-          <a:p>
-            <a:r>
-              <a:rPr lang="en-US" dirty="0"/>
-              <a:t>Graph 5</a:t>
-            </a:r>
-          </a:p>
-        </p:txBody>
-      </p:sp>
-      <p:graphicFrame>
-        <p:nvGraphicFramePr>
-          <p:cNvPr id="4" name="Table 4">
-            <a:extLst>
-              <a:ext uri="{FF2B5EF4-FFF2-40B4-BE49-F238E27FC236}">
-                <a16:creationId xmlns:a16="http://schemas.microsoft.com/office/drawing/2014/main" id="{390E7E75-E57A-4FF0-A0E4-A4DBCF6EA89A}"/>
-              </a:ext>
-            </a:extLst>
-          </p:cNvPr>
-          <p:cNvGraphicFramePr>
-            <a:graphicFrameLocks noGrp="1"/>
-          </p:cNvGraphicFramePr>
-          <p:nvPr>
-            <p:ph type="tbl" sz="quarter" idx="14"/>
-          </p:nvPr>
-        </p:nvGraphicFramePr>
-        <p:xfrm>
-          <a:off x="838200" y="2111375"/>
-          <a:ext cx="10515600" cy="3570970"/>
-        </p:xfrm>
-        <a:graphic>
-          <a:graphicData uri="http://schemas.openxmlformats.org/drawingml/2006/table">
-            <a:tbl>
-              <a:tblPr firstRow="1" bandRow="1">
-                <a:tableStyleId>{7E9639D4-E3E2-4D34-9284-5A2195B3D0D7}</a:tableStyleId>
-              </a:tblPr>
-              <a:tblGrid>
-                <a:gridCol w="2103120">
-                  <a:extLst>
-                    <a:ext uri="{9D8B030D-6E8A-4147-A177-3AD203B41FA5}">
-                      <a16:colId xmlns:a16="http://schemas.microsoft.com/office/drawing/2014/main" val="3261104555"/>
-                    </a:ext>
-                  </a:extLst>
-                </a:gridCol>
-                <a:gridCol w="2103120">
-                  <a:extLst>
-                    <a:ext uri="{9D8B030D-6E8A-4147-A177-3AD203B41FA5}">
-                      <a16:colId xmlns:a16="http://schemas.microsoft.com/office/drawing/2014/main" val="2547279344"/>
-                    </a:ext>
-                  </a:extLst>
-                </a:gridCol>
-                <a:gridCol w="2103120">
-                  <a:extLst>
-                    <a:ext uri="{9D8B030D-6E8A-4147-A177-3AD203B41FA5}">
-                      <a16:colId xmlns:a16="http://schemas.microsoft.com/office/drawing/2014/main" val="2366228292"/>
-                    </a:ext>
-                  </a:extLst>
-                </a:gridCol>
-                <a:gridCol w="2103120">
-                  <a:extLst>
-                    <a:ext uri="{9D8B030D-6E8A-4147-A177-3AD203B41FA5}">
-                      <a16:colId xmlns:a16="http://schemas.microsoft.com/office/drawing/2014/main" val="934788178"/>
-                    </a:ext>
-                  </a:extLst>
-                </a:gridCol>
-                <a:gridCol w="2103120">
-                  <a:extLst>
-                    <a:ext uri="{9D8B030D-6E8A-4147-A177-3AD203B41FA5}">
-                      <a16:colId xmlns:a16="http://schemas.microsoft.com/office/drawing/2014/main" val="2596635212"/>
-                    </a:ext>
-                  </a:extLst>
-                </a:gridCol>
-              </a:tblGrid>
-              <a:tr h="714194">
-                <a:tc>
-                  <a:txBody>
-                    <a:bodyPr/>
-                    <a:lstStyle/>
-                    <a:p>
-                      <a:pPr algn="ctr" rtl="0" fontAlgn="auto"/>
-                      <a:r>
-                        <a:rPr lang="en-US" sz="1600" b="1" i="0" dirty="0">
-                          <a:solidFill>
-                            <a:srgbClr val="FFFFFF"/>
-                          </a:solidFill>
-                          <a:effectLst/>
-                          <a:latin typeface="+mn-lt"/>
-                        </a:rPr>
-                        <a:t>​</a:t>
-                      </a:r>
-                    </a:p>
-                  </a:txBody>
-                  <a:tcPr anchor="ctr"/>
-                </a:tc>
-                <a:tc>
-                  <a:txBody>
-                    <a:bodyPr/>
-                    <a:lstStyle/>
-                    <a:p>
-                      <a:pPr algn="ctr" rtl="0" fontAlgn="base"/>
-                      <a:r>
-                        <a:rPr lang="en-US" sz="1600" b="0" i="0" dirty="0">
-                          <a:solidFill>
-                            <a:schemeClr val="accent1"/>
-                          </a:solidFill>
-                          <a:effectLst/>
-                          <a:latin typeface="+mn-lt"/>
-                        </a:rPr>
-                        <a:t>CATEGORY 1</a:t>
-                      </a:r>
-                      <a:endParaRPr lang="en-US" sz="1600" b="1" i="0" dirty="0">
-                        <a:solidFill>
-                          <a:schemeClr val="accent1"/>
-                        </a:solidFill>
-                        <a:effectLst/>
-                        <a:latin typeface="+mn-lt"/>
-                      </a:endParaRPr>
-                    </a:p>
-                  </a:txBody>
-                  <a:tcPr anchor="ctr"/>
-                </a:tc>
-                <a:tc>
-                  <a:txBody>
-                    <a:bodyPr/>
-                    <a:lstStyle/>
-                    <a:p>
-                      <a:pPr algn="ctr" rtl="0" fontAlgn="base"/>
-                      <a:r>
-                        <a:rPr lang="en-US" sz="1600" b="0" i="0" dirty="0">
-                          <a:solidFill>
-                            <a:schemeClr val="accent1"/>
-                          </a:solidFill>
-                          <a:effectLst/>
-                          <a:latin typeface="+mn-lt"/>
-                        </a:rPr>
-                        <a:t>CATEGORY 2</a:t>
-                      </a:r>
-                      <a:endParaRPr lang="en-US" sz="1600" b="1" i="0" dirty="0">
-                        <a:solidFill>
-                          <a:schemeClr val="accent1"/>
-                        </a:solidFill>
-                        <a:effectLst/>
-                        <a:latin typeface="+mn-lt"/>
-                      </a:endParaRPr>
-                    </a:p>
-                  </a:txBody>
-                  <a:tcPr anchor="ctr"/>
-                </a:tc>
-                <a:tc>
-                  <a:txBody>
-                    <a:bodyPr/>
-                    <a:lstStyle/>
-                    <a:p>
-                      <a:pPr algn="ctr" rtl="0" fontAlgn="base"/>
-                      <a:r>
-                        <a:rPr lang="en-US" sz="1600" b="0" i="0" kern="1200" dirty="0">
-                          <a:solidFill>
-                            <a:schemeClr val="accent1"/>
-                          </a:solidFill>
-                          <a:effectLst/>
-                          <a:latin typeface="+mn-lt"/>
-                          <a:ea typeface="+mn-ea"/>
-                          <a:cs typeface="+mn-cs"/>
-                        </a:rPr>
-                        <a:t>CATEGORY 3</a:t>
-                      </a:r>
-                      <a:r>
-                        <a:rPr lang="en-US" sz="1600" b="1" i="0" dirty="0">
-                          <a:solidFill>
-                            <a:srgbClr val="FFFFFF"/>
-                          </a:solidFill>
-                          <a:effectLst/>
-                          <a:latin typeface="+mn-lt"/>
-                        </a:rPr>
-                        <a:t>​</a:t>
-                      </a:r>
-                    </a:p>
-                  </a:txBody>
-                  <a:tcPr anchor="ctr"/>
-                </a:tc>
-                <a:tc>
-                  <a:txBody>
-                    <a:bodyPr/>
-                    <a:lstStyle/>
-                    <a:p>
-                      <a:pPr algn="ctr" rtl="0" fontAlgn="base"/>
-                      <a:r>
-                        <a:rPr lang="en-US" sz="1600" b="0" i="0" kern="1200" dirty="0">
-                          <a:solidFill>
-                            <a:schemeClr val="accent1"/>
-                          </a:solidFill>
-                          <a:effectLst/>
-                          <a:latin typeface="+mn-lt"/>
-                          <a:ea typeface="+mn-ea"/>
-                          <a:cs typeface="+mn-cs"/>
-                        </a:rPr>
-                        <a:t>CATEGORY 4​</a:t>
-                      </a:r>
-                    </a:p>
-                  </a:txBody>
-                  <a:tcPr anchor="ctr"/>
-                </a:tc>
-                <a:extLst>
-                  <a:ext uri="{0D108BD9-81ED-4DB2-BD59-A6C34878D82A}">
-                    <a16:rowId xmlns:a16="http://schemas.microsoft.com/office/drawing/2014/main" val="3441328149"/>
-                  </a:ext>
-                </a:extLst>
-              </a:tr>
-              <a:tr h="714194">
-                <a:tc>
-                  <a:txBody>
-                    <a:bodyPr/>
-                    <a:lstStyle/>
-                    <a:p>
-                      <a:pPr algn="ctr" rtl="0" fontAlgn="base"/>
-                      <a:r>
-                        <a:rPr lang="en-US" sz="1400" b="0" i="0" dirty="0">
-                          <a:solidFill>
-                            <a:srgbClr val="333F50"/>
-                          </a:solidFill>
-                          <a:effectLst/>
-                          <a:latin typeface="+mn-lt"/>
-                        </a:rPr>
-                        <a:t>Q1</a:t>
-                      </a:r>
-                      <a:endParaRPr lang="en-US" sz="1400" b="0" i="0" dirty="0">
-                        <a:solidFill>
-                          <a:srgbClr val="000000"/>
-                        </a:solidFill>
-                        <a:effectLst/>
-                        <a:latin typeface="+mn-lt"/>
-                      </a:endParaRPr>
-                    </a:p>
-                  </a:txBody>
-                  <a:tcPr anchor="ctr">
-                    <a:lnL w="12700" cap="flat" cmpd="sng" algn="ctr">
-                      <a:noFill/>
-                      <a:prstDash val="solid"/>
-                      <a:round/>
-                      <a:headEnd type="none" w="med" len="med"/>
-                      <a:tailEnd type="none" w="med" len="med"/>
-                    </a:lnL>
-                  </a:tcPr>
-                </a:tc>
-                <a:tc>
-                  <a:txBody>
-                    <a:bodyPr/>
-                    <a:lstStyle/>
-                    <a:p>
-                      <a:pPr algn="ctr" rtl="0" fontAlgn="base"/>
-                      <a:r>
-                        <a:rPr lang="en-US" sz="1400" b="0" i="0" dirty="0">
-                          <a:solidFill>
-                            <a:srgbClr val="333F50"/>
-                          </a:solidFill>
-                          <a:effectLst/>
-                          <a:latin typeface="+mn-lt"/>
-                        </a:rPr>
-                        <a:t>4.5</a:t>
-                      </a:r>
-                      <a:r>
-                        <a:rPr lang="en-US" sz="1400" b="0" i="0" dirty="0">
-                          <a:solidFill>
-                            <a:srgbClr val="000000"/>
-                          </a:solidFill>
-                          <a:effectLst/>
-                          <a:latin typeface="+mn-lt"/>
-                        </a:rPr>
-                        <a:t>​</a:t>
-                      </a:r>
-                    </a:p>
-                  </a:txBody>
-                  <a:tcPr anchor="ctr"/>
-                </a:tc>
-                <a:tc>
-                  <a:txBody>
-                    <a:bodyPr/>
-                    <a:lstStyle/>
-                    <a:p>
-                      <a:pPr algn="ctr" rtl="0" fontAlgn="base"/>
-                      <a:r>
-                        <a:rPr lang="en-US" sz="1400" b="0" i="0" dirty="0">
-                          <a:solidFill>
-                            <a:srgbClr val="333F50"/>
-                          </a:solidFill>
-                          <a:effectLst/>
-                          <a:latin typeface="+mn-lt"/>
-                        </a:rPr>
-                        <a:t>2.3</a:t>
-                      </a:r>
-                      <a:r>
-                        <a:rPr lang="en-US" sz="1400" b="0" i="0" dirty="0">
-                          <a:solidFill>
-                            <a:srgbClr val="000000"/>
-                          </a:solidFill>
-                          <a:effectLst/>
-                          <a:latin typeface="+mn-lt"/>
-                        </a:rPr>
-                        <a:t>​</a:t>
-                      </a:r>
-                    </a:p>
-                  </a:txBody>
-                  <a:tcPr anchor="ctr"/>
-                </a:tc>
-                <a:tc>
-                  <a:txBody>
-                    <a:bodyPr/>
-                    <a:lstStyle/>
-                    <a:p>
-                      <a:pPr algn="ctr" rtl="0" fontAlgn="base"/>
-                      <a:r>
-                        <a:rPr lang="en-US" sz="1400" b="0" i="0" dirty="0">
-                          <a:solidFill>
-                            <a:srgbClr val="333F50"/>
-                          </a:solidFill>
-                          <a:effectLst/>
-                          <a:latin typeface="+mn-lt"/>
-                        </a:rPr>
-                        <a:t>1.7</a:t>
-                      </a:r>
-                      <a:r>
-                        <a:rPr lang="en-US" sz="1400" b="0" i="0" dirty="0">
-                          <a:solidFill>
-                            <a:srgbClr val="000000"/>
-                          </a:solidFill>
-                          <a:effectLst/>
-                          <a:latin typeface="+mn-lt"/>
-                        </a:rPr>
-                        <a:t>​</a:t>
-                      </a:r>
-                    </a:p>
-                  </a:txBody>
-                  <a:tcPr anchor="ctr">
-                    <a:lnR w="12700" cap="flat" cmpd="sng" algn="ctr">
-                      <a:noFill/>
-                      <a:prstDash val="solid"/>
-                      <a:round/>
-                      <a:headEnd type="none" w="med" len="med"/>
-                      <a:tailEnd type="none" w="med" len="med"/>
-                    </a:lnR>
-                  </a:tcPr>
-                </a:tc>
-                <a:tc>
-                  <a:txBody>
-                    <a:bodyPr/>
-                    <a:lstStyle/>
-                    <a:p>
-                      <a:pPr algn="ctr" rtl="0" fontAlgn="base"/>
-                      <a:r>
-                        <a:rPr lang="en-US" sz="1400" b="0" i="0" dirty="0">
-                          <a:solidFill>
-                            <a:srgbClr val="333F50"/>
-                          </a:solidFill>
-                          <a:effectLst/>
-                          <a:latin typeface="+mn-lt"/>
-                        </a:rPr>
-                        <a:t>5</a:t>
-                      </a:r>
-                      <a:r>
-                        <a:rPr lang="en-US" sz="1400" b="0" i="0" dirty="0">
-                          <a:solidFill>
-                            <a:srgbClr val="000000"/>
-                          </a:solidFill>
-                          <a:effectLst/>
-                          <a:latin typeface="+mn-lt"/>
-                        </a:rPr>
-                        <a:t>​.0</a:t>
-                      </a:r>
-                    </a:p>
-                  </a:txBody>
-                  <a:tcPr anchor="ctr">
-                    <a:lnL w="12700" cap="flat" cmpd="sng" algn="ctr">
-                      <a:noFill/>
-                      <a:prstDash val="solid"/>
-                      <a:round/>
-                      <a:headEnd type="none" w="med" len="med"/>
-                      <a:tailEnd type="none" w="med" len="med"/>
-                    </a:lnL>
-                    <a:lnR w="12700" cap="flat" cmpd="sng" algn="ctr">
-                      <a:noFill/>
-                      <a:prstDash val="solid"/>
-                      <a:round/>
-                      <a:headEnd type="none" w="med" len="med"/>
-                      <a:tailEnd type="none" w="med" len="med"/>
-                    </a:lnR>
-                  </a:tcPr>
-                </a:tc>
-                <a:extLst>
-                  <a:ext uri="{0D108BD9-81ED-4DB2-BD59-A6C34878D82A}">
-                    <a16:rowId xmlns:a16="http://schemas.microsoft.com/office/drawing/2014/main" val="3134841754"/>
-                  </a:ext>
-                </a:extLst>
-              </a:tr>
-              <a:tr h="714194">
-                <a:tc>
-                  <a:txBody>
-                    <a:bodyPr/>
-                    <a:lstStyle/>
-                    <a:p>
-                      <a:pPr algn="ctr" rtl="0" fontAlgn="base"/>
-                      <a:r>
-                        <a:rPr lang="en-US" sz="1400" b="0" i="0" dirty="0">
-                          <a:solidFill>
-                            <a:srgbClr val="333F50"/>
-                          </a:solidFill>
-                          <a:effectLst/>
-                          <a:latin typeface="+mn-lt"/>
-                        </a:rPr>
-                        <a:t>Q2</a:t>
-                      </a:r>
-                      <a:endParaRPr lang="en-US" sz="1400" b="0" i="0" dirty="0">
-                        <a:solidFill>
-                          <a:srgbClr val="000000"/>
-                        </a:solidFill>
-                        <a:effectLst/>
-                        <a:latin typeface="+mn-lt"/>
-                      </a:endParaRPr>
-                    </a:p>
-                  </a:txBody>
-                  <a:tcPr anchor="ctr">
-                    <a:lnL w="12700" cap="flat" cmpd="sng" algn="ctr">
-                      <a:noFill/>
-                      <a:prstDash val="solid"/>
-                      <a:round/>
-                      <a:headEnd type="none" w="med" len="med"/>
-                      <a:tailEnd type="none" w="med" len="med"/>
-                    </a:lnL>
-                  </a:tcPr>
-                </a:tc>
-                <a:tc>
-                  <a:txBody>
-                    <a:bodyPr/>
-                    <a:lstStyle/>
-                    <a:p>
-                      <a:pPr algn="ctr" rtl="0" fontAlgn="base"/>
-                      <a:r>
-                        <a:rPr lang="en-US" sz="1400" b="0" i="0" dirty="0">
-                          <a:solidFill>
-                            <a:srgbClr val="333F50"/>
-                          </a:solidFill>
-                          <a:effectLst/>
-                          <a:latin typeface="+mn-lt"/>
-                        </a:rPr>
-                        <a:t>3.2</a:t>
-                      </a:r>
-                      <a:r>
-                        <a:rPr lang="en-US" sz="1400" b="0" i="0" dirty="0">
-                          <a:solidFill>
-                            <a:srgbClr val="000000"/>
-                          </a:solidFill>
-                          <a:effectLst/>
-                          <a:latin typeface="+mn-lt"/>
-                        </a:rPr>
-                        <a:t>​</a:t>
-                      </a:r>
-                    </a:p>
-                  </a:txBody>
-                  <a:tcPr anchor="ctr"/>
-                </a:tc>
-                <a:tc>
-                  <a:txBody>
-                    <a:bodyPr/>
-                    <a:lstStyle/>
-                    <a:p>
-                      <a:pPr algn="ctr" rtl="0" fontAlgn="base"/>
-                      <a:r>
-                        <a:rPr lang="en-US" sz="1400" b="0" i="0" dirty="0">
-                          <a:solidFill>
-                            <a:srgbClr val="333F50"/>
-                          </a:solidFill>
-                          <a:effectLst/>
-                          <a:latin typeface="+mn-lt"/>
-                        </a:rPr>
-                        <a:t>5.1</a:t>
-                      </a:r>
-                      <a:r>
-                        <a:rPr lang="en-US" sz="1400" b="0" i="0" dirty="0">
-                          <a:solidFill>
-                            <a:srgbClr val="000000"/>
-                          </a:solidFill>
-                          <a:effectLst/>
-                          <a:latin typeface="+mn-lt"/>
-                        </a:rPr>
-                        <a:t>​</a:t>
-                      </a:r>
-                    </a:p>
-                  </a:txBody>
-                  <a:tcPr anchor="ctr"/>
-                </a:tc>
-                <a:tc>
-                  <a:txBody>
-                    <a:bodyPr/>
-                    <a:lstStyle/>
-                    <a:p>
-                      <a:pPr algn="ctr" rtl="0" fontAlgn="base"/>
-                      <a:r>
-                        <a:rPr lang="en-US" sz="1400" b="0" i="0" dirty="0">
-                          <a:solidFill>
-                            <a:srgbClr val="333F50"/>
-                          </a:solidFill>
-                          <a:effectLst/>
-                          <a:latin typeface="+mn-lt"/>
-                        </a:rPr>
-                        <a:t>4.4</a:t>
-                      </a:r>
-                      <a:r>
-                        <a:rPr lang="en-US" sz="1400" b="0" i="0" dirty="0">
-                          <a:solidFill>
-                            <a:srgbClr val="000000"/>
-                          </a:solidFill>
-                          <a:effectLst/>
-                          <a:latin typeface="+mn-lt"/>
-                        </a:rPr>
-                        <a:t>​</a:t>
-                      </a:r>
-                    </a:p>
-                  </a:txBody>
-                  <a:tcPr anchor="ctr"/>
-                </a:tc>
-                <a:tc>
-                  <a:txBody>
-                    <a:bodyPr/>
-                    <a:lstStyle/>
-                    <a:p>
-                      <a:pPr algn="ctr" rtl="0" fontAlgn="base"/>
-                      <a:r>
-                        <a:rPr lang="en-US" sz="1400" b="0" i="0" dirty="0">
-                          <a:solidFill>
-                            <a:srgbClr val="333F50"/>
-                          </a:solidFill>
-                          <a:effectLst/>
-                          <a:latin typeface="+mn-lt"/>
-                        </a:rPr>
-                        <a:t>3</a:t>
-                      </a:r>
-                      <a:r>
-                        <a:rPr lang="en-US" sz="1400" b="0" i="0" dirty="0">
-                          <a:solidFill>
-                            <a:srgbClr val="000000"/>
-                          </a:solidFill>
-                          <a:effectLst/>
-                          <a:latin typeface="+mn-lt"/>
-                        </a:rPr>
-                        <a:t>​.0</a:t>
-                      </a:r>
-                    </a:p>
-                  </a:txBody>
-                  <a:tcPr anchor="ctr">
-                    <a:lnR w="12700" cap="flat" cmpd="sng" algn="ctr">
-                      <a:noFill/>
-                      <a:prstDash val="solid"/>
-                      <a:round/>
-                      <a:headEnd type="none" w="med" len="med"/>
-                      <a:tailEnd type="none" w="med" len="med"/>
-                    </a:lnR>
-                  </a:tcPr>
-                </a:tc>
-                <a:extLst>
-                  <a:ext uri="{0D108BD9-81ED-4DB2-BD59-A6C34878D82A}">
-                    <a16:rowId xmlns:a16="http://schemas.microsoft.com/office/drawing/2014/main" val="4129140390"/>
-                  </a:ext>
-                </a:extLst>
-              </a:tr>
-              <a:tr h="714194">
-                <a:tc>
-                  <a:txBody>
-                    <a:bodyPr/>
-                    <a:lstStyle/>
-                    <a:p>
-                      <a:pPr algn="ctr" rtl="0" fontAlgn="base"/>
-                      <a:r>
-                        <a:rPr lang="en-US" sz="1400" b="0" i="0" dirty="0">
-                          <a:solidFill>
-                            <a:srgbClr val="333F50"/>
-                          </a:solidFill>
-                          <a:effectLst/>
-                          <a:latin typeface="+mn-lt"/>
-                        </a:rPr>
-                        <a:t>Q3</a:t>
-                      </a:r>
-                      <a:endParaRPr lang="en-US" sz="1400" b="0" i="0" dirty="0">
-                        <a:solidFill>
-                          <a:srgbClr val="000000"/>
-                        </a:solidFill>
-                        <a:effectLst/>
-                        <a:latin typeface="+mn-lt"/>
-                      </a:endParaRPr>
-                    </a:p>
-                  </a:txBody>
-                  <a:tcPr anchor="ctr">
-                    <a:lnL w="12700" cap="flat" cmpd="sng" algn="ctr">
-                      <a:noFill/>
-                      <a:prstDash val="solid"/>
-                      <a:round/>
-                      <a:headEnd type="none" w="med" len="med"/>
-                      <a:tailEnd type="none" w="med" len="med"/>
-                    </a:lnL>
-                  </a:tcPr>
-                </a:tc>
-                <a:tc>
-                  <a:txBody>
-                    <a:bodyPr/>
-                    <a:lstStyle/>
-                    <a:p>
-                      <a:pPr algn="ctr" rtl="0" fontAlgn="base"/>
-                      <a:r>
-                        <a:rPr lang="en-US" sz="1400" b="0" i="0" dirty="0">
-                          <a:solidFill>
-                            <a:srgbClr val="333F50"/>
-                          </a:solidFill>
-                          <a:effectLst/>
-                          <a:latin typeface="+mn-lt"/>
-                        </a:rPr>
-                        <a:t>2.1</a:t>
-                      </a:r>
-                      <a:r>
-                        <a:rPr lang="en-US" sz="1400" b="0" i="0" dirty="0">
-                          <a:solidFill>
-                            <a:srgbClr val="000000"/>
-                          </a:solidFill>
-                          <a:effectLst/>
-                          <a:latin typeface="+mn-lt"/>
-                        </a:rPr>
-                        <a:t>​</a:t>
-                      </a:r>
-                    </a:p>
-                  </a:txBody>
-                  <a:tcPr anchor="ctr"/>
-                </a:tc>
-                <a:tc>
-                  <a:txBody>
-                    <a:bodyPr/>
-                    <a:lstStyle/>
-                    <a:p>
-                      <a:pPr algn="ctr" rtl="0" fontAlgn="base"/>
-                      <a:r>
-                        <a:rPr lang="en-US" sz="1400" b="0" i="0" dirty="0">
-                          <a:solidFill>
-                            <a:srgbClr val="333F50"/>
-                          </a:solidFill>
-                          <a:effectLst/>
-                          <a:latin typeface="+mn-lt"/>
-                        </a:rPr>
-                        <a:t>1.7</a:t>
-                      </a:r>
-                      <a:r>
-                        <a:rPr lang="en-US" sz="1400" b="0" i="0" dirty="0">
-                          <a:solidFill>
-                            <a:srgbClr val="000000"/>
-                          </a:solidFill>
-                          <a:effectLst/>
-                          <a:latin typeface="+mn-lt"/>
-                        </a:rPr>
-                        <a:t>​</a:t>
-                      </a:r>
-                    </a:p>
-                  </a:txBody>
-                  <a:tcPr anchor="ctr"/>
-                </a:tc>
-                <a:tc>
-                  <a:txBody>
-                    <a:bodyPr/>
-                    <a:lstStyle/>
-                    <a:p>
-                      <a:pPr algn="ctr" rtl="0" fontAlgn="base"/>
-                      <a:r>
-                        <a:rPr lang="en-US" sz="1400" b="0" i="0" dirty="0">
-                          <a:solidFill>
-                            <a:srgbClr val="333F50"/>
-                          </a:solidFill>
-                          <a:effectLst/>
-                          <a:latin typeface="+mn-lt"/>
-                        </a:rPr>
-                        <a:t>2.5</a:t>
-                      </a:r>
-                      <a:r>
-                        <a:rPr lang="en-US" sz="1400" b="0" i="0" dirty="0">
-                          <a:solidFill>
-                            <a:srgbClr val="000000"/>
-                          </a:solidFill>
-                          <a:effectLst/>
-                          <a:latin typeface="+mn-lt"/>
-                        </a:rPr>
-                        <a:t>​</a:t>
-                      </a:r>
-                    </a:p>
-                  </a:txBody>
-                  <a:tcPr anchor="ctr"/>
-                </a:tc>
-                <a:tc>
-                  <a:txBody>
-                    <a:bodyPr/>
-                    <a:lstStyle/>
-                    <a:p>
-                      <a:pPr algn="ctr" rtl="0" fontAlgn="base"/>
-                      <a:r>
-                        <a:rPr lang="en-US" sz="1400" b="0" i="0" dirty="0">
-                          <a:solidFill>
-                            <a:srgbClr val="333F50"/>
-                          </a:solidFill>
-                          <a:effectLst/>
-                          <a:latin typeface="+mn-lt"/>
-                        </a:rPr>
-                        <a:t>2.8</a:t>
-                      </a:r>
-                      <a:r>
-                        <a:rPr lang="en-US" sz="1400" b="0" i="0" dirty="0">
-                          <a:solidFill>
-                            <a:srgbClr val="000000"/>
-                          </a:solidFill>
-                          <a:effectLst/>
-                          <a:latin typeface="+mn-lt"/>
-                        </a:rPr>
-                        <a:t>​</a:t>
-                      </a:r>
-                    </a:p>
-                  </a:txBody>
-                  <a:tcPr anchor="ctr">
-                    <a:lnR w="12700" cap="flat" cmpd="sng" algn="ctr">
-                      <a:noFill/>
-                      <a:prstDash val="solid"/>
-                      <a:round/>
-                      <a:headEnd type="none" w="med" len="med"/>
-                      <a:tailEnd type="none" w="med" len="med"/>
-                    </a:lnR>
-                  </a:tcPr>
-                </a:tc>
-                <a:extLst>
-                  <a:ext uri="{0D108BD9-81ED-4DB2-BD59-A6C34878D82A}">
-                    <a16:rowId xmlns:a16="http://schemas.microsoft.com/office/drawing/2014/main" val="1699990805"/>
-                  </a:ext>
-                </a:extLst>
-              </a:tr>
-              <a:tr h="714194">
-                <a:tc>
-                  <a:txBody>
-                    <a:bodyPr/>
-                    <a:lstStyle/>
-                    <a:p>
-                      <a:pPr algn="ctr" rtl="0" fontAlgn="base"/>
-                      <a:r>
-                        <a:rPr lang="en-US" sz="1400" b="0" i="0" dirty="0">
-                          <a:solidFill>
-                            <a:srgbClr val="333F50"/>
-                          </a:solidFill>
-                          <a:effectLst/>
-                          <a:latin typeface="+mn-lt"/>
-                        </a:rPr>
-                        <a:t>Q4</a:t>
-                      </a:r>
-                      <a:endParaRPr lang="en-US" sz="1400" b="0" i="0" dirty="0">
-                        <a:solidFill>
-                          <a:srgbClr val="000000"/>
-                        </a:solidFill>
-                        <a:effectLst/>
-                        <a:latin typeface="+mn-lt"/>
-                      </a:endParaRPr>
-                    </a:p>
-                  </a:txBody>
-                  <a:tcPr anchor="ctr">
-                    <a:lnL w="12700" cap="flat" cmpd="sng" algn="ctr">
-                      <a:noFill/>
-                      <a:prstDash val="solid"/>
-                      <a:round/>
-                      <a:headEnd type="none" w="med" len="med"/>
-                      <a:tailEnd type="none" w="med" len="med"/>
-                    </a:lnL>
-                  </a:tcPr>
-                </a:tc>
-                <a:tc>
-                  <a:txBody>
-                    <a:bodyPr/>
-                    <a:lstStyle/>
-                    <a:p>
-                      <a:pPr algn="ctr" rtl="0" fontAlgn="base"/>
-                      <a:r>
-                        <a:rPr lang="en-US" sz="1400" b="0" i="0" dirty="0">
-                          <a:solidFill>
-                            <a:srgbClr val="333F50"/>
-                          </a:solidFill>
-                          <a:effectLst/>
-                          <a:latin typeface="+mn-lt"/>
-                        </a:rPr>
-                        <a:t>4.5</a:t>
-                      </a:r>
-                      <a:r>
-                        <a:rPr lang="en-US" sz="1400" b="0" i="0" dirty="0">
-                          <a:solidFill>
-                            <a:srgbClr val="000000"/>
-                          </a:solidFill>
-                          <a:effectLst/>
-                          <a:latin typeface="+mn-lt"/>
-                        </a:rPr>
-                        <a:t>​</a:t>
-                      </a:r>
-                    </a:p>
-                  </a:txBody>
-                  <a:tcPr anchor="ctr"/>
-                </a:tc>
-                <a:tc>
-                  <a:txBody>
-                    <a:bodyPr/>
-                    <a:lstStyle/>
-                    <a:p>
-                      <a:pPr algn="ctr" rtl="0" fontAlgn="base"/>
-                      <a:r>
-                        <a:rPr lang="en-US" sz="1400" b="0" i="0" dirty="0">
-                          <a:solidFill>
-                            <a:srgbClr val="333F50"/>
-                          </a:solidFill>
-                          <a:effectLst/>
-                          <a:latin typeface="+mn-lt"/>
-                        </a:rPr>
-                        <a:t>2.2</a:t>
-                      </a:r>
-                      <a:r>
-                        <a:rPr lang="en-US" sz="1400" b="0" i="0" dirty="0">
-                          <a:solidFill>
-                            <a:srgbClr val="000000"/>
-                          </a:solidFill>
-                          <a:effectLst/>
-                          <a:latin typeface="+mn-lt"/>
-                        </a:rPr>
-                        <a:t>​</a:t>
-                      </a:r>
-                    </a:p>
-                  </a:txBody>
-                  <a:tcPr anchor="ctr"/>
-                </a:tc>
-                <a:tc>
-                  <a:txBody>
-                    <a:bodyPr/>
-                    <a:lstStyle/>
-                    <a:p>
-                      <a:pPr algn="ctr" rtl="0" fontAlgn="base"/>
-                      <a:r>
-                        <a:rPr lang="en-US" sz="1400" b="0" i="0" dirty="0">
-                          <a:solidFill>
-                            <a:srgbClr val="333F50"/>
-                          </a:solidFill>
-                          <a:effectLst/>
-                          <a:latin typeface="+mn-lt"/>
-                        </a:rPr>
-                        <a:t>1.7</a:t>
-                      </a:r>
-                      <a:r>
-                        <a:rPr lang="en-US" sz="1400" b="0" i="0" dirty="0">
-                          <a:solidFill>
-                            <a:srgbClr val="000000"/>
-                          </a:solidFill>
-                          <a:effectLst/>
-                          <a:latin typeface="+mn-lt"/>
-                        </a:rPr>
-                        <a:t>​</a:t>
-                      </a:r>
-                    </a:p>
-                  </a:txBody>
-                  <a:tcPr anchor="ctr"/>
-                </a:tc>
-                <a:tc>
-                  <a:txBody>
-                    <a:bodyPr/>
-                    <a:lstStyle/>
-                    <a:p>
-                      <a:pPr algn="ctr" rtl="0" fontAlgn="base"/>
-                      <a:r>
-                        <a:rPr lang="en-US" sz="1400" b="0" i="0" dirty="0">
-                          <a:solidFill>
-                            <a:srgbClr val="333F50"/>
-                          </a:solidFill>
-                          <a:effectLst/>
-                          <a:latin typeface="+mn-lt"/>
-                        </a:rPr>
-                        <a:t>7.0</a:t>
-                      </a:r>
-                      <a:endParaRPr lang="en-US" sz="1400" b="0" i="0" dirty="0">
-                        <a:solidFill>
-                          <a:srgbClr val="000000"/>
-                        </a:solidFill>
-                        <a:effectLst/>
-                        <a:latin typeface="+mn-lt"/>
-                      </a:endParaRPr>
-                    </a:p>
-                  </a:txBody>
-                  <a:tcPr anchor="ctr">
-                    <a:lnR w="12700" cap="flat" cmpd="sng" algn="ctr">
-                      <a:noFill/>
-                      <a:prstDash val="solid"/>
-                      <a:round/>
-                      <a:headEnd type="none" w="med" len="med"/>
-                      <a:tailEnd type="none" w="med" len="med"/>
-                    </a:lnR>
-                  </a:tcPr>
-                </a:tc>
-                <a:extLst>
-                  <a:ext uri="{0D108BD9-81ED-4DB2-BD59-A6C34878D82A}">
-                    <a16:rowId xmlns:a16="http://schemas.microsoft.com/office/drawing/2014/main" val="3388671141"/>
-                  </a:ext>
-                </a:extLst>
-              </a:tr>
-            </a:tbl>
-          </a:graphicData>
-        </a:graphic>
-      </p:graphicFrame>
-    </p:spTree>
-    <p:extLst>
-      <p:ext uri="{BB962C8B-B14F-4D97-AF65-F5344CB8AC3E}">
-        <p14:creationId xmlns:p14="http://schemas.microsoft.com/office/powerpoint/2010/main" val="1633536190"/>
+        <p14:creationId xmlns:p14="http://schemas.microsoft.com/office/powerpoint/2010/main" val="2896385493"/>
       </p:ext>
     </p:extLst>
   </p:cSld>
@@ -17792,34 +17996,6 @@
 </file>
 
 <file path=customXml/item1.xml><?xml version="1.0" encoding="utf-8"?>
-<p:properties xmlns:p="http://schemas.microsoft.com/office/2006/metadata/properties" xmlns:xsi="http://www.w3.org/2001/XMLSchema-instance" xmlns:pc="http://schemas.microsoft.com/office/infopath/2007/PartnerControls">
-  <documentManagement>
-    <_ip_UnifiedCompliancePolicyUIAction xmlns="http://schemas.microsoft.com/sharepoint/v3" xsi:nil="true"/>
-    <Image xmlns="71af3243-3dd4-4a8d-8c0d-dd76da1f02a5">
-      <Url xsi:nil="true"/>
-      <Description xsi:nil="true"/>
-    </Image>
-    <Status xmlns="71af3243-3dd4-4a8d-8c0d-dd76da1f02a5">Not started</Status>
-    <_ip_UnifiedCompliancePolicyProperties xmlns="http://schemas.microsoft.com/sharepoint/v3" xsi:nil="true"/>
-    <ImageTagsTaxHTField xmlns="71af3243-3dd4-4a8d-8c0d-dd76da1f02a5">
-      <Terms xmlns="http://schemas.microsoft.com/office/infopath/2007/PartnerControls"/>
-    </ImageTagsTaxHTField>
-    <TaxCatchAll xmlns="230e9df3-be65-4c73-a93b-d1236ebd677e"/>
-    <MediaServiceKeyPoints xmlns="71af3243-3dd4-4a8d-8c0d-dd76da1f02a5" xsi:nil="true"/>
-  </documentManagement>
-</p:properties>
-</file>
-
-<file path=customXml/item2.xml><?xml version="1.0" encoding="utf-8"?>
-<?mso-contentType ?>
-<FormTemplates xmlns="http://schemas.microsoft.com/sharepoint/v3/contenttype/forms">
-  <Display>DocumentLibraryForm</Display>
-  <Edit>DocumentLibraryForm</Edit>
-  <New>DocumentLibraryForm</New>
-</FormTemplates>
-</file>
-
-<file path=customXml/item3.xml><?xml version="1.0" encoding="utf-8"?>
 <ct:contentTypeSchema xmlns:ct="http://schemas.microsoft.com/office/2006/metadata/contentType" xmlns:ma="http://schemas.microsoft.com/office/2006/metadata/properties/metaAttributes" ct:_="" ma:_="" ma:contentTypeName="Document" ma:contentTypeID="0x01010079F111ED35F8CC479449609E8A0923A6" ma:contentTypeVersion="20" ma:contentTypeDescription="Create a new document." ma:contentTypeScope="" ma:versionID="1267097ee5f5874adfcc408041ae252e">
   <xsd:schema xmlns:xsd="http://www.w3.org/2001/XMLSchema" xmlns:xs="http://www.w3.org/2001/XMLSchema" xmlns:p="http://schemas.microsoft.com/office/2006/metadata/properties" xmlns:ns1="http://schemas.microsoft.com/sharepoint/v3" xmlns:ns2="71af3243-3dd4-4a8d-8c0d-dd76da1f02a5" xmlns:ns3="16c05727-aa75-4e4a-9b5f-8a80a1165891" xmlns:ns4="230e9df3-be65-4c73-a93b-d1236ebd677e" targetNamespace="http://schemas.microsoft.com/office/2006/metadata/properties" ma:root="true" ma:fieldsID="395891a93df65b14727750f2c06c306c" ns1:_="" ns2:_="" ns3:_="" ns4:_="">
     <xsd:import namespace="http://schemas.microsoft.com/sharepoint/v3"/>
@@ -18095,27 +18271,35 @@
 </ct:contentTypeSchema>
 </file>
 
-<file path=customXml/itemProps1.xml><?xml version="1.0" encoding="utf-8"?>
-<ds:datastoreItem xmlns:ds="http://schemas.openxmlformats.org/officeDocument/2006/customXml" ds:itemID="{4CC7F809-A434-4A8D-A127-1C50C2DB3890}">
-  <ds:schemaRefs>
-    <ds:schemaRef ds:uri="http://schemas.microsoft.com/office/2006/metadata/properties"/>
-    <ds:schemaRef ds:uri="http://schemas.microsoft.com/office/infopath/2007/PartnerControls"/>
-    <ds:schemaRef ds:uri="http://schemas.microsoft.com/sharepoint/v3"/>
-    <ds:schemaRef ds:uri="71af3243-3dd4-4a8d-8c0d-dd76da1f02a5"/>
-    <ds:schemaRef ds:uri="230e9df3-be65-4c73-a93b-d1236ebd677e"/>
-  </ds:schemaRefs>
-</ds:datastoreItem>
+<file path=customXml/item2.xml><?xml version="1.0" encoding="utf-8"?>
+<?mso-contentType ?>
+<FormTemplates xmlns="http://schemas.microsoft.com/sharepoint/v3/contenttype/forms">
+  <Display>DocumentLibraryForm</Display>
+  <Edit>DocumentLibraryForm</Edit>
+  <New>DocumentLibraryForm</New>
+</FormTemplates>
 </file>
 
-<file path=customXml/itemProps2.xml><?xml version="1.0" encoding="utf-8"?>
-<ds:datastoreItem xmlns:ds="http://schemas.openxmlformats.org/officeDocument/2006/customXml" ds:itemID="{BD5826B4-4DD2-4A9B-8D6D-E91CF9C2316C}">
-  <ds:schemaRefs>
-    <ds:schemaRef ds:uri="http://schemas.microsoft.com/sharepoint/v3/contenttype/forms"/>
-  </ds:schemaRefs>
-</ds:datastoreItem>
+<file path=customXml/item3.xml><?xml version="1.0" encoding="utf-8"?>
+<p:properties xmlns:p="http://schemas.microsoft.com/office/2006/metadata/properties" xmlns:xsi="http://www.w3.org/2001/XMLSchema-instance" xmlns:pc="http://schemas.microsoft.com/office/infopath/2007/PartnerControls">
+  <documentManagement>
+    <_ip_UnifiedCompliancePolicyUIAction xmlns="http://schemas.microsoft.com/sharepoint/v3" xsi:nil="true"/>
+    <Image xmlns="71af3243-3dd4-4a8d-8c0d-dd76da1f02a5">
+      <Url xsi:nil="true"/>
+      <Description xsi:nil="true"/>
+    </Image>
+    <Status xmlns="71af3243-3dd4-4a8d-8c0d-dd76da1f02a5">Not started</Status>
+    <_ip_UnifiedCompliancePolicyProperties xmlns="http://schemas.microsoft.com/sharepoint/v3" xsi:nil="true"/>
+    <ImageTagsTaxHTField xmlns="71af3243-3dd4-4a8d-8c0d-dd76da1f02a5">
+      <Terms xmlns="http://schemas.microsoft.com/office/infopath/2007/PartnerControls"/>
+    </ImageTagsTaxHTField>
+    <TaxCatchAll xmlns="230e9df3-be65-4c73-a93b-d1236ebd677e"/>
+    <MediaServiceKeyPoints xmlns="71af3243-3dd4-4a8d-8c0d-dd76da1f02a5" xsi:nil="true"/>
+  </documentManagement>
+</p:properties>
 </file>
 
-<file path=customXml/itemProps3.xml><?xml version="1.0" encoding="utf-8"?>
+<file path=customXml/itemProps1.xml><?xml version="1.0" encoding="utf-8"?>
 <ds:datastoreItem xmlns:ds="http://schemas.openxmlformats.org/officeDocument/2006/customXml" ds:itemID="{4DC6F004-8F9D-4F40-8394-6C4C67F70915}">
   <ds:schemaRefs>
     <ds:schemaRef ds:uri="http://schemas.microsoft.com/office/2006/metadata/contentType"/>
@@ -18136,6 +18320,26 @@
 </ds:datastoreItem>
 </file>
 
+<file path=customXml/itemProps2.xml><?xml version="1.0" encoding="utf-8"?>
+<ds:datastoreItem xmlns:ds="http://schemas.openxmlformats.org/officeDocument/2006/customXml" ds:itemID="{BD5826B4-4DD2-4A9B-8D6D-E91CF9C2316C}">
+  <ds:schemaRefs>
+    <ds:schemaRef ds:uri="http://schemas.microsoft.com/sharepoint/v3/contenttype/forms"/>
+  </ds:schemaRefs>
+</ds:datastoreItem>
+</file>
+
+<file path=customXml/itemProps3.xml><?xml version="1.0" encoding="utf-8"?>
+<ds:datastoreItem xmlns:ds="http://schemas.openxmlformats.org/officeDocument/2006/customXml" ds:itemID="{4CC7F809-A434-4A8D-A127-1C50C2DB3890}">
+  <ds:schemaRefs>
+    <ds:schemaRef ds:uri="http://schemas.microsoft.com/office/2006/metadata/properties"/>
+    <ds:schemaRef ds:uri="http://schemas.microsoft.com/office/infopath/2007/PartnerControls"/>
+    <ds:schemaRef ds:uri="http://schemas.microsoft.com/sharepoint/v3"/>
+    <ds:schemaRef ds:uri="71af3243-3dd4-4a8d-8c0d-dd76da1f02a5"/>
+    <ds:schemaRef ds:uri="230e9df3-be65-4c73-a93b-d1236ebd677e"/>
+  </ds:schemaRefs>
+</ds:datastoreItem>
+</file>
+
 <file path=docMetadata/LabelInfo.xml><?xml version="1.0" encoding="utf-8"?>
 <clbl:labelList xmlns:clbl="http://schemas.microsoft.com/office/2020/mipLabelMetadata">
   <clbl:label id="{f42aa342-8706-4288-bd11-ebb85995028c}" enabled="1" method="Standard" siteId="{72f988bf-86f1-41af-91ab-2d7cd011db47}" removed="0"/>

--- a/Presentation/slide_deck.pptx
+++ b/Presentation/slide_deck.pptx
@@ -12509,11 +12509,13 @@
           </a:xfrm>
         </p:spPr>
         <p:txBody>
-          <a:bodyPr/>
+          <a:bodyPr>
+            <a:normAutofit/>
+          </a:bodyPr>
           <a:lstStyle/>
           <a:p>
             <a:r>
-              <a:rPr lang="en-US" dirty="0"/>
+              <a:rPr lang="en-US" sz="4400" dirty="0"/>
               <a:t>Conclusion</a:t>
             </a:r>
           </a:p>
@@ -12537,7 +12539,7 @@
         </p:nvSpPr>
         <p:spPr>
           <a:xfrm>
-            <a:off x="5337390" y="1888505"/>
+            <a:off x="5518365" y="2850530"/>
             <a:ext cx="5111750" cy="3080989"/>
           </a:xfrm>
         </p:spPr>
@@ -14248,34 +14250,6 @@
 </file>
 
 <file path=customXml/item1.xml><?xml version="1.0" encoding="utf-8"?>
-<?mso-contentType ?>
-<FormTemplates xmlns="http://schemas.microsoft.com/sharepoint/v3/contenttype/forms">
-  <Display>DocumentLibraryForm</Display>
-  <Edit>DocumentLibraryForm</Edit>
-  <New>DocumentLibraryForm</New>
-</FormTemplates>
-</file>
-
-<file path=customXml/item2.xml><?xml version="1.0" encoding="utf-8"?>
-<p:properties xmlns:p="http://schemas.microsoft.com/office/2006/metadata/properties" xmlns:xsi="http://www.w3.org/2001/XMLSchema-instance" xmlns:pc="http://schemas.microsoft.com/office/infopath/2007/PartnerControls">
-  <documentManagement>
-    <_ip_UnifiedCompliancePolicyUIAction xmlns="http://schemas.microsoft.com/sharepoint/v3" xsi:nil="true"/>
-    <Image xmlns="71af3243-3dd4-4a8d-8c0d-dd76da1f02a5">
-      <Url xsi:nil="true"/>
-      <Description xsi:nil="true"/>
-    </Image>
-    <Status xmlns="71af3243-3dd4-4a8d-8c0d-dd76da1f02a5">Not started</Status>
-    <_ip_UnifiedCompliancePolicyProperties xmlns="http://schemas.microsoft.com/sharepoint/v3" xsi:nil="true"/>
-    <ImageTagsTaxHTField xmlns="71af3243-3dd4-4a8d-8c0d-dd76da1f02a5">
-      <Terms xmlns="http://schemas.microsoft.com/office/infopath/2007/PartnerControls"/>
-    </ImageTagsTaxHTField>
-    <TaxCatchAll xmlns="230e9df3-be65-4c73-a93b-d1236ebd677e"/>
-    <MediaServiceKeyPoints xmlns="71af3243-3dd4-4a8d-8c0d-dd76da1f02a5" xsi:nil="true"/>
-  </documentManagement>
-</p:properties>
-</file>
-
-<file path=customXml/item3.xml><?xml version="1.0" encoding="utf-8"?>
 <ct:contentTypeSchema xmlns:ct="http://schemas.microsoft.com/office/2006/metadata/contentType" xmlns:ma="http://schemas.microsoft.com/office/2006/metadata/properties/metaAttributes" ct:_="" ma:_="" ma:contentTypeName="Document" ma:contentTypeID="0x01010079F111ED35F8CC479449609E8A0923A6" ma:contentTypeVersion="20" ma:contentTypeDescription="Create a new document." ma:contentTypeScope="" ma:versionID="1267097ee5f5874adfcc408041ae252e">
   <xsd:schema xmlns:xsd="http://www.w3.org/2001/XMLSchema" xmlns:xs="http://www.w3.org/2001/XMLSchema" xmlns:p="http://schemas.microsoft.com/office/2006/metadata/properties" xmlns:ns1="http://schemas.microsoft.com/sharepoint/v3" xmlns:ns2="71af3243-3dd4-4a8d-8c0d-dd76da1f02a5" xmlns:ns3="16c05727-aa75-4e4a-9b5f-8a80a1165891" xmlns:ns4="230e9df3-be65-4c73-a93b-d1236ebd677e" targetNamespace="http://schemas.microsoft.com/office/2006/metadata/properties" ma:root="true" ma:fieldsID="395891a93df65b14727750f2c06c306c" ns1:_="" ns2:_="" ns3:_="" ns4:_="">
     <xsd:import namespace="http://schemas.microsoft.com/sharepoint/v3"/>
@@ -14551,27 +14525,35 @@
 </ct:contentTypeSchema>
 </file>
 
-<file path=customXml/itemProps1.xml><?xml version="1.0" encoding="utf-8"?>
-<ds:datastoreItem xmlns:ds="http://schemas.openxmlformats.org/officeDocument/2006/customXml" ds:itemID="{BD5826B4-4DD2-4A9B-8D6D-E91CF9C2316C}">
-  <ds:schemaRefs>
-    <ds:schemaRef ds:uri="http://schemas.microsoft.com/sharepoint/v3/contenttype/forms"/>
-  </ds:schemaRefs>
-</ds:datastoreItem>
+<file path=customXml/item2.xml><?xml version="1.0" encoding="utf-8"?>
+<p:properties xmlns:p="http://schemas.microsoft.com/office/2006/metadata/properties" xmlns:xsi="http://www.w3.org/2001/XMLSchema-instance" xmlns:pc="http://schemas.microsoft.com/office/infopath/2007/PartnerControls">
+  <documentManagement>
+    <_ip_UnifiedCompliancePolicyUIAction xmlns="http://schemas.microsoft.com/sharepoint/v3" xsi:nil="true"/>
+    <Image xmlns="71af3243-3dd4-4a8d-8c0d-dd76da1f02a5">
+      <Url xsi:nil="true"/>
+      <Description xsi:nil="true"/>
+    </Image>
+    <Status xmlns="71af3243-3dd4-4a8d-8c0d-dd76da1f02a5">Not started</Status>
+    <_ip_UnifiedCompliancePolicyProperties xmlns="http://schemas.microsoft.com/sharepoint/v3" xsi:nil="true"/>
+    <ImageTagsTaxHTField xmlns="71af3243-3dd4-4a8d-8c0d-dd76da1f02a5">
+      <Terms xmlns="http://schemas.microsoft.com/office/infopath/2007/PartnerControls"/>
+    </ImageTagsTaxHTField>
+    <TaxCatchAll xmlns="230e9df3-be65-4c73-a93b-d1236ebd677e"/>
+    <MediaServiceKeyPoints xmlns="71af3243-3dd4-4a8d-8c0d-dd76da1f02a5" xsi:nil="true"/>
+  </documentManagement>
+</p:properties>
 </file>
 
-<file path=customXml/itemProps2.xml><?xml version="1.0" encoding="utf-8"?>
-<ds:datastoreItem xmlns:ds="http://schemas.openxmlformats.org/officeDocument/2006/customXml" ds:itemID="{4CC7F809-A434-4A8D-A127-1C50C2DB3890}">
-  <ds:schemaRefs>
-    <ds:schemaRef ds:uri="http://schemas.microsoft.com/office/2006/metadata/properties"/>
-    <ds:schemaRef ds:uri="http://schemas.microsoft.com/office/infopath/2007/PartnerControls"/>
-    <ds:schemaRef ds:uri="http://schemas.microsoft.com/sharepoint/v3"/>
-    <ds:schemaRef ds:uri="71af3243-3dd4-4a8d-8c0d-dd76da1f02a5"/>
-    <ds:schemaRef ds:uri="230e9df3-be65-4c73-a93b-d1236ebd677e"/>
-  </ds:schemaRefs>
-</ds:datastoreItem>
+<file path=customXml/item3.xml><?xml version="1.0" encoding="utf-8"?>
+<?mso-contentType ?>
+<FormTemplates xmlns="http://schemas.microsoft.com/sharepoint/v3/contenttype/forms">
+  <Display>DocumentLibraryForm</Display>
+  <Edit>DocumentLibraryForm</Edit>
+  <New>DocumentLibraryForm</New>
+</FormTemplates>
 </file>
 
-<file path=customXml/itemProps3.xml><?xml version="1.0" encoding="utf-8"?>
+<file path=customXml/itemProps1.xml><?xml version="1.0" encoding="utf-8"?>
 <ds:datastoreItem xmlns:ds="http://schemas.openxmlformats.org/officeDocument/2006/customXml" ds:itemID="{4DC6F004-8F9D-4F40-8394-6C4C67F70915}">
   <ds:schemaRefs>
     <ds:schemaRef ds:uri="http://schemas.microsoft.com/office/2006/metadata/contentType"/>
@@ -14592,6 +14574,26 @@
 </ds:datastoreItem>
 </file>
 
+<file path=customXml/itemProps2.xml><?xml version="1.0" encoding="utf-8"?>
+<ds:datastoreItem xmlns:ds="http://schemas.openxmlformats.org/officeDocument/2006/customXml" ds:itemID="{4CC7F809-A434-4A8D-A127-1C50C2DB3890}">
+  <ds:schemaRefs>
+    <ds:schemaRef ds:uri="http://schemas.microsoft.com/office/2006/metadata/properties"/>
+    <ds:schemaRef ds:uri="http://schemas.microsoft.com/office/infopath/2007/PartnerControls"/>
+    <ds:schemaRef ds:uri="http://schemas.microsoft.com/sharepoint/v3"/>
+    <ds:schemaRef ds:uri="71af3243-3dd4-4a8d-8c0d-dd76da1f02a5"/>
+    <ds:schemaRef ds:uri="230e9df3-be65-4c73-a93b-d1236ebd677e"/>
+  </ds:schemaRefs>
+</ds:datastoreItem>
+</file>
+
+<file path=customXml/itemProps3.xml><?xml version="1.0" encoding="utf-8"?>
+<ds:datastoreItem xmlns:ds="http://schemas.openxmlformats.org/officeDocument/2006/customXml" ds:itemID="{BD5826B4-4DD2-4A9B-8D6D-E91CF9C2316C}">
+  <ds:schemaRefs>
+    <ds:schemaRef ds:uri="http://schemas.microsoft.com/sharepoint/v3/contenttype/forms"/>
+  </ds:schemaRefs>
+</ds:datastoreItem>
+</file>
+
 <file path=docMetadata/LabelInfo.xml><?xml version="1.0" encoding="utf-8"?>
 <clbl:labelList xmlns:clbl="http://schemas.microsoft.com/office/2020/mipLabelMetadata">
   <clbl:label id="{f42aa342-8706-4288-bd11-ebb85995028c}" enabled="1" method="Standard" siteId="{72f988bf-86f1-41af-91ab-2d7cd011db47}" removed="0"/>

--- a/Presentation/slide_deck.pptx
+++ b/Presentation/slide_deck.pptx
@@ -5,10 +5,10 @@
     <p:sldMasterId id="2147483648" r:id="rId4"/>
   </p:sldMasterIdLst>
   <p:notesMasterIdLst>
-    <p:notesMasterId r:id="rId22"/>
+    <p:notesMasterId r:id="rId23"/>
   </p:notesMasterIdLst>
   <p:handoutMasterIdLst>
-    <p:handoutMasterId r:id="rId23"/>
+    <p:handoutMasterId r:id="rId24"/>
   </p:handoutMasterIdLst>
   <p:sldIdLst>
     <p:sldId id="256" r:id="rId5"/>
@@ -21,13 +21,14 @@
     <p:sldId id="270" r:id="rId12"/>
     <p:sldId id="261" r:id="rId13"/>
     <p:sldId id="282" r:id="rId14"/>
-    <p:sldId id="272" r:id="rId15"/>
-    <p:sldId id="273" r:id="rId16"/>
-    <p:sldId id="274" r:id="rId17"/>
-    <p:sldId id="275" r:id="rId18"/>
-    <p:sldId id="280" r:id="rId19"/>
-    <p:sldId id="277" r:id="rId20"/>
-    <p:sldId id="276" r:id="rId21"/>
+    <p:sldId id="283" r:id="rId15"/>
+    <p:sldId id="272" r:id="rId16"/>
+    <p:sldId id="273" r:id="rId17"/>
+    <p:sldId id="274" r:id="rId18"/>
+    <p:sldId id="275" r:id="rId19"/>
+    <p:sldId id="280" r:id="rId20"/>
+    <p:sldId id="277" r:id="rId21"/>
+    <p:sldId id="276" r:id="rId22"/>
   </p:sldIdLst>
   <p:sldSz cx="12192000" cy="6858000"/>
   <p:notesSz cx="6858000" cy="9144000"/>
@@ -11971,10 +11972,10 @@
       </p:grpSpPr>
       <p:sp>
         <p:nvSpPr>
-          <p:cNvPr id="3" name="Title 2">
-            <a:extLst>
-              <a:ext uri="{FF2B5EF4-FFF2-40B4-BE49-F238E27FC236}">
-                <a16:creationId xmlns:a16="http://schemas.microsoft.com/office/drawing/2014/main" id="{3E5FEE2D-79E5-4C1D-8BF7-EE619CA7039A}"/>
+          <p:cNvPr id="11" name="Title 2">
+            <a:extLst>
+              <a:ext uri="{FF2B5EF4-FFF2-40B4-BE49-F238E27FC236}">
+                <a16:creationId xmlns:a16="http://schemas.microsoft.com/office/drawing/2014/main" id="{87040CB0-A422-6B1F-DA4A-3A2F7C5ACCCE}"/>
               </a:ext>
             </a:extLst>
           </p:cNvPr>
@@ -11997,17 +11998,112 @@
           <a:p>
             <a:r>
               <a:rPr lang="en-US" dirty="0"/>
-              <a:t>Fed rate vs. 30-year mtg rate and 15-year mtg rate</a:t>
-            </a:r>
+              <a:t>What is FED rate?</a:t>
+            </a:r>
+          </a:p>
+        </p:txBody>
+      </p:sp>
+      <p:sp>
+        <p:nvSpPr>
+          <p:cNvPr id="3" name="TextBox 2">
+            <a:extLst>
+              <a:ext uri="{FF2B5EF4-FFF2-40B4-BE49-F238E27FC236}">
+                <a16:creationId xmlns:a16="http://schemas.microsoft.com/office/drawing/2014/main" id="{5C26D6B8-DF40-2B85-CB95-6C02CAB0AEDC}"/>
+              </a:ext>
+            </a:extLst>
+          </p:cNvPr>
+          <p:cNvSpPr txBox="1"/>
+          <p:nvPr/>
+        </p:nvSpPr>
+        <p:spPr>
+          <a:xfrm>
+            <a:off x="1184988" y="1675189"/>
+            <a:ext cx="7617022" cy="2862322"/>
+          </a:xfrm>
+          <a:prstGeom prst="rect">
+            <a:avLst/>
+          </a:prstGeom>
+          <a:noFill/>
+        </p:spPr>
+        <p:txBody>
+          <a:bodyPr wrap="none" rtlCol="0">
+            <a:spAutoFit/>
+          </a:bodyPr>
+          <a:lstStyle/>
+          <a:p>
+            <a:pPr marL="342900" indent="-342900">
+              <a:buAutoNum type="arabicPeriod"/>
+            </a:pPr>
+            <a:r>
+              <a:rPr lang="en-US" dirty="0"/>
+              <a:t>Fiscal policy tool to regulate money flow.</a:t>
+            </a:r>
+          </a:p>
+          <a:p>
+            <a:pPr marL="342900" indent="-342900">
+              <a:buAutoNum type="arabicPeriod"/>
+            </a:pPr>
+            <a:endParaRPr lang="en-US" dirty="0"/>
+          </a:p>
+          <a:p>
+            <a:pPr marL="342900" indent="-342900">
+              <a:buAutoNum type="arabicPeriod"/>
+            </a:pPr>
+            <a:endParaRPr lang="en-US" dirty="0"/>
+          </a:p>
+          <a:p>
+            <a:pPr marL="342900" indent="-342900">
+              <a:buAutoNum type="arabicPeriod"/>
+            </a:pPr>
+            <a:r>
+              <a:rPr lang="en-US" dirty="0"/>
+              <a:t>The rate at which financial institutions borrow from the federal reserve.</a:t>
+            </a:r>
+          </a:p>
+          <a:p>
+            <a:pPr marL="342900" indent="-342900">
+              <a:buAutoNum type="arabicPeriod"/>
+            </a:pPr>
+            <a:endParaRPr lang="en-US" dirty="0"/>
+          </a:p>
+          <a:p>
+            <a:pPr marL="342900" indent="-342900">
+              <a:buAutoNum type="arabicPeriod"/>
+            </a:pPr>
+            <a:endParaRPr lang="en-US" dirty="0"/>
+          </a:p>
+          <a:p>
+            <a:pPr marL="342900" indent="-342900">
+              <a:buAutoNum type="arabicPeriod"/>
+            </a:pPr>
+            <a:r>
+              <a:rPr lang="en-US" dirty="0"/>
+              <a:t>Affects mortgage rates</a:t>
+            </a:r>
+          </a:p>
+          <a:p>
+            <a:endParaRPr lang="en-US" dirty="0"/>
+          </a:p>
+          <a:p>
+            <a:pPr marL="342900" indent="-342900">
+              <a:buAutoNum type="arabicPeriod"/>
+            </a:pPr>
+            <a:endParaRPr lang="en-US" dirty="0"/>
+          </a:p>
+          <a:p>
+            <a:pPr marL="342900" indent="-342900">
+              <a:buAutoNum type="arabicPeriod"/>
+            </a:pPr>
+            <a:endParaRPr lang="en-US" dirty="0"/>
           </a:p>
         </p:txBody>
       </p:sp>
       <p:pic>
         <p:nvPicPr>
-          <p:cNvPr id="5" name="Picture 4" descr="Chart, line chart&#10;&#10;Description automatically generated">
-            <a:extLst>
-              <a:ext uri="{FF2B5EF4-FFF2-40B4-BE49-F238E27FC236}">
-                <a16:creationId xmlns:a16="http://schemas.microsoft.com/office/drawing/2014/main" id="{27886D3B-41B0-02CD-EDFE-985B5F3FC823}"/>
+          <p:cNvPr id="5" name="Picture 4">
+            <a:extLst>
+              <a:ext uri="{FF2B5EF4-FFF2-40B4-BE49-F238E27FC236}">
+                <a16:creationId xmlns:a16="http://schemas.microsoft.com/office/drawing/2014/main" id="{4C8F751E-3D80-15E7-4EEB-2C9C65C2EBF5}"/>
               </a:ext>
             </a:extLst>
           </p:cNvPr>
@@ -12016,15 +12112,16 @@
           </p:cNvPicPr>
           <p:nvPr/>
         </p:nvPicPr>
-        <p:blipFill rotWithShape="1">
+        <p:blipFill>
           <a:blip r:embed="rId2"/>
-          <a:srcRect t="1911"/>
-          <a:stretch/>
+          <a:stretch>
+            <a:fillRect/>
+          </a:stretch>
         </p:blipFill>
         <p:spPr>
           <a:xfrm>
-            <a:off x="838200" y="1675189"/>
-            <a:ext cx="10515601" cy="4069468"/>
+            <a:off x="8928426" y="1675189"/>
+            <a:ext cx="2772162" cy="3515216"/>
           </a:xfrm>
           <a:prstGeom prst="rect">
             <a:avLst/>
@@ -12034,7 +12131,7 @@
     </p:spTree>
     <p:extLst>
       <p:ext uri="{BB962C8B-B14F-4D97-AF65-F5344CB8AC3E}">
-        <p14:creationId xmlns:p14="http://schemas.microsoft.com/office/powerpoint/2010/main" val="1633536190"/>
+        <p14:creationId xmlns:p14="http://schemas.microsoft.com/office/powerpoint/2010/main" val="3728409551"/>
       </p:ext>
     </p:extLst>
   </p:cSld>
@@ -12061,12 +12158,45 @@
           <a:chExt cx="0" cy="0"/>
         </a:xfrm>
       </p:grpSpPr>
+      <p:sp>
+        <p:nvSpPr>
+          <p:cNvPr id="3" name="Title 2">
+            <a:extLst>
+              <a:ext uri="{FF2B5EF4-FFF2-40B4-BE49-F238E27FC236}">
+                <a16:creationId xmlns:a16="http://schemas.microsoft.com/office/drawing/2014/main" id="{3E5FEE2D-79E5-4C1D-8BF7-EE619CA7039A}"/>
+              </a:ext>
+            </a:extLst>
+          </p:cNvPr>
+          <p:cNvSpPr>
+            <a:spLocks noGrp="1"/>
+          </p:cNvSpPr>
+          <p:nvPr>
+            <p:ph type="title"/>
+          </p:nvPr>
+        </p:nvSpPr>
+        <p:spPr>
+          <a:xfrm>
+            <a:off x="838200" y="349626"/>
+            <a:ext cx="10515600" cy="1325563"/>
+          </a:xfrm>
+        </p:spPr>
+        <p:txBody>
+          <a:bodyPr/>
+          <a:lstStyle/>
+          <a:p>
+            <a:r>
+              <a:rPr lang="en-US" dirty="0"/>
+              <a:t>Fed rate vs. 30-year mtg rate and 15-year mtg rate</a:t>
+            </a:r>
+          </a:p>
+        </p:txBody>
+      </p:sp>
       <p:pic>
         <p:nvPicPr>
-          <p:cNvPr id="3" name="Picture 2" descr="Chart, scatter chart&#10;&#10;Description automatically generated">
-            <a:extLst>
-              <a:ext uri="{FF2B5EF4-FFF2-40B4-BE49-F238E27FC236}">
-                <a16:creationId xmlns:a16="http://schemas.microsoft.com/office/drawing/2014/main" id="{265D5712-A432-8C4F-9972-CA0BFCD8E244}"/>
+          <p:cNvPr id="5" name="Picture 4" descr="Chart, line chart&#10;&#10;Description automatically generated">
+            <a:extLst>
+              <a:ext uri="{FF2B5EF4-FFF2-40B4-BE49-F238E27FC236}">
+                <a16:creationId xmlns:a16="http://schemas.microsoft.com/office/drawing/2014/main" id="{27886D3B-41B0-02CD-EDFE-985B5F3FC823}"/>
               </a:ext>
             </a:extLst>
           </p:cNvPr>
@@ -12075,46 +12205,15 @@
           </p:cNvPicPr>
           <p:nvPr/>
         </p:nvPicPr>
-        <p:blipFill>
+        <p:blipFill rotWithShape="1">
           <a:blip r:embed="rId2"/>
-          <a:stretch>
-            <a:fillRect/>
-          </a:stretch>
+          <a:srcRect t="1911"/>
+          <a:stretch/>
         </p:blipFill>
         <p:spPr>
           <a:xfrm>
-            <a:off x="568467" y="1678600"/>
-            <a:ext cx="5392667" cy="3647437"/>
-          </a:xfrm>
-          <a:prstGeom prst="rect">
-            <a:avLst/>
-          </a:prstGeom>
-        </p:spPr>
-      </p:pic>
-      <p:pic>
-        <p:nvPicPr>
-          <p:cNvPr id="6" name="Picture 5" descr="Chart, scatter chart&#10;&#10;Description automatically generated">
-            <a:extLst>
-              <a:ext uri="{FF2B5EF4-FFF2-40B4-BE49-F238E27FC236}">
-                <a16:creationId xmlns:a16="http://schemas.microsoft.com/office/drawing/2014/main" id="{740D9D89-A5F7-2417-BF1A-C678E88F4344}"/>
-              </a:ext>
-            </a:extLst>
-          </p:cNvPr>
-          <p:cNvPicPr>
-            <a:picLocks noChangeAspect="1"/>
-          </p:cNvPicPr>
-          <p:nvPr/>
-        </p:nvPicPr>
-        <p:blipFill>
-          <a:blip r:embed="rId3"/>
-          <a:stretch>
-            <a:fillRect/>
-          </a:stretch>
-        </p:blipFill>
-        <p:spPr>
-          <a:xfrm>
-            <a:off x="6230867" y="1678600"/>
-            <a:ext cx="5342854" cy="3647437"/>
+            <a:off x="838200" y="1675189"/>
+            <a:ext cx="10515601" cy="4069468"/>
           </a:xfrm>
           <a:prstGeom prst="rect">
             <a:avLst/>
@@ -12124,7 +12223,7 @@
     </p:spTree>
     <p:extLst>
       <p:ext uri="{BB962C8B-B14F-4D97-AF65-F5344CB8AC3E}">
-        <p14:creationId xmlns:p14="http://schemas.microsoft.com/office/powerpoint/2010/main" val="2187412862"/>
+        <p14:creationId xmlns:p14="http://schemas.microsoft.com/office/powerpoint/2010/main" val="1633536190"/>
       </p:ext>
     </p:extLst>
   </p:cSld>
@@ -12151,45 +12250,12 @@
           <a:chExt cx="0" cy="0"/>
         </a:xfrm>
       </p:grpSpPr>
-      <p:sp>
-        <p:nvSpPr>
-          <p:cNvPr id="5" name="Title 2">
-            <a:extLst>
-              <a:ext uri="{FF2B5EF4-FFF2-40B4-BE49-F238E27FC236}">
-                <a16:creationId xmlns:a16="http://schemas.microsoft.com/office/drawing/2014/main" id="{0568B8FE-691D-A8EB-BD3B-2F2B9B3B0BB5}"/>
-              </a:ext>
-            </a:extLst>
-          </p:cNvPr>
-          <p:cNvSpPr>
-            <a:spLocks noGrp="1"/>
-          </p:cNvSpPr>
-          <p:nvPr>
-            <p:ph type="title"/>
-          </p:nvPr>
-        </p:nvSpPr>
-        <p:spPr>
-          <a:xfrm>
-            <a:off x="838200" y="349626"/>
-            <a:ext cx="10515600" cy="1325563"/>
-          </a:xfrm>
-        </p:spPr>
-        <p:txBody>
-          <a:bodyPr/>
-          <a:lstStyle/>
-          <a:p>
-            <a:r>
-              <a:rPr lang="en-US" dirty="0"/>
-              <a:t>Inventory vs. fed rates trend</a:t>
-            </a:r>
-          </a:p>
-        </p:txBody>
-      </p:sp>
       <p:pic>
         <p:nvPicPr>
-          <p:cNvPr id="3" name="Picture 2" descr="Chart, line chart&#10;&#10;Description automatically generated">
-            <a:extLst>
-              <a:ext uri="{FF2B5EF4-FFF2-40B4-BE49-F238E27FC236}">
-                <a16:creationId xmlns:a16="http://schemas.microsoft.com/office/drawing/2014/main" id="{1ABE83A4-C638-C559-D4C7-029656B1B57C}"/>
+          <p:cNvPr id="3" name="Picture 2" descr="Chart, scatter chart&#10;&#10;Description automatically generated">
+            <a:extLst>
+              <a:ext uri="{FF2B5EF4-FFF2-40B4-BE49-F238E27FC236}">
+                <a16:creationId xmlns:a16="http://schemas.microsoft.com/office/drawing/2014/main" id="{265D5712-A432-8C4F-9972-CA0BFCD8E244}"/>
               </a:ext>
             </a:extLst>
           </p:cNvPr>
@@ -12198,15 +12264,46 @@
           </p:cNvPicPr>
           <p:nvPr/>
         </p:nvPicPr>
-        <p:blipFill rotWithShape="1">
+        <p:blipFill>
           <a:blip r:embed="rId2"/>
-          <a:srcRect t="1030"/>
-          <a:stretch/>
+          <a:stretch>
+            <a:fillRect/>
+          </a:stretch>
         </p:blipFill>
         <p:spPr>
           <a:xfrm>
-            <a:off x="3108124" y="1351469"/>
-            <a:ext cx="5975752" cy="5156905"/>
+            <a:off x="568467" y="1678600"/>
+            <a:ext cx="5392667" cy="3647437"/>
+          </a:xfrm>
+          <a:prstGeom prst="rect">
+            <a:avLst/>
+          </a:prstGeom>
+        </p:spPr>
+      </p:pic>
+      <p:pic>
+        <p:nvPicPr>
+          <p:cNvPr id="6" name="Picture 5" descr="Chart, scatter chart&#10;&#10;Description automatically generated">
+            <a:extLst>
+              <a:ext uri="{FF2B5EF4-FFF2-40B4-BE49-F238E27FC236}">
+                <a16:creationId xmlns:a16="http://schemas.microsoft.com/office/drawing/2014/main" id="{740D9D89-A5F7-2417-BF1A-C678E88F4344}"/>
+              </a:ext>
+            </a:extLst>
+          </p:cNvPr>
+          <p:cNvPicPr>
+            <a:picLocks noChangeAspect="1"/>
+          </p:cNvPicPr>
+          <p:nvPr/>
+        </p:nvPicPr>
+        <p:blipFill>
+          <a:blip r:embed="rId3"/>
+          <a:stretch>
+            <a:fillRect/>
+          </a:stretch>
+        </p:blipFill>
+        <p:spPr>
+          <a:xfrm>
+            <a:off x="6230867" y="1678600"/>
+            <a:ext cx="5342854" cy="3647437"/>
           </a:xfrm>
           <a:prstGeom prst="rect">
             <a:avLst/>
@@ -12216,7 +12313,7 @@
     </p:spTree>
     <p:extLst>
       <p:ext uri="{BB962C8B-B14F-4D97-AF65-F5344CB8AC3E}">
-        <p14:creationId xmlns:p14="http://schemas.microsoft.com/office/powerpoint/2010/main" val="1590426193"/>
+        <p14:creationId xmlns:p14="http://schemas.microsoft.com/office/powerpoint/2010/main" val="2187412862"/>
       </p:ext>
     </p:extLst>
   </p:cSld>
@@ -12248,7 +12345,7 @@
           <p:cNvPr id="5" name="Title 2">
             <a:extLst>
               <a:ext uri="{FF2B5EF4-FFF2-40B4-BE49-F238E27FC236}">
-                <a16:creationId xmlns:a16="http://schemas.microsoft.com/office/drawing/2014/main" id="{5638E1D0-DA73-0BEC-A76F-A1400FDFAED1}"/>
+                <a16:creationId xmlns:a16="http://schemas.microsoft.com/office/drawing/2014/main" id="{0568B8FE-691D-A8EB-BD3B-2F2B9B3B0BB5}"/>
               </a:ext>
             </a:extLst>
           </p:cNvPr>
@@ -12271,17 +12368,17 @@
           <a:p>
             <a:r>
               <a:rPr lang="en-US" dirty="0"/>
-              <a:t>Inventory vs. fed rates correlation</a:t>
+              <a:t>Inventory vs. fed rates trend</a:t>
             </a:r>
           </a:p>
         </p:txBody>
       </p:sp>
       <p:pic>
         <p:nvPicPr>
-          <p:cNvPr id="3" name="Picture 2" descr="Chart, scatter chart&#10;&#10;Description automatically generated">
-            <a:extLst>
-              <a:ext uri="{FF2B5EF4-FFF2-40B4-BE49-F238E27FC236}">
-                <a16:creationId xmlns:a16="http://schemas.microsoft.com/office/drawing/2014/main" id="{6D3E30C0-DECF-D1DA-7399-9D676EB4A168}"/>
+          <p:cNvPr id="3" name="Picture 2" descr="Chart, line chart&#10;&#10;Description automatically generated">
+            <a:extLst>
+              <a:ext uri="{FF2B5EF4-FFF2-40B4-BE49-F238E27FC236}">
+                <a16:creationId xmlns:a16="http://schemas.microsoft.com/office/drawing/2014/main" id="{1ABE83A4-C638-C559-D4C7-029656B1B57C}"/>
               </a:ext>
             </a:extLst>
           </p:cNvPr>
@@ -12290,16 +12387,15 @@
           </p:cNvPicPr>
           <p:nvPr/>
         </p:nvPicPr>
-        <p:blipFill>
+        <p:blipFill rotWithShape="1">
           <a:blip r:embed="rId2"/>
-          <a:stretch>
-            <a:fillRect/>
-          </a:stretch>
+          <a:srcRect t="1030"/>
+          <a:stretch/>
         </p:blipFill>
         <p:spPr>
           <a:xfrm>
-            <a:off x="3261615" y="1247163"/>
-            <a:ext cx="5668770" cy="5261211"/>
+            <a:off x="3108124" y="1351469"/>
+            <a:ext cx="5975752" cy="5156905"/>
           </a:xfrm>
           <a:prstGeom prst="rect">
             <a:avLst/>
@@ -12309,7 +12405,7 @@
     </p:spTree>
     <p:extLst>
       <p:ext uri="{BB962C8B-B14F-4D97-AF65-F5344CB8AC3E}">
-        <p14:creationId xmlns:p14="http://schemas.microsoft.com/office/powerpoint/2010/main" val="883572584"/>
+        <p14:creationId xmlns:p14="http://schemas.microsoft.com/office/powerpoint/2010/main" val="1590426193"/>
       </p:ext>
     </p:extLst>
   </p:cSld>
@@ -12338,10 +12434,10 @@
       </p:grpSpPr>
       <p:sp>
         <p:nvSpPr>
-          <p:cNvPr id="3" name="Title 2">
-            <a:extLst>
-              <a:ext uri="{FF2B5EF4-FFF2-40B4-BE49-F238E27FC236}">
-                <a16:creationId xmlns:a16="http://schemas.microsoft.com/office/drawing/2014/main" id="{3E5FEE2D-79E5-4C1D-8BF7-EE619CA7039A}"/>
+          <p:cNvPr id="5" name="Title 2">
+            <a:extLst>
+              <a:ext uri="{FF2B5EF4-FFF2-40B4-BE49-F238E27FC236}">
+                <a16:creationId xmlns:a16="http://schemas.microsoft.com/office/drawing/2014/main" id="{5638E1D0-DA73-0BEC-A76F-A1400FDFAED1}"/>
               </a:ext>
             </a:extLst>
           </p:cNvPr>
@@ -12364,46 +12460,17 @@
           <a:p>
             <a:r>
               <a:rPr lang="en-US" dirty="0"/>
-              <a:t>Fed rate vs. median sale price</a:t>
+              <a:t>Inventory vs. fed rates correlation</a:t>
             </a:r>
           </a:p>
         </p:txBody>
       </p:sp>
       <p:pic>
         <p:nvPicPr>
-          <p:cNvPr id="4" name="Picture 3" descr="Chart, line chart&#10;&#10;Description automatically generated">
-            <a:extLst>
-              <a:ext uri="{FF2B5EF4-FFF2-40B4-BE49-F238E27FC236}">
-                <a16:creationId xmlns:a16="http://schemas.microsoft.com/office/drawing/2014/main" id="{0A764512-21C2-96EF-C170-66266C77881A}"/>
-              </a:ext>
-            </a:extLst>
-          </p:cNvPr>
-          <p:cNvPicPr>
-            <a:picLocks noChangeAspect="1"/>
-          </p:cNvPicPr>
-          <p:nvPr/>
-        </p:nvPicPr>
-        <p:blipFill rotWithShape="1">
-          <a:blip r:embed="rId2"/>
-          <a:srcRect t="1016"/>
-          <a:stretch/>
-        </p:blipFill>
-        <p:spPr>
-          <a:xfrm>
-            <a:off x="555115" y="1321523"/>
-            <a:ext cx="5121785" cy="4389199"/>
-          </a:xfrm>
-          <a:prstGeom prst="rect">
-            <a:avLst/>
-          </a:prstGeom>
-        </p:spPr>
-      </p:pic>
-      <p:pic>
-        <p:nvPicPr>
-          <p:cNvPr id="5" name="Picture 4">
-            <a:extLst>
-              <a:ext uri="{FF2B5EF4-FFF2-40B4-BE49-F238E27FC236}">
-                <a16:creationId xmlns:a16="http://schemas.microsoft.com/office/drawing/2014/main" id="{82BE529D-9B2D-36D1-04B9-60E3CC93EE31}"/>
+          <p:cNvPr id="3" name="Picture 2" descr="Chart, scatter chart&#10;&#10;Description automatically generated">
+            <a:extLst>
+              <a:ext uri="{FF2B5EF4-FFF2-40B4-BE49-F238E27FC236}">
+                <a16:creationId xmlns:a16="http://schemas.microsoft.com/office/drawing/2014/main" id="{6D3E30C0-DECF-D1DA-7399-9D676EB4A168}"/>
               </a:ext>
             </a:extLst>
           </p:cNvPr>
@@ -12413,53 +12480,25 @@
           <p:nvPr/>
         </p:nvPicPr>
         <p:blipFill>
-          <a:blip r:embed="rId3"/>
+          <a:blip r:embed="rId2"/>
           <a:stretch>
             <a:fillRect/>
           </a:stretch>
         </p:blipFill>
         <p:spPr>
           <a:xfrm>
-            <a:off x="7897795" y="1321524"/>
-            <a:ext cx="2994042" cy="5260251"/>
+            <a:off x="3261615" y="1247163"/>
+            <a:ext cx="5668770" cy="5261211"/>
           </a:xfrm>
           <a:prstGeom prst="rect">
             <a:avLst/>
           </a:prstGeom>
         </p:spPr>
       </p:pic>
-      <p:graphicFrame>
-        <p:nvGraphicFramePr>
-          <p:cNvPr id="6" name="Diagram 5">
-            <a:extLst>
-              <a:ext uri="{FF2B5EF4-FFF2-40B4-BE49-F238E27FC236}">
-                <a16:creationId xmlns:a16="http://schemas.microsoft.com/office/drawing/2014/main" id="{DF502CFD-9554-C197-55C4-436F05A2A1FF}"/>
-              </a:ext>
-            </a:extLst>
-          </p:cNvPr>
-          <p:cNvGraphicFramePr/>
-          <p:nvPr>
-            <p:extLst>
-              <p:ext uri="{D42A27DB-BD31-4B8C-83A1-F6EECF244321}">
-                <p14:modId xmlns:p14="http://schemas.microsoft.com/office/powerpoint/2010/main" val="1990967633"/>
-              </p:ext>
-            </p:extLst>
-          </p:nvPr>
-        </p:nvGraphicFramePr>
-        <p:xfrm>
-          <a:off x="6136071" y="3042517"/>
-          <a:ext cx="1302552" cy="947209"/>
-        </p:xfrm>
-        <a:graphic>
-          <a:graphicData uri="http://schemas.openxmlformats.org/drawingml/2006/diagram">
-            <dgm:relIds xmlns:dgm="http://schemas.openxmlformats.org/drawingml/2006/diagram" xmlns:r="http://schemas.openxmlformats.org/officeDocument/2006/relationships" r:dm="rId4" r:lo="rId5" r:qs="rId6" r:cs="rId7"/>
-          </a:graphicData>
-        </a:graphic>
-      </p:graphicFrame>
     </p:spTree>
     <p:extLst>
       <p:ext uri="{BB962C8B-B14F-4D97-AF65-F5344CB8AC3E}">
-        <p14:creationId xmlns:p14="http://schemas.microsoft.com/office/powerpoint/2010/main" val="1321798423"/>
+        <p14:creationId xmlns:p14="http://schemas.microsoft.com/office/powerpoint/2010/main" val="883572584"/>
       </p:ext>
     </p:extLst>
   </p:cSld>
@@ -12488,6 +12527,156 @@
       </p:grpSpPr>
       <p:sp>
         <p:nvSpPr>
+          <p:cNvPr id="3" name="Title 2">
+            <a:extLst>
+              <a:ext uri="{FF2B5EF4-FFF2-40B4-BE49-F238E27FC236}">
+                <a16:creationId xmlns:a16="http://schemas.microsoft.com/office/drawing/2014/main" id="{3E5FEE2D-79E5-4C1D-8BF7-EE619CA7039A}"/>
+              </a:ext>
+            </a:extLst>
+          </p:cNvPr>
+          <p:cNvSpPr>
+            <a:spLocks noGrp="1"/>
+          </p:cNvSpPr>
+          <p:nvPr>
+            <p:ph type="title"/>
+          </p:nvPr>
+        </p:nvSpPr>
+        <p:spPr>
+          <a:xfrm>
+            <a:off x="838200" y="349626"/>
+            <a:ext cx="10515600" cy="1325563"/>
+          </a:xfrm>
+        </p:spPr>
+        <p:txBody>
+          <a:bodyPr/>
+          <a:lstStyle/>
+          <a:p>
+            <a:r>
+              <a:rPr lang="en-US" dirty="0"/>
+              <a:t>Fed rate vs. median sale price</a:t>
+            </a:r>
+          </a:p>
+        </p:txBody>
+      </p:sp>
+      <p:pic>
+        <p:nvPicPr>
+          <p:cNvPr id="4" name="Picture 3" descr="Chart, line chart&#10;&#10;Description automatically generated">
+            <a:extLst>
+              <a:ext uri="{FF2B5EF4-FFF2-40B4-BE49-F238E27FC236}">
+                <a16:creationId xmlns:a16="http://schemas.microsoft.com/office/drawing/2014/main" id="{0A764512-21C2-96EF-C170-66266C77881A}"/>
+              </a:ext>
+            </a:extLst>
+          </p:cNvPr>
+          <p:cNvPicPr>
+            <a:picLocks noChangeAspect="1"/>
+          </p:cNvPicPr>
+          <p:nvPr/>
+        </p:nvPicPr>
+        <p:blipFill rotWithShape="1">
+          <a:blip r:embed="rId2"/>
+          <a:srcRect t="1016"/>
+          <a:stretch/>
+        </p:blipFill>
+        <p:spPr>
+          <a:xfrm>
+            <a:off x="555115" y="1321523"/>
+            <a:ext cx="5121785" cy="4389199"/>
+          </a:xfrm>
+          <a:prstGeom prst="rect">
+            <a:avLst/>
+          </a:prstGeom>
+        </p:spPr>
+      </p:pic>
+      <p:pic>
+        <p:nvPicPr>
+          <p:cNvPr id="5" name="Picture 4">
+            <a:extLst>
+              <a:ext uri="{FF2B5EF4-FFF2-40B4-BE49-F238E27FC236}">
+                <a16:creationId xmlns:a16="http://schemas.microsoft.com/office/drawing/2014/main" id="{82BE529D-9B2D-36D1-04B9-60E3CC93EE31}"/>
+              </a:ext>
+            </a:extLst>
+          </p:cNvPr>
+          <p:cNvPicPr>
+            <a:picLocks noChangeAspect="1"/>
+          </p:cNvPicPr>
+          <p:nvPr/>
+        </p:nvPicPr>
+        <p:blipFill>
+          <a:blip r:embed="rId3"/>
+          <a:stretch>
+            <a:fillRect/>
+          </a:stretch>
+        </p:blipFill>
+        <p:spPr>
+          <a:xfrm>
+            <a:off x="7897795" y="1321524"/>
+            <a:ext cx="2994042" cy="5260251"/>
+          </a:xfrm>
+          <a:prstGeom prst="rect">
+            <a:avLst/>
+          </a:prstGeom>
+        </p:spPr>
+      </p:pic>
+      <p:graphicFrame>
+        <p:nvGraphicFramePr>
+          <p:cNvPr id="6" name="Diagram 5">
+            <a:extLst>
+              <a:ext uri="{FF2B5EF4-FFF2-40B4-BE49-F238E27FC236}">
+                <a16:creationId xmlns:a16="http://schemas.microsoft.com/office/drawing/2014/main" id="{DF502CFD-9554-C197-55C4-436F05A2A1FF}"/>
+              </a:ext>
+            </a:extLst>
+          </p:cNvPr>
+          <p:cNvGraphicFramePr/>
+          <p:nvPr>
+            <p:extLst>
+              <p:ext uri="{D42A27DB-BD31-4B8C-83A1-F6EECF244321}">
+                <p14:modId xmlns:p14="http://schemas.microsoft.com/office/powerpoint/2010/main" val="1990967633"/>
+              </p:ext>
+            </p:extLst>
+          </p:nvPr>
+        </p:nvGraphicFramePr>
+        <p:xfrm>
+          <a:off x="6136071" y="3042517"/>
+          <a:ext cx="1302552" cy="947209"/>
+        </p:xfrm>
+        <a:graphic>
+          <a:graphicData uri="http://schemas.openxmlformats.org/drawingml/2006/diagram">
+            <dgm:relIds xmlns:dgm="http://schemas.openxmlformats.org/drawingml/2006/diagram" xmlns:r="http://schemas.openxmlformats.org/officeDocument/2006/relationships" r:dm="rId4" r:lo="rId5" r:qs="rId6" r:cs="rId7"/>
+          </a:graphicData>
+        </a:graphic>
+      </p:graphicFrame>
+    </p:spTree>
+    <p:extLst>
+      <p:ext uri="{BB962C8B-B14F-4D97-AF65-F5344CB8AC3E}">
+        <p14:creationId xmlns:p14="http://schemas.microsoft.com/office/powerpoint/2010/main" val="1321798423"/>
+      </p:ext>
+    </p:extLst>
+  </p:cSld>
+  <p:clrMapOvr>
+    <a:masterClrMapping/>
+  </p:clrMapOvr>
+</p:sld>
+</file>
+
+<file path=ppt/slides/slide17.xml><?xml version="1.0" encoding="utf-8"?>
+<p:sld xmlns:a="http://schemas.openxmlformats.org/drawingml/2006/main" xmlns:r="http://schemas.openxmlformats.org/officeDocument/2006/relationships" xmlns:p="http://schemas.openxmlformats.org/presentationml/2006/main">
+  <p:cSld>
+    <p:spTree>
+      <p:nvGrpSpPr>
+        <p:cNvPr id="1" name=""/>
+        <p:cNvGrpSpPr/>
+        <p:nvPr/>
+      </p:nvGrpSpPr>
+      <p:grpSpPr>
+        <a:xfrm>
+          <a:off x="0" y="0"/>
+          <a:ext cx="0" cy="0"/>
+          <a:chOff x="0" y="0"/>
+          <a:chExt cx="0" cy="0"/>
+        </a:xfrm>
+      </p:grpSpPr>
+      <p:sp>
+        <p:nvSpPr>
           <p:cNvPr id="2" name="Title 1">
             <a:extLst>
               <a:ext uri="{FF2B5EF4-FFF2-40B4-BE49-F238E27FC236}">
@@ -12593,7 +12782,7 @@
 </p:sld>
 </file>
 
-<file path=ppt/slides/slide17.xml><?xml version="1.0" encoding="utf-8"?>
+<file path=ppt/slides/slide18.xml><?xml version="1.0" encoding="utf-8"?>
 <p:sld xmlns:a="http://schemas.openxmlformats.org/drawingml/2006/main" xmlns:r="http://schemas.openxmlformats.org/officeDocument/2006/relationships" xmlns:p="http://schemas.openxmlformats.org/presentationml/2006/main">
   <p:cSld>
     <p:spTree>
@@ -14250,6 +14439,25 @@
 </file>
 
 <file path=customXml/item1.xml><?xml version="1.0" encoding="utf-8"?>
+<p:properties xmlns:p="http://schemas.microsoft.com/office/2006/metadata/properties" xmlns:xsi="http://www.w3.org/2001/XMLSchema-instance" xmlns:pc="http://schemas.microsoft.com/office/infopath/2007/PartnerControls">
+  <documentManagement>
+    <_ip_UnifiedCompliancePolicyUIAction xmlns="http://schemas.microsoft.com/sharepoint/v3" xsi:nil="true"/>
+    <Image xmlns="71af3243-3dd4-4a8d-8c0d-dd76da1f02a5">
+      <Url xsi:nil="true"/>
+      <Description xsi:nil="true"/>
+    </Image>
+    <Status xmlns="71af3243-3dd4-4a8d-8c0d-dd76da1f02a5">Not started</Status>
+    <_ip_UnifiedCompliancePolicyProperties xmlns="http://schemas.microsoft.com/sharepoint/v3" xsi:nil="true"/>
+    <ImageTagsTaxHTField xmlns="71af3243-3dd4-4a8d-8c0d-dd76da1f02a5">
+      <Terms xmlns="http://schemas.microsoft.com/office/infopath/2007/PartnerControls"/>
+    </ImageTagsTaxHTField>
+    <TaxCatchAll xmlns="230e9df3-be65-4c73-a93b-d1236ebd677e"/>
+    <MediaServiceKeyPoints xmlns="71af3243-3dd4-4a8d-8c0d-dd76da1f02a5" xsi:nil="true"/>
+  </documentManagement>
+</p:properties>
+</file>
+
+<file path=customXml/item2.xml><?xml version="1.0" encoding="utf-8"?>
 <ct:contentTypeSchema xmlns:ct="http://schemas.microsoft.com/office/2006/metadata/contentType" xmlns:ma="http://schemas.microsoft.com/office/2006/metadata/properties/metaAttributes" ct:_="" ma:_="" ma:contentTypeName="Document" ma:contentTypeID="0x01010079F111ED35F8CC479449609E8A0923A6" ma:contentTypeVersion="20" ma:contentTypeDescription="Create a new document." ma:contentTypeScope="" ma:versionID="1267097ee5f5874adfcc408041ae252e">
   <xsd:schema xmlns:xsd="http://www.w3.org/2001/XMLSchema" xmlns:xs="http://www.w3.org/2001/XMLSchema" xmlns:p="http://schemas.microsoft.com/office/2006/metadata/properties" xmlns:ns1="http://schemas.microsoft.com/sharepoint/v3" xmlns:ns2="71af3243-3dd4-4a8d-8c0d-dd76da1f02a5" xmlns:ns3="16c05727-aa75-4e4a-9b5f-8a80a1165891" xmlns:ns4="230e9df3-be65-4c73-a93b-d1236ebd677e" targetNamespace="http://schemas.microsoft.com/office/2006/metadata/properties" ma:root="true" ma:fieldsID="395891a93df65b14727750f2c06c306c" ns1:_="" ns2:_="" ns3:_="" ns4:_="">
     <xsd:import namespace="http://schemas.microsoft.com/sharepoint/v3"/>
@@ -14525,25 +14733,6 @@
 </ct:contentTypeSchema>
 </file>
 
-<file path=customXml/item2.xml><?xml version="1.0" encoding="utf-8"?>
-<p:properties xmlns:p="http://schemas.microsoft.com/office/2006/metadata/properties" xmlns:xsi="http://www.w3.org/2001/XMLSchema-instance" xmlns:pc="http://schemas.microsoft.com/office/infopath/2007/PartnerControls">
-  <documentManagement>
-    <_ip_UnifiedCompliancePolicyUIAction xmlns="http://schemas.microsoft.com/sharepoint/v3" xsi:nil="true"/>
-    <Image xmlns="71af3243-3dd4-4a8d-8c0d-dd76da1f02a5">
-      <Url xsi:nil="true"/>
-      <Description xsi:nil="true"/>
-    </Image>
-    <Status xmlns="71af3243-3dd4-4a8d-8c0d-dd76da1f02a5">Not started</Status>
-    <_ip_UnifiedCompliancePolicyProperties xmlns="http://schemas.microsoft.com/sharepoint/v3" xsi:nil="true"/>
-    <ImageTagsTaxHTField xmlns="71af3243-3dd4-4a8d-8c0d-dd76da1f02a5">
-      <Terms xmlns="http://schemas.microsoft.com/office/infopath/2007/PartnerControls"/>
-    </ImageTagsTaxHTField>
-    <TaxCatchAll xmlns="230e9df3-be65-4c73-a93b-d1236ebd677e"/>
-    <MediaServiceKeyPoints xmlns="71af3243-3dd4-4a8d-8c0d-dd76da1f02a5" xsi:nil="true"/>
-  </documentManagement>
-</p:properties>
-</file>
-
 <file path=customXml/item3.xml><?xml version="1.0" encoding="utf-8"?>
 <?mso-contentType ?>
 <FormTemplates xmlns="http://schemas.microsoft.com/sharepoint/v3/contenttype/forms">
@@ -14554,6 +14743,18 @@
 </file>
 
 <file path=customXml/itemProps1.xml><?xml version="1.0" encoding="utf-8"?>
+<ds:datastoreItem xmlns:ds="http://schemas.openxmlformats.org/officeDocument/2006/customXml" ds:itemID="{4CC7F809-A434-4A8D-A127-1C50C2DB3890}">
+  <ds:schemaRefs>
+    <ds:schemaRef ds:uri="http://schemas.microsoft.com/office/2006/metadata/properties"/>
+    <ds:schemaRef ds:uri="http://schemas.microsoft.com/office/infopath/2007/PartnerControls"/>
+    <ds:schemaRef ds:uri="http://schemas.microsoft.com/sharepoint/v3"/>
+    <ds:schemaRef ds:uri="71af3243-3dd4-4a8d-8c0d-dd76da1f02a5"/>
+    <ds:schemaRef ds:uri="230e9df3-be65-4c73-a93b-d1236ebd677e"/>
+  </ds:schemaRefs>
+</ds:datastoreItem>
+</file>
+
+<file path=customXml/itemProps2.xml><?xml version="1.0" encoding="utf-8"?>
 <ds:datastoreItem xmlns:ds="http://schemas.openxmlformats.org/officeDocument/2006/customXml" ds:itemID="{4DC6F004-8F9D-4F40-8394-6C4C67F70915}">
   <ds:schemaRefs>
     <ds:schemaRef ds:uri="http://schemas.microsoft.com/office/2006/metadata/contentType"/>
@@ -14574,18 +14775,6 @@
 </ds:datastoreItem>
 </file>
 
-<file path=customXml/itemProps2.xml><?xml version="1.0" encoding="utf-8"?>
-<ds:datastoreItem xmlns:ds="http://schemas.openxmlformats.org/officeDocument/2006/customXml" ds:itemID="{4CC7F809-A434-4A8D-A127-1C50C2DB3890}">
-  <ds:schemaRefs>
-    <ds:schemaRef ds:uri="http://schemas.microsoft.com/office/2006/metadata/properties"/>
-    <ds:schemaRef ds:uri="http://schemas.microsoft.com/office/infopath/2007/PartnerControls"/>
-    <ds:schemaRef ds:uri="http://schemas.microsoft.com/sharepoint/v3"/>
-    <ds:schemaRef ds:uri="71af3243-3dd4-4a8d-8c0d-dd76da1f02a5"/>
-    <ds:schemaRef ds:uri="230e9df3-be65-4c73-a93b-d1236ebd677e"/>
-  </ds:schemaRefs>
-</ds:datastoreItem>
-</file>
-
 <file path=customXml/itemProps3.xml><?xml version="1.0" encoding="utf-8"?>
 <ds:datastoreItem xmlns:ds="http://schemas.openxmlformats.org/officeDocument/2006/customXml" ds:itemID="{BD5826B4-4DD2-4A9B-8D6D-E91CF9C2316C}">
   <ds:schemaRefs>

--- a/Presentation/slide_deck.pptx
+++ b/Presentation/slide_deck.pptx
@@ -12128,6 +12128,45 @@
           </a:prstGeom>
         </p:spPr>
       </p:pic>
+      <p:sp>
+        <p:nvSpPr>
+          <p:cNvPr id="4" name="TextBox 3">
+            <a:hlinkClick r:id="rId3"/>
+            <a:extLst>
+              <a:ext uri="{FF2B5EF4-FFF2-40B4-BE49-F238E27FC236}">
+                <a16:creationId xmlns:a16="http://schemas.microsoft.com/office/drawing/2014/main" id="{F9CB6793-288B-48D9-24B8-E2C3CFDAAD50}"/>
+              </a:ext>
+            </a:extLst>
+          </p:cNvPr>
+          <p:cNvSpPr txBox="1"/>
+          <p:nvPr/>
+        </p:nvSpPr>
+        <p:spPr>
+          <a:xfrm>
+            <a:off x="10108587" y="5190405"/>
+            <a:ext cx="762613" cy="230832"/>
+          </a:xfrm>
+          <a:prstGeom prst="rect">
+            <a:avLst/>
+          </a:prstGeom>
+          <a:noFill/>
+        </p:spPr>
+        <p:txBody>
+          <a:bodyPr wrap="square">
+            <a:spAutoFit/>
+          </a:bodyPr>
+          <a:lstStyle/>
+          <a:p>
+            <a:r>
+              <a:rPr lang="en-US" sz="900" i="1" dirty="0">
+                <a:hlinkClick r:id="rId3"/>
+              </a:rPr>
+              <a:t>Pic Source</a:t>
+            </a:r>
+            <a:endParaRPr lang="en-US" sz="900" i="1" dirty="0"/>
+          </a:p>
+        </p:txBody>
+      </p:sp>
     </p:spTree>
     <p:extLst>
       <p:ext uri="{BB962C8B-B14F-4D97-AF65-F5344CB8AC3E}">
@@ -12310,6 +12349,76 @@
           </a:prstGeom>
         </p:spPr>
       </p:pic>
+      <p:sp>
+        <p:nvSpPr>
+          <p:cNvPr id="2" name="TextBox 1">
+            <a:extLst>
+              <a:ext uri="{FF2B5EF4-FFF2-40B4-BE49-F238E27FC236}">
+                <a16:creationId xmlns:a16="http://schemas.microsoft.com/office/drawing/2014/main" id="{DDE70E6D-C99C-69EA-5D73-8A7DAD13341F}"/>
+              </a:ext>
+            </a:extLst>
+          </p:cNvPr>
+          <p:cNvSpPr txBox="1"/>
+          <p:nvPr/>
+        </p:nvSpPr>
+        <p:spPr>
+          <a:xfrm>
+            <a:off x="2952750" y="5326037"/>
+            <a:ext cx="946150" cy="246221"/>
+          </a:xfrm>
+          <a:prstGeom prst="rect">
+            <a:avLst/>
+          </a:prstGeom>
+          <a:noFill/>
+        </p:spPr>
+        <p:txBody>
+          <a:bodyPr wrap="square" rtlCol="0">
+            <a:spAutoFit/>
+          </a:bodyPr>
+          <a:lstStyle/>
+          <a:p>
+            <a:r>
+              <a:rPr lang="en-US" sz="1000" dirty="0"/>
+              <a:t>R-value  0.73</a:t>
+            </a:r>
+          </a:p>
+        </p:txBody>
+      </p:sp>
+      <p:sp>
+        <p:nvSpPr>
+          <p:cNvPr id="5" name="TextBox 4">
+            <a:extLst>
+              <a:ext uri="{FF2B5EF4-FFF2-40B4-BE49-F238E27FC236}">
+                <a16:creationId xmlns:a16="http://schemas.microsoft.com/office/drawing/2014/main" id="{72C8C74D-4022-9BDC-F017-2CCD7C18B92B}"/>
+              </a:ext>
+            </a:extLst>
+          </p:cNvPr>
+          <p:cNvSpPr txBox="1"/>
+          <p:nvPr/>
+        </p:nvSpPr>
+        <p:spPr>
+          <a:xfrm>
+            <a:off x="8610952" y="5326037"/>
+            <a:ext cx="1624083" cy="246221"/>
+          </a:xfrm>
+          <a:prstGeom prst="rect">
+            <a:avLst/>
+          </a:prstGeom>
+          <a:noFill/>
+        </p:spPr>
+        <p:txBody>
+          <a:bodyPr wrap="square">
+            <a:spAutoFit/>
+          </a:bodyPr>
+          <a:lstStyle/>
+          <a:p>
+            <a:r>
+              <a:rPr lang="en-US" sz="1000" dirty="0"/>
+              <a:t>R-value  0.69</a:t>
+            </a:r>
+          </a:p>
+        </p:txBody>
+      </p:sp>
     </p:spTree>
     <p:extLst>
       <p:ext uri="{BB962C8B-B14F-4D97-AF65-F5344CB8AC3E}">
@@ -12488,13 +12597,48 @@
         <p:spPr>
           <a:xfrm>
             <a:off x="3261615" y="1247163"/>
-            <a:ext cx="5668770" cy="5261211"/>
+            <a:ext cx="5450585" cy="5058713"/>
           </a:xfrm>
           <a:prstGeom prst="rect">
             <a:avLst/>
           </a:prstGeom>
         </p:spPr>
       </p:pic>
+      <p:sp>
+        <p:nvSpPr>
+          <p:cNvPr id="2" name="TextBox 1">
+            <a:extLst>
+              <a:ext uri="{FF2B5EF4-FFF2-40B4-BE49-F238E27FC236}">
+                <a16:creationId xmlns:a16="http://schemas.microsoft.com/office/drawing/2014/main" id="{6C8F912E-236A-0BEE-B9B0-BBD91FBB6B81}"/>
+              </a:ext>
+            </a:extLst>
+          </p:cNvPr>
+          <p:cNvSpPr txBox="1"/>
+          <p:nvPr/>
+        </p:nvSpPr>
+        <p:spPr>
+          <a:xfrm>
+            <a:off x="5829300" y="6305876"/>
+            <a:ext cx="946150" cy="246221"/>
+          </a:xfrm>
+          <a:prstGeom prst="rect">
+            <a:avLst/>
+          </a:prstGeom>
+          <a:noFill/>
+        </p:spPr>
+        <p:txBody>
+          <a:bodyPr wrap="square" rtlCol="0">
+            <a:spAutoFit/>
+          </a:bodyPr>
+          <a:lstStyle/>
+          <a:p>
+            <a:r>
+              <a:rPr lang="en-US" sz="1000" dirty="0"/>
+              <a:t>R-value  0.76</a:t>
+            </a:r>
+          </a:p>
+        </p:txBody>
+      </p:sp>
     </p:spTree>
     <p:extLst>
       <p:ext uri="{BB962C8B-B14F-4D97-AF65-F5344CB8AC3E}">
@@ -13634,6 +13778,41 @@
           </a:prstGeom>
         </p:spPr>
       </p:pic>
+      <p:sp>
+        <p:nvSpPr>
+          <p:cNvPr id="2" name="TextBox 1">
+            <a:extLst>
+              <a:ext uri="{FF2B5EF4-FFF2-40B4-BE49-F238E27FC236}">
+                <a16:creationId xmlns:a16="http://schemas.microsoft.com/office/drawing/2014/main" id="{480DB842-7C85-7EB7-4AFE-90D0BA2132D7}"/>
+              </a:ext>
+            </a:extLst>
+          </p:cNvPr>
+          <p:cNvSpPr txBox="1"/>
+          <p:nvPr/>
+        </p:nvSpPr>
+        <p:spPr>
+          <a:xfrm>
+            <a:off x="5727700" y="6138234"/>
+            <a:ext cx="1143000" cy="246221"/>
+          </a:xfrm>
+          <a:prstGeom prst="rect">
+            <a:avLst/>
+          </a:prstGeom>
+          <a:noFill/>
+        </p:spPr>
+        <p:txBody>
+          <a:bodyPr wrap="square" rtlCol="0">
+            <a:spAutoFit/>
+          </a:bodyPr>
+          <a:lstStyle/>
+          <a:p>
+            <a:r>
+              <a:rPr lang="en-US" sz="1000" dirty="0"/>
+              <a:t>R-value  -0.52</a:t>
+            </a:r>
+          </a:p>
+        </p:txBody>
+      </p:sp>
     </p:spTree>
     <p:extLst>
       <p:ext uri="{BB962C8B-B14F-4D97-AF65-F5344CB8AC3E}">
@@ -14439,22 +14618,12 @@
 </file>
 
 <file path=customXml/item1.xml><?xml version="1.0" encoding="utf-8"?>
-<p:properties xmlns:p="http://schemas.microsoft.com/office/2006/metadata/properties" xmlns:xsi="http://www.w3.org/2001/XMLSchema-instance" xmlns:pc="http://schemas.microsoft.com/office/infopath/2007/PartnerControls">
-  <documentManagement>
-    <_ip_UnifiedCompliancePolicyUIAction xmlns="http://schemas.microsoft.com/sharepoint/v3" xsi:nil="true"/>
-    <Image xmlns="71af3243-3dd4-4a8d-8c0d-dd76da1f02a5">
-      <Url xsi:nil="true"/>
-      <Description xsi:nil="true"/>
-    </Image>
-    <Status xmlns="71af3243-3dd4-4a8d-8c0d-dd76da1f02a5">Not started</Status>
-    <_ip_UnifiedCompliancePolicyProperties xmlns="http://schemas.microsoft.com/sharepoint/v3" xsi:nil="true"/>
-    <ImageTagsTaxHTField xmlns="71af3243-3dd4-4a8d-8c0d-dd76da1f02a5">
-      <Terms xmlns="http://schemas.microsoft.com/office/infopath/2007/PartnerControls"/>
-    </ImageTagsTaxHTField>
-    <TaxCatchAll xmlns="230e9df3-be65-4c73-a93b-d1236ebd677e"/>
-    <MediaServiceKeyPoints xmlns="71af3243-3dd4-4a8d-8c0d-dd76da1f02a5" xsi:nil="true"/>
-  </documentManagement>
-</p:properties>
+<?mso-contentType ?>
+<FormTemplates xmlns="http://schemas.microsoft.com/sharepoint/v3/contenttype/forms">
+  <Display>DocumentLibraryForm</Display>
+  <Edit>DocumentLibraryForm</Edit>
+  <New>DocumentLibraryForm</New>
+</FormTemplates>
 </file>
 
 <file path=customXml/item2.xml><?xml version="1.0" encoding="utf-8"?>
@@ -14734,22 +14903,28 @@
 </file>
 
 <file path=customXml/item3.xml><?xml version="1.0" encoding="utf-8"?>
-<?mso-contentType ?>
-<FormTemplates xmlns="http://schemas.microsoft.com/sharepoint/v3/contenttype/forms">
-  <Display>DocumentLibraryForm</Display>
-  <Edit>DocumentLibraryForm</Edit>
-  <New>DocumentLibraryForm</New>
-</FormTemplates>
+<p:properties xmlns:p="http://schemas.microsoft.com/office/2006/metadata/properties" xmlns:xsi="http://www.w3.org/2001/XMLSchema-instance" xmlns:pc="http://schemas.microsoft.com/office/infopath/2007/PartnerControls">
+  <documentManagement>
+    <_ip_UnifiedCompliancePolicyUIAction xmlns="http://schemas.microsoft.com/sharepoint/v3" xsi:nil="true"/>
+    <Image xmlns="71af3243-3dd4-4a8d-8c0d-dd76da1f02a5">
+      <Url xsi:nil="true"/>
+      <Description xsi:nil="true"/>
+    </Image>
+    <Status xmlns="71af3243-3dd4-4a8d-8c0d-dd76da1f02a5">Not started</Status>
+    <_ip_UnifiedCompliancePolicyProperties xmlns="http://schemas.microsoft.com/sharepoint/v3" xsi:nil="true"/>
+    <ImageTagsTaxHTField xmlns="71af3243-3dd4-4a8d-8c0d-dd76da1f02a5">
+      <Terms xmlns="http://schemas.microsoft.com/office/infopath/2007/PartnerControls"/>
+    </ImageTagsTaxHTField>
+    <TaxCatchAll xmlns="230e9df3-be65-4c73-a93b-d1236ebd677e"/>
+    <MediaServiceKeyPoints xmlns="71af3243-3dd4-4a8d-8c0d-dd76da1f02a5" xsi:nil="true"/>
+  </documentManagement>
+</p:properties>
 </file>
 
 <file path=customXml/itemProps1.xml><?xml version="1.0" encoding="utf-8"?>
-<ds:datastoreItem xmlns:ds="http://schemas.openxmlformats.org/officeDocument/2006/customXml" ds:itemID="{4CC7F809-A434-4A8D-A127-1C50C2DB3890}">
+<ds:datastoreItem xmlns:ds="http://schemas.openxmlformats.org/officeDocument/2006/customXml" ds:itemID="{BD5826B4-4DD2-4A9B-8D6D-E91CF9C2316C}">
   <ds:schemaRefs>
-    <ds:schemaRef ds:uri="http://schemas.microsoft.com/office/2006/metadata/properties"/>
-    <ds:schemaRef ds:uri="http://schemas.microsoft.com/office/infopath/2007/PartnerControls"/>
-    <ds:schemaRef ds:uri="http://schemas.microsoft.com/sharepoint/v3"/>
-    <ds:schemaRef ds:uri="71af3243-3dd4-4a8d-8c0d-dd76da1f02a5"/>
-    <ds:schemaRef ds:uri="230e9df3-be65-4c73-a93b-d1236ebd677e"/>
+    <ds:schemaRef ds:uri="http://schemas.microsoft.com/sharepoint/v3/contenttype/forms"/>
   </ds:schemaRefs>
 </ds:datastoreItem>
 </file>
@@ -14776,9 +14951,13 @@
 </file>
 
 <file path=customXml/itemProps3.xml><?xml version="1.0" encoding="utf-8"?>
-<ds:datastoreItem xmlns:ds="http://schemas.openxmlformats.org/officeDocument/2006/customXml" ds:itemID="{BD5826B4-4DD2-4A9B-8D6D-E91CF9C2316C}">
+<ds:datastoreItem xmlns:ds="http://schemas.openxmlformats.org/officeDocument/2006/customXml" ds:itemID="{4CC7F809-A434-4A8D-A127-1C50C2DB3890}">
   <ds:schemaRefs>
-    <ds:schemaRef ds:uri="http://schemas.microsoft.com/sharepoint/v3/contenttype/forms"/>
+    <ds:schemaRef ds:uri="http://schemas.microsoft.com/office/2006/metadata/properties"/>
+    <ds:schemaRef ds:uri="http://schemas.microsoft.com/office/infopath/2007/PartnerControls"/>
+    <ds:schemaRef ds:uri="http://schemas.microsoft.com/sharepoint/v3"/>
+    <ds:schemaRef ds:uri="71af3243-3dd4-4a8d-8c0d-dd76da1f02a5"/>
+    <ds:schemaRef ds:uri="230e9df3-be65-4c73-a93b-d1236ebd677e"/>
   </ds:schemaRefs>
 </ds:datastoreItem>
 </file>
